--- a/Vortrag.pptx
+++ b/Vortrag.pptx
@@ -5,7 +5,7 @@
     <p:sldMasterId id="2147483648" r:id="rId1"/>
   </p:sldMasterIdLst>
   <p:notesMasterIdLst>
-    <p:notesMasterId r:id="rId25"/>
+    <p:notesMasterId r:id="rId22"/>
   </p:notesMasterIdLst>
   <p:sldIdLst>
     <p:sldId id="256" r:id="rId2"/>
@@ -18,19 +18,16 @@
     <p:sldId id="263" r:id="rId9"/>
     <p:sldId id="264" r:id="rId10"/>
     <p:sldId id="265" r:id="rId11"/>
-    <p:sldId id="266" r:id="rId12"/>
-    <p:sldId id="267" r:id="rId13"/>
+    <p:sldId id="267" r:id="rId12"/>
+    <p:sldId id="274" r:id="rId13"/>
     <p:sldId id="268" r:id="rId14"/>
     <p:sldId id="269" r:id="rId15"/>
     <p:sldId id="270" r:id="rId16"/>
-    <p:sldId id="274" r:id="rId17"/>
-    <p:sldId id="275" r:id="rId18"/>
-    <p:sldId id="276" r:id="rId19"/>
-    <p:sldId id="273" r:id="rId20"/>
-    <p:sldId id="271" r:id="rId21"/>
-    <p:sldId id="272" r:id="rId22"/>
-    <p:sldId id="277" r:id="rId23"/>
-    <p:sldId id="278" r:id="rId24"/>
+    <p:sldId id="273" r:id="rId17"/>
+    <p:sldId id="271" r:id="rId18"/>
+    <p:sldId id="272" r:id="rId19"/>
+    <p:sldId id="277" r:id="rId20"/>
+    <p:sldId id="278" r:id="rId21"/>
   </p:sldIdLst>
   <p:sldSz cx="12192000" cy="6858000"/>
   <p:notesSz cx="6858000" cy="9144000"/>
@@ -129,6 +126,11 @@
       </a:defRPr>
     </a:lvl9pPr>
   </p:defaultTextStyle>
+  <p:extLst>
+    <p:ext uri="{EFAFB233-063F-42B5-8137-9DF3F51BA10A}">
+      <p15:sldGuideLst xmlns:p15="http://schemas.microsoft.com/office/powerpoint/2012/main"/>
+    </p:ext>
+  </p:extLst>
 </p:presentation>
 </file>
 
@@ -226,7 +228,7 @@
           <a:p>
             <a:fld id="{F0AC47DD-6A6D-465B-A09C-FD43ED6B0FB8}" type="datetimeFigureOut">
               <a:rPr lang="de-DE" smtClean="0"/>
-              <a:t>23.03.2016</a:t>
+              <a:t>29.03.2016</a:t>
             </a:fld>
             <a:endParaRPr lang="de-DE"/>
           </a:p>
@@ -538,54 +540,6 @@
           <a:bodyPr/>
           <a:lstStyle/>
           <a:p>
-            <a:r>
-              <a:rPr lang="de-DE" dirty="0" smtClean="0"/>
-              <a:t>TODO: LOGO</a:t>
-            </a:r>
-          </a:p>
-          <a:p>
-            <a:r>
-              <a:rPr lang="de-DE" dirty="0" err="1" smtClean="0"/>
-              <a:t>dynamical</a:t>
-            </a:r>
-            <a:r>
-              <a:rPr lang="de-DE" dirty="0" smtClean="0"/>
-              <a:t> </a:t>
-            </a:r>
-            <a:r>
-              <a:rPr lang="de-DE" dirty="0" err="1" smtClean="0"/>
-              <a:t>systems</a:t>
-            </a:r>
-            <a:endParaRPr lang="de-DE" dirty="0" smtClean="0"/>
-          </a:p>
-          <a:p>
-            <a:r>
-              <a:rPr lang="de-DE" dirty="0" smtClean="0"/>
-              <a:t>Robust </a:t>
-            </a:r>
-            <a:r>
-              <a:rPr lang="de-DE" dirty="0" err="1" smtClean="0"/>
-              <a:t>Geometric</a:t>
-            </a:r>
-            <a:r>
-              <a:rPr lang="de-DE" dirty="0" smtClean="0"/>
-              <a:t> </a:t>
-            </a:r>
-            <a:r>
-              <a:rPr lang="de-DE" dirty="0" err="1" smtClean="0"/>
-              <a:t>Predicates</a:t>
-            </a:r>
-            <a:endParaRPr lang="de-DE" dirty="0" smtClean="0"/>
-          </a:p>
-          <a:p>
-            <a:r>
-              <a:rPr lang="de-DE" dirty="0" err="1" smtClean="0"/>
-              <a:t>Ausfühbarkeit</a:t>
-            </a:r>
-            <a:r>
-              <a:rPr lang="de-DE" dirty="0" smtClean="0"/>
-              <a:t> auf Grafikprozessoren</a:t>
-            </a:r>
             <a:endParaRPr lang="de-DE" dirty="0"/>
           </a:p>
         </p:txBody>
@@ -607,7 +561,7 @@
           <a:p>
             <a:fld id="{20B9A31A-7520-47FC-8BE6-F59185D08E66}" type="slidenum">
               <a:rPr lang="de-DE" smtClean="0"/>
-              <a:t>2</a:t>
+              <a:t>1</a:t>
             </a:fld>
             <a:endParaRPr lang="de-DE"/>
           </a:p>
@@ -616,7 +570,7 @@
     </p:spTree>
     <p:extLst>
       <p:ext uri="{BB962C8B-B14F-4D97-AF65-F5344CB8AC3E}">
-        <p14:creationId xmlns:p14="http://schemas.microsoft.com/office/powerpoint/2010/main" val="2730824468"/>
+        <p14:creationId xmlns:p14="http://schemas.microsoft.com/office/powerpoint/2010/main" val="2860042416"/>
       </p:ext>
     </p:extLst>
   </p:cSld>
@@ -672,27 +626,72 @@
           <a:p>
             <a:r>
               <a:rPr lang="de-DE" dirty="0" smtClean="0"/>
-              <a:t>Untersuchen</a:t>
+              <a:t>FEHLERFREIES</a:t>
             </a:r>
             <a:r>
               <a:rPr lang="de-DE" baseline="0" dirty="0" smtClean="0"/>
-              <a:t> wir mal, wie wir dieses Hinzufügen umsetzen können</a:t>
-            </a:r>
-          </a:p>
-          <a:p>
+              <a:t> Weiterrechnen</a:t>
+            </a:r>
+          </a:p>
+          <a:p>
+            <a:r>
+              <a:rPr lang="de-DE" baseline="0" dirty="0" smtClean="0"/>
+              <a:t>1.: Mit Hinzufügen meine ich dazu addieren, und zwar nur unter Benutzung der IEEE Operationen (rundungsbehaftet) wg. Geschwindigkeit</a:t>
+            </a:r>
+          </a:p>
+          <a:p>
+            <a:r>
+              <a:rPr lang="de-DE" baseline="0" dirty="0" smtClean="0"/>
+              <a:t>TODO: </a:t>
+            </a:r>
+            <a:r>
+              <a:rPr lang="de-DE" baseline="0" dirty="0" err="1" smtClean="0"/>
+              <a:t>fold</a:t>
+            </a:r>
+            <a:r>
+              <a:rPr lang="de-DE" baseline="0" dirty="0" smtClean="0"/>
+              <a:t> einfügen „bspw. so</a:t>
+            </a:r>
+            <a:r>
+              <a:rPr lang="de-DE" baseline="0" dirty="0" smtClean="0"/>
+              <a:t>:“</a:t>
+            </a:r>
             <a:endParaRPr lang="de-DE" baseline="0" dirty="0" smtClean="0"/>
           </a:p>
           <a:p>
             <a:r>
               <a:rPr lang="de-DE" baseline="0" dirty="0" smtClean="0"/>
-              <a:t>2.: Wert? (Wiederholen)</a:t>
-            </a:r>
-          </a:p>
-          <a:p>
+              <a:t>2.: Laufzeitkomplexität von </a:t>
+            </a:r>
+            <a:r>
+              <a:rPr lang="de-DE" baseline="0" dirty="0" err="1" smtClean="0"/>
+              <a:t>grow-mpf</a:t>
+            </a:r>
             <a:r>
               <a:rPr lang="de-DE" baseline="0" dirty="0" smtClean="0"/>
-              <a:t>3.: Diese schon in Schritt 1 vorgestellt</a:t>
-            </a:r>
+              <a:t> wird linear zur Listenlänge </a:t>
+            </a:r>
+            <a:r>
+              <a:rPr lang="de-DE" baseline="0" dirty="0" smtClean="0">
+                <a:sym typeface="Wingdings" panose="05000000000000000000" pitchFamily="2" charset="2"/>
+              </a:rPr>
+              <a:t> Addition so quadratisch. Besseres ist möglich (</a:t>
+            </a:r>
+            <a:r>
+              <a:rPr lang="de-DE" baseline="0" dirty="0" err="1" smtClean="0">
+                <a:sym typeface="Wingdings" panose="05000000000000000000" pitchFamily="2" charset="2"/>
+              </a:rPr>
+              <a:t>Shewchuk</a:t>
+            </a:r>
+            <a:r>
+              <a:rPr lang="de-DE" baseline="0" dirty="0" smtClean="0">
+                <a:sym typeface="Wingdings" panose="05000000000000000000" pitchFamily="2" charset="2"/>
+              </a:rPr>
+              <a:t>)</a:t>
+            </a:r>
+            <a:endParaRPr lang="de-DE" baseline="0" dirty="0" smtClean="0"/>
+          </a:p>
+          <a:p>
             <a:endParaRPr lang="de-DE" dirty="0"/>
           </a:p>
         </p:txBody>
@@ -714,7 +713,7 @@
           <a:p>
             <a:fld id="{20B9A31A-7520-47FC-8BE6-F59185D08E66}" type="slidenum">
               <a:rPr lang="de-DE" smtClean="0"/>
-              <a:t>11</a:t>
+              <a:t>10</a:t>
             </a:fld>
             <a:endParaRPr lang="de-DE"/>
           </a:p>
@@ -723,7 +722,7 @@
     </p:spTree>
     <p:extLst>
       <p:ext uri="{BB962C8B-B14F-4D97-AF65-F5344CB8AC3E}">
-        <p14:creationId xmlns:p14="http://schemas.microsoft.com/office/powerpoint/2010/main" val="228323033"/>
+        <p14:creationId xmlns:p14="http://schemas.microsoft.com/office/powerpoint/2010/main" val="3978189600"/>
       </p:ext>
     </p:extLst>
   </p:cSld>
@@ -779,11 +778,117 @@
           <a:p>
             <a:r>
               <a:rPr lang="de-DE" dirty="0" smtClean="0"/>
+              <a:t>Erste Idee: Neuen </a:t>
+            </a:r>
+            <a:r>
+              <a:rPr lang="de-DE" i="1" dirty="0" err="1" smtClean="0"/>
+              <a:t>float</a:t>
+            </a:r>
+            <a:r>
+              <a:rPr lang="de-DE" dirty="0" smtClean="0"/>
+              <a:t>-Wert einfach an Liste anhängen</a:t>
+            </a:r>
+          </a:p>
+          <a:p>
+            <a:r>
+              <a:rPr lang="de-DE" dirty="0" smtClean="0"/>
+              <a:t>Problem: Liste nach jeder </a:t>
+            </a:r>
+            <a:r>
+              <a:rPr lang="de-DE" i="1" dirty="0" err="1" smtClean="0"/>
+              <a:t>mpf</a:t>
+            </a:r>
+            <a:r>
+              <a:rPr lang="de-DE" dirty="0" smtClean="0"/>
+              <a:t>-Operation länger</a:t>
+            </a:r>
+          </a:p>
+          <a:p>
+            <a:pPr marL="0" indent="0">
+              <a:buNone/>
+            </a:pPr>
+            <a:r>
+              <a:rPr lang="de-DE" dirty="0" smtClean="0"/>
+              <a:t>	 ⟶ Aussage über </a:t>
+            </a:r>
+            <a:r>
+              <a:rPr lang="de-DE" i="1" dirty="0" err="1" smtClean="0"/>
+              <a:t>mpf</a:t>
+            </a:r>
+            <a:r>
+              <a:rPr lang="de-DE" dirty="0" smtClean="0"/>
+              <a:t>-Wert schlecht möglich</a:t>
+            </a:r>
+          </a:p>
+          <a:p>
+            <a:r>
+              <a:rPr lang="de-DE" dirty="0" smtClean="0"/>
+              <a:t>Also: Zusammenführen/Auslöschen von Fehlern mittels </a:t>
+            </a:r>
+            <a:r>
+              <a:rPr lang="de-DE" i="1" dirty="0" err="1" smtClean="0"/>
+              <a:t>TwoSum</a:t>
+            </a:r>
+            <a:r>
+              <a:rPr lang="de-DE" i="1" dirty="0" smtClean="0"/>
+              <a:t> ─ </a:t>
+            </a:r>
+            <a:r>
+              <a:rPr lang="de-DE" dirty="0" smtClean="0"/>
+              <a:t>rundungsfrei</a:t>
+            </a:r>
+            <a:endParaRPr lang="de-DE" i="1" dirty="0" smtClean="0"/>
+          </a:p>
+          <a:p>
+            <a:pPr marL="0" indent="0">
+              <a:buNone/>
+            </a:pPr>
+            <a:r>
+              <a:rPr lang="de-DE" i="1" dirty="0" smtClean="0"/>
+              <a:t>	</a:t>
+            </a:r>
+            <a:r>
+              <a:rPr lang="de-DE" dirty="0" smtClean="0"/>
+              <a:t>(Berechnung </a:t>
+            </a:r>
+            <a:r>
+              <a:rPr lang="de-DE" i="1" dirty="0" err="1" smtClean="0"/>
+              <a:t>TwoSum</a:t>
+            </a:r>
+            <a:r>
+              <a:rPr lang="de-DE" i="1" dirty="0" smtClean="0"/>
+              <a:t>: </a:t>
+            </a:r>
+            <a:r>
+              <a:rPr lang="de-DE" i="1" dirty="0" err="1" smtClean="0"/>
+              <a:t>float</a:t>
+            </a:r>
+            <a:r>
+              <a:rPr lang="de-DE" dirty="0" smtClean="0"/>
+              <a:t> y, sodass a + b = x + y und x = a ⊕ b)</a:t>
+            </a:r>
+          </a:p>
+          <a:p>
+            <a:endParaRPr lang="de-DE" dirty="0" smtClean="0"/>
+          </a:p>
+          <a:p>
+            <a:endParaRPr lang="de-DE" dirty="0" smtClean="0"/>
+          </a:p>
+          <a:p>
+            <a:endParaRPr lang="de-DE" dirty="0" smtClean="0"/>
+          </a:p>
+          <a:p>
+            <a:r>
+              <a:rPr lang="de-DE" dirty="0" smtClean="0"/>
               <a:t>F</a:t>
             </a:r>
             <a:r>
               <a:rPr lang="de-DE" baseline="0" dirty="0" smtClean="0"/>
-              <a:t> wird zum </a:t>
+              <a:t> </a:t>
+            </a:r>
+            <a:r>
+              <a:rPr lang="de-DE" baseline="0" dirty="0" smtClean="0"/>
+              <a:t>wird zum </a:t>
             </a:r>
             <a:r>
               <a:rPr lang="de-DE" baseline="0" dirty="0" err="1" smtClean="0"/>
@@ -851,7 +956,7 @@
           <a:p>
             <a:fld id="{20B9A31A-7520-47FC-8BE6-F59185D08E66}" type="slidenum">
               <a:rPr lang="de-DE" smtClean="0"/>
-              <a:t>12</a:t>
+              <a:t>11</a:t>
             </a:fld>
             <a:endParaRPr lang="de-DE"/>
           </a:p>
@@ -914,45 +1019,11 @@
           <a:bodyPr/>
           <a:lstStyle/>
           <a:p>
-            <a:endParaRPr lang="de-DE" dirty="0" smtClean="0"/>
-          </a:p>
-          <a:p>
-            <a:r>
-              <a:rPr lang="de-DE" i="1" dirty="0" err="1" smtClean="0"/>
-              <a:t>Todo</a:t>
-            </a:r>
-            <a:r>
-              <a:rPr lang="de-DE" i="1" dirty="0" smtClean="0"/>
-              <a:t>:</a:t>
-            </a:r>
-            <a:r>
-              <a:rPr lang="de-DE" i="1" baseline="0" dirty="0" smtClean="0"/>
-              <a:t> ersten Punkt umformulieren</a:t>
-            </a:r>
-            <a:endParaRPr lang="de-DE" i="1" dirty="0" smtClean="0"/>
-          </a:p>
-          <a:p>
-            <a:r>
-              <a:rPr lang="de-DE" i="1" dirty="0" err="1" smtClean="0"/>
-              <a:t>TwoSum</a:t>
-            </a:r>
-            <a:r>
-              <a:rPr lang="de-DE" dirty="0" smtClean="0"/>
-              <a:t>-Vorbedingungen dann auch für diese Aussage über </a:t>
-            </a:r>
-            <a:r>
-              <a:rPr lang="de-DE" i="1" dirty="0" err="1" smtClean="0"/>
-              <a:t>grow-mpf</a:t>
-            </a:r>
-            <a:r>
-              <a:rPr lang="de-DE" i="1" dirty="0" smtClean="0"/>
-              <a:t> </a:t>
-            </a:r>
-            <a:r>
-              <a:rPr lang="de-DE" dirty="0" smtClean="0"/>
-              <a:t>nötig</a:t>
-            </a:r>
-            <a:endParaRPr lang="de-DE" i="1" dirty="0" smtClean="0"/>
+            <a:r>
+              <a:rPr lang="de-DE" dirty="0" smtClean="0"/>
+              <a:t>TODO</a:t>
+            </a:r>
+            <a:endParaRPr lang="de-DE" dirty="0"/>
           </a:p>
         </p:txBody>
       </p:sp>
@@ -973,7 +1044,7 @@
           <a:p>
             <a:fld id="{20B9A31A-7520-47FC-8BE6-F59185D08E66}" type="slidenum">
               <a:rPr lang="de-DE" smtClean="0"/>
-              <a:t>13</a:t>
+              <a:t>12</a:t>
             </a:fld>
             <a:endParaRPr lang="de-DE"/>
           </a:p>
@@ -982,7 +1053,7 @@
     </p:spTree>
     <p:extLst>
       <p:ext uri="{BB962C8B-B14F-4D97-AF65-F5344CB8AC3E}">
-        <p14:creationId xmlns:p14="http://schemas.microsoft.com/office/powerpoint/2010/main" val="1914688329"/>
+        <p14:creationId xmlns:p14="http://schemas.microsoft.com/office/powerpoint/2010/main" val="2985053051"/>
       </p:ext>
     </p:extLst>
   </p:cSld>
@@ -1036,73 +1107,45 @@
           <a:bodyPr/>
           <a:lstStyle/>
           <a:p>
-            <a:r>
-              <a:rPr lang="de-DE" dirty="0" smtClean="0"/>
-              <a:t>1: Erklärung:</a:t>
-            </a:r>
-            <a:r>
-              <a:rPr lang="de-DE" baseline="0" dirty="0" smtClean="0"/>
-              <a:t> Was ist überlaufen? </a:t>
-            </a:r>
-            <a:r>
-              <a:rPr lang="de-DE" baseline="0" dirty="0" err="1" smtClean="0"/>
+            <a:endParaRPr lang="de-DE" dirty="0" smtClean="0"/>
+          </a:p>
+          <a:p>
+            <a:r>
+              <a:rPr lang="de-DE" i="1" dirty="0" err="1" smtClean="0"/>
+              <a:t>Todo</a:t>
+            </a:r>
+            <a:r>
+              <a:rPr lang="de-DE" i="1" dirty="0" smtClean="0"/>
+              <a:t>:</a:t>
+            </a:r>
+            <a:r>
+              <a:rPr lang="de-DE" i="1" baseline="0" dirty="0" smtClean="0"/>
+              <a:t> ersten Punkt umformulieren</a:t>
+            </a:r>
+            <a:endParaRPr lang="de-DE" i="1" dirty="0" smtClean="0"/>
+          </a:p>
+          <a:p>
+            <a:r>
+              <a:rPr lang="de-DE" i="1" dirty="0" err="1" smtClean="0"/>
               <a:t>TwoSum</a:t>
             </a:r>
             <a:r>
-              <a:rPr lang="de-DE" baseline="0" dirty="0" smtClean="0"/>
-              <a:t> stimmt dann nicht</a:t>
-            </a:r>
-          </a:p>
-          <a:p>
-            <a:r>
-              <a:rPr lang="de-DE" baseline="0" dirty="0" smtClean="0"/>
-              <a:t>2.: Wann ist </a:t>
-            </a:r>
-            <a:r>
-              <a:rPr lang="de-DE" baseline="0" dirty="0" err="1" smtClean="0"/>
-              <a:t>mpf</a:t>
-            </a:r>
-            <a:r>
-              <a:rPr lang="de-DE" baseline="0" dirty="0" smtClean="0"/>
-              <a:t> endlich?</a:t>
-            </a:r>
-          </a:p>
-          <a:p>
-            <a:endParaRPr lang="de-DE" baseline="0" dirty="0" smtClean="0"/>
-          </a:p>
-          <a:p>
-            <a:pPr marL="0" marR="0" indent="0" algn="l" defTabSz="914400" rtl="0" eaLnBrk="1" fontAlgn="auto" latinLnBrk="0" hangingPunct="1">
-              <a:lnSpc>
-                <a:spcPct val="100000"/>
-              </a:lnSpc>
-              <a:spcBef>
-                <a:spcPts val="0"/>
-              </a:spcBef>
-              <a:spcAft>
-                <a:spcPts val="0"/>
-              </a:spcAft>
-              <a:buClrTx/>
-              <a:buSzTx/>
-              <a:buFontTx/>
-              <a:buNone/>
-              <a:tabLst/>
-              <a:defRPr/>
-            </a:pPr>
-            <a:r>
-              <a:rPr lang="de-DE" baseline="0" dirty="0" smtClean="0"/>
-              <a:t>4.:</a:t>
-            </a:r>
-            <a:r>
-              <a:rPr lang="de-DE" baseline="0" dirty="0" smtClean="0"/>
+              <a:rPr lang="de-DE" dirty="0" smtClean="0"/>
+              <a:t>-Vorbedingungen dann auch für diese Aussage über </a:t>
+            </a:r>
+            <a:r>
+              <a:rPr lang="de-DE" i="1" dirty="0" err="1" smtClean="0"/>
+              <a:t>grow-mpf</a:t>
+            </a:r>
+            <a:r>
+              <a:rPr lang="de-DE" i="1" dirty="0" smtClean="0"/>
               <a:t> </a:t>
             </a:r>
             <a:r>
               <a:rPr lang="de-DE" dirty="0" smtClean="0"/>
-              <a:t>und wollen auch nicht noch mehr mit „sorry“ annehmen</a:t>
-            </a:r>
-          </a:p>
-          <a:p>
-            <a:endParaRPr lang="de-DE" dirty="0"/>
+              <a:t>nötig</a:t>
+            </a:r>
+            <a:endParaRPr lang="de-DE" i="1" dirty="0" smtClean="0"/>
           </a:p>
         </p:txBody>
       </p:sp>
@@ -1123,7 +1166,7 @@
           <a:p>
             <a:fld id="{20B9A31A-7520-47FC-8BE6-F59185D08E66}" type="slidenum">
               <a:rPr lang="de-DE" smtClean="0"/>
-              <a:t>14</a:t>
+              <a:t>13</a:t>
             </a:fld>
             <a:endParaRPr lang="de-DE"/>
           </a:p>
@@ -1132,7 +1175,7 @@
     </p:spTree>
     <p:extLst>
       <p:ext uri="{BB962C8B-B14F-4D97-AF65-F5344CB8AC3E}">
-        <p14:creationId xmlns:p14="http://schemas.microsoft.com/office/powerpoint/2010/main" val="1545536137"/>
+        <p14:creationId xmlns:p14="http://schemas.microsoft.com/office/powerpoint/2010/main" val="1914688329"/>
       </p:ext>
     </p:extLst>
   </p:cSld>
@@ -1188,68 +1231,75 @@
           <a:p>
             <a:r>
               <a:rPr lang="de-DE" dirty="0" smtClean="0"/>
-              <a:t>Typinformationen</a:t>
+              <a:t>1: Erklärung:</a:t>
             </a:r>
             <a:r>
               <a:rPr lang="de-DE" baseline="0" dirty="0" smtClean="0"/>
-              <a:t> </a:t>
+              <a:t> Was ist überlaufen? </a:t>
             </a:r>
             <a:r>
               <a:rPr lang="de-DE" baseline="0" dirty="0" err="1" smtClean="0"/>
-              <a:t>hinufügen</a:t>
+              <a:t>TwoSum</a:t>
             </a:r>
             <a:r>
               <a:rPr lang="de-DE" baseline="0" dirty="0" smtClean="0"/>
-              <a:t>, </a:t>
+              <a:t> stimmt dann nicht</a:t>
+            </a:r>
+          </a:p>
+          <a:p>
+            <a:r>
+              <a:rPr lang="de-DE" baseline="0" dirty="0" smtClean="0"/>
+              <a:t>2.: Wann ist </a:t>
             </a:r>
             <a:r>
               <a:rPr lang="de-DE" baseline="0" dirty="0" err="1" smtClean="0"/>
-              <a:t>defintion</a:t>
+              <a:t>mpf</a:t>
             </a:r>
             <a:r>
               <a:rPr lang="de-DE" baseline="0" dirty="0" smtClean="0"/>
-              <a:t> vereinfachen</a:t>
-            </a:r>
-            <a:endParaRPr lang="de-DE" dirty="0" smtClean="0"/>
-          </a:p>
-          <a:p>
-            <a:endParaRPr lang="de-DE" dirty="0" smtClean="0"/>
-          </a:p>
-          <a:p>
-            <a:r>
-              <a:rPr lang="de-DE" dirty="0" smtClean="0"/>
-              <a:t>Die</a:t>
-            </a:r>
+              <a:t> endlich?</a:t>
+            </a:r>
+          </a:p>
+          <a:p>
+            <a:endParaRPr lang="de-DE" baseline="0" dirty="0" smtClean="0"/>
+          </a:p>
+          <a:p>
+            <a:pPr marL="0" marR="0" indent="0" algn="l" defTabSz="914400" rtl="0" eaLnBrk="1" fontAlgn="auto" latinLnBrk="0" hangingPunct="1">
+              <a:lnSpc>
+                <a:spcPct val="100000"/>
+              </a:lnSpc>
+              <a:spcBef>
+                <a:spcPts val="0"/>
+              </a:spcBef>
+              <a:spcAft>
+                <a:spcPts val="0"/>
+              </a:spcAft>
+              <a:buClrTx/>
+              <a:buSzTx/>
+              <a:buFontTx/>
+              <a:buNone/>
+              <a:tabLst/>
+              <a:defRPr/>
+            </a:pPr>
             <a:r>
               <a:rPr lang="de-DE" baseline="0" dirty="0" smtClean="0"/>
-              <a:t> Lemmas für </a:t>
-            </a:r>
-            <a:r>
-              <a:rPr lang="de-DE" baseline="0" dirty="0" err="1" smtClean="0"/>
-              <a:t>safe_TwoSum</a:t>
+              <a:t>4.: </a:t>
             </a:r>
             <a:r>
               <a:rPr lang="de-DE" baseline="0" dirty="0" smtClean="0"/>
-              <a:t> sind also dieselben nur mit Zusatzbedingung (zeigen)</a:t>
-            </a:r>
-          </a:p>
-          <a:p>
-            <a:endParaRPr lang="de-DE" baseline="0" dirty="0" smtClean="0"/>
-          </a:p>
-          <a:p>
-            <a:r>
-              <a:rPr lang="de-DE" baseline="0" dirty="0" smtClean="0"/>
-              <a:t>Diese Eigenschaft lässt sich jetzt in der „großen“ Funktion </a:t>
-            </a:r>
-            <a:r>
-              <a:rPr lang="de-DE" baseline="0" dirty="0" err="1" smtClean="0"/>
-              <a:t>grow-mpf</a:t>
-            </a:r>
-            <a:r>
-              <a:rPr lang="de-DE" baseline="0" dirty="0" smtClean="0"/>
-              <a:t> erhalten.</a:t>
-            </a:r>
-            <a:endParaRPr lang="de-DE" dirty="0" smtClean="0"/>
+              <a:t>wissen nicht, wie schwierig </a:t>
+            </a:r>
+            <a:r>
+              <a:rPr lang="de-DE" dirty="0" smtClean="0"/>
+              <a:t>und </a:t>
+            </a:r>
+            <a:r>
+              <a:rPr lang="de-DE" dirty="0" smtClean="0"/>
+              <a:t>wollen auch nicht noch mehr mit „sorry“ annehmen</a:t>
+            </a:r>
+          </a:p>
+          <a:p>
+            <a:endParaRPr lang="de-DE" dirty="0"/>
           </a:p>
         </p:txBody>
       </p:sp>
@@ -1270,7 +1320,7 @@
           <a:p>
             <a:fld id="{20B9A31A-7520-47FC-8BE6-F59185D08E66}" type="slidenum">
               <a:rPr lang="de-DE" smtClean="0"/>
-              <a:t>15</a:t>
+              <a:t>14</a:t>
             </a:fld>
             <a:endParaRPr lang="de-DE"/>
           </a:p>
@@ -1279,7 +1329,7 @@
     </p:spTree>
     <p:extLst>
       <p:ext uri="{BB962C8B-B14F-4D97-AF65-F5344CB8AC3E}">
-        <p14:creationId xmlns:p14="http://schemas.microsoft.com/office/powerpoint/2010/main" val="3662684806"/>
+        <p14:creationId xmlns:p14="http://schemas.microsoft.com/office/powerpoint/2010/main" val="1545536137"/>
       </p:ext>
     </p:extLst>
   </p:cSld>
@@ -1333,81 +1383,84 @@
           <a:bodyPr/>
           <a:lstStyle/>
           <a:p>
+            <a:r>
+              <a:rPr lang="de-DE" dirty="0" smtClean="0"/>
+              <a:t>Typinformationen</a:t>
+            </a:r>
+            <a:r>
+              <a:rPr lang="de-DE" baseline="0" dirty="0" smtClean="0"/>
+              <a:t> </a:t>
+            </a:r>
+            <a:r>
+              <a:rPr lang="de-DE" baseline="0" dirty="0" smtClean="0"/>
+              <a:t>hinzufügen</a:t>
+            </a:r>
+            <a:r>
+              <a:rPr lang="de-DE" baseline="0" dirty="0" smtClean="0"/>
+              <a:t>, </a:t>
+            </a:r>
+            <a:r>
+              <a:rPr lang="de-DE" baseline="0" dirty="0" err="1" smtClean="0"/>
+              <a:t>definition</a:t>
+            </a:r>
+            <a:r>
+              <a:rPr lang="de-DE" baseline="0" dirty="0" smtClean="0"/>
+              <a:t> </a:t>
+            </a:r>
+            <a:r>
+              <a:rPr lang="de-DE" baseline="0" dirty="0" smtClean="0"/>
+              <a:t>vereinfachen</a:t>
+            </a:r>
             <a:endParaRPr lang="de-DE" dirty="0" smtClean="0"/>
           </a:p>
           <a:p>
-            <a:r>
-              <a:rPr lang="de-DE" dirty="0" smtClean="0"/>
-              <a:t>1. Macht</a:t>
+            <a:endParaRPr lang="de-DE" dirty="0" smtClean="0"/>
+          </a:p>
+          <a:p>
+            <a:r>
+              <a:rPr lang="de-DE" dirty="0" smtClean="0"/>
+              <a:t>Die</a:t>
             </a:r>
             <a:r>
               <a:rPr lang="de-DE" baseline="0" dirty="0" smtClean="0"/>
-              <a:t> Sache schwieriger, da mehr Voraussetzungen für Korrektheit nötig</a:t>
+              <a:t> Lemmas für </a:t>
+            </a:r>
+            <a:r>
+              <a:rPr lang="de-DE" baseline="0" dirty="0" err="1" smtClean="0"/>
+              <a:t>safe_TwoSum</a:t>
+            </a:r>
+            <a:r>
+              <a:rPr lang="de-DE" baseline="0" dirty="0" smtClean="0"/>
+              <a:t> sind also dieselben nur mit Zusatzbedingung (zeigen)</a:t>
+            </a:r>
+          </a:p>
+          <a:p>
+            <a:endParaRPr lang="de-DE" baseline="0" dirty="0" smtClean="0"/>
+          </a:p>
+          <a:p>
+            <a:r>
+              <a:rPr lang="de-DE" baseline="0" dirty="0" smtClean="0"/>
+              <a:t>Diese Eigenschaft lässt sich jetzt in der „großen“ Funktion </a:t>
+            </a:r>
+            <a:r>
+              <a:rPr lang="de-DE" baseline="0" dirty="0" err="1" smtClean="0"/>
+              <a:t>grow-mpf</a:t>
+            </a:r>
+            <a:r>
+              <a:rPr lang="de-DE" baseline="0" dirty="0" smtClean="0"/>
+              <a:t> erhalten</a:t>
+            </a:r>
+            <a:r>
+              <a:rPr lang="de-DE" baseline="0" dirty="0" smtClean="0"/>
+              <a:t>. </a:t>
+            </a:r>
+            <a:r>
+              <a:rPr lang="de-DE" baseline="0" dirty="0" smtClean="0">
+                <a:sym typeface="Wingdings" panose="05000000000000000000" pitchFamily="2" charset="2"/>
+              </a:rPr>
+              <a:t>Induktionsbeweis</a:t>
             </a:r>
             <a:endParaRPr lang="de-DE" dirty="0" smtClean="0"/>
-          </a:p>
-          <a:p>
-            <a:r>
-              <a:rPr lang="de-DE" dirty="0" smtClean="0"/>
-              <a:t>2.: ist</a:t>
-            </a:r>
-            <a:r>
-              <a:rPr lang="de-DE" baseline="0" dirty="0" smtClean="0"/>
-              <a:t> in Arbeit untersucht</a:t>
-            </a:r>
-          </a:p>
-          <a:p>
-            <a:r>
-              <a:rPr lang="de-DE" baseline="0" dirty="0" smtClean="0"/>
-              <a:t>3. Bei Benutzung der </a:t>
-            </a:r>
-            <a:r>
-              <a:rPr lang="de-DE" baseline="0" dirty="0" err="1" smtClean="0"/>
-              <a:t>option</a:t>
-            </a:r>
-            <a:r>
-              <a:rPr lang="de-DE" baseline="0" dirty="0" smtClean="0"/>
-              <a:t>-Monade muss man dann aber ein </a:t>
-            </a:r>
-            <a:r>
-              <a:rPr lang="de-DE" baseline="0" dirty="0" err="1" smtClean="0"/>
-              <a:t>fold</a:t>
-            </a:r>
-            <a:r>
-              <a:rPr lang="de-DE" baseline="0" dirty="0" smtClean="0"/>
-              <a:t> selber schreiben, dabei fallen dann möglicherweise Compiler-Optimierungen weg</a:t>
-            </a:r>
-          </a:p>
-          <a:p>
-            <a:r>
-              <a:rPr lang="de-DE" baseline="0" dirty="0" smtClean="0"/>
-              <a:t>4. Die </a:t>
-            </a:r>
-            <a:r>
-              <a:rPr lang="de-DE" baseline="0" dirty="0" err="1" smtClean="0"/>
-              <a:t>TwoSum</a:t>
-            </a:r>
-            <a:r>
-              <a:rPr lang="de-DE" baseline="0" dirty="0" smtClean="0"/>
-              <a:t> Eigenschaften reichen aus</a:t>
-            </a:r>
-          </a:p>
-          <a:p>
-            <a:r>
-              <a:rPr lang="de-DE" baseline="0" dirty="0" smtClean="0"/>
-              <a:t>5. Auch hier Schreibweise mit </a:t>
-            </a:r>
-            <a:r>
-              <a:rPr lang="de-DE" baseline="0" dirty="0" err="1" smtClean="0"/>
-              <a:t>fold</a:t>
-            </a:r>
-            <a:r>
-              <a:rPr lang="de-DE" baseline="0" dirty="0" smtClean="0"/>
-              <a:t> möglich</a:t>
-            </a:r>
-          </a:p>
-          <a:p>
-            <a:endParaRPr lang="de-DE" dirty="0"/>
           </a:p>
         </p:txBody>
       </p:sp>
@@ -1428,7 +1481,7 @@
           <a:p>
             <a:fld id="{20B9A31A-7520-47FC-8BE6-F59185D08E66}" type="slidenum">
               <a:rPr lang="de-DE" smtClean="0"/>
-              <a:t>18</a:t>
+              <a:t>15</a:t>
             </a:fld>
             <a:endParaRPr lang="de-DE"/>
           </a:p>
@@ -1437,7 +1490,7 @@
     </p:spTree>
     <p:extLst>
       <p:ext uri="{BB962C8B-B14F-4D97-AF65-F5344CB8AC3E}">
-        <p14:creationId xmlns:p14="http://schemas.microsoft.com/office/powerpoint/2010/main" val="3192268357"/>
+        <p14:creationId xmlns:p14="http://schemas.microsoft.com/office/powerpoint/2010/main" val="3662684806"/>
       </p:ext>
     </p:extLst>
   </p:cSld>
@@ -1493,13 +1546,8 @@
           <a:p>
             <a:r>
               <a:rPr lang="de-DE" dirty="0" smtClean="0"/>
-              <a:t>1.: </a:t>
-            </a:r>
-            <a:r>
-              <a:rPr lang="de-DE" dirty="0" smtClean="0"/>
-              <a:t>⟶ Ausgabe nicht möglich</a:t>
-            </a:r>
-            <a:endParaRPr lang="de-DE" dirty="0" smtClean="0"/>
+              <a:t>1.: ⟶ Ausgabe nicht möglich</a:t>
+            </a:r>
           </a:p>
           <a:p>
             <a:r>
@@ -1519,27 +1567,81 @@
             </a:r>
             <a:r>
               <a:rPr lang="de-DE" baseline="0" dirty="0" smtClean="0"/>
-              <a:t> Das war auch die Version, die in Isabelle2015 eingebaut war</a:t>
-            </a:r>
-          </a:p>
-          <a:p>
+              <a:t> Das war auch die Version, die in Isabelle2015 eingebaut </a:t>
+            </a:r>
             <a:r>
               <a:rPr lang="de-DE" baseline="0" dirty="0" smtClean="0"/>
-              <a:t>3.: Oder wie in Java: Überhaupt keine IEEE-Konformität</a:t>
-            </a:r>
+              <a:t>war</a:t>
+            </a:r>
+            <a:endParaRPr lang="de-DE" baseline="0" dirty="0" smtClean="0"/>
           </a:p>
           <a:p>
             <a:r>
               <a:rPr lang="de-DE" baseline="0" dirty="0" smtClean="0"/>
-              <a:t>4.: Wir benutzen dann aber „</a:t>
-            </a:r>
+              <a:t>3.: Oder wie in Java: Überhaupt keine </a:t>
+            </a:r>
+            <a:r>
+              <a:rPr lang="de-DE" baseline="0" dirty="0" smtClean="0"/>
+              <a:t>IEEE-Konformität</a:t>
+            </a:r>
+          </a:p>
+          <a:p>
             <a:r>
               <a:rPr lang="de-DE" baseline="0" dirty="0" err="1" smtClean="0"/>
-              <a:t>unüberprüften</a:t>
+              <a:t>Sw_floats</a:t>
             </a:r>
             <a:r>
               <a:rPr lang="de-DE" baseline="0" dirty="0" smtClean="0"/>
-              <a:t>“ Code</a:t>
+              <a:t> sind praktisch, weil…</a:t>
+            </a:r>
+            <a:endParaRPr lang="de-DE" baseline="0" dirty="0" smtClean="0"/>
+          </a:p>
+          <a:p>
+            <a:r>
+              <a:rPr lang="de-DE" baseline="0" dirty="0" smtClean="0"/>
+              <a:t>4.: </a:t>
+            </a:r>
+            <a:r>
+              <a:rPr lang="de-DE" baseline="0" dirty="0" smtClean="0"/>
+              <a:t>Berechnung einmal als </a:t>
+            </a:r>
+            <a:r>
+              <a:rPr lang="de-DE" baseline="0" dirty="0" err="1" smtClean="0"/>
+              <a:t>float</a:t>
+            </a:r>
+            <a:r>
+              <a:rPr lang="de-DE" baseline="0" dirty="0" smtClean="0"/>
+              <a:t> und einmal als </a:t>
+            </a:r>
+            <a:r>
+              <a:rPr lang="de-DE" baseline="0" dirty="0" err="1" smtClean="0"/>
+              <a:t>Float.float</a:t>
+            </a:r>
+            <a:r>
+              <a:rPr lang="de-DE" baseline="0" dirty="0" smtClean="0"/>
+              <a:t>,</a:t>
+            </a:r>
+          </a:p>
+          <a:p>
+            <a:r>
+              <a:rPr lang="de-DE" baseline="0" dirty="0" smtClean="0"/>
+              <a:t>dann </a:t>
+            </a:r>
+            <a:r>
+              <a:rPr lang="de-DE" baseline="0" dirty="0" smtClean="0"/>
+              <a:t>aber „</a:t>
+            </a:r>
+            <a:r>
+              <a:rPr lang="de-DE" baseline="0" dirty="0" err="1" smtClean="0"/>
+              <a:t>unüberprüfter</a:t>
+            </a:r>
+            <a:r>
+              <a:rPr lang="de-DE" baseline="0" dirty="0" smtClean="0"/>
+              <a:t>“ </a:t>
+            </a:r>
+            <a:r>
+              <a:rPr lang="de-DE" baseline="0" dirty="0" smtClean="0"/>
+              <a:t>Code</a:t>
             </a:r>
           </a:p>
         </p:txBody>
@@ -1561,7 +1663,7 @@
           <a:p>
             <a:fld id="{20B9A31A-7520-47FC-8BE6-F59185D08E66}" type="slidenum">
               <a:rPr lang="de-DE" smtClean="0"/>
-              <a:t>19</a:t>
+              <a:t>16</a:t>
             </a:fld>
             <a:endParaRPr lang="de-DE"/>
           </a:p>
@@ -1624,33 +1726,29 @@
           <a:bodyPr/>
           <a:lstStyle/>
           <a:p>
-            <a:r>
-              <a:rPr lang="de-DE" dirty="0" smtClean="0"/>
-              <a:t>5. (Multiplikation</a:t>
+            <a:endParaRPr lang="de-DE" dirty="0" smtClean="0"/>
+          </a:p>
+          <a:p>
+            <a:endParaRPr lang="de-DE" dirty="0" smtClean="0"/>
+          </a:p>
+          <a:p>
+            <a:r>
+              <a:rPr lang="de-DE" dirty="0" smtClean="0"/>
+              <a:t>4. </a:t>
+            </a:r>
+            <a:r>
+              <a:rPr lang="de-DE" dirty="0" smtClean="0"/>
+              <a:t>(Multiplikation</a:t>
             </a:r>
             <a:r>
               <a:rPr lang="de-DE" baseline="0" dirty="0" smtClean="0"/>
-              <a:t> wäre </a:t>
-            </a:r>
-            <a:r>
-              <a:rPr lang="de-DE" baseline="0" smtClean="0"/>
-              <a:t>auch möglich)</a:t>
+              <a:t> wäre auch </a:t>
+            </a:r>
+            <a:r>
+              <a:rPr lang="de-DE" baseline="0" dirty="0" smtClean="0"/>
+              <a:t>möglich, falls Ergebnis im darstellbaren Zahlenbereich), DIVISION NICHT</a:t>
             </a:r>
             <a:endParaRPr lang="de-DE" dirty="0" smtClean="0"/>
-          </a:p>
-          <a:p>
-            <a:endParaRPr lang="de-DE" dirty="0" smtClean="0"/>
-          </a:p>
-          <a:p>
-            <a:r>
-              <a:rPr lang="de-DE" dirty="0" smtClean="0"/>
-              <a:t>TODO:</a:t>
-            </a:r>
-            <a:r>
-              <a:rPr lang="de-DE" baseline="0" dirty="0" smtClean="0"/>
-              <a:t> Immler fragen wegen Beschreibung von 7</a:t>
-            </a:r>
-            <a:endParaRPr lang="de-DE" dirty="0"/>
           </a:p>
         </p:txBody>
       </p:sp>
@@ -1671,7 +1769,7 @@
           <a:p>
             <a:fld id="{20B9A31A-7520-47FC-8BE6-F59185D08E66}" type="slidenum">
               <a:rPr lang="de-DE" smtClean="0"/>
-              <a:t>20</a:t>
+              <a:t>17</a:t>
             </a:fld>
             <a:endParaRPr lang="de-DE"/>
           </a:p>
@@ -1736,7 +1834,22 @@
           <a:p>
             <a:r>
               <a:rPr lang="de-DE" dirty="0" smtClean="0"/>
-              <a:t>2.:</a:t>
+              <a:t>1.1:</a:t>
+            </a:r>
+            <a:r>
+              <a:rPr lang="de-DE" baseline="0" dirty="0" smtClean="0"/>
+              <a:t> Was ist das?</a:t>
+            </a:r>
+            <a:endParaRPr lang="de-DE" dirty="0" smtClean="0"/>
+          </a:p>
+          <a:p>
+            <a:r>
+              <a:rPr lang="de-DE" dirty="0" smtClean="0"/>
+              <a:t>2</a:t>
+            </a:r>
+            <a:r>
+              <a:rPr lang="de-DE" dirty="0" smtClean="0"/>
+              <a:t>.:</a:t>
             </a:r>
             <a:r>
               <a:rPr lang="de-DE" baseline="0" dirty="0" smtClean="0"/>
@@ -1751,13 +1864,24 @@
               <a:t> </a:t>
             </a:r>
             <a:r>
-              <a:rPr lang="de-DE" baseline="0" dirty="0" err="1" smtClean="0"/>
-              <a:t>schägt</a:t>
-            </a:r>
-            <a:r>
               <a:rPr lang="de-DE" baseline="0" dirty="0" smtClean="0"/>
-              <a:t> Eigenschaften vor, die von den Algorithmen erhalten werden</a:t>
-            </a:r>
+              <a:t>schlägt </a:t>
+            </a:r>
+            <a:r>
+              <a:rPr lang="de-DE" baseline="0" dirty="0" smtClean="0"/>
+              <a:t>Eigenschaften vor, die von den Algorithmen erhalten </a:t>
+            </a:r>
+            <a:r>
+              <a:rPr lang="de-DE" baseline="0" dirty="0" smtClean="0"/>
+              <a:t>werden</a:t>
+            </a:r>
+          </a:p>
+          <a:p>
+            <a:r>
+              <a:rPr lang="de-DE" baseline="0" dirty="0" smtClean="0"/>
+              <a:t>2.2. Entsteht schon aus der Forderung „streng abnehmender Betrag“</a:t>
+            </a:r>
+            <a:endParaRPr lang="de-DE" baseline="0" dirty="0" smtClean="0"/>
           </a:p>
           <a:p>
             <a:r>
@@ -1785,7 +1909,7 @@
           <a:p>
             <a:fld id="{20B9A31A-7520-47FC-8BE6-F59185D08E66}" type="slidenum">
               <a:rPr lang="de-DE" smtClean="0"/>
-              <a:t>21</a:t>
+              <a:t>18</a:t>
             </a:fld>
             <a:endParaRPr lang="de-DE"/>
           </a:p>
@@ -1900,7 +2024,7 @@
           <a:p>
             <a:fld id="{20B9A31A-7520-47FC-8BE6-F59185D08E66}" type="slidenum">
               <a:rPr lang="de-DE" smtClean="0"/>
-              <a:t>22</a:t>
+              <a:t>19</a:t>
             </a:fld>
             <a:endParaRPr lang="de-DE"/>
           </a:p>
@@ -1965,40 +2089,22 @@
           <a:p>
             <a:r>
               <a:rPr lang="de-DE" dirty="0" smtClean="0"/>
-              <a:t>Ziel</a:t>
-            </a:r>
-            <a:r>
-              <a:rPr lang="de-DE" baseline="0" dirty="0" smtClean="0"/>
-              <a:t> e</a:t>
-            </a:r>
-            <a:r>
-              <a:rPr lang="de-DE" dirty="0" smtClean="0"/>
-              <a:t>rwähnen:</a:t>
-            </a:r>
-            <a:r>
-              <a:rPr lang="de-DE" baseline="0" dirty="0" smtClean="0"/>
-              <a:t> Arithmetik über berechenbaren Zahlen</a:t>
+              <a:t>TODO: </a:t>
+            </a:r>
+            <a:r>
+              <a:rPr lang="de-DE" dirty="0" smtClean="0"/>
+              <a:t>LOGO</a:t>
             </a:r>
             <a:endParaRPr lang="de-DE" dirty="0" smtClean="0"/>
           </a:p>
           <a:p>
             <a:r>
-              <a:rPr lang="de-DE" dirty="0" smtClean="0"/>
-              <a:t>TODO:</a:t>
-            </a:r>
-            <a:r>
-              <a:rPr lang="de-DE" baseline="0" dirty="0" smtClean="0"/>
-              <a:t> Grafik, Reihenfolge</a:t>
-            </a:r>
-          </a:p>
-          <a:p>
-            <a:r>
-              <a:rPr lang="de-DE" dirty="0" smtClean="0"/>
-              <a:t>Ansatz 3 wird</a:t>
-            </a:r>
-            <a:r>
-              <a:rPr lang="de-DE" baseline="0" dirty="0" smtClean="0"/>
-              <a:t> später erklärt</a:t>
+              <a:rPr lang="de-DE" dirty="0" err="1" smtClean="0"/>
+              <a:t>Ausfühbarkeit</a:t>
+            </a:r>
+            <a:r>
+              <a:rPr lang="de-DE" dirty="0" smtClean="0"/>
+              <a:t> auf Grafikprozessoren</a:t>
             </a:r>
             <a:endParaRPr lang="de-DE" dirty="0"/>
           </a:p>
@@ -2021,7 +2127,7 @@
           <a:p>
             <a:fld id="{20B9A31A-7520-47FC-8BE6-F59185D08E66}" type="slidenum">
               <a:rPr lang="de-DE" smtClean="0"/>
-              <a:t>3</a:t>
+              <a:t>2</a:t>
             </a:fld>
             <a:endParaRPr lang="de-DE"/>
           </a:p>
@@ -2030,7 +2136,7 @@
     </p:spTree>
     <p:extLst>
       <p:ext uri="{BB962C8B-B14F-4D97-AF65-F5344CB8AC3E}">
-        <p14:creationId xmlns:p14="http://schemas.microsoft.com/office/powerpoint/2010/main" val="3335225945"/>
+        <p14:creationId xmlns:p14="http://schemas.microsoft.com/office/powerpoint/2010/main" val="2730824468"/>
       </p:ext>
     </p:extLst>
   </p:cSld>
@@ -2105,7 +2211,7 @@
           <a:p>
             <a:fld id="{20B9A31A-7520-47FC-8BE6-F59185D08E66}" type="slidenum">
               <a:rPr lang="de-DE" smtClean="0"/>
-              <a:t>23</a:t>
+              <a:t>20</a:t>
             </a:fld>
             <a:endParaRPr lang="de-DE"/>
           </a:p>
@@ -2170,21 +2276,80 @@
           <a:p>
             <a:r>
               <a:rPr lang="de-DE" dirty="0" smtClean="0"/>
-              <a:t>3.: </a:t>
-            </a:r>
-            <a:r>
-              <a:rPr lang="de-DE" dirty="0" smtClean="0"/>
-              <a:t> Das</a:t>
+              <a:t>Ziel</a:t>
             </a:r>
             <a:r>
               <a:rPr lang="de-DE" baseline="0" dirty="0" smtClean="0"/>
-              <a:t> ist eine schon vorhandene</a:t>
-            </a:r>
-            <a:r>
-              <a:rPr lang="de-DE" dirty="0" smtClean="0"/>
-              <a:t> Formalisierung</a:t>
-            </a:r>
-            <a:endParaRPr lang="de-DE" dirty="0"/>
+              <a:t> e</a:t>
+            </a:r>
+            <a:r>
+              <a:rPr lang="de-DE" dirty="0" smtClean="0"/>
+              <a:t>rwähnen:</a:t>
+            </a:r>
+            <a:r>
+              <a:rPr lang="de-DE" baseline="0" dirty="0" smtClean="0"/>
+              <a:t> Arithmetik über berechenbaren Zahlen</a:t>
+            </a:r>
+            <a:endParaRPr lang="de-DE" dirty="0" smtClean="0"/>
+          </a:p>
+          <a:p>
+            <a:r>
+              <a:rPr lang="de-DE" dirty="0" smtClean="0"/>
+              <a:t>TODO:</a:t>
+            </a:r>
+            <a:r>
+              <a:rPr lang="de-DE" baseline="0" dirty="0" smtClean="0"/>
+              <a:t> </a:t>
+            </a:r>
+            <a:r>
+              <a:rPr lang="de-DE" baseline="0" dirty="0" smtClean="0"/>
+              <a:t>Grafik</a:t>
+            </a:r>
+            <a:endParaRPr lang="de-DE" baseline="0" dirty="0" smtClean="0"/>
+          </a:p>
+          <a:p>
+            <a:r>
+              <a:rPr lang="de-DE" dirty="0" smtClean="0"/>
+              <a:t>Ansatz 3 wird</a:t>
+            </a:r>
+            <a:r>
+              <a:rPr lang="de-DE" baseline="0" dirty="0" smtClean="0"/>
+              <a:t> später </a:t>
+            </a:r>
+            <a:r>
+              <a:rPr lang="de-DE" baseline="0" dirty="0" smtClean="0"/>
+              <a:t>erklärt, grob läuft das so</a:t>
+            </a:r>
+          </a:p>
+          <a:p>
+            <a:pPr marL="0" indent="0">
+              <a:buNone/>
+            </a:pPr>
+            <a:r>
+              <a:rPr lang="de-DE" baseline="0" dirty="0" smtClean="0"/>
+              <a:t>(Tafel) </a:t>
+            </a:r>
+            <a:endParaRPr lang="de-DE" dirty="0" smtClean="0">
+              <a:solidFill>
+                <a:srgbClr val="00B050"/>
+              </a:solidFill>
+            </a:endParaRPr>
+          </a:p>
+          <a:p>
+            <a:pPr marL="0" indent="0">
+              <a:buNone/>
+            </a:pPr>
+            <a:r>
+              <a:rPr lang="de-DE" dirty="0" smtClean="0">
+                <a:solidFill>
+                  <a:srgbClr val="00B050"/>
+                </a:solidFill>
+              </a:rPr>
+              <a:t>	5,234 = 5,2 + 3,4 * 10^-2</a:t>
+            </a:r>
+          </a:p>
+          <a:p>
+            <a:endParaRPr lang="de-DE" baseline="0" dirty="0" smtClean="0"/>
           </a:p>
         </p:txBody>
       </p:sp>
@@ -2205,7 +2370,7 @@
           <a:p>
             <a:fld id="{20B9A31A-7520-47FC-8BE6-F59185D08E66}" type="slidenum">
               <a:rPr lang="de-DE" smtClean="0"/>
-              <a:t>4</a:t>
+              <a:t>3</a:t>
             </a:fld>
             <a:endParaRPr lang="de-DE"/>
           </a:p>
@@ -2214,7 +2379,7 @@
     </p:spTree>
     <p:extLst>
       <p:ext uri="{BB962C8B-B14F-4D97-AF65-F5344CB8AC3E}">
-        <p14:creationId xmlns:p14="http://schemas.microsoft.com/office/powerpoint/2010/main" val="1030115784"/>
+        <p14:creationId xmlns:p14="http://schemas.microsoft.com/office/powerpoint/2010/main" val="3335225945"/>
       </p:ext>
     </p:extLst>
   </p:cSld>
@@ -2270,11 +2435,15 @@
           <a:p>
             <a:r>
               <a:rPr lang="de-DE" dirty="0" smtClean="0"/>
-              <a:t>Als</a:t>
+              <a:t>3.:  Das</a:t>
             </a:r>
             <a:r>
               <a:rPr lang="de-DE" baseline="0" dirty="0" smtClean="0"/>
-              <a:t> Unterscheidung von rundungsbehafteten Operationen gegenüber dem Datentyp „Real“</a:t>
+              <a:t> ist eine schon vorhandene</a:t>
+            </a:r>
+            <a:r>
+              <a:rPr lang="de-DE" dirty="0" smtClean="0"/>
+              <a:t> Formalisierung</a:t>
             </a:r>
             <a:endParaRPr lang="de-DE" dirty="0"/>
           </a:p>
@@ -2297,7 +2466,7 @@
           <a:p>
             <a:fld id="{20B9A31A-7520-47FC-8BE6-F59185D08E66}" type="slidenum">
               <a:rPr lang="de-DE" smtClean="0"/>
-              <a:t>5</a:t>
+              <a:t>4</a:t>
             </a:fld>
             <a:endParaRPr lang="de-DE"/>
           </a:p>
@@ -2306,7 +2475,7 @@
     </p:spTree>
     <p:extLst>
       <p:ext uri="{BB962C8B-B14F-4D97-AF65-F5344CB8AC3E}">
-        <p14:creationId xmlns:p14="http://schemas.microsoft.com/office/powerpoint/2010/main" val="861095030"/>
+        <p14:creationId xmlns:p14="http://schemas.microsoft.com/office/powerpoint/2010/main" val="1030115784"/>
       </p:ext>
     </p:extLst>
   </p:cSld>
@@ -2362,84 +2531,13 @@
           <a:p>
             <a:r>
               <a:rPr lang="de-DE" dirty="0" smtClean="0"/>
-              <a:t>Unter Verwendung</a:t>
+              <a:t>Als</a:t>
             </a:r>
             <a:r>
               <a:rPr lang="de-DE" baseline="0" dirty="0" smtClean="0"/>
-              <a:t> der IEEE Operationen. Unter neues Datenformat soll ja eine Erweiterung werden („</a:t>
-            </a:r>
-            <a:r>
-              <a:rPr lang="de-DE" baseline="0" dirty="0" err="1" smtClean="0"/>
-              <a:t>expansion</a:t>
-            </a:r>
-            <a:r>
-              <a:rPr lang="de-DE" baseline="0" dirty="0" smtClean="0"/>
-              <a:t>“), es wird eine Art Übermenge. Es liegt also nahe, das erstmal für die Floats selbst zu machen. (1) … </a:t>
-            </a:r>
-            <a:r>
-              <a:rPr lang="de-DE" baseline="0" dirty="0" smtClean="0">
-                <a:sym typeface="Wingdings" panose="05000000000000000000" pitchFamily="2" charset="2"/>
-              </a:rPr>
-              <a:t> einzige Möglichkeit: Speicherung (2)</a:t>
-            </a:r>
-          </a:p>
-          <a:p>
-            <a:endParaRPr lang="de-DE" baseline="0" dirty="0" smtClean="0">
-              <a:sym typeface="Wingdings" panose="05000000000000000000" pitchFamily="2" charset="2"/>
-            </a:endParaRPr>
-          </a:p>
-          <a:p>
-            <a:r>
-              <a:rPr lang="de-DE" baseline="0" dirty="0" smtClean="0">
-                <a:sym typeface="Wingdings" panose="05000000000000000000" pitchFamily="2" charset="2"/>
-              </a:rPr>
-              <a:t>Der neue Datentyp ist dann also eine </a:t>
-            </a:r>
-            <a:r>
-              <a:rPr lang="de-DE" baseline="0" dirty="0" err="1" smtClean="0">
-                <a:sym typeface="Wingdings" panose="05000000000000000000" pitchFamily="2" charset="2"/>
-              </a:rPr>
-              <a:t>unausgewertete</a:t>
-            </a:r>
-            <a:r>
-              <a:rPr lang="de-DE" baseline="0" dirty="0" smtClean="0">
-                <a:sym typeface="Wingdings" panose="05000000000000000000" pitchFamily="2" charset="2"/>
-              </a:rPr>
-              <a:t> Summe von IEEE-</a:t>
-            </a:r>
-            <a:r>
-              <a:rPr lang="de-DE" baseline="0" dirty="0" err="1" smtClean="0">
-                <a:sym typeface="Wingdings" panose="05000000000000000000" pitchFamily="2" charset="2"/>
-              </a:rPr>
-              <a:t>floats</a:t>
-            </a:r>
-            <a:r>
-              <a:rPr lang="de-DE" baseline="0" dirty="0" smtClean="0">
-                <a:sym typeface="Wingdings" panose="05000000000000000000" pitchFamily="2" charset="2"/>
-              </a:rPr>
-              <a:t>. Mit diesem Ansatz kann dann sehr viel weniger Zahlen darstellen als „Real“, </a:t>
-            </a:r>
-            <a:r>
-              <a:rPr lang="de-DE" baseline="0" dirty="0" err="1" smtClean="0">
-                <a:sym typeface="Wingdings" panose="05000000000000000000" pitchFamily="2" charset="2"/>
-              </a:rPr>
-              <a:t>nichtmal</a:t>
-            </a:r>
-            <a:r>
-              <a:rPr lang="de-DE" baseline="0" dirty="0" smtClean="0">
-                <a:sym typeface="Wingdings" panose="05000000000000000000" pitchFamily="2" charset="2"/>
-              </a:rPr>
-              <a:t> alle rationalen Zahlen, wie z.B. ein Drittel, auch nicht die Zahlen, die einen kleineren Betrag haben als der minimale </a:t>
-            </a:r>
-            <a:r>
-              <a:rPr lang="de-DE" baseline="0" dirty="0" err="1" smtClean="0">
-                <a:sym typeface="Wingdings" panose="05000000000000000000" pitchFamily="2" charset="2"/>
-              </a:rPr>
-              <a:t>Float</a:t>
-            </a:r>
-            <a:endParaRPr lang="de-DE" baseline="0" dirty="0" smtClean="0">
-              <a:sym typeface="Wingdings" panose="05000000000000000000" pitchFamily="2" charset="2"/>
-            </a:endParaRPr>
+              <a:t> Unterscheidung von rundungsbehafteten Operationen gegenüber dem Datentyp „Real“</a:t>
+            </a:r>
+            <a:endParaRPr lang="de-DE" dirty="0"/>
           </a:p>
         </p:txBody>
       </p:sp>
@@ -2460,7 +2558,7 @@
           <a:p>
             <a:fld id="{20B9A31A-7520-47FC-8BE6-F59185D08E66}" type="slidenum">
               <a:rPr lang="de-DE" smtClean="0"/>
-              <a:t>6</a:t>
+              <a:t>5</a:t>
             </a:fld>
             <a:endParaRPr lang="de-DE"/>
           </a:p>
@@ -2469,7 +2567,7 @@
     </p:spTree>
     <p:extLst>
       <p:ext uri="{BB962C8B-B14F-4D97-AF65-F5344CB8AC3E}">
-        <p14:creationId xmlns:p14="http://schemas.microsoft.com/office/powerpoint/2010/main" val="3633962060"/>
+        <p14:creationId xmlns:p14="http://schemas.microsoft.com/office/powerpoint/2010/main" val="861095030"/>
       </p:ext>
     </p:extLst>
   </p:cSld>
@@ -2525,119 +2623,105 @@
           <a:p>
             <a:r>
               <a:rPr lang="de-DE" dirty="0" smtClean="0"/>
-              <a:t>0.: Subtraktion genauso</a:t>
-            </a:r>
-          </a:p>
-          <a:p>
-            <a:r>
-              <a:rPr lang="de-DE" dirty="0" smtClean="0"/>
-              <a:t>1.:</a:t>
+              <a:t>Unter </a:t>
+            </a:r>
+            <a:r>
+              <a:rPr lang="de-DE" dirty="0" smtClean="0"/>
+              <a:t>Verwendung</a:t>
             </a:r>
             <a:r>
               <a:rPr lang="de-DE" baseline="0" dirty="0" smtClean="0"/>
-              <a:t> </a:t>
-            </a:r>
-            <a:r>
-              <a:rPr lang="de-DE" dirty="0" smtClean="0"/>
-              <a:t>und vielen</a:t>
+              <a:t> der IEEE Operationen. Unter neues Datenformat soll ja eine Erweiterung werden („</a:t>
+            </a:r>
+            <a:r>
+              <a:rPr lang="de-DE" baseline="0" dirty="0" err="1" smtClean="0"/>
+              <a:t>expansion</a:t>
             </a:r>
             <a:r>
               <a:rPr lang="de-DE" baseline="0" dirty="0" smtClean="0"/>
-              <a:t> anderen (benutzt noch früher)</a:t>
-            </a:r>
-          </a:p>
-          <a:p>
+              <a:t>“), es wird eine Art Übermenge. Es liegt also nahe, das erstmal für die Floats selbst zu machen. (1</a:t>
+            </a:r>
             <a:r>
               <a:rPr lang="de-DE" baseline="0" dirty="0" smtClean="0"/>
-              <a:t>2.: Habe es gleich in Isabelle/HOL übersetzt </a:t>
+              <a:t>) </a:t>
             </a:r>
             <a:r>
               <a:rPr lang="de-DE" baseline="0" dirty="0" smtClean="0">
                 <a:sym typeface="Wingdings" panose="05000000000000000000" pitchFamily="2" charset="2"/>
               </a:rPr>
-              <a:t> Schön bunt!</a:t>
-            </a:r>
-          </a:p>
-          <a:p>
+              <a:t> einzige </a:t>
+            </a:r>
             <a:r>
               <a:rPr lang="de-DE" baseline="0" dirty="0" smtClean="0">
                 <a:sym typeface="Wingdings" panose="05000000000000000000" pitchFamily="2" charset="2"/>
               </a:rPr>
-              <a:t>Klein geschriebenes </a:t>
+              <a:t>Möglichkeit (es ist möglich): </a:t>
+            </a:r>
+            <a:r>
+              <a:rPr lang="de-DE" baseline="0" dirty="0" smtClean="0">
+                <a:sym typeface="Wingdings" panose="05000000000000000000" pitchFamily="2" charset="2"/>
+              </a:rPr>
+              <a:t>Speicherung (2)</a:t>
+            </a:r>
+          </a:p>
+          <a:p>
+            <a:endParaRPr lang="de-DE" baseline="0" dirty="0" smtClean="0">
+              <a:sym typeface="Wingdings" panose="05000000000000000000" pitchFamily="2" charset="2"/>
+            </a:endParaRPr>
+          </a:p>
+          <a:p>
+            <a:r>
+              <a:rPr lang="de-DE" baseline="0" dirty="0" smtClean="0">
+                <a:sym typeface="Wingdings" panose="05000000000000000000" pitchFamily="2" charset="2"/>
+              </a:rPr>
+              <a:t>Der neue Datentyp ist dann also eine </a:t>
             </a:r>
             <a:r>
               <a:rPr lang="de-DE" baseline="0" dirty="0" err="1" smtClean="0">
                 <a:sym typeface="Wingdings" panose="05000000000000000000" pitchFamily="2" charset="2"/>
               </a:rPr>
-              <a:t>float</a:t>
+              <a:t>unausgewertete</a:t>
             </a:r>
             <a:r>
               <a:rPr lang="de-DE" baseline="0" dirty="0" smtClean="0">
                 <a:sym typeface="Wingdings" panose="05000000000000000000" pitchFamily="2" charset="2"/>
               </a:rPr>
-              <a:t> ist bei uns also immer ein IEEE </a:t>
+              <a:t> Summe von IEEE-</a:t>
             </a:r>
             <a:r>
               <a:rPr lang="de-DE" baseline="0" dirty="0" err="1" smtClean="0">
                 <a:sym typeface="Wingdings" panose="05000000000000000000" pitchFamily="2" charset="2"/>
               </a:rPr>
-              <a:t>float</a:t>
+              <a:t>floats</a:t>
+            </a:r>
+            <a:r>
+              <a:rPr lang="de-DE" baseline="0" dirty="0" smtClean="0">
+                <a:sym typeface="Wingdings" panose="05000000000000000000" pitchFamily="2" charset="2"/>
+              </a:rPr>
+              <a:t>. Mit diesem Ansatz kann dann sehr viel weniger Zahlen darstellen als „Real“, </a:t>
+            </a:r>
+            <a:r>
+              <a:rPr lang="de-DE" baseline="0" dirty="0" err="1" smtClean="0">
+                <a:sym typeface="Wingdings" panose="05000000000000000000" pitchFamily="2" charset="2"/>
+              </a:rPr>
+              <a:t>nichtmal</a:t>
+            </a:r>
+            <a:r>
+              <a:rPr lang="de-DE" baseline="0" dirty="0" smtClean="0">
+                <a:sym typeface="Wingdings" panose="05000000000000000000" pitchFamily="2" charset="2"/>
+              </a:rPr>
+              <a:t> alle rationalen Zahlen, wie z.B. ein Drittel, auch nicht die Zahlen, die einen kleineren Betrag haben als der minimale </a:t>
+            </a:r>
+            <a:r>
+              <a:rPr lang="de-DE" baseline="0" dirty="0" err="1" smtClean="0">
+                <a:sym typeface="Wingdings" panose="05000000000000000000" pitchFamily="2" charset="2"/>
+              </a:rPr>
+              <a:t>Float</a:t>
             </a:r>
             <a:endParaRPr lang="de-DE" baseline="0" dirty="0" smtClean="0">
               <a:sym typeface="Wingdings" panose="05000000000000000000" pitchFamily="2" charset="2"/>
             </a:endParaRPr>
           </a:p>
-          <a:p>
-            <a:r>
-              <a:rPr lang="de-DE" baseline="0" dirty="0" err="1" smtClean="0">
-                <a:sym typeface="Wingdings" panose="05000000000000000000" pitchFamily="2" charset="2"/>
-              </a:rPr>
-              <a:t>Bewweis</a:t>
-            </a:r>
-            <a:r>
-              <a:rPr lang="de-DE" baseline="0" dirty="0" smtClean="0">
-                <a:sym typeface="Wingdings" panose="05000000000000000000" pitchFamily="2" charset="2"/>
-              </a:rPr>
-              <a:t> der Korrektheit läuft über viele Fallunterscheidungen, Analyse der </a:t>
-            </a:r>
-            <a:r>
-              <a:rPr lang="de-DE" baseline="0" dirty="0" err="1" smtClean="0">
-                <a:sym typeface="Wingdings" panose="05000000000000000000" pitchFamily="2" charset="2"/>
-              </a:rPr>
-              <a:t>Exponentengrößen</a:t>
-            </a:r>
-            <a:r>
-              <a:rPr lang="de-DE" baseline="0" dirty="0" smtClean="0">
-                <a:sym typeface="Wingdings" panose="05000000000000000000" pitchFamily="2" charset="2"/>
-              </a:rPr>
-              <a:t>, sodass manche Zw.-Operationen sicher exakt sind</a:t>
-            </a:r>
-          </a:p>
-          <a:p>
-            <a:r>
-              <a:rPr lang="de-DE" baseline="0" dirty="0" smtClean="0">
-                <a:sym typeface="Wingdings" panose="05000000000000000000" pitchFamily="2" charset="2"/>
-              </a:rPr>
-              <a:t>3.: das erste + ist exakt, das im Kreis nicht</a:t>
-            </a:r>
-          </a:p>
-          <a:p>
-            <a:r>
-              <a:rPr lang="de-DE" baseline="0" dirty="0" smtClean="0">
-                <a:sym typeface="Wingdings" panose="05000000000000000000" pitchFamily="2" charset="2"/>
-              </a:rPr>
-              <a:t>Wie gesagt: Dieser Teil war schon bekannt</a:t>
-            </a:r>
-          </a:p>
-          <a:p>
-            <a:r>
-              <a:rPr lang="de-DE" baseline="0" dirty="0" smtClean="0">
-                <a:sym typeface="Wingdings" panose="05000000000000000000" pitchFamily="2" charset="2"/>
-              </a:rPr>
-              <a:t>TODO: Farben?</a:t>
-            </a:r>
-            <a:endParaRPr lang="de-DE" dirty="0"/>
-          </a:p>
         </p:txBody>
       </p:sp>
       <p:sp>
@@ -2657,7 +2741,7 @@
           <a:p>
             <a:fld id="{20B9A31A-7520-47FC-8BE6-F59185D08E66}" type="slidenum">
               <a:rPr lang="de-DE" smtClean="0"/>
-              <a:t>7</a:t>
+              <a:t>6</a:t>
             </a:fld>
             <a:endParaRPr lang="de-DE"/>
           </a:p>
@@ -2666,7 +2750,7 @@
     </p:spTree>
     <p:extLst>
       <p:ext uri="{BB962C8B-B14F-4D97-AF65-F5344CB8AC3E}">
-        <p14:creationId xmlns:p14="http://schemas.microsoft.com/office/powerpoint/2010/main" val="3515845677"/>
+        <p14:creationId xmlns:p14="http://schemas.microsoft.com/office/powerpoint/2010/main" val="3633962060"/>
       </p:ext>
     </p:extLst>
   </p:cSld>
@@ -2721,76 +2805,133 @@
           <a:lstStyle/>
           <a:p>
             <a:r>
-              <a:rPr lang="de-DE" dirty="0" err="1" smtClean="0"/>
-              <a:t>FastTwoSum</a:t>
+              <a:rPr lang="de-DE" dirty="0" smtClean="0"/>
+              <a:t>0.: Subtraktion genauso</a:t>
+            </a:r>
+          </a:p>
+          <a:p>
+            <a:r>
+              <a:rPr lang="de-DE" dirty="0" smtClean="0"/>
+              <a:t>1.:</a:t>
             </a:r>
             <a:r>
               <a:rPr lang="de-DE" baseline="0" dirty="0" smtClean="0"/>
-              <a:t> gibt es auch, aber nicht in der Arbeit verwendet, da zusätzliche Voraussetzungen nötig</a:t>
-            </a:r>
-          </a:p>
-          <a:p>
-            <a:endParaRPr lang="de-DE" baseline="0" dirty="0" smtClean="0"/>
-          </a:p>
-          <a:p>
-            <a:pPr marL="0" marR="0" indent="0" algn="l" defTabSz="914400" rtl="0" eaLnBrk="1" fontAlgn="auto" latinLnBrk="0" hangingPunct="1">
-              <a:lnSpc>
-                <a:spcPct val="100000"/>
-              </a:lnSpc>
-              <a:spcBef>
-                <a:spcPts val="0"/>
-              </a:spcBef>
-              <a:spcAft>
-                <a:spcPts val="0"/>
-              </a:spcAft>
-              <a:buClrTx/>
-              <a:buSzTx/>
-              <a:buFontTx/>
-              <a:buNone/>
-              <a:tabLst/>
-              <a:defRPr/>
-            </a:pPr>
+              <a:t> </a:t>
+            </a:r>
+            <a:r>
+              <a:rPr lang="de-DE" dirty="0" smtClean="0"/>
+              <a:t>und vielen</a:t>
+            </a:r>
             <a:r>
               <a:rPr lang="de-DE" baseline="0" dirty="0" smtClean="0"/>
-              <a:t>Wann ist </a:t>
-            </a:r>
-            <a:r>
-              <a:rPr lang="de-DE" baseline="0" dirty="0" err="1" smtClean="0"/>
+              <a:t> anderen (benutzt noch früher)</a:t>
+            </a:r>
+          </a:p>
+          <a:p>
+            <a:r>
+              <a:rPr lang="de-DE" baseline="0" dirty="0" smtClean="0"/>
+              <a:t>2.: Habe es gleich in Isabelle/HOL übersetzt </a:t>
+            </a:r>
+            <a:r>
+              <a:rPr lang="de-DE" baseline="0" dirty="0" smtClean="0">
+                <a:sym typeface="Wingdings" panose="05000000000000000000" pitchFamily="2" charset="2"/>
+              </a:rPr>
+              <a:t> Schön bunt!</a:t>
+            </a:r>
+          </a:p>
+          <a:p>
+            <a:r>
+              <a:rPr lang="de-DE" baseline="0" dirty="0" smtClean="0">
+                <a:sym typeface="Wingdings" panose="05000000000000000000" pitchFamily="2" charset="2"/>
+              </a:rPr>
+              <a:t>Klein geschriebenes </a:t>
+            </a:r>
+            <a:r>
+              <a:rPr lang="de-DE" baseline="0" dirty="0" err="1" smtClean="0">
+                <a:sym typeface="Wingdings" panose="05000000000000000000" pitchFamily="2" charset="2"/>
+              </a:rPr>
               <a:t>float</a:t>
             </a:r>
             <a:r>
-              <a:rPr lang="de-DE" baseline="0" dirty="0" smtClean="0"/>
-              <a:t> endlich?</a:t>
-            </a:r>
-            <a:endParaRPr lang="de-DE" baseline="0" dirty="0" smtClean="0"/>
-          </a:p>
-          <a:p>
-            <a:endParaRPr lang="de-DE" baseline="0" dirty="0" smtClean="0"/>
-          </a:p>
-          <a:p>
-            <a:r>
-              <a:rPr lang="de-DE" baseline="0" dirty="0" smtClean="0"/>
-              <a:t>Für die Aussage ist eine Konvertierung nötig, da auf </a:t>
-            </a:r>
-            <a:r>
-              <a:rPr lang="de-DE" baseline="0" dirty="0" err="1" smtClean="0"/>
-              <a:t>IEEEfloats</a:t>
-            </a:r>
-            <a:r>
-              <a:rPr lang="de-DE" baseline="0" dirty="0" smtClean="0"/>
-              <a:t> keine exakte Addition definiert ist.</a:t>
-            </a:r>
-          </a:p>
-          <a:p>
-            <a:r>
-              <a:rPr lang="de-DE" dirty="0" smtClean="0"/>
-              <a:t>In</a:t>
-            </a:r>
-            <a:r>
-              <a:rPr lang="de-DE" baseline="0" dirty="0" smtClean="0"/>
-              <a:t> welches Format man konvertiert ist dabei egal, es muss nur eine rundungsfreies + bereitstellen</a:t>
-            </a:r>
-            <a:endParaRPr lang="de-DE" dirty="0" smtClean="0"/>
+              <a:rPr lang="de-DE" baseline="0" dirty="0" smtClean="0">
+                <a:sym typeface="Wingdings" panose="05000000000000000000" pitchFamily="2" charset="2"/>
+              </a:rPr>
+              <a:t> ist bei uns also immer ein IEEE </a:t>
+            </a:r>
+            <a:r>
+              <a:rPr lang="de-DE" baseline="0" dirty="0" err="1" smtClean="0">
+                <a:sym typeface="Wingdings" panose="05000000000000000000" pitchFamily="2" charset="2"/>
+              </a:rPr>
+              <a:t>float</a:t>
+            </a:r>
+            <a:endParaRPr lang="de-DE" baseline="0" dirty="0" smtClean="0">
+              <a:sym typeface="Wingdings" panose="05000000000000000000" pitchFamily="2" charset="2"/>
+            </a:endParaRPr>
+          </a:p>
+          <a:p>
+            <a:r>
+              <a:rPr lang="de-DE" baseline="0" dirty="0" smtClean="0">
+                <a:sym typeface="Wingdings" panose="05000000000000000000" pitchFamily="2" charset="2"/>
+              </a:rPr>
+              <a:t>Beweis </a:t>
+            </a:r>
+            <a:r>
+              <a:rPr lang="de-DE" baseline="0" dirty="0" smtClean="0">
+                <a:sym typeface="Wingdings" panose="05000000000000000000" pitchFamily="2" charset="2"/>
+              </a:rPr>
+              <a:t>der Korrektheit läuft über viele Fallunterscheidungen, Analyse der </a:t>
+            </a:r>
+            <a:r>
+              <a:rPr lang="de-DE" baseline="0" dirty="0" err="1" smtClean="0">
+                <a:sym typeface="Wingdings" panose="05000000000000000000" pitchFamily="2" charset="2"/>
+              </a:rPr>
+              <a:t>Exponentengrößen</a:t>
+            </a:r>
+            <a:r>
+              <a:rPr lang="de-DE" baseline="0" dirty="0" smtClean="0">
+                <a:sym typeface="Wingdings" panose="05000000000000000000" pitchFamily="2" charset="2"/>
+              </a:rPr>
+              <a:t>, sodass manche Zw.-Operationen sicher exakt sind</a:t>
+            </a:r>
+          </a:p>
+          <a:p>
+            <a:r>
+              <a:rPr lang="de-DE" baseline="0" dirty="0" smtClean="0">
+                <a:sym typeface="Wingdings" panose="05000000000000000000" pitchFamily="2" charset="2"/>
+              </a:rPr>
+              <a:t>3.: das erste + ist exakt, das im Kreis nicht</a:t>
+            </a:r>
+          </a:p>
+          <a:p>
+            <a:r>
+              <a:rPr lang="de-DE" baseline="0" dirty="0" smtClean="0">
+                <a:sym typeface="Wingdings" panose="05000000000000000000" pitchFamily="2" charset="2"/>
+              </a:rPr>
+              <a:t>Wie gesagt: Dieser Teil war schon bekannt</a:t>
+            </a:r>
+          </a:p>
+          <a:p>
+            <a:r>
+              <a:rPr lang="de-DE" baseline="0" dirty="0" smtClean="0">
+                <a:sym typeface="Wingdings" panose="05000000000000000000" pitchFamily="2" charset="2"/>
+              </a:rPr>
+              <a:t>TODO: Farben</a:t>
+            </a:r>
+            <a:r>
+              <a:rPr lang="de-DE" baseline="0" dirty="0" smtClean="0">
+                <a:sym typeface="Wingdings" panose="05000000000000000000" pitchFamily="2" charset="2"/>
+              </a:rPr>
+              <a:t>?</a:t>
+            </a:r>
+          </a:p>
+          <a:p>
+            <a:r>
+              <a:rPr lang="de-DE" baseline="0" dirty="0" smtClean="0">
+                <a:sym typeface="Wingdings" panose="05000000000000000000" pitchFamily="2" charset="2"/>
+              </a:rPr>
+              <a:t>Beispiel erweitern</a:t>
+            </a:r>
+            <a:endParaRPr lang="de-DE" dirty="0"/>
           </a:p>
         </p:txBody>
       </p:sp>
@@ -2811,7 +2952,7 @@
           <a:p>
             <a:fld id="{20B9A31A-7520-47FC-8BE6-F59185D08E66}" type="slidenum">
               <a:rPr lang="de-DE" smtClean="0"/>
-              <a:t>8</a:t>
+              <a:t>7</a:t>
             </a:fld>
             <a:endParaRPr lang="de-DE"/>
           </a:p>
@@ -2820,7 +2961,7 @@
     </p:spTree>
     <p:extLst>
       <p:ext uri="{BB962C8B-B14F-4D97-AF65-F5344CB8AC3E}">
-        <p14:creationId xmlns:p14="http://schemas.microsoft.com/office/powerpoint/2010/main" val="980952061"/>
+        <p14:creationId xmlns:p14="http://schemas.microsoft.com/office/powerpoint/2010/main" val="3515845677"/>
       </p:ext>
     </p:extLst>
   </p:cSld>
@@ -2874,80 +3015,78 @@
           <a:bodyPr/>
           <a:lstStyle/>
           <a:p>
-            <a:r>
-              <a:rPr lang="de-DE" dirty="0" smtClean="0"/>
-              <a:t>1+2.: nicht</a:t>
-            </a:r>
+            <a:pPr marL="0" marR="0" indent="0" algn="l" defTabSz="914400" rtl="0" eaLnBrk="1" fontAlgn="auto" latinLnBrk="0" hangingPunct="1">
+              <a:lnSpc>
+                <a:spcPct val="100000"/>
+              </a:lnSpc>
+              <a:spcBef>
+                <a:spcPts val="0"/>
+              </a:spcBef>
+              <a:spcAft>
+                <a:spcPts val="0"/>
+              </a:spcAft>
+              <a:buClrTx/>
+              <a:buSzTx/>
+              <a:buFontTx/>
+              <a:buNone/>
+              <a:tabLst/>
+              <a:defRPr/>
+            </a:pPr>
             <a:r>
               <a:rPr lang="de-DE" baseline="0" dirty="0" smtClean="0"/>
-              <a:t> </a:t>
-            </a:r>
-            <a:r>
-              <a:rPr lang="de-DE" dirty="0" smtClean="0"/>
-              <a:t>ausgewertet,</a:t>
+              <a:t>Wann </a:t>
             </a:r>
             <a:r>
               <a:rPr lang="de-DE" baseline="0" dirty="0" smtClean="0"/>
-              <a:t> da sonst die Präzision nicht ausreicht, Der Wert dieser Liste ist dann die exakte Summe der Komponenten</a:t>
-            </a:r>
-          </a:p>
-          <a:p>
+              <a:t>ist </a:t>
+            </a:r>
+            <a:r>
+              <a:rPr lang="de-DE" baseline="0" dirty="0" err="1" smtClean="0"/>
+              <a:t>float</a:t>
+            </a:r>
             <a:r>
               <a:rPr lang="de-DE" baseline="0" dirty="0" smtClean="0"/>
-              <a:t>3+4.: </a:t>
-            </a:r>
+              <a:t> endlich?</a:t>
+            </a:r>
+          </a:p>
+          <a:p>
+            <a:endParaRPr lang="de-DE" baseline="0" dirty="0" smtClean="0"/>
+          </a:p>
+          <a:p>
             <a:r>
               <a:rPr lang="de-DE" baseline="0" dirty="0" smtClean="0"/>
-              <a:t> </a:t>
-            </a:r>
-            <a:r>
-              <a:rPr lang="de-DE" dirty="0" smtClean="0"/>
-              <a:t>Streichung von Null-Summanden, </a:t>
+              <a:t>Für die Aussage ist eine Konvertierung nötig, da auf </a:t>
+            </a:r>
+            <a:r>
+              <a:rPr lang="de-DE" baseline="0" dirty="0" err="1" smtClean="0"/>
+              <a:t>IEEEfloats</a:t>
             </a:r>
             <a:r>
               <a:rPr lang="de-DE" baseline="0" dirty="0" smtClean="0"/>
-              <a:t>Zusammenfassung von Komponenten, die exakt addierbar sind: </a:t>
-            </a:r>
-            <a:r>
-              <a:rPr lang="de-DE" baseline="0" dirty="0" err="1" smtClean="0"/>
-              <a:t>Shewchuck</a:t>
+              <a:t> keine exakte Addition definiert ist.</a:t>
+            </a:r>
+          </a:p>
+          <a:p>
+            <a:r>
+              <a:rPr lang="de-DE" dirty="0" smtClean="0"/>
+              <a:t>In</a:t>
             </a:r>
             <a:r>
               <a:rPr lang="de-DE" baseline="0" dirty="0" smtClean="0"/>
-              <a:t>: am besten mit Sortierung groß/klein möglich, dann auch gute Approximation in der ersten Komponente</a:t>
-            </a:r>
-            <a:endParaRPr lang="de-DE" dirty="0" smtClean="0"/>
-          </a:p>
-          <a:p>
-            <a:r>
-              <a:rPr lang="de-DE" dirty="0" smtClean="0"/>
-              <a:t>5.:</a:t>
+              <a:t> welches Format man konvertiert ist dabei egal, es muss nur eine rundungsfreies + </a:t>
             </a:r>
             <a:r>
               <a:rPr lang="de-DE" baseline="0" dirty="0" smtClean="0"/>
-              <a:t> dadurch Approximation nur mit </a:t>
-            </a:r>
-            <a:r>
-              <a:rPr lang="de-DE" baseline="0" dirty="0" err="1" smtClean="0"/>
-              <a:t>if</a:t>
-            </a:r>
+              <a:t>bereitstellen</a:t>
+            </a:r>
+          </a:p>
+          <a:p>
+            <a:endParaRPr lang="de-DE" baseline="0" dirty="0" smtClean="0"/>
+          </a:p>
+          <a:p>
             <a:r>
               <a:rPr lang="de-DE" baseline="0" dirty="0" smtClean="0"/>
-              <a:t>-Abfrage möglich</a:t>
-            </a:r>
-          </a:p>
-          <a:p>
-            <a:r>
-              <a:rPr lang="de-DE" baseline="0" dirty="0" smtClean="0"/>
-              <a:t>6.: links: </a:t>
-            </a:r>
-            <a:r>
-              <a:rPr lang="de-DE" baseline="0" dirty="0" err="1" smtClean="0"/>
-              <a:t>approximation</a:t>
-            </a:r>
-            <a:r>
-              <a:rPr lang="de-DE" baseline="0" dirty="0" smtClean="0"/>
-              <a:t>, rechts: Fehlerwerte</a:t>
+              <a:t>TODO: Val + typ</a:t>
             </a:r>
             <a:endParaRPr lang="de-DE" dirty="0" smtClean="0"/>
           </a:p>
@@ -2970,7 +3109,7 @@
           <a:p>
             <a:fld id="{20B9A31A-7520-47FC-8BE6-F59185D08E66}" type="slidenum">
               <a:rPr lang="de-DE" smtClean="0"/>
-              <a:t>9</a:t>
+              <a:t>8</a:t>
             </a:fld>
             <a:endParaRPr lang="de-DE"/>
           </a:p>
@@ -2979,7 +3118,7 @@
     </p:spTree>
     <p:extLst>
       <p:ext uri="{BB962C8B-B14F-4D97-AF65-F5344CB8AC3E}">
-        <p14:creationId xmlns:p14="http://schemas.microsoft.com/office/powerpoint/2010/main" val="2887612269"/>
+        <p14:creationId xmlns:p14="http://schemas.microsoft.com/office/powerpoint/2010/main" val="980952061"/>
       </p:ext>
     </p:extLst>
   </p:cSld>
@@ -3035,68 +3174,103 @@
           <a:p>
             <a:r>
               <a:rPr lang="de-DE" dirty="0" smtClean="0"/>
-              <a:t>FEHLERFREIES</a:t>
+              <a:t>1+2.: nicht</a:t>
             </a:r>
             <a:r>
               <a:rPr lang="de-DE" baseline="0" dirty="0" smtClean="0"/>
-              <a:t> Weiterrechnen</a:t>
-            </a:r>
-          </a:p>
-          <a:p>
+              <a:t> </a:t>
+            </a:r>
+            <a:r>
+              <a:rPr lang="de-DE" dirty="0" smtClean="0"/>
+              <a:t>ausgewertet,</a:t>
+            </a:r>
             <a:r>
               <a:rPr lang="de-DE" baseline="0" dirty="0" smtClean="0"/>
-              <a:t>1.: Mit Hinzufügen meine ich dazu addieren, und zwar nur unter Benutzung der IEEE Operationen (rundungsbehaftet) wg. Geschwindigkeit</a:t>
-            </a:r>
-          </a:p>
-          <a:p>
+              <a:t> da sonst die Präzision nicht ausreicht, Der Wert dieser Liste ist dann die exakte Summe der </a:t>
+            </a:r>
             <a:r>
               <a:rPr lang="de-DE" baseline="0" dirty="0" smtClean="0"/>
-              <a:t>TODO: </a:t>
+              <a:t>Komponenten</a:t>
+            </a:r>
+          </a:p>
+          <a:p>
+            <a:r>
+              <a:rPr lang="de-DE" baseline="0" dirty="0" smtClean="0"/>
+              <a:t>3.2.: Sonst: leere Liste zulässig (keine Approximation ohne Test mehr)</a:t>
+            </a:r>
+            <a:endParaRPr lang="de-DE" baseline="0" dirty="0" smtClean="0"/>
+          </a:p>
+          <a:p>
+            <a:r>
+              <a:rPr lang="de-DE" baseline="0" dirty="0" smtClean="0"/>
+              <a:t>3:  </a:t>
+            </a:r>
+            <a:r>
+              <a:rPr lang="de-DE" dirty="0" smtClean="0"/>
+              <a:t>Streichung von Null-Summanden, </a:t>
+            </a:r>
+            <a:r>
+              <a:rPr lang="de-DE" baseline="0" dirty="0" smtClean="0"/>
+              <a:t>Zusammenfassung von Komponenten, die exakt addierbar sind: </a:t>
             </a:r>
             <a:r>
               <a:rPr lang="de-DE" baseline="0" dirty="0" err="1" smtClean="0"/>
-              <a:t>fold</a:t>
+              <a:t>Shewchuck</a:t>
             </a:r>
             <a:r>
               <a:rPr lang="de-DE" baseline="0" dirty="0" smtClean="0"/>
-              <a:t> einfügen „bspw. so:“ (NICHT MEHR RECHNEN)</a:t>
-            </a:r>
-          </a:p>
-          <a:p>
+              <a:t>: am besten mit Sortierung groß/klein möglich, dann auch gute Approximation in der ersten Komponente</a:t>
+            </a:r>
+            <a:endParaRPr lang="de-DE" dirty="0" smtClean="0"/>
+          </a:p>
+          <a:p>
+            <a:r>
+              <a:rPr lang="de-DE" dirty="0" smtClean="0"/>
+              <a:t>3.2.:</a:t>
+            </a:r>
             <a:r>
               <a:rPr lang="de-DE" baseline="0" dirty="0" smtClean="0"/>
-              <a:t>2.: Laufzeitkomplexität von </a:t>
+              <a:t> </a:t>
+            </a:r>
+            <a:r>
+              <a:rPr lang="de-DE" baseline="0" dirty="0" smtClean="0"/>
+              <a:t>dadurch Approximation nur mit </a:t>
             </a:r>
             <a:r>
               <a:rPr lang="de-DE" baseline="0" dirty="0" err="1" smtClean="0"/>
-              <a:t>grow-mpf</a:t>
+              <a:t>if</a:t>
             </a:r>
             <a:r>
               <a:rPr lang="de-DE" baseline="0" dirty="0" smtClean="0"/>
-              <a:t> wird linear zur Listenlänge </a:t>
-            </a:r>
-            <a:r>
-              <a:rPr lang="de-DE" baseline="0" dirty="0" smtClean="0">
-                <a:sym typeface="Wingdings" panose="05000000000000000000" pitchFamily="2" charset="2"/>
-              </a:rPr>
-              <a:t> Addition so quadratisch. Besseres ist möglich (</a:t>
-            </a:r>
-            <a:r>
-              <a:rPr lang="de-DE" baseline="0" dirty="0" err="1" smtClean="0">
-                <a:sym typeface="Wingdings" panose="05000000000000000000" pitchFamily="2" charset="2"/>
-              </a:rPr>
-              <a:t>Shewchuk</a:t>
-            </a:r>
-            <a:r>
-              <a:rPr lang="de-DE" baseline="0" dirty="0" smtClean="0">
-                <a:sym typeface="Wingdings" panose="05000000000000000000" pitchFamily="2" charset="2"/>
-              </a:rPr>
-              <a:t>)</a:t>
-            </a:r>
+              <a:t>-Abfrage möglich</a:t>
+            </a:r>
+          </a:p>
+          <a:p>
+            <a:r>
+              <a:rPr lang="de-DE" baseline="0" dirty="0" smtClean="0"/>
+              <a:t>6.: links: </a:t>
+            </a:r>
+            <a:r>
+              <a:rPr lang="de-DE" baseline="0" dirty="0" err="1" smtClean="0"/>
+              <a:t>approximation</a:t>
+            </a:r>
+            <a:r>
+              <a:rPr lang="de-DE" baseline="0" dirty="0" smtClean="0"/>
+              <a:t>, rechts: </a:t>
+            </a:r>
+            <a:r>
+              <a:rPr lang="de-DE" baseline="0" dirty="0" smtClean="0"/>
+              <a:t>Fehlerwerte</a:t>
+            </a:r>
+          </a:p>
+          <a:p>
             <a:endParaRPr lang="de-DE" baseline="0" dirty="0" smtClean="0"/>
           </a:p>
           <a:p>
-            <a:endParaRPr lang="de-DE" dirty="0"/>
+            <a:r>
+              <a:rPr lang="de-DE" baseline="0" dirty="0" smtClean="0"/>
+              <a:t>TODO: Beispiel</a:t>
+            </a:r>
           </a:p>
         </p:txBody>
       </p:sp>
@@ -3117,7 +3291,7 @@
           <a:p>
             <a:fld id="{20B9A31A-7520-47FC-8BE6-F59185D08E66}" type="slidenum">
               <a:rPr lang="de-DE" smtClean="0"/>
-              <a:t>10</a:t>
+              <a:t>9</a:t>
             </a:fld>
             <a:endParaRPr lang="de-DE"/>
           </a:p>
@@ -3126,7 +3300,7 @@
     </p:spTree>
     <p:extLst>
       <p:ext uri="{BB962C8B-B14F-4D97-AF65-F5344CB8AC3E}">
-        <p14:creationId xmlns:p14="http://schemas.microsoft.com/office/powerpoint/2010/main" val="3978189600"/>
+        <p14:creationId xmlns:p14="http://schemas.microsoft.com/office/powerpoint/2010/main" val="2887612269"/>
       </p:ext>
     </p:extLst>
   </p:cSld>
@@ -3267,7 +3441,7 @@
           <a:p>
             <a:fld id="{0EA37209-CA55-44C6-8745-FBE4FCAAA377}" type="datetimeFigureOut">
               <a:rPr lang="de-DE" smtClean="0"/>
-              <a:t>22.03.2016</a:t>
+              <a:t>29.03.2016</a:t>
             </a:fld>
             <a:endParaRPr lang="de-DE"/>
           </a:p>
@@ -3437,7 +3611,7 @@
           <a:p>
             <a:fld id="{0EA37209-CA55-44C6-8745-FBE4FCAAA377}" type="datetimeFigureOut">
               <a:rPr lang="de-DE" smtClean="0"/>
-              <a:t>23.03.2016</a:t>
+              <a:t>29.03.2016</a:t>
             </a:fld>
             <a:endParaRPr lang="de-DE"/>
           </a:p>
@@ -3617,7 +3791,7 @@
           <a:p>
             <a:fld id="{0EA37209-CA55-44C6-8745-FBE4FCAAA377}" type="datetimeFigureOut">
               <a:rPr lang="de-DE" smtClean="0"/>
-              <a:t>23.03.2016</a:t>
+              <a:t>29.03.2016</a:t>
             </a:fld>
             <a:endParaRPr lang="de-DE"/>
           </a:p>
@@ -3787,7 +3961,7 @@
           <a:p>
             <a:fld id="{0EA37209-CA55-44C6-8745-FBE4FCAAA377}" type="datetimeFigureOut">
               <a:rPr lang="de-DE" smtClean="0"/>
-              <a:t>23.03.2016</a:t>
+              <a:t>29.03.2016</a:t>
             </a:fld>
             <a:endParaRPr lang="de-DE"/>
           </a:p>
@@ -4033,7 +4207,7 @@
           <a:p>
             <a:fld id="{0EA37209-CA55-44C6-8745-FBE4FCAAA377}" type="datetimeFigureOut">
               <a:rPr lang="de-DE" smtClean="0"/>
-              <a:t>23.03.2016</a:t>
+              <a:t>29.03.2016</a:t>
             </a:fld>
             <a:endParaRPr lang="de-DE"/>
           </a:p>
@@ -4265,7 +4439,7 @@
           <a:p>
             <a:fld id="{0EA37209-CA55-44C6-8745-FBE4FCAAA377}" type="datetimeFigureOut">
               <a:rPr lang="de-DE" smtClean="0"/>
-              <a:t>23.03.2016</a:t>
+              <a:t>29.03.2016</a:t>
             </a:fld>
             <a:endParaRPr lang="de-DE"/>
           </a:p>
@@ -4632,7 +4806,7 @@
           <a:p>
             <a:fld id="{0EA37209-CA55-44C6-8745-FBE4FCAAA377}" type="datetimeFigureOut">
               <a:rPr lang="de-DE" smtClean="0"/>
-              <a:t>23.03.2016</a:t>
+              <a:t>29.03.2016</a:t>
             </a:fld>
             <a:endParaRPr lang="de-DE"/>
           </a:p>
@@ -4750,7 +4924,7 @@
           <a:p>
             <a:fld id="{0EA37209-CA55-44C6-8745-FBE4FCAAA377}" type="datetimeFigureOut">
               <a:rPr lang="de-DE" smtClean="0"/>
-              <a:t>23.03.2016</a:t>
+              <a:t>29.03.2016</a:t>
             </a:fld>
             <a:endParaRPr lang="de-DE"/>
           </a:p>
@@ -4845,7 +5019,7 @@
           <a:p>
             <a:fld id="{0EA37209-CA55-44C6-8745-FBE4FCAAA377}" type="datetimeFigureOut">
               <a:rPr lang="de-DE" smtClean="0"/>
-              <a:t>23.03.2016</a:t>
+              <a:t>29.03.2016</a:t>
             </a:fld>
             <a:endParaRPr lang="de-DE"/>
           </a:p>
@@ -5122,7 +5296,7 @@
           <a:p>
             <a:fld id="{0EA37209-CA55-44C6-8745-FBE4FCAAA377}" type="datetimeFigureOut">
               <a:rPr lang="de-DE" smtClean="0"/>
-              <a:t>23.03.2016</a:t>
+              <a:t>29.03.2016</a:t>
             </a:fld>
             <a:endParaRPr lang="de-DE"/>
           </a:p>
@@ -5375,7 +5549,7 @@
           <a:p>
             <a:fld id="{0EA37209-CA55-44C6-8745-FBE4FCAAA377}" type="datetimeFigureOut">
               <a:rPr lang="de-DE" smtClean="0"/>
-              <a:t>23.03.2016</a:t>
+              <a:t>29.03.2016</a:t>
             </a:fld>
             <a:endParaRPr lang="de-DE"/>
           </a:p>
@@ -5588,7 +5762,7 @@
           <a:p>
             <a:fld id="{0EA37209-CA55-44C6-8745-FBE4FCAAA377}" type="datetimeFigureOut">
               <a:rPr lang="de-DE" smtClean="0"/>
-              <a:t>22.03.2016</a:t>
+              <a:t>29.03.2016</a:t>
             </a:fld>
             <a:endParaRPr lang="de-DE"/>
           </a:p>
@@ -6002,7 +6176,7 @@
           <p:nvPr/>
         </p:nvPicPr>
         <p:blipFill rotWithShape="1">
-          <a:blip r:embed="rId2"/>
+          <a:blip r:embed="rId3"/>
           <a:srcRect t="6723" b="49868"/>
           <a:stretch/>
         </p:blipFill>
@@ -6025,7 +6199,7 @@
           <p:nvPr/>
         </p:nvPicPr>
         <p:blipFill rotWithShape="1">
-          <a:blip r:embed="rId3"/>
+          <a:blip r:embed="rId4"/>
           <a:srcRect b="51409"/>
           <a:stretch/>
         </p:blipFill>
@@ -6048,7 +6222,7 @@
           <p:nvPr/>
         </p:nvPicPr>
         <p:blipFill rotWithShape="1">
-          <a:blip r:embed="rId4"/>
+          <a:blip r:embed="rId5"/>
           <a:srcRect l="28290" t="62984" r="29544" b="24692"/>
           <a:stretch/>
         </p:blipFill>
@@ -6116,7 +6290,15 @@
           <a:p>
             <a:r>
               <a:rPr lang="de-DE" dirty="0" smtClean="0"/>
-              <a:t>Schritt 3a: Algorithmen zum Weiterrechnen</a:t>
+              <a:t>Schritt </a:t>
+            </a:r>
+            <a:r>
+              <a:rPr lang="de-DE" dirty="0" smtClean="0"/>
+              <a:t>3: </a:t>
+            </a:r>
+            <a:r>
+              <a:rPr lang="de-DE" dirty="0" smtClean="0"/>
+              <a:t>Algorithmen zum Weiterrechnen</a:t>
             </a:r>
             <a:endParaRPr lang="de-DE" dirty="0"/>
           </a:p>
@@ -6175,7 +6357,6 @@
               <a:rPr lang="de-DE" dirty="0" smtClean="0"/>
               <a:t>-Algorithmus</a:t>
             </a:r>
-            <a:endParaRPr lang="de-DE" dirty="0" smtClean="0"/>
           </a:p>
           <a:p>
             <a:r>
@@ -6198,11 +6379,7 @@
             </a:pPr>
             <a:r>
               <a:rPr lang="de-DE" dirty="0" smtClean="0"/>
-              <a:t>	</a:t>
-            </a:r>
-            <a:r>
-              <a:rPr lang="de-DE" dirty="0" smtClean="0"/>
-              <a:t> ⟶ Addition innerhalb der </a:t>
+              <a:t>	 ⟶ Addition innerhalb der </a:t>
             </a:r>
             <a:r>
               <a:rPr lang="de-DE" i="1" dirty="0" err="1" smtClean="0"/>
@@ -6489,7 +6666,11 @@
           <a:p>
             <a:r>
               <a:rPr lang="de-DE" dirty="0" smtClean="0"/>
-              <a:t>Schritt 3b: </a:t>
+              <a:t>Schritt </a:t>
+            </a:r>
+            <a:r>
+              <a:rPr lang="de-DE" dirty="0" smtClean="0"/>
+              <a:t>3: </a:t>
             </a:r>
             <a:r>
               <a:rPr lang="de-DE" dirty="0" err="1" smtClean="0"/>
@@ -6499,6 +6680,198 @@
           </a:p>
         </p:txBody>
       </p:sp>
+      <p:pic>
+        <p:nvPicPr>
+          <p:cNvPr id="4" name="Inhaltsplatzhalter 3"/>
+          <p:cNvPicPr>
+            <a:picLocks noGrp="1" noChangeAspect="1"/>
+          </p:cNvPicPr>
+          <p:nvPr>
+            <p:ph idx="1"/>
+          </p:nvPr>
+        </p:nvPicPr>
+        <p:blipFill rotWithShape="1">
+          <a:blip r:embed="rId3">
+            <a:extLst>
+              <a:ext uri="{28A0092B-C50C-407E-A947-70E740481C1C}">
+                <a14:useLocalDpi xmlns:a14="http://schemas.microsoft.com/office/drawing/2010/main" val="0"/>
+              </a:ext>
+            </a:extLst>
+          </a:blip>
+          <a:srcRect t="5732"/>
+          <a:stretch/>
+        </p:blipFill>
+        <p:spPr>
+          <a:xfrm>
+            <a:off x="2139568" y="1389552"/>
+            <a:ext cx="7041833" cy="4658322"/>
+          </a:xfrm>
+        </p:spPr>
+      </p:pic>
+      <p:sp>
+        <p:nvSpPr>
+          <p:cNvPr id="5" name="Textfeld 4"/>
+          <p:cNvSpPr txBox="1"/>
+          <p:nvPr/>
+        </p:nvSpPr>
+        <p:spPr>
+          <a:xfrm>
+            <a:off x="3015916" y="6047874"/>
+            <a:ext cx="9176084" cy="523220"/>
+          </a:xfrm>
+          <a:prstGeom prst="rect">
+            <a:avLst/>
+          </a:prstGeom>
+          <a:noFill/>
+        </p:spPr>
+        <p:txBody>
+          <a:bodyPr wrap="square" rtlCol="0">
+            <a:spAutoFit/>
+          </a:bodyPr>
+          <a:lstStyle/>
+          <a:p>
+            <a:r>
+              <a:rPr lang="de-DE" sz="2800" i="1" dirty="0" err="1" smtClean="0"/>
+              <a:t>float</a:t>
+            </a:r>
+            <a:r>
+              <a:rPr lang="de-DE" sz="2800" dirty="0" smtClean="0">
+                <a:solidFill>
+                  <a:schemeClr val="accent1">
+                    <a:lumMod val="50000"/>
+                  </a:schemeClr>
+                </a:solidFill>
+              </a:rPr>
+              <a:t> </a:t>
+            </a:r>
+            <a:r>
+              <a:rPr lang="de-DE" sz="2800" dirty="0">
+                <a:solidFill>
+                  <a:schemeClr val="accent1">
+                    <a:lumMod val="50000"/>
+                  </a:schemeClr>
+                </a:solidFill>
+              </a:rPr>
+              <a:t>f</a:t>
+            </a:r>
+            <a:r>
+              <a:rPr lang="de-DE" sz="2800" dirty="0" smtClean="0">
+                <a:solidFill>
+                  <a:schemeClr val="accent1">
+                    <a:lumMod val="50000"/>
+                  </a:schemeClr>
+                </a:solidFill>
+              </a:rPr>
+              <a:t> </a:t>
+            </a:r>
+            <a:r>
+              <a:rPr lang="de-DE" sz="2800" dirty="0" smtClean="0"/>
+              <a:t>wird zum </a:t>
+            </a:r>
+            <a:r>
+              <a:rPr lang="de-DE" sz="2800" i="1" dirty="0" err="1" smtClean="0"/>
+              <a:t>mpf</a:t>
+            </a:r>
+            <a:r>
+              <a:rPr lang="de-DE" sz="2800" dirty="0" smtClean="0"/>
+              <a:t> (</a:t>
+            </a:r>
+            <a:r>
+              <a:rPr lang="de-DE" sz="2800" dirty="0" smtClean="0">
+                <a:solidFill>
+                  <a:schemeClr val="accent1">
+                    <a:lumMod val="50000"/>
+                  </a:schemeClr>
+                </a:solidFill>
+              </a:rPr>
+              <a:t>a</a:t>
+            </a:r>
+            <a:r>
+              <a:rPr lang="de-DE" sz="2800" dirty="0" smtClean="0"/>
+              <a:t>, </a:t>
+            </a:r>
+            <a:r>
+              <a:rPr lang="de-DE" sz="2800" dirty="0" smtClean="0">
+                <a:solidFill>
+                  <a:schemeClr val="accent1">
+                    <a:lumMod val="50000"/>
+                  </a:schemeClr>
+                </a:solidFill>
+              </a:rPr>
+              <a:t>es</a:t>
+            </a:r>
+            <a:r>
+              <a:rPr lang="de-DE" sz="2800" dirty="0" smtClean="0"/>
+              <a:t>) addiert.</a:t>
+            </a:r>
+            <a:endParaRPr lang="de-DE" sz="2800" dirty="0"/>
+          </a:p>
+        </p:txBody>
+      </p:sp>
+    </p:spTree>
+    <p:extLst>
+      <p:ext uri="{BB962C8B-B14F-4D97-AF65-F5344CB8AC3E}">
+        <p14:creationId xmlns:p14="http://schemas.microsoft.com/office/powerpoint/2010/main" val="2252977938"/>
+      </p:ext>
+    </p:extLst>
+  </p:cSld>
+  <p:clrMapOvr>
+    <a:masterClrMapping/>
+  </p:clrMapOvr>
+  <p:timing>
+    <p:tnLst>
+      <p:par>
+        <p:cTn id="1" dur="indefinite" restart="never" nodeType="tmRoot"/>
+      </p:par>
+    </p:tnLst>
+  </p:timing>
+</p:sld>
+</file>
+
+<file path=ppt/slides/slide12.xml><?xml version="1.0" encoding="utf-8"?>
+<p:sld xmlns:a="http://schemas.openxmlformats.org/drawingml/2006/main" xmlns:r="http://schemas.openxmlformats.org/officeDocument/2006/relationships" xmlns:p="http://schemas.openxmlformats.org/presentationml/2006/main">
+  <p:cSld>
+    <p:spTree>
+      <p:nvGrpSpPr>
+        <p:cNvPr id="1" name=""/>
+        <p:cNvGrpSpPr/>
+        <p:nvPr/>
+      </p:nvGrpSpPr>
+      <p:grpSpPr>
+        <a:xfrm>
+          <a:off x="0" y="0"/>
+          <a:ext cx="0" cy="0"/>
+          <a:chOff x="0" y="0"/>
+          <a:chExt cx="0" cy="0"/>
+        </a:xfrm>
+      </p:grpSpPr>
+      <p:sp>
+        <p:nvSpPr>
+          <p:cNvPr id="2" name="Titel 1"/>
+          <p:cNvSpPr>
+            <a:spLocks noGrp="1"/>
+          </p:cNvSpPr>
+          <p:nvPr>
+            <p:ph type="title"/>
+          </p:nvPr>
+        </p:nvSpPr>
+        <p:spPr/>
+        <p:txBody>
+          <a:bodyPr/>
+          <a:lstStyle/>
+          <a:p>
+            <a:r>
+              <a:rPr lang="de-DE" dirty="0" err="1" smtClean="0"/>
+              <a:t>grow-mpf</a:t>
+            </a:r>
+            <a:r>
+              <a:rPr lang="de-DE" dirty="0" smtClean="0"/>
+              <a:t> in Isabelle</a:t>
+            </a:r>
+            <a:endParaRPr lang="de-DE" dirty="0"/>
+          </a:p>
+        </p:txBody>
+      </p:sp>
       <p:sp>
         <p:nvSpPr>
           <p:cNvPr id="3" name="Inhaltsplatzhalter 2"/>
@@ -6514,23 +6887,122 @@
           <a:bodyPr/>
           <a:lstStyle/>
           <a:p>
-            <a:r>
-              <a:rPr lang="de-DE" dirty="0" smtClean="0"/>
-              <a:t>Erste Idee: Neuen </a:t>
+            <a:endParaRPr lang="de-DE" dirty="0"/>
+          </a:p>
+        </p:txBody>
+      </p:sp>
+    </p:spTree>
+    <p:extLst>
+      <p:ext uri="{BB962C8B-B14F-4D97-AF65-F5344CB8AC3E}">
+        <p14:creationId xmlns:p14="http://schemas.microsoft.com/office/powerpoint/2010/main" val="4086910333"/>
+      </p:ext>
+    </p:extLst>
+  </p:cSld>
+  <p:clrMapOvr>
+    <a:masterClrMapping/>
+  </p:clrMapOvr>
+  <p:timing>
+    <p:tnLst>
+      <p:par>
+        <p:cTn id="1" dur="indefinite" restart="never" nodeType="tmRoot"/>
+      </p:par>
+    </p:tnLst>
+  </p:timing>
+</p:sld>
+</file>
+
+<file path=ppt/slides/slide13.xml><?xml version="1.0" encoding="utf-8"?>
+<p:sld xmlns:a="http://schemas.openxmlformats.org/drawingml/2006/main" xmlns:r="http://schemas.openxmlformats.org/officeDocument/2006/relationships" xmlns:p="http://schemas.openxmlformats.org/presentationml/2006/main">
+  <p:cSld>
+    <p:spTree>
+      <p:nvGrpSpPr>
+        <p:cNvPr id="1" name=""/>
+        <p:cNvGrpSpPr/>
+        <p:nvPr/>
+      </p:nvGrpSpPr>
+      <p:grpSpPr>
+        <a:xfrm>
+          <a:off x="0" y="0"/>
+          <a:ext cx="0" cy="0"/>
+          <a:chOff x="0" y="0"/>
+          <a:chExt cx="0" cy="0"/>
+        </a:xfrm>
+      </p:grpSpPr>
+      <p:sp>
+        <p:nvSpPr>
+          <p:cNvPr id="2" name="Titel 1"/>
+          <p:cNvSpPr>
+            <a:spLocks noGrp="1"/>
+          </p:cNvSpPr>
+          <p:nvPr>
+            <p:ph type="title"/>
+          </p:nvPr>
+        </p:nvSpPr>
+        <p:spPr/>
+        <p:txBody>
+          <a:bodyPr>
+            <a:normAutofit/>
+          </a:bodyPr>
+          <a:lstStyle/>
+          <a:p>
+            <a:r>
+              <a:rPr lang="de-DE" sz="4300" dirty="0" smtClean="0"/>
+              <a:t>Korrektheitsbeweise: Aussagen über </a:t>
+            </a:r>
+            <a:r>
+              <a:rPr lang="de-DE" sz="4300" i="1" dirty="0" err="1" smtClean="0"/>
+              <a:t>grow-mpf</a:t>
+            </a:r>
+            <a:endParaRPr lang="de-DE" sz="4300" i="1" dirty="0"/>
+          </a:p>
+        </p:txBody>
+      </p:sp>
+      <p:sp>
+        <p:nvSpPr>
+          <p:cNvPr id="3" name="Inhaltsplatzhalter 2"/>
+          <p:cNvSpPr>
+            <a:spLocks noGrp="1"/>
+          </p:cNvSpPr>
+          <p:nvPr>
+            <p:ph idx="1"/>
+          </p:nvPr>
+        </p:nvSpPr>
+        <p:spPr/>
+        <p:txBody>
+          <a:bodyPr/>
+          <a:lstStyle/>
+          <a:p>
+            <a:r>
+              <a:rPr lang="de-DE" i="1" dirty="0" err="1"/>
+              <a:t>g</a:t>
+            </a:r>
+            <a:r>
+              <a:rPr lang="de-DE" i="1" dirty="0" err="1" smtClean="0"/>
+              <a:t>row-mpf</a:t>
+            </a:r>
+            <a:r>
+              <a:rPr lang="de-DE" dirty="0" smtClean="0"/>
+              <a:t> führt nur </a:t>
+            </a:r>
+            <a:r>
+              <a:rPr lang="de-DE" i="1" dirty="0" err="1" smtClean="0"/>
+              <a:t>TwoSum</a:t>
+            </a:r>
+            <a:r>
+              <a:rPr lang="de-DE" dirty="0" smtClean="0"/>
+              <a:t>-Operationen auf </a:t>
             </a:r>
             <a:r>
               <a:rPr lang="de-DE" i="1" dirty="0" err="1" smtClean="0"/>
               <a:t>float</a:t>
             </a:r>
             <a:r>
-              <a:rPr lang="de-DE" dirty="0" smtClean="0"/>
-              <a:t>-Wert einfach an Liste anhängen</a:t>
-            </a:r>
-          </a:p>
-          <a:p>
-            <a:r>
-              <a:rPr lang="de-DE" dirty="0" smtClean="0"/>
-              <a:t>Problem: Liste nach jeder </a:t>
+              <a:rPr lang="de-DE" dirty="0" err="1" smtClean="0"/>
+              <a:t>s</a:t>
+            </a:r>
+            <a:r>
+              <a:rPr lang="de-DE" dirty="0" smtClean="0"/>
+              <a:t> im </a:t>
             </a:r>
             <a:r>
               <a:rPr lang="de-DE" i="1" dirty="0" err="1" smtClean="0"/>
@@ -6538,7 +7010,7 @@
             </a:r>
             <a:r>
               <a:rPr lang="de-DE" dirty="0" smtClean="0"/>
-              <a:t>-Operation länger</a:t>
+              <a:t> aus</a:t>
             </a:r>
           </a:p>
           <a:p>
@@ -6551,86 +7023,368 @@
             </a:r>
             <a:r>
               <a:rPr lang="de-DE" dirty="0" smtClean="0"/>
-              <a:t> ⟶ Aussage über </a:t>
+              <a:t> ⟶ nur fehlerfreie Transformationen</a:t>
+            </a:r>
+          </a:p>
+          <a:p>
+            <a:r>
+              <a:rPr lang="de-DE" dirty="0" smtClean="0"/>
+              <a:t>Korrektheit:</a:t>
+            </a:r>
+          </a:p>
+          <a:p>
+            <a:endParaRPr lang="de-DE" dirty="0" smtClean="0"/>
+          </a:p>
+          <a:p>
+            <a:endParaRPr lang="de-DE" i="1" dirty="0" smtClean="0"/>
+          </a:p>
+        </p:txBody>
+      </p:sp>
+      <p:pic>
+        <p:nvPicPr>
+          <p:cNvPr id="4" name="Grafik 3"/>
+          <p:cNvPicPr>
+            <a:picLocks noChangeAspect="1"/>
+          </p:cNvPicPr>
+          <p:nvPr/>
+        </p:nvPicPr>
+        <p:blipFill>
+          <a:blip r:embed="rId3"/>
+          <a:stretch>
+            <a:fillRect/>
+          </a:stretch>
+        </p:blipFill>
+        <p:spPr>
+          <a:xfrm>
+            <a:off x="3331028" y="2798096"/>
+            <a:ext cx="6968217" cy="3917709"/>
+          </a:xfrm>
+          <a:prstGeom prst="rect">
+            <a:avLst/>
+          </a:prstGeom>
+        </p:spPr>
+      </p:pic>
+    </p:spTree>
+    <p:extLst>
+      <p:ext uri="{BB962C8B-B14F-4D97-AF65-F5344CB8AC3E}">
+        <p14:creationId xmlns:p14="http://schemas.microsoft.com/office/powerpoint/2010/main" val="753109838"/>
+      </p:ext>
+    </p:extLst>
+  </p:cSld>
+  <p:clrMapOvr>
+    <a:masterClrMapping/>
+  </p:clrMapOvr>
+  <p:timing>
+    <p:tnLst>
+      <p:par>
+        <p:cTn id="1" dur="indefinite" restart="never" nodeType="tmRoot">
+          <p:childTnLst>
+            <p:seq concurrent="1" nextAc="seek">
+              <p:cTn id="2" dur="indefinite" nodeType="mainSeq">
+                <p:childTnLst>
+                  <p:par>
+                    <p:cTn id="3" fill="hold">
+                      <p:stCondLst>
+                        <p:cond delay="indefinite"/>
+                      </p:stCondLst>
+                      <p:childTnLst>
+                        <p:par>
+                          <p:cTn id="4" fill="hold">
+                            <p:stCondLst>
+                              <p:cond delay="0"/>
+                            </p:stCondLst>
+                            <p:childTnLst>
+                              <p:par>
+                                <p:cTn id="5" presetID="1" presetClass="entr" presetSubtype="0" fill="hold" nodeType="clickEffect">
+                                  <p:stCondLst>
+                                    <p:cond delay="0"/>
+                                  </p:stCondLst>
+                                  <p:childTnLst>
+                                    <p:set>
+                                      <p:cBhvr>
+                                        <p:cTn id="6" dur="1" fill="hold">
+                                          <p:stCondLst>
+                                            <p:cond delay="0"/>
+                                          </p:stCondLst>
+                                        </p:cTn>
+                                        <p:tgtEl>
+                                          <p:spTgt spid="3">
+                                            <p:txEl>
+                                              <p:pRg st="0" end="0"/>
+                                            </p:txEl>
+                                          </p:spTgt>
+                                        </p:tgtEl>
+                                        <p:attrNameLst>
+                                          <p:attrName>style.visibility</p:attrName>
+                                        </p:attrNameLst>
+                                      </p:cBhvr>
+                                      <p:to>
+                                        <p:strVal val="visible"/>
+                                      </p:to>
+                                    </p:set>
+                                  </p:childTnLst>
+                                </p:cTn>
+                              </p:par>
+                            </p:childTnLst>
+                          </p:cTn>
+                        </p:par>
+                      </p:childTnLst>
+                    </p:cTn>
+                  </p:par>
+                  <p:par>
+                    <p:cTn id="7" fill="hold">
+                      <p:stCondLst>
+                        <p:cond delay="indefinite"/>
+                      </p:stCondLst>
+                      <p:childTnLst>
+                        <p:par>
+                          <p:cTn id="8" fill="hold">
+                            <p:stCondLst>
+                              <p:cond delay="0"/>
+                            </p:stCondLst>
+                            <p:childTnLst>
+                              <p:par>
+                                <p:cTn id="9" presetID="1" presetClass="entr" presetSubtype="0" fill="hold" nodeType="clickEffect">
+                                  <p:stCondLst>
+                                    <p:cond delay="0"/>
+                                  </p:stCondLst>
+                                  <p:childTnLst>
+                                    <p:set>
+                                      <p:cBhvr>
+                                        <p:cTn id="10" dur="1" fill="hold">
+                                          <p:stCondLst>
+                                            <p:cond delay="0"/>
+                                          </p:stCondLst>
+                                        </p:cTn>
+                                        <p:tgtEl>
+                                          <p:spTgt spid="3">
+                                            <p:txEl>
+                                              <p:pRg st="1" end="1"/>
+                                            </p:txEl>
+                                          </p:spTgt>
+                                        </p:tgtEl>
+                                        <p:attrNameLst>
+                                          <p:attrName>style.visibility</p:attrName>
+                                        </p:attrNameLst>
+                                      </p:cBhvr>
+                                      <p:to>
+                                        <p:strVal val="visible"/>
+                                      </p:to>
+                                    </p:set>
+                                  </p:childTnLst>
+                                </p:cTn>
+                              </p:par>
+                            </p:childTnLst>
+                          </p:cTn>
+                        </p:par>
+                      </p:childTnLst>
+                    </p:cTn>
+                  </p:par>
+                  <p:par>
+                    <p:cTn id="11" fill="hold">
+                      <p:stCondLst>
+                        <p:cond delay="indefinite"/>
+                      </p:stCondLst>
+                      <p:childTnLst>
+                        <p:par>
+                          <p:cTn id="12" fill="hold">
+                            <p:stCondLst>
+                              <p:cond delay="0"/>
+                            </p:stCondLst>
+                            <p:childTnLst>
+                              <p:par>
+                                <p:cTn id="13" presetID="1" presetClass="entr" presetSubtype="0" fill="hold" nodeType="clickEffect">
+                                  <p:stCondLst>
+                                    <p:cond delay="0"/>
+                                  </p:stCondLst>
+                                  <p:childTnLst>
+                                    <p:set>
+                                      <p:cBhvr>
+                                        <p:cTn id="14" dur="1" fill="hold">
+                                          <p:stCondLst>
+                                            <p:cond delay="0"/>
+                                          </p:stCondLst>
+                                        </p:cTn>
+                                        <p:tgtEl>
+                                          <p:spTgt spid="3">
+                                            <p:txEl>
+                                              <p:pRg st="2" end="2"/>
+                                            </p:txEl>
+                                          </p:spTgt>
+                                        </p:tgtEl>
+                                        <p:attrNameLst>
+                                          <p:attrName>style.visibility</p:attrName>
+                                        </p:attrNameLst>
+                                      </p:cBhvr>
+                                      <p:to>
+                                        <p:strVal val="visible"/>
+                                      </p:to>
+                                    </p:set>
+                                  </p:childTnLst>
+                                </p:cTn>
+                              </p:par>
+                            </p:childTnLst>
+                          </p:cTn>
+                        </p:par>
+                      </p:childTnLst>
+                    </p:cTn>
+                  </p:par>
+                </p:childTnLst>
+              </p:cTn>
+              <p:prevCondLst>
+                <p:cond evt="onPrev" delay="0">
+                  <p:tgtEl>
+                    <p:sldTgt/>
+                  </p:tgtEl>
+                </p:cond>
+              </p:prevCondLst>
+              <p:nextCondLst>
+                <p:cond evt="onNext" delay="0">
+                  <p:tgtEl>
+                    <p:sldTgt/>
+                  </p:tgtEl>
+                </p:cond>
+              </p:nextCondLst>
+            </p:seq>
+          </p:childTnLst>
+        </p:cTn>
+      </p:par>
+    </p:tnLst>
+  </p:timing>
+</p:sld>
+</file>
+
+<file path=ppt/slides/slide14.xml><?xml version="1.0" encoding="utf-8"?>
+<p:sld xmlns:a="http://schemas.openxmlformats.org/drawingml/2006/main" xmlns:r="http://schemas.openxmlformats.org/officeDocument/2006/relationships" xmlns:p="http://schemas.openxmlformats.org/presentationml/2006/main">
+  <p:cSld>
+    <p:spTree>
+      <p:nvGrpSpPr>
+        <p:cNvPr id="1" name=""/>
+        <p:cNvGrpSpPr/>
+        <p:nvPr/>
+      </p:nvGrpSpPr>
+      <p:grpSpPr>
+        <a:xfrm>
+          <a:off x="0" y="0"/>
+          <a:ext cx="0" cy="0"/>
+          <a:chOff x="0" y="0"/>
+          <a:chExt cx="0" cy="0"/>
+        </a:xfrm>
+      </p:grpSpPr>
+      <p:sp>
+        <p:nvSpPr>
+          <p:cNvPr id="2" name="Titel 1"/>
+          <p:cNvSpPr>
+            <a:spLocks noGrp="1"/>
+          </p:cNvSpPr>
+          <p:nvPr>
+            <p:ph type="title"/>
+          </p:nvPr>
+        </p:nvSpPr>
+        <p:spPr/>
+        <p:txBody>
+          <a:bodyPr/>
+          <a:lstStyle/>
+          <a:p>
+            <a:r>
+              <a:rPr lang="de-DE" dirty="0" smtClean="0"/>
+              <a:t>Korrektheitsbeweise: Behandlung von Spezialfällen</a:t>
+            </a:r>
+            <a:endParaRPr lang="de-DE" dirty="0"/>
+          </a:p>
+        </p:txBody>
+      </p:sp>
+      <p:sp>
+        <p:nvSpPr>
+          <p:cNvPr id="3" name="Inhaltsplatzhalter 2"/>
+          <p:cNvSpPr>
+            <a:spLocks noGrp="1"/>
+          </p:cNvSpPr>
+          <p:nvPr>
+            <p:ph idx="1"/>
+          </p:nvPr>
+        </p:nvSpPr>
+        <p:spPr/>
+        <p:txBody>
+          <a:bodyPr>
+            <a:normAutofit/>
+          </a:bodyPr>
+          <a:lstStyle/>
+          <a:p>
+            <a:r>
+              <a:rPr lang="de-DE" dirty="0" smtClean="0"/>
+              <a:t>Auftreten von Überlauf bei IEEE </a:t>
             </a:r>
             <a:r>
               <a:rPr lang="de-DE" i="1" dirty="0" err="1" smtClean="0"/>
-              <a:t>mpf</a:t>
-            </a:r>
-            <a:r>
-              <a:rPr lang="de-DE" dirty="0" smtClean="0"/>
-              <a:t>-Wert</a:t>
-            </a:r>
-            <a:r>
-              <a:rPr lang="de-DE" dirty="0" smtClean="0"/>
-              <a:t> schlecht möglich</a:t>
-            </a:r>
-          </a:p>
-          <a:p>
-            <a:r>
-              <a:rPr lang="de-DE" dirty="0" smtClean="0"/>
-              <a:t>Also: Zusammenführen/Auslöschen von Fehlern mittels </a:t>
-            </a:r>
-            <a:r>
-              <a:rPr lang="de-DE" i="1" dirty="0" err="1" smtClean="0"/>
-              <a:t>TwoSum</a:t>
-            </a:r>
-            <a:r>
-              <a:rPr lang="de-DE" i="1" dirty="0"/>
-              <a:t> </a:t>
-            </a:r>
-            <a:r>
-              <a:rPr lang="de-DE" i="1" dirty="0" smtClean="0"/>
-              <a:t>─ </a:t>
-            </a:r>
-            <a:r>
-              <a:rPr lang="de-DE" dirty="0" smtClean="0"/>
-              <a:t>rundungsfrei</a:t>
-            </a:r>
-            <a:endParaRPr lang="de-DE" i="1" dirty="0" smtClean="0"/>
+              <a:t>float</a:t>
+            </a:r>
+            <a:r>
+              <a:rPr lang="de-DE" dirty="0" err="1" smtClean="0"/>
+              <a:t>s</a:t>
+            </a:r>
+            <a:endParaRPr lang="de-DE" dirty="0" smtClean="0"/>
+          </a:p>
+          <a:p>
+            <a:r>
+              <a:rPr lang="de-DE" dirty="0" smtClean="0"/>
+              <a:t>Nach Überlauf (±∞): Ergebnis von Addition/Subtraktion keine endliche Zahl mehr</a:t>
+            </a:r>
           </a:p>
           <a:p>
             <a:pPr marL="0" indent="0">
               <a:buNone/>
             </a:pPr>
             <a:r>
-              <a:rPr lang="de-DE" i="1" dirty="0"/>
+              <a:rPr lang="de-DE" dirty="0" smtClean="0"/>
+              <a:t>	⟶ Möglichkeit zur Aussage: Wenn Ergebnis-</a:t>
+            </a:r>
+            <a:r>
+              <a:rPr lang="de-DE" dirty="0" err="1" smtClean="0"/>
+              <a:t>mpf</a:t>
+            </a:r>
+            <a:r>
+              <a:rPr lang="de-DE" dirty="0" smtClean="0"/>
+              <a:t> endlich, dann…</a:t>
+            </a:r>
+          </a:p>
+          <a:p>
+            <a:r>
+              <a:rPr lang="de-DE" dirty="0" smtClean="0"/>
+              <a:t>Fakt aber in </a:t>
+            </a:r>
+            <a:r>
+              <a:rPr lang="de-DE" i="1" dirty="0" err="1" smtClean="0"/>
+              <a:t>IEEE_Floating_Point</a:t>
+            </a:r>
+            <a:r>
+              <a:rPr lang="de-DE" dirty="0" smtClean="0"/>
+              <a:t> nicht </a:t>
+            </a:r>
+            <a:r>
+              <a:rPr lang="de-DE" dirty="0" smtClean="0"/>
+              <a:t>gegeben</a:t>
+            </a:r>
+          </a:p>
+          <a:p>
+            <a:pPr marL="0" indent="0">
+              <a:buNone/>
+            </a:pPr>
+            <a:r>
+              <a:rPr lang="de-DE" dirty="0"/>
               <a:t>	</a:t>
             </a:r>
             <a:r>
               <a:rPr lang="de-DE" dirty="0" smtClean="0"/>
-              <a:t>(Berechnung </a:t>
-            </a:r>
-            <a:r>
-              <a:rPr lang="de-DE" i="1" dirty="0" err="1" smtClean="0"/>
-              <a:t>TwoSum</a:t>
-            </a:r>
-            <a:r>
-              <a:rPr lang="de-DE" i="1" dirty="0" smtClean="0"/>
-              <a:t>: </a:t>
-            </a:r>
-            <a:r>
-              <a:rPr lang="de-DE" i="1" dirty="0" err="1" smtClean="0"/>
-              <a:t>float</a:t>
-            </a:r>
-            <a:r>
-              <a:rPr lang="de-DE" dirty="0" smtClean="0"/>
-              <a:t> </a:t>
-            </a:r>
-            <a:r>
-              <a:rPr lang="de-DE" dirty="0" smtClean="0"/>
-              <a:t>y, sodass a + b = x + y und x = a ⊕ b)</a:t>
-            </a:r>
-          </a:p>
-          <a:p>
-            <a:endParaRPr lang="de-DE" i="1" dirty="0" smtClean="0"/>
+              <a:t> ⟶ Stattdessen: Endlichkeit der Zwischenergebnisse aktiv 			sicherstellen</a:t>
+            </a:r>
           </a:p>
         </p:txBody>
       </p:sp>
     </p:spTree>
     <p:extLst>
       <p:ext uri="{BB962C8B-B14F-4D97-AF65-F5344CB8AC3E}">
-        <p14:creationId xmlns:p14="http://schemas.microsoft.com/office/powerpoint/2010/main" val="2983269207"/>
+        <p14:creationId xmlns:p14="http://schemas.microsoft.com/office/powerpoint/2010/main" val="1969664556"/>
       </p:ext>
     </p:extLst>
   </p:cSld>
@@ -6915,7 +7669,7 @@
 </p:sld>
 </file>
 
-<file path=ppt/slides/slide12.xml><?xml version="1.0" encoding="utf-8"?>
+<file path=ppt/slides/slide15.xml><?xml version="1.0" encoding="utf-8"?>
 <p:sld xmlns:a="http://schemas.openxmlformats.org/drawingml/2006/main" xmlns:r="http://schemas.openxmlformats.org/officeDocument/2006/relationships" xmlns:p="http://schemas.openxmlformats.org/presentationml/2006/main">
   <p:cSld>
     <p:spTree>
@@ -6949,148 +7703,448 @@
           <a:p>
             <a:r>
               <a:rPr lang="de-DE" dirty="0" smtClean="0"/>
-              <a:t>Schritt 3b: </a:t>
-            </a:r>
-            <a:r>
-              <a:rPr lang="de-DE" dirty="0" err="1" smtClean="0"/>
-              <a:t>grow-mpf</a:t>
-            </a:r>
+              <a:t>Korrektheitsbeweise: Benutzung von </a:t>
+            </a:r>
+            <a:r>
+              <a:rPr lang="de-DE" i="1" dirty="0" err="1" smtClean="0"/>
+              <a:t>option</a:t>
+            </a:r>
+            <a:endParaRPr lang="de-DE" i="1" dirty="0"/>
+          </a:p>
+        </p:txBody>
+      </p:sp>
+      <p:sp>
+        <p:nvSpPr>
+          <p:cNvPr id="3" name="Inhaltsplatzhalter 2"/>
+          <p:cNvSpPr>
+            <a:spLocks noGrp="1"/>
+          </p:cNvSpPr>
+          <p:nvPr>
+            <p:ph idx="1"/>
+          </p:nvPr>
+        </p:nvSpPr>
+        <p:spPr/>
+        <p:txBody>
+          <a:bodyPr/>
+          <a:lstStyle/>
+          <a:p>
+            <a:r>
+              <a:rPr lang="de-DE" dirty="0" smtClean="0"/>
+              <a:t>Also: </a:t>
+            </a:r>
+            <a:r>
+              <a:rPr lang="de-DE" i="1" dirty="0" err="1" smtClean="0"/>
+              <a:t>safe_TwoSum</a:t>
+            </a:r>
+            <a:endParaRPr lang="de-DE" i="1" dirty="0" smtClean="0"/>
+          </a:p>
+          <a:p>
             <a:endParaRPr lang="de-DE" dirty="0"/>
           </a:p>
         </p:txBody>
       </p:sp>
       <p:pic>
         <p:nvPicPr>
-          <p:cNvPr id="4" name="Inhaltsplatzhalter 3"/>
+          <p:cNvPr id="4" name="Grafik 3"/>
           <p:cNvPicPr>
-            <a:picLocks noGrp="1" noChangeAspect="1"/>
+            <a:picLocks noChangeAspect="1"/>
           </p:cNvPicPr>
-          <p:nvPr>
-            <p:ph idx="1"/>
-          </p:nvPr>
+          <p:nvPr/>
         </p:nvPicPr>
         <p:blipFill rotWithShape="1">
-          <a:blip r:embed="rId3">
-            <a:extLst>
-              <a:ext uri="{28A0092B-C50C-407E-A947-70E740481C1C}">
-                <a14:useLocalDpi xmlns:a14="http://schemas.microsoft.com/office/drawing/2010/main" val="0"/>
-              </a:ext>
-            </a:extLst>
-          </a:blip>
-          <a:srcRect t="5732"/>
+          <a:blip r:embed="rId3"/>
+          <a:srcRect l="16806" t="25531" r="47127" b="57960"/>
           <a:stretch/>
         </p:blipFill>
         <p:spPr>
           <a:xfrm>
-            <a:off x="2139568" y="1389552"/>
-            <a:ext cx="7041833" cy="4658322"/>
-          </a:xfrm>
-        </p:spPr>
-      </p:pic>
-      <p:sp>
-        <p:nvSpPr>
-          <p:cNvPr id="5" name="Textfeld 4"/>
-          <p:cNvSpPr txBox="1"/>
-          <p:nvPr/>
-        </p:nvSpPr>
-        <p:spPr>
-          <a:xfrm>
-            <a:off x="3015916" y="6047874"/>
-            <a:ext cx="9176084" cy="523220"/>
+            <a:off x="838199" y="2363043"/>
+            <a:ext cx="6856563" cy="1764556"/>
           </a:xfrm>
           <a:prstGeom prst="rect">
             <a:avLst/>
           </a:prstGeom>
-          <a:noFill/>
         </p:spPr>
-        <p:txBody>
-          <a:bodyPr wrap="square" rtlCol="0">
-            <a:spAutoFit/>
-          </a:bodyPr>
-          <a:lstStyle/>
-          <a:p>
-            <a:r>
-              <a:rPr lang="de-DE" sz="2800" i="1" dirty="0" err="1" smtClean="0"/>
-              <a:t>float</a:t>
-            </a:r>
-            <a:r>
-              <a:rPr lang="de-DE" sz="2800" dirty="0" smtClean="0">
-                <a:solidFill>
-                  <a:schemeClr val="accent1">
-                    <a:lumMod val="50000"/>
-                  </a:schemeClr>
-                </a:solidFill>
-              </a:rPr>
-              <a:t> </a:t>
-            </a:r>
-            <a:r>
-              <a:rPr lang="de-DE" sz="2800" dirty="0">
-                <a:solidFill>
-                  <a:schemeClr val="accent1">
-                    <a:lumMod val="50000"/>
-                  </a:schemeClr>
-                </a:solidFill>
-              </a:rPr>
-              <a:t>f</a:t>
-            </a:r>
-            <a:r>
-              <a:rPr lang="de-DE" sz="2800" dirty="0" smtClean="0">
-                <a:solidFill>
-                  <a:schemeClr val="accent1">
-                    <a:lumMod val="50000"/>
-                  </a:schemeClr>
-                </a:solidFill>
-              </a:rPr>
-              <a:t> </a:t>
-            </a:r>
-            <a:r>
-              <a:rPr lang="de-DE" sz="2800" dirty="0" smtClean="0"/>
-              <a:t>wird zum </a:t>
-            </a:r>
-            <a:r>
-              <a:rPr lang="de-DE" sz="2800" i="1" dirty="0" err="1" smtClean="0"/>
-              <a:t>mpf</a:t>
-            </a:r>
-            <a:r>
-              <a:rPr lang="de-DE" sz="2800" dirty="0" smtClean="0"/>
-              <a:t> (</a:t>
-            </a:r>
-            <a:r>
-              <a:rPr lang="de-DE" sz="2800" dirty="0" smtClean="0">
-                <a:solidFill>
-                  <a:schemeClr val="accent1">
-                    <a:lumMod val="50000"/>
-                  </a:schemeClr>
-                </a:solidFill>
-              </a:rPr>
-              <a:t>a</a:t>
-            </a:r>
-            <a:r>
-              <a:rPr lang="de-DE" sz="2800" dirty="0" smtClean="0"/>
-              <a:t>, </a:t>
-            </a:r>
-            <a:r>
-              <a:rPr lang="de-DE" sz="2800" dirty="0" smtClean="0">
-                <a:solidFill>
-                  <a:schemeClr val="accent1">
-                    <a:lumMod val="50000"/>
-                  </a:schemeClr>
-                </a:solidFill>
-              </a:rPr>
-              <a:t>es</a:t>
-            </a:r>
-            <a:r>
-              <a:rPr lang="de-DE" sz="2800" dirty="0" smtClean="0"/>
-              <a:t>) addiert.</a:t>
-            </a:r>
-            <a:endParaRPr lang="de-DE" sz="2800" dirty="0"/>
-          </a:p>
-        </p:txBody>
-      </p:sp>
+      </p:pic>
+      <p:pic>
+        <p:nvPicPr>
+          <p:cNvPr id="5" name="Grafik 4"/>
+          <p:cNvPicPr>
+            <a:picLocks noChangeAspect="1"/>
+          </p:cNvPicPr>
+          <p:nvPr/>
+        </p:nvPicPr>
+        <p:blipFill rotWithShape="1">
+          <a:blip r:embed="rId4"/>
+          <a:srcRect l="16806" t="22700" r="16231" b="58196"/>
+          <a:stretch/>
+        </p:blipFill>
+        <p:spPr>
+          <a:xfrm>
+            <a:off x="838199" y="4396444"/>
+            <a:ext cx="11100759" cy="1780519"/>
+          </a:xfrm>
+          <a:prstGeom prst="rect">
+            <a:avLst/>
+          </a:prstGeom>
+        </p:spPr>
+      </p:pic>
     </p:spTree>
     <p:extLst>
       <p:ext uri="{BB962C8B-B14F-4D97-AF65-F5344CB8AC3E}">
-        <p14:creationId xmlns:p14="http://schemas.microsoft.com/office/powerpoint/2010/main" val="2252977938"/>
+        <p14:creationId xmlns:p14="http://schemas.microsoft.com/office/powerpoint/2010/main" val="443895581"/>
+      </p:ext>
+    </p:extLst>
+  </p:cSld>
+  <p:clrMapOvr>
+    <a:masterClrMapping/>
+  </p:clrMapOvr>
+  <p:timing>
+    <p:tnLst>
+      <p:par>
+        <p:cTn id="1" dur="indefinite" restart="never" nodeType="tmRoot">
+          <p:childTnLst>
+            <p:seq concurrent="1" nextAc="seek">
+              <p:cTn id="2" dur="indefinite" nodeType="mainSeq">
+                <p:childTnLst>
+                  <p:par>
+                    <p:cTn id="3" fill="hold">
+                      <p:stCondLst>
+                        <p:cond delay="indefinite"/>
+                      </p:stCondLst>
+                      <p:childTnLst>
+                        <p:par>
+                          <p:cTn id="4" fill="hold">
+                            <p:stCondLst>
+                              <p:cond delay="0"/>
+                            </p:stCondLst>
+                            <p:childTnLst>
+                              <p:par>
+                                <p:cTn id="5" presetID="1" presetClass="entr" presetSubtype="0" fill="hold" nodeType="clickEffect">
+                                  <p:stCondLst>
+                                    <p:cond delay="0"/>
+                                  </p:stCondLst>
+                                  <p:childTnLst>
+                                    <p:set>
+                                      <p:cBhvr>
+                                        <p:cTn id="6" dur="1" fill="hold">
+                                          <p:stCondLst>
+                                            <p:cond delay="0"/>
+                                          </p:stCondLst>
+                                        </p:cTn>
+                                        <p:tgtEl>
+                                          <p:spTgt spid="3">
+                                            <p:txEl>
+                                              <p:pRg st="0" end="0"/>
+                                            </p:txEl>
+                                          </p:spTgt>
+                                        </p:tgtEl>
+                                        <p:attrNameLst>
+                                          <p:attrName>style.visibility</p:attrName>
+                                        </p:attrNameLst>
+                                      </p:cBhvr>
+                                      <p:to>
+                                        <p:strVal val="visible"/>
+                                      </p:to>
+                                    </p:set>
+                                  </p:childTnLst>
+                                </p:cTn>
+                              </p:par>
+                            </p:childTnLst>
+                          </p:cTn>
+                        </p:par>
+                      </p:childTnLst>
+                    </p:cTn>
+                  </p:par>
+                  <p:par>
+                    <p:cTn id="7" fill="hold">
+                      <p:stCondLst>
+                        <p:cond delay="indefinite"/>
+                      </p:stCondLst>
+                      <p:childTnLst>
+                        <p:par>
+                          <p:cTn id="8" fill="hold">
+                            <p:stCondLst>
+                              <p:cond delay="0"/>
+                            </p:stCondLst>
+                            <p:childTnLst>
+                              <p:par>
+                                <p:cTn id="9" presetID="1" presetClass="entr" presetSubtype="0" fill="hold" nodeType="clickEffect">
+                                  <p:stCondLst>
+                                    <p:cond delay="0"/>
+                                  </p:stCondLst>
+                                  <p:childTnLst>
+                                    <p:set>
+                                      <p:cBhvr>
+                                        <p:cTn id="10" dur="1" fill="hold">
+                                          <p:stCondLst>
+                                            <p:cond delay="0"/>
+                                          </p:stCondLst>
+                                        </p:cTn>
+                                        <p:tgtEl>
+                                          <p:spTgt spid="4"/>
+                                        </p:tgtEl>
+                                        <p:attrNameLst>
+                                          <p:attrName>style.visibility</p:attrName>
+                                        </p:attrNameLst>
+                                      </p:cBhvr>
+                                      <p:to>
+                                        <p:strVal val="visible"/>
+                                      </p:to>
+                                    </p:set>
+                                  </p:childTnLst>
+                                </p:cTn>
+                              </p:par>
+                            </p:childTnLst>
+                          </p:cTn>
+                        </p:par>
+                      </p:childTnLst>
+                    </p:cTn>
+                  </p:par>
+                  <p:par>
+                    <p:cTn id="11" fill="hold">
+                      <p:stCondLst>
+                        <p:cond delay="indefinite"/>
+                      </p:stCondLst>
+                      <p:childTnLst>
+                        <p:par>
+                          <p:cTn id="12" fill="hold">
+                            <p:stCondLst>
+                              <p:cond delay="0"/>
+                            </p:stCondLst>
+                            <p:childTnLst>
+                              <p:par>
+                                <p:cTn id="13" presetID="1" presetClass="entr" presetSubtype="0" fill="hold" nodeType="clickEffect">
+                                  <p:stCondLst>
+                                    <p:cond delay="0"/>
+                                  </p:stCondLst>
+                                  <p:childTnLst>
+                                    <p:set>
+                                      <p:cBhvr>
+                                        <p:cTn id="14" dur="1" fill="hold">
+                                          <p:stCondLst>
+                                            <p:cond delay="0"/>
+                                          </p:stCondLst>
+                                        </p:cTn>
+                                        <p:tgtEl>
+                                          <p:spTgt spid="5"/>
+                                        </p:tgtEl>
+                                        <p:attrNameLst>
+                                          <p:attrName>style.visibility</p:attrName>
+                                        </p:attrNameLst>
+                                      </p:cBhvr>
+                                      <p:to>
+                                        <p:strVal val="visible"/>
+                                      </p:to>
+                                    </p:set>
+                                  </p:childTnLst>
+                                </p:cTn>
+                              </p:par>
+                            </p:childTnLst>
+                          </p:cTn>
+                        </p:par>
+                      </p:childTnLst>
+                    </p:cTn>
+                  </p:par>
+                </p:childTnLst>
+              </p:cTn>
+              <p:prevCondLst>
+                <p:cond evt="onPrev" delay="0">
+                  <p:tgtEl>
+                    <p:sldTgt/>
+                  </p:tgtEl>
+                </p:cond>
+              </p:prevCondLst>
+              <p:nextCondLst>
+                <p:cond evt="onNext" delay="0">
+                  <p:tgtEl>
+                    <p:sldTgt/>
+                  </p:tgtEl>
+                </p:cond>
+              </p:nextCondLst>
+            </p:seq>
+          </p:childTnLst>
+        </p:cTn>
+      </p:par>
+    </p:tnLst>
+  </p:timing>
+</p:sld>
+</file>
+
+<file path=ppt/slides/slide16.xml><?xml version="1.0" encoding="utf-8"?>
+<p:sld xmlns:a="http://schemas.openxmlformats.org/drawingml/2006/main" xmlns:r="http://schemas.openxmlformats.org/officeDocument/2006/relationships" xmlns:p="http://schemas.openxmlformats.org/presentationml/2006/main">
+  <p:cSld>
+    <p:spTree>
+      <p:nvGrpSpPr>
+        <p:cNvPr id="1" name=""/>
+        <p:cNvGrpSpPr/>
+        <p:nvPr/>
+      </p:nvGrpSpPr>
+      <p:grpSpPr>
+        <a:xfrm>
+          <a:off x="0" y="0"/>
+          <a:ext cx="0" cy="0"/>
+          <a:chOff x="0" y="0"/>
+          <a:chExt cx="0" cy="0"/>
+        </a:xfrm>
+      </p:grpSpPr>
+      <p:sp>
+        <p:nvSpPr>
+          <p:cNvPr id="2" name="Titel 1"/>
+          <p:cNvSpPr>
+            <a:spLocks noGrp="1"/>
+          </p:cNvSpPr>
+          <p:nvPr>
+            <p:ph type="title"/>
+          </p:nvPr>
+        </p:nvSpPr>
+        <p:spPr/>
+        <p:txBody>
+          <a:bodyPr/>
+          <a:lstStyle/>
+          <a:p>
+            <a:r>
+              <a:rPr lang="de-DE" dirty="0" smtClean="0"/>
+              <a:t>Schwierigkeiten beim Testen</a:t>
+            </a:r>
+            <a:endParaRPr lang="de-DE" dirty="0"/>
+          </a:p>
+        </p:txBody>
+      </p:sp>
+      <p:sp>
+        <p:nvSpPr>
+          <p:cNvPr id="3" name="Inhaltsplatzhalter 2"/>
+          <p:cNvSpPr>
+            <a:spLocks noGrp="1"/>
+          </p:cNvSpPr>
+          <p:nvPr>
+            <p:ph idx="1"/>
+          </p:nvPr>
+        </p:nvSpPr>
+        <p:spPr/>
+        <p:txBody>
+          <a:bodyPr/>
+          <a:lstStyle/>
+          <a:p>
+            <a:r>
+              <a:rPr lang="de-DE" dirty="0" smtClean="0"/>
+              <a:t>Fehlende Übersetzung: SML-</a:t>
+            </a:r>
+            <a:r>
+              <a:rPr lang="de-DE" dirty="0" err="1" smtClean="0"/>
+              <a:t>floats</a:t>
+            </a:r>
+            <a:r>
+              <a:rPr lang="de-DE" dirty="0" smtClean="0"/>
+              <a:t> in HOL-Terme und zurück</a:t>
+            </a:r>
+            <a:endParaRPr lang="de-DE" dirty="0"/>
+          </a:p>
+          <a:p>
+            <a:r>
+              <a:rPr lang="de-DE" dirty="0" smtClean="0"/>
+              <a:t>SML-Berechnungen in </a:t>
+            </a:r>
+            <a:r>
+              <a:rPr lang="de-DE" dirty="0" err="1" smtClean="0"/>
+              <a:t>polyML</a:t>
+            </a:r>
+            <a:r>
+              <a:rPr lang="de-DE" dirty="0" smtClean="0"/>
+              <a:t> </a:t>
+            </a:r>
+            <a:r>
+              <a:rPr lang="de-DE" dirty="0" smtClean="0"/>
+              <a:t>fehlerhaft</a:t>
+            </a:r>
+          </a:p>
+          <a:p>
+            <a:pPr marL="0" indent="0">
+              <a:buNone/>
+            </a:pPr>
+            <a:r>
+              <a:rPr lang="de-DE" dirty="0"/>
+              <a:t>	</a:t>
+            </a:r>
+            <a:r>
+              <a:rPr lang="de-DE" dirty="0" smtClean="0"/>
+              <a:t>Genauigkeit der Berechnung nicht vorhersehbar</a:t>
+            </a:r>
+            <a:endParaRPr lang="de-DE" dirty="0" smtClean="0"/>
+          </a:p>
+          <a:p>
+            <a:r>
+              <a:rPr lang="de-DE" dirty="0" smtClean="0"/>
+              <a:t>In vielen Sprachen: Anzeige von </a:t>
+            </a:r>
+            <a:r>
+              <a:rPr lang="de-DE" dirty="0" err="1" smtClean="0"/>
+              <a:t>floats</a:t>
+            </a:r>
+            <a:r>
+              <a:rPr lang="de-DE" dirty="0" smtClean="0"/>
+              <a:t> als gerundete Dezimalzahl</a:t>
+            </a:r>
+          </a:p>
+          <a:p>
+            <a:pPr marL="0" indent="0">
+              <a:buNone/>
+            </a:pPr>
+            <a:r>
+              <a:rPr lang="de-DE" dirty="0"/>
+              <a:t>	</a:t>
+            </a:r>
+            <a:r>
+              <a:rPr lang="de-DE" dirty="0" smtClean="0"/>
+              <a:t> ⟶ unpräzise Darstellung</a:t>
+            </a:r>
+          </a:p>
+          <a:p>
+            <a:pPr marL="0" indent="0">
+              <a:buNone/>
+            </a:pPr>
+            <a:endParaRPr lang="de-DE" dirty="0"/>
+          </a:p>
+          <a:p>
+            <a:pPr marL="0" indent="0">
+              <a:buNone/>
+            </a:pPr>
+            <a:r>
+              <a:rPr lang="de-DE" sz="3600" dirty="0" smtClean="0"/>
+              <a:t>Lösung: Nutzung von </a:t>
+            </a:r>
+            <a:r>
+              <a:rPr lang="de-DE" sz="3600" i="1" dirty="0" err="1" smtClean="0"/>
+              <a:t>sw_</a:t>
+            </a:r>
+            <a:r>
+              <a:rPr lang="de-DE" sz="3600" i="1" dirty="0" err="1" smtClean="0"/>
+              <a:t>float</a:t>
+            </a:r>
+            <a:r>
+              <a:rPr lang="de-DE" sz="3600" i="1" dirty="0" smtClean="0"/>
+              <a:t> </a:t>
+            </a:r>
+            <a:r>
+              <a:rPr lang="de-DE" sz="3600" dirty="0" smtClean="0"/>
+              <a:t>(aus Library/</a:t>
+            </a:r>
+            <a:r>
+              <a:rPr lang="de-DE" sz="3600" dirty="0" err="1" smtClean="0"/>
+              <a:t>Float.thy</a:t>
+            </a:r>
+            <a:r>
+              <a:rPr lang="de-DE" sz="3600" dirty="0" smtClean="0"/>
+              <a:t>) als Referenzimplementierung</a:t>
+            </a:r>
+            <a:endParaRPr lang="de-DE" sz="3600" dirty="0" smtClean="0"/>
+          </a:p>
+        </p:txBody>
+      </p:sp>
+    </p:spTree>
+    <p:extLst>
+      <p:ext uri="{BB962C8B-B14F-4D97-AF65-F5344CB8AC3E}">
+        <p14:creationId xmlns:p14="http://schemas.microsoft.com/office/powerpoint/2010/main" val="2881647778"/>
       </p:ext>
     </p:extLst>
   </p:cSld>
@@ -7107,7 +8161,7 @@
 </p:sld>
 </file>
 
-<file path=ppt/slides/slide13.xml><?xml version="1.0" encoding="utf-8"?>
+<file path=ppt/slides/slide17.xml><?xml version="1.0" encoding="utf-8"?>
 <p:sld xmlns:a="http://schemas.openxmlformats.org/drawingml/2006/main" xmlns:r="http://schemas.openxmlformats.org/officeDocument/2006/relationships" xmlns:p="http://schemas.openxmlformats.org/presentationml/2006/main">
   <p:cSld>
     <p:spTree>
@@ -7136,121 +8190,523 @@
         </p:nvSpPr>
         <p:spPr/>
         <p:txBody>
+          <a:bodyPr/>
+          <a:lstStyle/>
+          <a:p>
+            <a:r>
+              <a:rPr lang="de-DE" dirty="0" smtClean="0"/>
+              <a:t>Ergebnisse</a:t>
+            </a:r>
+            <a:endParaRPr lang="de-DE" dirty="0"/>
+          </a:p>
+        </p:txBody>
+      </p:sp>
+      <p:sp>
+        <p:nvSpPr>
+          <p:cNvPr id="3" name="Inhaltsplatzhalter 2"/>
+          <p:cNvSpPr>
+            <a:spLocks noGrp="1"/>
+          </p:cNvSpPr>
+          <p:nvPr>
+            <p:ph idx="1"/>
+          </p:nvPr>
+        </p:nvSpPr>
+        <p:spPr>
+          <a:xfrm>
+            <a:off x="613610" y="1825625"/>
+            <a:ext cx="11353800" cy="4351338"/>
+          </a:xfrm>
+        </p:spPr>
+        <p:txBody>
           <a:bodyPr>
             <a:normAutofit/>
           </a:bodyPr>
           <a:lstStyle/>
           <a:p>
             <a:r>
-              <a:rPr lang="de-DE" sz="4300" dirty="0" smtClean="0"/>
-              <a:t>Korrektheitsbeweise: Aussagen über </a:t>
-            </a:r>
-            <a:r>
-              <a:rPr lang="de-DE" sz="4300" i="1" dirty="0" err="1" smtClean="0"/>
-              <a:t>grow-mpf</a:t>
-            </a:r>
-            <a:endParaRPr lang="de-DE" sz="4300" i="1" dirty="0"/>
-          </a:p>
-        </p:txBody>
-      </p:sp>
-      <p:sp>
-        <p:nvSpPr>
-          <p:cNvPr id="3" name="Inhaltsplatzhalter 2"/>
-          <p:cNvSpPr>
-            <a:spLocks noGrp="1"/>
-          </p:cNvSpPr>
-          <p:nvPr>
-            <p:ph idx="1"/>
-          </p:nvPr>
-        </p:nvSpPr>
-        <p:spPr/>
-        <p:txBody>
-          <a:bodyPr/>
-          <a:lstStyle/>
-          <a:p>
-            <a:r>
-              <a:rPr lang="de-DE" i="1" dirty="0" err="1"/>
-              <a:t>g</a:t>
-            </a:r>
-            <a:r>
-              <a:rPr lang="de-DE" i="1" dirty="0" err="1" smtClean="0"/>
-              <a:t>row-mpf</a:t>
-            </a:r>
-            <a:r>
-              <a:rPr lang="de-DE" dirty="0" smtClean="0"/>
-              <a:t> führt nur </a:t>
-            </a:r>
-            <a:r>
-              <a:rPr lang="de-DE" i="1" dirty="0" err="1" smtClean="0"/>
-              <a:t>TwoSum</a:t>
-            </a:r>
-            <a:r>
-              <a:rPr lang="de-DE" dirty="0" smtClean="0"/>
-              <a:t>-Operationen auf </a:t>
-            </a:r>
-            <a:r>
-              <a:rPr lang="de-DE" i="1" dirty="0" err="1" smtClean="0"/>
-              <a:t>float</a:t>
+              <a:rPr lang="de-DE" dirty="0" smtClean="0"/>
+              <a:t>Umsetzung</a:t>
+            </a:r>
+            <a:r>
+              <a:rPr lang="de-DE" dirty="0" smtClean="0"/>
+              <a:t>: </a:t>
             </a:r>
             <a:r>
               <a:rPr lang="de-DE" dirty="0" err="1" smtClean="0"/>
-              <a:t>s</a:t>
-            </a:r>
-            <a:r>
-              <a:rPr lang="de-DE" dirty="0" smtClean="0"/>
-              <a:t> im </a:t>
-            </a:r>
-            <a:r>
-              <a:rPr lang="de-DE" i="1" dirty="0" err="1" smtClean="0"/>
-              <a:t>mpf</a:t>
-            </a:r>
-            <a:r>
-              <a:rPr lang="de-DE" dirty="0" smtClean="0"/>
-              <a:t> aus</a:t>
-            </a:r>
+              <a:t>Shewchuks</a:t>
+            </a:r>
+            <a:r>
+              <a:rPr lang="de-DE" dirty="0" smtClean="0"/>
+              <a:t> Algorithmen in Isabelle/HOL</a:t>
+            </a:r>
+          </a:p>
+          <a:p>
+            <a:r>
+              <a:rPr lang="de-DE" dirty="0" smtClean="0"/>
+              <a:t>Ansätze/Lösungen für formale Verifikationen</a:t>
+            </a:r>
+          </a:p>
+          <a:p>
+            <a:r>
+              <a:rPr lang="de-DE" dirty="0" smtClean="0"/>
+              <a:t>Spezifikation eines Datenformats</a:t>
+            </a:r>
+          </a:p>
+          <a:p>
+            <a:r>
+              <a:rPr lang="de-DE" dirty="0" smtClean="0"/>
+              <a:t>Neue Möglichkeit für rundungsfreie Addition/Subtraktion in Isabelle</a:t>
+            </a:r>
+          </a:p>
+          <a:p>
+            <a:r>
+              <a:rPr lang="de-DE" dirty="0" smtClean="0"/>
+              <a:t>Anregung einer Korrektur von </a:t>
+            </a:r>
+            <a:r>
+              <a:rPr lang="de-DE" dirty="0" err="1" smtClean="0"/>
+              <a:t>polyMLs</a:t>
+            </a:r>
+            <a:r>
+              <a:rPr lang="de-DE" dirty="0" smtClean="0"/>
+              <a:t> </a:t>
+            </a:r>
+            <a:r>
+              <a:rPr lang="de-DE" dirty="0" smtClean="0"/>
+              <a:t>IEEE-Berechnungen</a:t>
+            </a:r>
+            <a:endParaRPr lang="de-DE" dirty="0"/>
           </a:p>
           <a:p>
             <a:pPr marL="0" indent="0">
               <a:buNone/>
             </a:pPr>
             <a:r>
+              <a:rPr lang="de-DE" i="1" dirty="0" smtClean="0"/>
+              <a:t>	</a:t>
+            </a:r>
+            <a:r>
               <a:rPr lang="de-DE" dirty="0"/>
-              <a:t>	</a:t>
-            </a:r>
-            <a:r>
-              <a:rPr lang="de-DE" dirty="0" smtClean="0"/>
-              <a:t> ⟶ nur fehlerfreie Transformationen</a:t>
-            </a:r>
-          </a:p>
-          <a:p>
-            <a:r>
-              <a:rPr lang="de-DE" dirty="0" smtClean="0"/>
-              <a:t>Ausweitung der Rundungsfreiheit auf gesamte </a:t>
-            </a:r>
-            <a:r>
-              <a:rPr lang="de-DE" i="1" dirty="0" err="1" smtClean="0"/>
-              <a:t>grow</a:t>
-            </a:r>
-            <a:r>
-              <a:rPr lang="de-DE" i="1" dirty="0" smtClean="0"/>
-              <a:t>-</a:t>
-            </a:r>
-            <a:r>
-              <a:rPr lang="de-DE" i="1" dirty="0" err="1" smtClean="0"/>
-              <a:t>mpf</a:t>
-            </a:r>
-            <a:r>
-              <a:rPr lang="de-DE" dirty="0" smtClean="0"/>
-              <a:t>-Prozedur auch in Isabelle möglich</a:t>
-            </a:r>
-            <a:endParaRPr lang="de-DE" i="1" dirty="0" smtClean="0"/>
+              <a:t> </a:t>
+            </a:r>
+            <a:r>
+              <a:rPr lang="de-DE" dirty="0" smtClean="0"/>
+              <a:t>⟶ Klare 64bit-Semantik</a:t>
+            </a:r>
+            <a:endParaRPr lang="de-DE" i="1" dirty="0"/>
           </a:p>
         </p:txBody>
       </p:sp>
     </p:spTree>
     <p:extLst>
       <p:ext uri="{BB962C8B-B14F-4D97-AF65-F5344CB8AC3E}">
-        <p14:creationId xmlns:p14="http://schemas.microsoft.com/office/powerpoint/2010/main" val="753109838"/>
+        <p14:creationId xmlns:p14="http://schemas.microsoft.com/office/powerpoint/2010/main" val="3152552927"/>
+      </p:ext>
+    </p:extLst>
+  </p:cSld>
+  <p:clrMapOvr>
+    <a:masterClrMapping/>
+  </p:clrMapOvr>
+  <p:timing>
+    <p:tnLst>
+      <p:par>
+        <p:cTn id="1" dur="indefinite" restart="never" nodeType="tmRoot"/>
+      </p:par>
+    </p:tnLst>
+  </p:timing>
+</p:sld>
+</file>
+
+<file path=ppt/slides/slide18.xml><?xml version="1.0" encoding="utf-8"?>
+<p:sld xmlns:a="http://schemas.openxmlformats.org/drawingml/2006/main" xmlns:r="http://schemas.openxmlformats.org/officeDocument/2006/relationships" xmlns:p="http://schemas.openxmlformats.org/presentationml/2006/main">
+  <p:cSld>
+    <p:spTree>
+      <p:nvGrpSpPr>
+        <p:cNvPr id="1" name=""/>
+        <p:cNvGrpSpPr/>
+        <p:nvPr/>
+      </p:nvGrpSpPr>
+      <p:grpSpPr>
+        <a:xfrm>
+          <a:off x="0" y="0"/>
+          <a:ext cx="0" cy="0"/>
+          <a:chOff x="0" y="0"/>
+          <a:chExt cx="0" cy="0"/>
+        </a:xfrm>
+      </p:grpSpPr>
+      <p:sp>
+        <p:nvSpPr>
+          <p:cNvPr id="2" name="Titel 1"/>
+          <p:cNvSpPr>
+            <a:spLocks noGrp="1"/>
+          </p:cNvSpPr>
+          <p:nvPr>
+            <p:ph type="title"/>
+          </p:nvPr>
+        </p:nvSpPr>
+        <p:spPr/>
+        <p:txBody>
+          <a:bodyPr/>
+          <a:lstStyle/>
+          <a:p>
+            <a:r>
+              <a:rPr lang="de-DE" dirty="0" smtClean="0"/>
+              <a:t>Ausblick - Fortführung</a:t>
+            </a:r>
+            <a:endParaRPr lang="de-DE" dirty="0"/>
+          </a:p>
+        </p:txBody>
+      </p:sp>
+      <p:sp>
+        <p:nvSpPr>
+          <p:cNvPr id="3" name="Inhaltsplatzhalter 2"/>
+          <p:cNvSpPr>
+            <a:spLocks noGrp="1"/>
+          </p:cNvSpPr>
+          <p:nvPr>
+            <p:ph idx="1"/>
+          </p:nvPr>
+        </p:nvSpPr>
+        <p:spPr/>
+        <p:txBody>
+          <a:bodyPr/>
+          <a:lstStyle/>
+          <a:p>
+            <a:r>
+              <a:rPr lang="de-DE" sz="3200" dirty="0" smtClean="0"/>
+              <a:t>Korrektheitsbeweis von </a:t>
+            </a:r>
+            <a:r>
+              <a:rPr lang="de-DE" sz="3200" i="1" dirty="0" err="1" smtClean="0"/>
+              <a:t>TwoSum</a:t>
+            </a:r>
+            <a:r>
+              <a:rPr lang="de-DE" sz="3200" dirty="0" smtClean="0"/>
+              <a:t> in </a:t>
+            </a:r>
+            <a:r>
+              <a:rPr lang="de-DE" sz="3200" dirty="0" smtClean="0"/>
+              <a:t>Isabelle</a:t>
+            </a:r>
+          </a:p>
+          <a:p>
+            <a:pPr lvl="1"/>
+            <a:r>
+              <a:rPr lang="de-DE" dirty="0" smtClean="0"/>
+              <a:t>Nutzung von </a:t>
+            </a:r>
+            <a:r>
+              <a:rPr lang="de-DE" dirty="0" err="1" smtClean="0"/>
+              <a:t>FastTwoSum</a:t>
+            </a:r>
+            <a:endParaRPr lang="de-DE" dirty="0" smtClean="0"/>
+          </a:p>
+          <a:p>
+            <a:r>
+              <a:rPr lang="de-DE" sz="3200" dirty="0" smtClean="0"/>
+              <a:t>Weitere Aussagen über </a:t>
+            </a:r>
+            <a:r>
+              <a:rPr lang="de-DE" sz="3200" i="1" dirty="0" err="1" smtClean="0"/>
+              <a:t>mpf</a:t>
+            </a:r>
+            <a:r>
+              <a:rPr lang="de-DE" sz="3200" dirty="0" err="1" smtClean="0"/>
+              <a:t>s</a:t>
+            </a:r>
+            <a:endParaRPr lang="de-DE" sz="3200" dirty="0" smtClean="0"/>
+          </a:p>
+          <a:p>
+            <a:pPr lvl="1"/>
+            <a:r>
+              <a:rPr lang="de-DE" sz="2800" dirty="0" smtClean="0"/>
+              <a:t>„</a:t>
+            </a:r>
+            <a:r>
+              <a:rPr lang="de-DE" sz="2800" dirty="0" err="1" smtClean="0"/>
+              <a:t>nonoverlapping</a:t>
+            </a:r>
+            <a:r>
+              <a:rPr lang="de-DE" sz="2800" dirty="0" smtClean="0"/>
+              <a:t>“-Eigenschaft (</a:t>
+            </a:r>
+            <a:r>
+              <a:rPr lang="de-DE" sz="2800" dirty="0" err="1" smtClean="0"/>
+              <a:t>Shewchuk</a:t>
+            </a:r>
+            <a:r>
+              <a:rPr lang="de-DE" sz="2800" dirty="0" smtClean="0"/>
+              <a:t>)</a:t>
+            </a:r>
+          </a:p>
+          <a:p>
+            <a:pPr lvl="1"/>
+            <a:r>
+              <a:rPr lang="de-DE" sz="2800" dirty="0" smtClean="0"/>
+              <a:t>Maximale Länge der Fehlerliste</a:t>
+            </a:r>
+          </a:p>
+          <a:p>
+            <a:r>
+              <a:rPr lang="de-DE" sz="3200" dirty="0" smtClean="0"/>
+              <a:t>Mehr Zielsprachen für </a:t>
+            </a:r>
+            <a:r>
+              <a:rPr lang="de-DE" sz="3200" dirty="0" err="1" smtClean="0"/>
+              <a:t>float</a:t>
+            </a:r>
+            <a:r>
+              <a:rPr lang="de-DE" sz="3200" dirty="0" smtClean="0"/>
+              <a:t>-Code</a:t>
+            </a:r>
+            <a:endParaRPr lang="de-DE" sz="3200" dirty="0"/>
+          </a:p>
+        </p:txBody>
+      </p:sp>
+    </p:spTree>
+    <p:extLst>
+      <p:ext uri="{BB962C8B-B14F-4D97-AF65-F5344CB8AC3E}">
+        <p14:creationId xmlns:p14="http://schemas.microsoft.com/office/powerpoint/2010/main" val="4223502616"/>
+      </p:ext>
+    </p:extLst>
+  </p:cSld>
+  <p:clrMapOvr>
+    <a:masterClrMapping/>
+  </p:clrMapOvr>
+  <p:timing>
+    <p:tnLst>
+      <p:par>
+        <p:cTn id="1" dur="indefinite" restart="never" nodeType="tmRoot"/>
+      </p:par>
+    </p:tnLst>
+  </p:timing>
+</p:sld>
+</file>
+
+<file path=ppt/slides/slide19.xml><?xml version="1.0" encoding="utf-8"?>
+<p:sld xmlns:a="http://schemas.openxmlformats.org/drawingml/2006/main" xmlns:r="http://schemas.openxmlformats.org/officeDocument/2006/relationships" xmlns:p="http://schemas.openxmlformats.org/presentationml/2006/main">
+  <p:cSld>
+    <p:spTree>
+      <p:nvGrpSpPr>
+        <p:cNvPr id="1" name=""/>
+        <p:cNvGrpSpPr/>
+        <p:nvPr/>
+      </p:nvGrpSpPr>
+      <p:grpSpPr>
+        <a:xfrm>
+          <a:off x="0" y="0"/>
+          <a:ext cx="0" cy="0"/>
+          <a:chOff x="0" y="0"/>
+          <a:chExt cx="0" cy="0"/>
+        </a:xfrm>
+      </p:grpSpPr>
+      <p:sp>
+        <p:nvSpPr>
+          <p:cNvPr id="2" name="Titel 1"/>
+          <p:cNvSpPr>
+            <a:spLocks noGrp="1"/>
+          </p:cNvSpPr>
+          <p:nvPr>
+            <p:ph type="title"/>
+          </p:nvPr>
+        </p:nvSpPr>
+        <p:spPr/>
+        <p:txBody>
+          <a:bodyPr/>
+          <a:lstStyle/>
+          <a:p>
+            <a:r>
+              <a:rPr lang="de-DE" dirty="0" smtClean="0"/>
+              <a:t>Vielen Dank</a:t>
+            </a:r>
+            <a:endParaRPr lang="de-DE" dirty="0"/>
+          </a:p>
+        </p:txBody>
+      </p:sp>
+      <p:pic>
+        <p:nvPicPr>
+          <p:cNvPr id="1026" name="Picture 2" descr="http://www.in.tum.de/fileadmin/user_upload/Oeffentlichkeitsarbeit/Fakultaetsevents/2012/Tag_der_Informatik/Tag_der_Informatik.jpg"/>
+          <p:cNvPicPr>
+            <a:picLocks noGrp="1" noChangeAspect="1" noChangeArrowheads="1"/>
+          </p:cNvPicPr>
+          <p:nvPr>
+            <p:ph idx="1"/>
+          </p:nvPr>
+        </p:nvPicPr>
+        <p:blipFill>
+          <a:blip r:embed="rId3">
+            <a:extLst>
+              <a:ext uri="{28A0092B-C50C-407E-A947-70E740481C1C}">
+                <a14:useLocalDpi xmlns:a14="http://schemas.microsoft.com/office/drawing/2010/main" val="0"/>
+              </a:ext>
+            </a:extLst>
+          </a:blip>
+          <a:srcRect/>
+          <a:stretch>
+            <a:fillRect/>
+          </a:stretch>
+        </p:blipFill>
+        <p:spPr bwMode="auto">
+          <a:xfrm>
+            <a:off x="2832496" y="1825625"/>
+            <a:ext cx="6527007" cy="4351338"/>
+          </a:xfrm>
+          <a:prstGeom prst="rect">
+            <a:avLst/>
+          </a:prstGeom>
+          <a:noFill/>
+          <a:extLst>
+            <a:ext uri="{909E8E84-426E-40DD-AFC4-6F175D3DCCD1}">
+              <a14:hiddenFill xmlns:a14="http://schemas.microsoft.com/office/drawing/2010/main">
+                <a:solidFill>
+                  <a:srgbClr val="FFFFFF"/>
+                </a:solidFill>
+              </a14:hiddenFill>
+            </a:ext>
+          </a:extLst>
+        </p:spPr>
+      </p:pic>
+    </p:spTree>
+    <p:extLst>
+      <p:ext uri="{BB962C8B-B14F-4D97-AF65-F5344CB8AC3E}">
+        <p14:creationId xmlns:p14="http://schemas.microsoft.com/office/powerpoint/2010/main" val="325401584"/>
+      </p:ext>
+    </p:extLst>
+  </p:cSld>
+  <p:clrMapOvr>
+    <a:masterClrMapping/>
+  </p:clrMapOvr>
+  <p:timing>
+    <p:tnLst>
+      <p:par>
+        <p:cTn id="1" dur="indefinite" restart="never" nodeType="tmRoot"/>
+      </p:par>
+    </p:tnLst>
+  </p:timing>
+</p:sld>
+</file>
+
+<file path=ppt/slides/slide2.xml><?xml version="1.0" encoding="utf-8"?>
+<p:sld xmlns:a="http://schemas.openxmlformats.org/drawingml/2006/main" xmlns:r="http://schemas.openxmlformats.org/officeDocument/2006/relationships" xmlns:p="http://schemas.openxmlformats.org/presentationml/2006/main">
+  <p:cSld>
+    <p:spTree>
+      <p:nvGrpSpPr>
+        <p:cNvPr id="1" name=""/>
+        <p:cNvGrpSpPr/>
+        <p:nvPr/>
+      </p:nvGrpSpPr>
+      <p:grpSpPr>
+        <a:xfrm>
+          <a:off x="0" y="0"/>
+          <a:ext cx="0" cy="0"/>
+          <a:chOff x="0" y="0"/>
+          <a:chExt cx="0" cy="0"/>
+        </a:xfrm>
+      </p:grpSpPr>
+      <p:sp>
+        <p:nvSpPr>
+          <p:cNvPr id="2" name="Titel 1"/>
+          <p:cNvSpPr>
+            <a:spLocks noGrp="1"/>
+          </p:cNvSpPr>
+          <p:nvPr>
+            <p:ph type="title"/>
+          </p:nvPr>
+        </p:nvSpPr>
+        <p:spPr/>
+        <p:txBody>
+          <a:bodyPr/>
+          <a:lstStyle/>
+          <a:p>
+            <a:r>
+              <a:rPr lang="de-DE" dirty="0" smtClean="0"/>
+              <a:t>Motivation</a:t>
+            </a:r>
+            <a:endParaRPr lang="de-DE" dirty="0"/>
+          </a:p>
+        </p:txBody>
+      </p:sp>
+      <p:sp>
+        <p:nvSpPr>
+          <p:cNvPr id="3" name="Inhaltsplatzhalter 2"/>
+          <p:cNvSpPr>
+            <a:spLocks noGrp="1"/>
+          </p:cNvSpPr>
+          <p:nvPr>
+            <p:ph idx="1"/>
+          </p:nvPr>
+        </p:nvSpPr>
+        <p:spPr>
+          <a:xfrm>
+            <a:off x="838200" y="365125"/>
+            <a:ext cx="10515600" cy="4351337"/>
+          </a:xfrm>
+        </p:spPr>
+        <p:txBody>
+          <a:bodyPr anchor="ctr">
+            <a:normAutofit/>
+          </a:bodyPr>
+          <a:lstStyle/>
+          <a:p>
+            <a:pPr marL="0" indent="0">
+              <a:buNone/>
+            </a:pPr>
+            <a:r>
+              <a:rPr lang="de-DE" sz="3600" dirty="0" smtClean="0"/>
+              <a:t>Numerik für:</a:t>
+            </a:r>
+            <a:endParaRPr lang="de-DE" sz="3600" dirty="0"/>
+          </a:p>
+          <a:p>
+            <a:r>
+              <a:rPr lang="de-DE" sz="3600" dirty="0" smtClean="0"/>
+              <a:t>Dynamische Systeme</a:t>
+            </a:r>
+          </a:p>
+          <a:p>
+            <a:r>
+              <a:rPr lang="de-DE" sz="3600" dirty="0" smtClean="0"/>
+              <a:t>Geometrie</a:t>
+            </a:r>
+            <a:endParaRPr lang="de-DE" sz="3600" dirty="0"/>
+          </a:p>
+        </p:txBody>
+      </p:sp>
+      <p:sp>
+        <p:nvSpPr>
+          <p:cNvPr id="4" name="Textfeld 3"/>
+          <p:cNvSpPr txBox="1"/>
+          <p:nvPr/>
+        </p:nvSpPr>
+        <p:spPr>
+          <a:xfrm>
+            <a:off x="3176336" y="4008577"/>
+            <a:ext cx="5839327" cy="707886"/>
+          </a:xfrm>
+          <a:prstGeom prst="rect">
+            <a:avLst/>
+          </a:prstGeom>
+          <a:noFill/>
+        </p:spPr>
+        <p:txBody>
+          <a:bodyPr wrap="square" rtlCol="0">
+            <a:spAutoFit/>
+          </a:bodyPr>
+          <a:lstStyle/>
+          <a:p>
+            <a:pPr algn="ctr"/>
+            <a:r>
+              <a:rPr lang="de-DE" sz="4000" dirty="0" smtClean="0"/>
+              <a:t>Verifikation</a:t>
+            </a:r>
+            <a:endParaRPr lang="de-DE" sz="4000" dirty="0"/>
+          </a:p>
+        </p:txBody>
+      </p:sp>
+    </p:spTree>
+    <p:extLst>
+      <p:ext uri="{BB962C8B-B14F-4D97-AF65-F5344CB8AC3E}">
+        <p14:creationId xmlns:p14="http://schemas.microsoft.com/office/powerpoint/2010/main" val="2687540977"/>
       </p:ext>
     </p:extLst>
   </p:cSld>
@@ -7437,7 +8893,7 @@
 </p:sld>
 </file>
 
-<file path=ppt/slides/slide14.xml><?xml version="1.0" encoding="utf-8"?>
+<file path=ppt/slides/slide20.xml><?xml version="1.0" encoding="utf-8"?>
 <p:sld xmlns:a="http://schemas.openxmlformats.org/drawingml/2006/main" xmlns:r="http://schemas.openxmlformats.org/officeDocument/2006/relationships" xmlns:p="http://schemas.openxmlformats.org/presentationml/2006/main">
   <p:cSld>
     <p:spTree>
@@ -7464,19 +8920,84 @@
             <p:ph type="title"/>
           </p:nvPr>
         </p:nvSpPr>
-        <p:spPr/>
+        <p:spPr>
+          <a:xfrm>
+            <a:off x="4207042" y="2696828"/>
+            <a:ext cx="10515600" cy="1325563"/>
+          </a:xfrm>
+        </p:spPr>
         <p:txBody>
           <a:bodyPr/>
           <a:lstStyle/>
           <a:p>
             <a:r>
               <a:rPr lang="de-DE" dirty="0" smtClean="0"/>
-              <a:t>Korrektheitsbeweise: Behandlung von Spezialfällen</a:t>
+              <a:t>Vielen Dank!</a:t>
             </a:r>
             <a:endParaRPr lang="de-DE" dirty="0"/>
           </a:p>
         </p:txBody>
       </p:sp>
+    </p:spTree>
+    <p:extLst>
+      <p:ext uri="{BB962C8B-B14F-4D97-AF65-F5344CB8AC3E}">
+        <p14:creationId xmlns:p14="http://schemas.microsoft.com/office/powerpoint/2010/main" val="1236574619"/>
+      </p:ext>
+    </p:extLst>
+  </p:cSld>
+  <p:clrMapOvr>
+    <a:masterClrMapping/>
+  </p:clrMapOvr>
+  <p:timing>
+    <p:tnLst>
+      <p:par>
+        <p:cTn id="1" dur="indefinite" restart="never" nodeType="tmRoot"/>
+      </p:par>
+    </p:tnLst>
+  </p:timing>
+</p:sld>
+</file>
+
+<file path=ppt/slides/slide3.xml><?xml version="1.0" encoding="utf-8"?>
+<p:sld xmlns:a="http://schemas.openxmlformats.org/drawingml/2006/main" xmlns:r="http://schemas.openxmlformats.org/officeDocument/2006/relationships" xmlns:p="http://schemas.openxmlformats.org/presentationml/2006/main">
+  <p:cSld>
+    <p:spTree>
+      <p:nvGrpSpPr>
+        <p:cNvPr id="1" name=""/>
+        <p:cNvGrpSpPr/>
+        <p:nvPr/>
+      </p:nvGrpSpPr>
+      <p:grpSpPr>
+        <a:xfrm>
+          <a:off x="0" y="0"/>
+          <a:ext cx="0" cy="0"/>
+          <a:chOff x="0" y="0"/>
+          <a:chExt cx="0" cy="0"/>
+        </a:xfrm>
+      </p:grpSpPr>
+      <p:sp>
+        <p:nvSpPr>
+          <p:cNvPr id="2" name="Titel 1"/>
+          <p:cNvSpPr>
+            <a:spLocks noGrp="1"/>
+          </p:cNvSpPr>
+          <p:nvPr>
+            <p:ph type="title"/>
+          </p:nvPr>
+        </p:nvSpPr>
+        <p:spPr/>
+        <p:txBody>
+          <a:bodyPr/>
+          <a:lstStyle/>
+          <a:p>
+            <a:r>
+              <a:rPr lang="de-DE" dirty="0" smtClean="0"/>
+              <a:t>Grundlagen</a:t>
+            </a:r>
+            <a:endParaRPr lang="de-DE" dirty="0"/>
+          </a:p>
+        </p:txBody>
+      </p:sp>
       <p:sp>
         <p:nvSpPr>
           <p:cNvPr id="3" name="Inhaltsplatzhalter 2"/>
@@ -7489,70 +9010,330 @@
         </p:nvSpPr>
         <p:spPr/>
         <p:txBody>
-          <a:bodyPr>
-            <a:normAutofit/>
-          </a:bodyPr>
-          <a:lstStyle/>
-          <a:p>
-            <a:r>
-              <a:rPr lang="de-DE" dirty="0" smtClean="0"/>
-              <a:t>Auftreten von Überlauf bei IEEE </a:t>
-            </a:r>
-            <a:r>
-              <a:rPr lang="de-DE" i="1" dirty="0" err="1" smtClean="0"/>
-              <a:t>float</a:t>
-            </a:r>
-            <a:r>
-              <a:rPr lang="de-DE" dirty="0" err="1" smtClean="0"/>
-              <a:t>s</a:t>
-            </a:r>
-            <a:endParaRPr lang="de-DE" dirty="0" smtClean="0"/>
-          </a:p>
-          <a:p>
-            <a:r>
-              <a:rPr lang="de-DE" dirty="0" smtClean="0"/>
-              <a:t>Nach Überlauf (±∞): Ergebnis von Addition/Subtraktion keine endliche Zahl mehr</a:t>
-            </a:r>
-          </a:p>
+          <a:bodyPr/>
+          <a:lstStyle/>
           <a:p>
             <a:pPr marL="0" indent="0">
               <a:buNone/>
             </a:pPr>
             <a:r>
-              <a:rPr lang="de-DE" dirty="0" smtClean="0"/>
-              <a:t>	</a:t>
-            </a:r>
-            <a:r>
-              <a:rPr lang="de-DE" dirty="0" smtClean="0"/>
-              <a:t>⟶ Möglichkeit zur Aussage: Wenn Ergebnis-</a:t>
-            </a:r>
-            <a:r>
-              <a:rPr lang="de-DE" dirty="0" err="1" smtClean="0"/>
-              <a:t>mpf</a:t>
-            </a:r>
-            <a:r>
-              <a:rPr lang="de-DE" dirty="0" smtClean="0"/>
-              <a:t> endlich, dann…</a:t>
-            </a:r>
-          </a:p>
-          <a:p>
-            <a:r>
-              <a:rPr lang="de-DE" dirty="0" smtClean="0"/>
-              <a:t>Fakt aber in </a:t>
-            </a:r>
-            <a:r>
-              <a:rPr lang="de-DE" i="1" dirty="0" err="1" smtClean="0"/>
-              <a:t>IEEE_Floating_Point</a:t>
-            </a:r>
-            <a:r>
-              <a:rPr lang="de-DE" dirty="0" smtClean="0"/>
-              <a:t> nicht gegeben</a:t>
-            </a:r>
-          </a:p>
-          <a:p>
-            <a:r>
-              <a:rPr lang="de-DE" dirty="0" smtClean="0"/>
-              <a:t>Unbekannte Schwierigkeit eines Beweises</a:t>
+              <a:rPr lang="de-DE" sz="3200" dirty="0" smtClean="0"/>
+              <a:t>Umgang mit Rundungsfehlern</a:t>
+            </a:r>
+            <a:endParaRPr lang="de-DE" sz="3200" dirty="0"/>
+          </a:p>
+          <a:p>
+            <a:pPr marL="514350" indent="-514350">
+              <a:buAutoNum type="alphaLcParenR"/>
+            </a:pPr>
+            <a:r>
+              <a:rPr lang="de-DE" dirty="0" smtClean="0"/>
+              <a:t>Analysieren/Entscheiden</a:t>
+            </a:r>
+          </a:p>
+          <a:p>
+            <a:pPr marL="514350" indent="-514350">
+              <a:buAutoNum type="alphaLcParenR"/>
+            </a:pPr>
+            <a:r>
+              <a:rPr lang="de-DE" dirty="0" smtClean="0"/>
+              <a:t>Vermeiden</a:t>
+            </a:r>
+          </a:p>
+          <a:p>
+            <a:pPr marL="514350" indent="-514350">
+              <a:buAutoNum type="alphaLcParenR"/>
+            </a:pPr>
+            <a:r>
+              <a:rPr lang="de-DE" dirty="0" smtClean="0">
+                <a:solidFill>
+                  <a:srgbClr val="00B050"/>
+                </a:solidFill>
+              </a:rPr>
+              <a:t>„Floating Point </a:t>
+            </a:r>
+            <a:r>
+              <a:rPr lang="de-DE" dirty="0" err="1" smtClean="0">
+                <a:solidFill>
+                  <a:srgbClr val="00B050"/>
+                </a:solidFill>
+              </a:rPr>
+              <a:t>Expansions</a:t>
+            </a:r>
+            <a:r>
+              <a:rPr lang="de-DE" dirty="0" smtClean="0">
+                <a:solidFill>
+                  <a:srgbClr val="00B050"/>
+                </a:solidFill>
+              </a:rPr>
+              <a:t>“</a:t>
+            </a:r>
+            <a:endParaRPr lang="de-DE" dirty="0">
+              <a:solidFill>
+                <a:srgbClr val="00B050"/>
+              </a:solidFill>
+            </a:endParaRPr>
+          </a:p>
+          <a:p>
+            <a:pPr marL="514350" indent="-514350">
+              <a:buAutoNum type="alphaLcParenR"/>
+            </a:pPr>
+            <a:endParaRPr lang="de-DE" dirty="0">
+              <a:solidFill>
+                <a:srgbClr val="00B050"/>
+              </a:solidFill>
+            </a:endParaRPr>
+          </a:p>
+        </p:txBody>
+      </p:sp>
+    </p:spTree>
+    <p:extLst>
+      <p:ext uri="{BB962C8B-B14F-4D97-AF65-F5344CB8AC3E}">
+        <p14:creationId xmlns:p14="http://schemas.microsoft.com/office/powerpoint/2010/main" val="326117042"/>
+      </p:ext>
+    </p:extLst>
+  </p:cSld>
+  <p:clrMapOvr>
+    <a:masterClrMapping/>
+  </p:clrMapOvr>
+  <p:timing>
+    <p:tnLst>
+      <p:par>
+        <p:cTn id="1" dur="indefinite" restart="never" nodeType="tmRoot">
+          <p:childTnLst>
+            <p:seq concurrent="1" nextAc="seek">
+              <p:cTn id="2" dur="indefinite" nodeType="mainSeq">
+                <p:childTnLst>
+                  <p:par>
+                    <p:cTn id="3" fill="hold">
+                      <p:stCondLst>
+                        <p:cond delay="indefinite"/>
+                      </p:stCondLst>
+                      <p:childTnLst>
+                        <p:par>
+                          <p:cTn id="4" fill="hold">
+                            <p:stCondLst>
+                              <p:cond delay="0"/>
+                            </p:stCondLst>
+                            <p:childTnLst>
+                              <p:par>
+                                <p:cTn id="5" presetID="1" presetClass="entr" presetSubtype="0" fill="hold" nodeType="clickEffect">
+                                  <p:stCondLst>
+                                    <p:cond delay="0"/>
+                                  </p:stCondLst>
+                                  <p:childTnLst>
+                                    <p:set>
+                                      <p:cBhvr>
+                                        <p:cTn id="6" dur="1" fill="hold">
+                                          <p:stCondLst>
+                                            <p:cond delay="0"/>
+                                          </p:stCondLst>
+                                        </p:cTn>
+                                        <p:tgtEl>
+                                          <p:spTgt spid="3">
+                                            <p:txEl>
+                                              <p:pRg st="1" end="1"/>
+                                            </p:txEl>
+                                          </p:spTgt>
+                                        </p:tgtEl>
+                                        <p:attrNameLst>
+                                          <p:attrName>style.visibility</p:attrName>
+                                        </p:attrNameLst>
+                                      </p:cBhvr>
+                                      <p:to>
+                                        <p:strVal val="visible"/>
+                                      </p:to>
+                                    </p:set>
+                                  </p:childTnLst>
+                                </p:cTn>
+                              </p:par>
+                            </p:childTnLst>
+                          </p:cTn>
+                        </p:par>
+                      </p:childTnLst>
+                    </p:cTn>
+                  </p:par>
+                  <p:par>
+                    <p:cTn id="7" fill="hold">
+                      <p:stCondLst>
+                        <p:cond delay="indefinite"/>
+                      </p:stCondLst>
+                      <p:childTnLst>
+                        <p:par>
+                          <p:cTn id="8" fill="hold">
+                            <p:stCondLst>
+                              <p:cond delay="0"/>
+                            </p:stCondLst>
+                            <p:childTnLst>
+                              <p:par>
+                                <p:cTn id="9" presetID="1" presetClass="entr" presetSubtype="0" fill="hold" nodeType="clickEffect">
+                                  <p:stCondLst>
+                                    <p:cond delay="0"/>
+                                  </p:stCondLst>
+                                  <p:childTnLst>
+                                    <p:set>
+                                      <p:cBhvr>
+                                        <p:cTn id="10" dur="1" fill="hold">
+                                          <p:stCondLst>
+                                            <p:cond delay="0"/>
+                                          </p:stCondLst>
+                                        </p:cTn>
+                                        <p:tgtEl>
+                                          <p:spTgt spid="3">
+                                            <p:txEl>
+                                              <p:pRg st="2" end="2"/>
+                                            </p:txEl>
+                                          </p:spTgt>
+                                        </p:tgtEl>
+                                        <p:attrNameLst>
+                                          <p:attrName>style.visibility</p:attrName>
+                                        </p:attrNameLst>
+                                      </p:cBhvr>
+                                      <p:to>
+                                        <p:strVal val="visible"/>
+                                      </p:to>
+                                    </p:set>
+                                  </p:childTnLst>
+                                </p:cTn>
+                              </p:par>
+                            </p:childTnLst>
+                          </p:cTn>
+                        </p:par>
+                      </p:childTnLst>
+                    </p:cTn>
+                  </p:par>
+                  <p:par>
+                    <p:cTn id="11" fill="hold">
+                      <p:stCondLst>
+                        <p:cond delay="indefinite"/>
+                      </p:stCondLst>
+                      <p:childTnLst>
+                        <p:par>
+                          <p:cTn id="12" fill="hold">
+                            <p:stCondLst>
+                              <p:cond delay="0"/>
+                            </p:stCondLst>
+                            <p:childTnLst>
+                              <p:par>
+                                <p:cTn id="13" presetID="1" presetClass="entr" presetSubtype="0" fill="hold" nodeType="clickEffect">
+                                  <p:stCondLst>
+                                    <p:cond delay="0"/>
+                                  </p:stCondLst>
+                                  <p:childTnLst>
+                                    <p:set>
+                                      <p:cBhvr>
+                                        <p:cTn id="14" dur="1" fill="hold">
+                                          <p:stCondLst>
+                                            <p:cond delay="0"/>
+                                          </p:stCondLst>
+                                        </p:cTn>
+                                        <p:tgtEl>
+                                          <p:spTgt spid="3">
+                                            <p:txEl>
+                                              <p:pRg st="3" end="3"/>
+                                            </p:txEl>
+                                          </p:spTgt>
+                                        </p:tgtEl>
+                                        <p:attrNameLst>
+                                          <p:attrName>style.visibility</p:attrName>
+                                        </p:attrNameLst>
+                                      </p:cBhvr>
+                                      <p:to>
+                                        <p:strVal val="visible"/>
+                                      </p:to>
+                                    </p:set>
+                                  </p:childTnLst>
+                                </p:cTn>
+                              </p:par>
+                            </p:childTnLst>
+                          </p:cTn>
+                        </p:par>
+                      </p:childTnLst>
+                    </p:cTn>
+                  </p:par>
+                </p:childTnLst>
+              </p:cTn>
+              <p:prevCondLst>
+                <p:cond evt="onPrev" delay="0">
+                  <p:tgtEl>
+                    <p:sldTgt/>
+                  </p:tgtEl>
+                </p:cond>
+              </p:prevCondLst>
+              <p:nextCondLst>
+                <p:cond evt="onNext" delay="0">
+                  <p:tgtEl>
+                    <p:sldTgt/>
+                  </p:tgtEl>
+                </p:cond>
+              </p:nextCondLst>
+            </p:seq>
+          </p:childTnLst>
+        </p:cTn>
+      </p:par>
+    </p:tnLst>
+  </p:timing>
+</p:sld>
+</file>
+
+<file path=ppt/slides/slide4.xml><?xml version="1.0" encoding="utf-8"?>
+<p:sld xmlns:a="http://schemas.openxmlformats.org/drawingml/2006/main" xmlns:r="http://schemas.openxmlformats.org/officeDocument/2006/relationships" xmlns:p="http://schemas.openxmlformats.org/presentationml/2006/main">
+  <p:cSld>
+    <p:spTree>
+      <p:nvGrpSpPr>
+        <p:cNvPr id="1" name=""/>
+        <p:cNvGrpSpPr/>
+        <p:nvPr/>
+      </p:nvGrpSpPr>
+      <p:grpSpPr>
+        <a:xfrm>
+          <a:off x="0" y="0"/>
+          <a:ext cx="0" cy="0"/>
+          <a:chOff x="0" y="0"/>
+          <a:chExt cx="0" cy="0"/>
+        </a:xfrm>
+      </p:grpSpPr>
+      <p:sp>
+        <p:nvSpPr>
+          <p:cNvPr id="2" name="Titel 1"/>
+          <p:cNvSpPr>
+            <a:spLocks noGrp="1"/>
+          </p:cNvSpPr>
+          <p:nvPr>
+            <p:ph type="title"/>
+          </p:nvPr>
+        </p:nvSpPr>
+        <p:spPr/>
+        <p:txBody>
+          <a:bodyPr/>
+          <a:lstStyle/>
+          <a:p>
+            <a:r>
+              <a:rPr lang="de-DE" dirty="0" smtClean="0"/>
+              <a:t>Aufgabenstellung</a:t>
+            </a:r>
+            <a:endParaRPr lang="de-DE" dirty="0"/>
+          </a:p>
+        </p:txBody>
+      </p:sp>
+      <p:sp>
+        <p:nvSpPr>
+          <p:cNvPr id="3" name="Inhaltsplatzhalter 2"/>
+          <p:cNvSpPr>
+            <a:spLocks noGrp="1"/>
+          </p:cNvSpPr>
+          <p:nvPr>
+            <p:ph idx="1"/>
+          </p:nvPr>
+        </p:nvSpPr>
+        <p:spPr/>
+        <p:txBody>
+          <a:bodyPr/>
+          <a:lstStyle/>
+          <a:p>
+            <a:r>
+              <a:rPr lang="de-DE" dirty="0" smtClean="0"/>
+              <a:t>Bereitstellung einer neuen Arithmetik</a:t>
             </a:r>
           </a:p>
           <a:p>
@@ -7565,20 +9346,114 @@
             </a:r>
             <a:r>
               <a:rPr lang="de-DE" dirty="0" smtClean="0"/>
-              <a:t> ⟶ S</a:t>
-            </a:r>
-            <a:r>
-              <a:rPr lang="de-DE" dirty="0" smtClean="0"/>
-              <a:t>tattdessen: Endlichkeit der Zwischenergebnisse aktiv 			sicherstellen</a:t>
-            </a:r>
-            <a:endParaRPr lang="de-DE" dirty="0" smtClean="0"/>
+              <a:t>„Multiple Precision </a:t>
+            </a:r>
+            <a:r>
+              <a:rPr lang="de-DE" dirty="0" err="1" smtClean="0"/>
+              <a:t>Float</a:t>
+            </a:r>
+            <a:r>
+              <a:rPr lang="de-DE" dirty="0" smtClean="0"/>
+              <a:t> </a:t>
+            </a:r>
+            <a:r>
+              <a:rPr lang="de-DE" dirty="0" err="1" smtClean="0"/>
+              <a:t>Arithmetic</a:t>
+            </a:r>
+            <a:r>
+              <a:rPr lang="de-DE" dirty="0" smtClean="0"/>
+              <a:t>“</a:t>
+            </a:r>
+          </a:p>
+          <a:p>
+            <a:r>
+              <a:rPr lang="de-DE" dirty="0" smtClean="0"/>
+              <a:t>Benutzung des Ansatzes </a:t>
+            </a:r>
+            <a:r>
+              <a:rPr lang="de-DE" dirty="0" smtClean="0">
+                <a:solidFill>
+                  <a:srgbClr val="00B050"/>
+                </a:solidFill>
+              </a:rPr>
+              <a:t>„Floating Point Expansion</a:t>
+            </a:r>
+            <a:r>
+              <a:rPr lang="de-DE" dirty="0" smtClean="0">
+                <a:solidFill>
+                  <a:srgbClr val="00B050"/>
+                </a:solidFill>
+              </a:rPr>
+              <a:t>“</a:t>
+            </a:r>
+          </a:p>
+          <a:p>
+            <a:pPr marL="0" indent="0">
+              <a:buNone/>
+            </a:pPr>
+            <a:r>
+              <a:rPr lang="de-DE" dirty="0">
+                <a:solidFill>
+                  <a:srgbClr val="00B050"/>
+                </a:solidFill>
+              </a:rPr>
+              <a:t>	</a:t>
+            </a:r>
+            <a:r>
+              <a:rPr lang="de-DE" dirty="0" smtClean="0"/>
+              <a:t>nach </a:t>
+            </a:r>
+            <a:r>
+              <a:rPr lang="de-DE" dirty="0" err="1" smtClean="0"/>
+              <a:t>Shewchuk</a:t>
+            </a:r>
+            <a:r>
+              <a:rPr lang="de-DE" dirty="0" smtClean="0"/>
+              <a:t>, Joldes</a:t>
+            </a:r>
+            <a:r>
+              <a:rPr lang="de-DE" dirty="0"/>
+              <a:t> </a:t>
+            </a:r>
+            <a:r>
+              <a:rPr lang="de-DE" dirty="0" smtClean="0"/>
+              <a:t>und Priest</a:t>
+            </a:r>
+            <a:endParaRPr lang="de-DE" dirty="0" smtClean="0">
+              <a:solidFill>
+                <a:srgbClr val="00B050"/>
+              </a:solidFill>
+            </a:endParaRPr>
+          </a:p>
+          <a:p>
+            <a:r>
+              <a:rPr lang="de-DE" dirty="0" smtClean="0"/>
+              <a:t>Aufbau auf </a:t>
+            </a:r>
+            <a:r>
+              <a:rPr lang="de-DE" i="1" dirty="0" err="1" smtClean="0"/>
+              <a:t>IEEE_Floating_Point</a:t>
+            </a:r>
+            <a:r>
+              <a:rPr lang="de-DE" dirty="0" smtClean="0"/>
+              <a:t> aus dem AFP</a:t>
+            </a:r>
+          </a:p>
+          <a:p>
+            <a:r>
+              <a:rPr lang="de-DE" dirty="0" smtClean="0"/>
+              <a:t>Code-Generierung anpassen und prüfen</a:t>
+            </a:r>
+          </a:p>
+          <a:p>
+            <a:endParaRPr lang="de-DE" dirty="0"/>
           </a:p>
         </p:txBody>
       </p:sp>
     </p:spTree>
     <p:extLst>
       <p:ext uri="{BB962C8B-B14F-4D97-AF65-F5344CB8AC3E}">
-        <p14:creationId xmlns:p14="http://schemas.microsoft.com/office/powerpoint/2010/main" val="1969664556"/>
+        <p14:creationId xmlns:p14="http://schemas.microsoft.com/office/powerpoint/2010/main" val="122435994"/>
       </p:ext>
     </p:extLst>
   </p:cSld>
@@ -7912,2392 +9787,6 @@
 </p:sld>
 </file>
 
-<file path=ppt/slides/slide15.xml><?xml version="1.0" encoding="utf-8"?>
-<p:sld xmlns:a="http://schemas.openxmlformats.org/drawingml/2006/main" xmlns:r="http://schemas.openxmlformats.org/officeDocument/2006/relationships" xmlns:p="http://schemas.openxmlformats.org/presentationml/2006/main">
-  <p:cSld>
-    <p:spTree>
-      <p:nvGrpSpPr>
-        <p:cNvPr id="1" name=""/>
-        <p:cNvGrpSpPr/>
-        <p:nvPr/>
-      </p:nvGrpSpPr>
-      <p:grpSpPr>
-        <a:xfrm>
-          <a:off x="0" y="0"/>
-          <a:ext cx="0" cy="0"/>
-          <a:chOff x="0" y="0"/>
-          <a:chExt cx="0" cy="0"/>
-        </a:xfrm>
-      </p:grpSpPr>
-      <p:sp>
-        <p:nvSpPr>
-          <p:cNvPr id="2" name="Titel 1"/>
-          <p:cNvSpPr>
-            <a:spLocks noGrp="1"/>
-          </p:cNvSpPr>
-          <p:nvPr>
-            <p:ph type="title"/>
-          </p:nvPr>
-        </p:nvSpPr>
-        <p:spPr/>
-        <p:txBody>
-          <a:bodyPr/>
-          <a:lstStyle/>
-          <a:p>
-            <a:r>
-              <a:rPr lang="de-DE" dirty="0" smtClean="0"/>
-              <a:t>Korrektheitsbeweise: Benutzung von </a:t>
-            </a:r>
-            <a:r>
-              <a:rPr lang="de-DE" i="1" dirty="0" err="1" smtClean="0"/>
-              <a:t>option</a:t>
-            </a:r>
-            <a:endParaRPr lang="de-DE" i="1" dirty="0"/>
-          </a:p>
-        </p:txBody>
-      </p:sp>
-      <p:sp>
-        <p:nvSpPr>
-          <p:cNvPr id="3" name="Inhaltsplatzhalter 2"/>
-          <p:cNvSpPr>
-            <a:spLocks noGrp="1"/>
-          </p:cNvSpPr>
-          <p:nvPr>
-            <p:ph idx="1"/>
-          </p:nvPr>
-        </p:nvSpPr>
-        <p:spPr/>
-        <p:txBody>
-          <a:bodyPr/>
-          <a:lstStyle/>
-          <a:p>
-            <a:r>
-              <a:rPr lang="de-DE" dirty="0" smtClean="0"/>
-              <a:t>Also: </a:t>
-            </a:r>
-            <a:r>
-              <a:rPr lang="de-DE" i="1" dirty="0" err="1" smtClean="0"/>
-              <a:t>safe_TwoSum</a:t>
-            </a:r>
-            <a:endParaRPr lang="de-DE" i="1" dirty="0" smtClean="0"/>
-          </a:p>
-          <a:p>
-            <a:endParaRPr lang="de-DE" dirty="0"/>
-          </a:p>
-        </p:txBody>
-      </p:sp>
-      <p:pic>
-        <p:nvPicPr>
-          <p:cNvPr id="4" name="Grafik 3"/>
-          <p:cNvPicPr>
-            <a:picLocks noChangeAspect="1"/>
-          </p:cNvPicPr>
-          <p:nvPr/>
-        </p:nvPicPr>
-        <p:blipFill rotWithShape="1">
-          <a:blip r:embed="rId3"/>
-          <a:srcRect l="16806" t="25531" r="47127" b="57960"/>
-          <a:stretch/>
-        </p:blipFill>
-        <p:spPr>
-          <a:xfrm>
-            <a:off x="838199" y="2363043"/>
-            <a:ext cx="6856563" cy="1764556"/>
-          </a:xfrm>
-          <a:prstGeom prst="rect">
-            <a:avLst/>
-          </a:prstGeom>
-        </p:spPr>
-      </p:pic>
-      <p:pic>
-        <p:nvPicPr>
-          <p:cNvPr id="5" name="Grafik 4"/>
-          <p:cNvPicPr>
-            <a:picLocks noChangeAspect="1"/>
-          </p:cNvPicPr>
-          <p:nvPr/>
-        </p:nvPicPr>
-        <p:blipFill rotWithShape="1">
-          <a:blip r:embed="rId4"/>
-          <a:srcRect l="16806" t="22700" r="16231" b="58196"/>
-          <a:stretch/>
-        </p:blipFill>
-        <p:spPr>
-          <a:xfrm>
-            <a:off x="838199" y="4396444"/>
-            <a:ext cx="11100759" cy="1780519"/>
-          </a:xfrm>
-          <a:prstGeom prst="rect">
-            <a:avLst/>
-          </a:prstGeom>
-        </p:spPr>
-      </p:pic>
-    </p:spTree>
-    <p:extLst>
-      <p:ext uri="{BB962C8B-B14F-4D97-AF65-F5344CB8AC3E}">
-        <p14:creationId xmlns:p14="http://schemas.microsoft.com/office/powerpoint/2010/main" val="443895581"/>
-      </p:ext>
-    </p:extLst>
-  </p:cSld>
-  <p:clrMapOvr>
-    <a:masterClrMapping/>
-  </p:clrMapOvr>
-  <p:timing>
-    <p:tnLst>
-      <p:par>
-        <p:cTn id="1" dur="indefinite" restart="never" nodeType="tmRoot">
-          <p:childTnLst>
-            <p:seq concurrent="1" nextAc="seek">
-              <p:cTn id="2" dur="indefinite" nodeType="mainSeq">
-                <p:childTnLst>
-                  <p:par>
-                    <p:cTn id="3" fill="hold">
-                      <p:stCondLst>
-                        <p:cond delay="indefinite"/>
-                      </p:stCondLst>
-                      <p:childTnLst>
-                        <p:par>
-                          <p:cTn id="4" fill="hold">
-                            <p:stCondLst>
-                              <p:cond delay="0"/>
-                            </p:stCondLst>
-                            <p:childTnLst>
-                              <p:par>
-                                <p:cTn id="5" presetID="1" presetClass="entr" presetSubtype="0" fill="hold" nodeType="clickEffect">
-                                  <p:stCondLst>
-                                    <p:cond delay="0"/>
-                                  </p:stCondLst>
-                                  <p:childTnLst>
-                                    <p:set>
-                                      <p:cBhvr>
-                                        <p:cTn id="6" dur="1" fill="hold">
-                                          <p:stCondLst>
-                                            <p:cond delay="0"/>
-                                          </p:stCondLst>
-                                        </p:cTn>
-                                        <p:tgtEl>
-                                          <p:spTgt spid="3">
-                                            <p:txEl>
-                                              <p:pRg st="0" end="0"/>
-                                            </p:txEl>
-                                          </p:spTgt>
-                                        </p:tgtEl>
-                                        <p:attrNameLst>
-                                          <p:attrName>style.visibility</p:attrName>
-                                        </p:attrNameLst>
-                                      </p:cBhvr>
-                                      <p:to>
-                                        <p:strVal val="visible"/>
-                                      </p:to>
-                                    </p:set>
-                                  </p:childTnLst>
-                                </p:cTn>
-                              </p:par>
-                            </p:childTnLst>
-                          </p:cTn>
-                        </p:par>
-                      </p:childTnLst>
-                    </p:cTn>
-                  </p:par>
-                  <p:par>
-                    <p:cTn id="7" fill="hold">
-                      <p:stCondLst>
-                        <p:cond delay="indefinite"/>
-                      </p:stCondLst>
-                      <p:childTnLst>
-                        <p:par>
-                          <p:cTn id="8" fill="hold">
-                            <p:stCondLst>
-                              <p:cond delay="0"/>
-                            </p:stCondLst>
-                            <p:childTnLst>
-                              <p:par>
-                                <p:cTn id="9" presetID="1" presetClass="entr" presetSubtype="0" fill="hold" nodeType="clickEffect">
-                                  <p:stCondLst>
-                                    <p:cond delay="0"/>
-                                  </p:stCondLst>
-                                  <p:childTnLst>
-                                    <p:set>
-                                      <p:cBhvr>
-                                        <p:cTn id="10" dur="1" fill="hold">
-                                          <p:stCondLst>
-                                            <p:cond delay="0"/>
-                                          </p:stCondLst>
-                                        </p:cTn>
-                                        <p:tgtEl>
-                                          <p:spTgt spid="4"/>
-                                        </p:tgtEl>
-                                        <p:attrNameLst>
-                                          <p:attrName>style.visibility</p:attrName>
-                                        </p:attrNameLst>
-                                      </p:cBhvr>
-                                      <p:to>
-                                        <p:strVal val="visible"/>
-                                      </p:to>
-                                    </p:set>
-                                  </p:childTnLst>
-                                </p:cTn>
-                              </p:par>
-                            </p:childTnLst>
-                          </p:cTn>
-                        </p:par>
-                      </p:childTnLst>
-                    </p:cTn>
-                  </p:par>
-                  <p:par>
-                    <p:cTn id="11" fill="hold">
-                      <p:stCondLst>
-                        <p:cond delay="indefinite"/>
-                      </p:stCondLst>
-                      <p:childTnLst>
-                        <p:par>
-                          <p:cTn id="12" fill="hold">
-                            <p:stCondLst>
-                              <p:cond delay="0"/>
-                            </p:stCondLst>
-                            <p:childTnLst>
-                              <p:par>
-                                <p:cTn id="13" presetID="1" presetClass="entr" presetSubtype="0" fill="hold" nodeType="clickEffect">
-                                  <p:stCondLst>
-                                    <p:cond delay="0"/>
-                                  </p:stCondLst>
-                                  <p:childTnLst>
-                                    <p:set>
-                                      <p:cBhvr>
-                                        <p:cTn id="14" dur="1" fill="hold">
-                                          <p:stCondLst>
-                                            <p:cond delay="0"/>
-                                          </p:stCondLst>
-                                        </p:cTn>
-                                        <p:tgtEl>
-                                          <p:spTgt spid="5"/>
-                                        </p:tgtEl>
-                                        <p:attrNameLst>
-                                          <p:attrName>style.visibility</p:attrName>
-                                        </p:attrNameLst>
-                                      </p:cBhvr>
-                                      <p:to>
-                                        <p:strVal val="visible"/>
-                                      </p:to>
-                                    </p:set>
-                                  </p:childTnLst>
-                                </p:cTn>
-                              </p:par>
-                            </p:childTnLst>
-                          </p:cTn>
-                        </p:par>
-                      </p:childTnLst>
-                    </p:cTn>
-                  </p:par>
-                </p:childTnLst>
-              </p:cTn>
-              <p:prevCondLst>
-                <p:cond evt="onPrev" delay="0">
-                  <p:tgtEl>
-                    <p:sldTgt/>
-                  </p:tgtEl>
-                </p:cond>
-              </p:prevCondLst>
-              <p:nextCondLst>
-                <p:cond evt="onNext" delay="0">
-                  <p:tgtEl>
-                    <p:sldTgt/>
-                  </p:tgtEl>
-                </p:cond>
-              </p:nextCondLst>
-            </p:seq>
-          </p:childTnLst>
-        </p:cTn>
-      </p:par>
-    </p:tnLst>
-  </p:timing>
-</p:sld>
-</file>
-
-<file path=ppt/slides/slide16.xml><?xml version="1.0" encoding="utf-8"?>
-<p:sld xmlns:a="http://schemas.openxmlformats.org/drawingml/2006/main" xmlns:r="http://schemas.openxmlformats.org/officeDocument/2006/relationships" xmlns:p="http://schemas.openxmlformats.org/presentationml/2006/main">
-  <p:cSld>
-    <p:spTree>
-      <p:nvGrpSpPr>
-        <p:cNvPr id="1" name=""/>
-        <p:cNvGrpSpPr/>
-        <p:nvPr/>
-      </p:nvGrpSpPr>
-      <p:grpSpPr>
-        <a:xfrm>
-          <a:off x="0" y="0"/>
-          <a:ext cx="0" cy="0"/>
-          <a:chOff x="0" y="0"/>
-          <a:chExt cx="0" cy="0"/>
-        </a:xfrm>
-      </p:grpSpPr>
-      <p:sp>
-        <p:nvSpPr>
-          <p:cNvPr id="2" name="Titel 1"/>
-          <p:cNvSpPr>
-            <a:spLocks noGrp="1"/>
-          </p:cNvSpPr>
-          <p:nvPr>
-            <p:ph type="title"/>
-          </p:nvPr>
-        </p:nvSpPr>
-        <p:spPr/>
-        <p:txBody>
-          <a:bodyPr/>
-          <a:lstStyle/>
-          <a:p>
-            <a:r>
-              <a:rPr lang="de-DE" dirty="0" err="1" smtClean="0"/>
-              <a:t>grow-mpf</a:t>
-            </a:r>
-            <a:r>
-              <a:rPr lang="de-DE" dirty="0" smtClean="0"/>
-              <a:t> in Isabelle</a:t>
-            </a:r>
-            <a:endParaRPr lang="de-DE" dirty="0"/>
-          </a:p>
-        </p:txBody>
-      </p:sp>
-      <p:sp>
-        <p:nvSpPr>
-          <p:cNvPr id="3" name="Inhaltsplatzhalter 2"/>
-          <p:cNvSpPr>
-            <a:spLocks noGrp="1"/>
-          </p:cNvSpPr>
-          <p:nvPr>
-            <p:ph idx="1"/>
-          </p:nvPr>
-        </p:nvSpPr>
-        <p:spPr/>
-        <p:txBody>
-          <a:bodyPr/>
-          <a:lstStyle/>
-          <a:p>
-            <a:endParaRPr lang="de-DE" dirty="0"/>
-          </a:p>
-        </p:txBody>
-      </p:sp>
-    </p:spTree>
-    <p:extLst>
-      <p:ext uri="{BB962C8B-B14F-4D97-AF65-F5344CB8AC3E}">
-        <p14:creationId xmlns:p14="http://schemas.microsoft.com/office/powerpoint/2010/main" val="4086910333"/>
-      </p:ext>
-    </p:extLst>
-  </p:cSld>
-  <p:clrMapOvr>
-    <a:masterClrMapping/>
-  </p:clrMapOvr>
-  <p:timing>
-    <p:tnLst>
-      <p:par>
-        <p:cTn id="1" dur="indefinite" restart="never" nodeType="tmRoot"/>
-      </p:par>
-    </p:tnLst>
-  </p:timing>
-</p:sld>
-</file>
-
-<file path=ppt/slides/slide17.xml><?xml version="1.0" encoding="utf-8"?>
-<p:sld xmlns:a="http://schemas.openxmlformats.org/drawingml/2006/main" xmlns:r="http://schemas.openxmlformats.org/officeDocument/2006/relationships" xmlns:p="http://schemas.openxmlformats.org/presentationml/2006/main">
-  <p:cSld>
-    <p:spTree>
-      <p:nvGrpSpPr>
-        <p:cNvPr id="1" name=""/>
-        <p:cNvGrpSpPr/>
-        <p:nvPr/>
-      </p:nvGrpSpPr>
-      <p:grpSpPr>
-        <a:xfrm>
-          <a:off x="0" y="0"/>
-          <a:ext cx="0" cy="0"/>
-          <a:chOff x="0" y="0"/>
-          <a:chExt cx="0" cy="0"/>
-        </a:xfrm>
-      </p:grpSpPr>
-      <p:sp>
-        <p:nvSpPr>
-          <p:cNvPr id="2" name="Titel 1"/>
-          <p:cNvSpPr>
-            <a:spLocks noGrp="1"/>
-          </p:cNvSpPr>
-          <p:nvPr>
-            <p:ph type="title"/>
-          </p:nvPr>
-        </p:nvSpPr>
-        <p:spPr/>
-        <p:txBody>
-          <a:bodyPr/>
-          <a:lstStyle/>
-          <a:p>
-            <a:r>
-              <a:rPr lang="de-DE" dirty="0" smtClean="0"/>
-              <a:t>Korrektheitsbeweis: </a:t>
-            </a:r>
-            <a:r>
-              <a:rPr lang="de-DE" i="1" dirty="0" err="1" smtClean="0"/>
-              <a:t>grow-mpf</a:t>
-            </a:r>
-            <a:endParaRPr lang="de-DE" i="1" dirty="0"/>
-          </a:p>
-        </p:txBody>
-      </p:sp>
-      <p:pic>
-        <p:nvPicPr>
-          <p:cNvPr id="4" name="Inhaltsplatzhalter 3"/>
-          <p:cNvPicPr>
-            <a:picLocks noGrp="1" noChangeAspect="1"/>
-          </p:cNvPicPr>
-          <p:nvPr>
-            <p:ph idx="1"/>
-          </p:nvPr>
-        </p:nvPicPr>
-        <p:blipFill rotWithShape="1">
-          <a:blip r:embed="rId2"/>
-          <a:srcRect l="16809" t="15410" r="12535" b="18945"/>
-          <a:stretch/>
-        </p:blipFill>
-        <p:spPr>
-          <a:xfrm>
-            <a:off x="964815" y="1377946"/>
-            <a:ext cx="9738902" cy="5087022"/>
-          </a:xfrm>
-          <a:prstGeom prst="rect">
-            <a:avLst/>
-          </a:prstGeom>
-        </p:spPr>
-      </p:pic>
-    </p:spTree>
-    <p:extLst>
-      <p:ext uri="{BB962C8B-B14F-4D97-AF65-F5344CB8AC3E}">
-        <p14:creationId xmlns:p14="http://schemas.microsoft.com/office/powerpoint/2010/main" val="3116384035"/>
-      </p:ext>
-    </p:extLst>
-  </p:cSld>
-  <p:clrMapOvr>
-    <a:masterClrMapping/>
-  </p:clrMapOvr>
-  <p:timing>
-    <p:tnLst>
-      <p:par>
-        <p:cTn id="1" dur="indefinite" restart="never" nodeType="tmRoot"/>
-      </p:par>
-    </p:tnLst>
-  </p:timing>
-</p:sld>
-</file>
-
-<file path=ppt/slides/slide18.xml><?xml version="1.0" encoding="utf-8"?>
-<p:sld xmlns:a="http://schemas.openxmlformats.org/drawingml/2006/main" xmlns:r="http://schemas.openxmlformats.org/officeDocument/2006/relationships" xmlns:p="http://schemas.openxmlformats.org/presentationml/2006/main">
-  <p:cSld>
-    <p:spTree>
-      <p:nvGrpSpPr>
-        <p:cNvPr id="1" name=""/>
-        <p:cNvGrpSpPr/>
-        <p:nvPr/>
-      </p:nvGrpSpPr>
-      <p:grpSpPr>
-        <a:xfrm>
-          <a:off x="0" y="0"/>
-          <a:ext cx="0" cy="0"/>
-          <a:chOff x="0" y="0"/>
-          <a:chExt cx="0" cy="0"/>
-        </a:xfrm>
-      </p:grpSpPr>
-      <p:sp>
-        <p:nvSpPr>
-          <p:cNvPr id="2" name="Titel 1"/>
-          <p:cNvSpPr>
-            <a:spLocks noGrp="1"/>
-          </p:cNvSpPr>
-          <p:nvPr>
-            <p:ph type="title"/>
-          </p:nvPr>
-        </p:nvSpPr>
-        <p:spPr/>
-        <p:txBody>
-          <a:bodyPr/>
-          <a:lstStyle/>
-          <a:p>
-            <a:r>
-              <a:rPr lang="de-DE" dirty="0" smtClean="0"/>
-              <a:t>Mögliche Optimierungen</a:t>
-            </a:r>
-            <a:endParaRPr lang="de-DE" dirty="0"/>
-          </a:p>
-        </p:txBody>
-      </p:sp>
-      <p:sp>
-        <p:nvSpPr>
-          <p:cNvPr id="3" name="Inhaltsplatzhalter 2"/>
-          <p:cNvSpPr>
-            <a:spLocks noGrp="1"/>
-          </p:cNvSpPr>
-          <p:nvPr>
-            <p:ph idx="1"/>
-          </p:nvPr>
-        </p:nvSpPr>
-        <p:spPr/>
-        <p:txBody>
-          <a:bodyPr/>
-          <a:lstStyle/>
-          <a:p>
-            <a:r>
-              <a:rPr lang="de-DE" dirty="0" smtClean="0"/>
-              <a:t>Nutzung von </a:t>
-            </a:r>
-            <a:r>
-              <a:rPr lang="de-DE" i="1" dirty="0" err="1" smtClean="0"/>
-              <a:t>FastTwoSum</a:t>
-            </a:r>
-            <a:endParaRPr lang="de-DE" i="1" dirty="0" smtClean="0"/>
-          </a:p>
-          <a:p>
-            <a:r>
-              <a:rPr lang="de-DE" dirty="0" smtClean="0"/>
-              <a:t>Endrekursion</a:t>
-            </a:r>
-          </a:p>
-          <a:p>
-            <a:r>
-              <a:rPr lang="de-DE" dirty="0" smtClean="0"/>
-              <a:t>Nutzung von </a:t>
-            </a:r>
-            <a:r>
-              <a:rPr lang="de-DE" dirty="0" err="1" smtClean="0"/>
-              <a:t>fold</a:t>
-            </a:r>
-            <a:endParaRPr lang="de-DE" dirty="0" smtClean="0"/>
-          </a:p>
-          <a:p>
-            <a:r>
-              <a:rPr lang="de-DE" dirty="0" smtClean="0"/>
-              <a:t>Generalität</a:t>
-            </a:r>
-          </a:p>
-          <a:p>
-            <a:r>
-              <a:rPr lang="de-DE" dirty="0" smtClean="0"/>
-              <a:t>Verschiedene Möglichkeiten bei der Addition</a:t>
-            </a:r>
-          </a:p>
-          <a:p>
-            <a:endParaRPr lang="de-DE" dirty="0"/>
-          </a:p>
-        </p:txBody>
-      </p:sp>
-    </p:spTree>
-    <p:extLst>
-      <p:ext uri="{BB962C8B-B14F-4D97-AF65-F5344CB8AC3E}">
-        <p14:creationId xmlns:p14="http://schemas.microsoft.com/office/powerpoint/2010/main" val="3870084803"/>
-      </p:ext>
-    </p:extLst>
-  </p:cSld>
-  <p:clrMapOvr>
-    <a:masterClrMapping/>
-  </p:clrMapOvr>
-  <p:timing>
-    <p:tnLst>
-      <p:par>
-        <p:cTn id="1" dur="indefinite" restart="never" nodeType="tmRoot">
-          <p:childTnLst>
-            <p:seq concurrent="1" nextAc="seek">
-              <p:cTn id="2" dur="indefinite" nodeType="mainSeq">
-                <p:childTnLst>
-                  <p:par>
-                    <p:cTn id="3" fill="hold">
-                      <p:stCondLst>
-                        <p:cond delay="indefinite"/>
-                      </p:stCondLst>
-                      <p:childTnLst>
-                        <p:par>
-                          <p:cTn id="4" fill="hold">
-                            <p:stCondLst>
-                              <p:cond delay="0"/>
-                            </p:stCondLst>
-                            <p:childTnLst>
-                              <p:par>
-                                <p:cTn id="5" presetID="1" presetClass="entr" presetSubtype="0" fill="hold" nodeType="clickEffect">
-                                  <p:stCondLst>
-                                    <p:cond delay="0"/>
-                                  </p:stCondLst>
-                                  <p:childTnLst>
-                                    <p:set>
-                                      <p:cBhvr>
-                                        <p:cTn id="6" dur="1" fill="hold">
-                                          <p:stCondLst>
-                                            <p:cond delay="0"/>
-                                          </p:stCondLst>
-                                        </p:cTn>
-                                        <p:tgtEl>
-                                          <p:spTgt spid="3">
-                                            <p:txEl>
-                                              <p:pRg st="0" end="0"/>
-                                            </p:txEl>
-                                          </p:spTgt>
-                                        </p:tgtEl>
-                                        <p:attrNameLst>
-                                          <p:attrName>style.visibility</p:attrName>
-                                        </p:attrNameLst>
-                                      </p:cBhvr>
-                                      <p:to>
-                                        <p:strVal val="visible"/>
-                                      </p:to>
-                                    </p:set>
-                                  </p:childTnLst>
-                                </p:cTn>
-                              </p:par>
-                            </p:childTnLst>
-                          </p:cTn>
-                        </p:par>
-                      </p:childTnLst>
-                    </p:cTn>
-                  </p:par>
-                  <p:par>
-                    <p:cTn id="7" fill="hold">
-                      <p:stCondLst>
-                        <p:cond delay="indefinite"/>
-                      </p:stCondLst>
-                      <p:childTnLst>
-                        <p:par>
-                          <p:cTn id="8" fill="hold">
-                            <p:stCondLst>
-                              <p:cond delay="0"/>
-                            </p:stCondLst>
-                            <p:childTnLst>
-                              <p:par>
-                                <p:cTn id="9" presetID="1" presetClass="entr" presetSubtype="0" fill="hold" nodeType="clickEffect">
-                                  <p:stCondLst>
-                                    <p:cond delay="0"/>
-                                  </p:stCondLst>
-                                  <p:childTnLst>
-                                    <p:set>
-                                      <p:cBhvr>
-                                        <p:cTn id="10" dur="1" fill="hold">
-                                          <p:stCondLst>
-                                            <p:cond delay="0"/>
-                                          </p:stCondLst>
-                                        </p:cTn>
-                                        <p:tgtEl>
-                                          <p:spTgt spid="3">
-                                            <p:txEl>
-                                              <p:pRg st="1" end="1"/>
-                                            </p:txEl>
-                                          </p:spTgt>
-                                        </p:tgtEl>
-                                        <p:attrNameLst>
-                                          <p:attrName>style.visibility</p:attrName>
-                                        </p:attrNameLst>
-                                      </p:cBhvr>
-                                      <p:to>
-                                        <p:strVal val="visible"/>
-                                      </p:to>
-                                    </p:set>
-                                  </p:childTnLst>
-                                </p:cTn>
-                              </p:par>
-                            </p:childTnLst>
-                          </p:cTn>
-                        </p:par>
-                      </p:childTnLst>
-                    </p:cTn>
-                  </p:par>
-                  <p:par>
-                    <p:cTn id="11" fill="hold">
-                      <p:stCondLst>
-                        <p:cond delay="indefinite"/>
-                      </p:stCondLst>
-                      <p:childTnLst>
-                        <p:par>
-                          <p:cTn id="12" fill="hold">
-                            <p:stCondLst>
-                              <p:cond delay="0"/>
-                            </p:stCondLst>
-                            <p:childTnLst>
-                              <p:par>
-                                <p:cTn id="13" presetID="1" presetClass="entr" presetSubtype="0" fill="hold" nodeType="clickEffect">
-                                  <p:stCondLst>
-                                    <p:cond delay="0"/>
-                                  </p:stCondLst>
-                                  <p:childTnLst>
-                                    <p:set>
-                                      <p:cBhvr>
-                                        <p:cTn id="14" dur="1" fill="hold">
-                                          <p:stCondLst>
-                                            <p:cond delay="0"/>
-                                          </p:stCondLst>
-                                        </p:cTn>
-                                        <p:tgtEl>
-                                          <p:spTgt spid="3">
-                                            <p:txEl>
-                                              <p:pRg st="2" end="2"/>
-                                            </p:txEl>
-                                          </p:spTgt>
-                                        </p:tgtEl>
-                                        <p:attrNameLst>
-                                          <p:attrName>style.visibility</p:attrName>
-                                        </p:attrNameLst>
-                                      </p:cBhvr>
-                                      <p:to>
-                                        <p:strVal val="visible"/>
-                                      </p:to>
-                                    </p:set>
-                                  </p:childTnLst>
-                                </p:cTn>
-                              </p:par>
-                            </p:childTnLst>
-                          </p:cTn>
-                        </p:par>
-                      </p:childTnLst>
-                    </p:cTn>
-                  </p:par>
-                  <p:par>
-                    <p:cTn id="15" fill="hold">
-                      <p:stCondLst>
-                        <p:cond delay="indefinite"/>
-                      </p:stCondLst>
-                      <p:childTnLst>
-                        <p:par>
-                          <p:cTn id="16" fill="hold">
-                            <p:stCondLst>
-                              <p:cond delay="0"/>
-                            </p:stCondLst>
-                            <p:childTnLst>
-                              <p:par>
-                                <p:cTn id="17" presetID="1" presetClass="entr" presetSubtype="0" fill="hold" nodeType="clickEffect">
-                                  <p:stCondLst>
-                                    <p:cond delay="0"/>
-                                  </p:stCondLst>
-                                  <p:childTnLst>
-                                    <p:set>
-                                      <p:cBhvr>
-                                        <p:cTn id="18" dur="1" fill="hold">
-                                          <p:stCondLst>
-                                            <p:cond delay="0"/>
-                                          </p:stCondLst>
-                                        </p:cTn>
-                                        <p:tgtEl>
-                                          <p:spTgt spid="3">
-                                            <p:txEl>
-                                              <p:pRg st="3" end="3"/>
-                                            </p:txEl>
-                                          </p:spTgt>
-                                        </p:tgtEl>
-                                        <p:attrNameLst>
-                                          <p:attrName>style.visibility</p:attrName>
-                                        </p:attrNameLst>
-                                      </p:cBhvr>
-                                      <p:to>
-                                        <p:strVal val="visible"/>
-                                      </p:to>
-                                    </p:set>
-                                  </p:childTnLst>
-                                </p:cTn>
-                              </p:par>
-                            </p:childTnLst>
-                          </p:cTn>
-                        </p:par>
-                      </p:childTnLst>
-                    </p:cTn>
-                  </p:par>
-                  <p:par>
-                    <p:cTn id="19" fill="hold">
-                      <p:stCondLst>
-                        <p:cond delay="indefinite"/>
-                      </p:stCondLst>
-                      <p:childTnLst>
-                        <p:par>
-                          <p:cTn id="20" fill="hold">
-                            <p:stCondLst>
-                              <p:cond delay="0"/>
-                            </p:stCondLst>
-                            <p:childTnLst>
-                              <p:par>
-                                <p:cTn id="21" presetID="1" presetClass="entr" presetSubtype="0" fill="hold" nodeType="clickEffect">
-                                  <p:stCondLst>
-                                    <p:cond delay="0"/>
-                                  </p:stCondLst>
-                                  <p:childTnLst>
-                                    <p:set>
-                                      <p:cBhvr>
-                                        <p:cTn id="22" dur="1" fill="hold">
-                                          <p:stCondLst>
-                                            <p:cond delay="0"/>
-                                          </p:stCondLst>
-                                        </p:cTn>
-                                        <p:tgtEl>
-                                          <p:spTgt spid="3">
-                                            <p:txEl>
-                                              <p:pRg st="4" end="4"/>
-                                            </p:txEl>
-                                          </p:spTgt>
-                                        </p:tgtEl>
-                                        <p:attrNameLst>
-                                          <p:attrName>style.visibility</p:attrName>
-                                        </p:attrNameLst>
-                                      </p:cBhvr>
-                                      <p:to>
-                                        <p:strVal val="visible"/>
-                                      </p:to>
-                                    </p:set>
-                                  </p:childTnLst>
-                                </p:cTn>
-                              </p:par>
-                            </p:childTnLst>
-                          </p:cTn>
-                        </p:par>
-                      </p:childTnLst>
-                    </p:cTn>
-                  </p:par>
-                </p:childTnLst>
-              </p:cTn>
-              <p:prevCondLst>
-                <p:cond evt="onPrev" delay="0">
-                  <p:tgtEl>
-                    <p:sldTgt/>
-                  </p:tgtEl>
-                </p:cond>
-              </p:prevCondLst>
-              <p:nextCondLst>
-                <p:cond evt="onNext" delay="0">
-                  <p:tgtEl>
-                    <p:sldTgt/>
-                  </p:tgtEl>
-                </p:cond>
-              </p:nextCondLst>
-            </p:seq>
-          </p:childTnLst>
-        </p:cTn>
-      </p:par>
-    </p:tnLst>
-  </p:timing>
-</p:sld>
-</file>
-
-<file path=ppt/slides/slide19.xml><?xml version="1.0" encoding="utf-8"?>
-<p:sld xmlns:a="http://schemas.openxmlformats.org/drawingml/2006/main" xmlns:r="http://schemas.openxmlformats.org/officeDocument/2006/relationships" xmlns:p="http://schemas.openxmlformats.org/presentationml/2006/main">
-  <p:cSld>
-    <p:spTree>
-      <p:nvGrpSpPr>
-        <p:cNvPr id="1" name=""/>
-        <p:cNvGrpSpPr/>
-        <p:nvPr/>
-      </p:nvGrpSpPr>
-      <p:grpSpPr>
-        <a:xfrm>
-          <a:off x="0" y="0"/>
-          <a:ext cx="0" cy="0"/>
-          <a:chOff x="0" y="0"/>
-          <a:chExt cx="0" cy="0"/>
-        </a:xfrm>
-      </p:grpSpPr>
-      <p:sp>
-        <p:nvSpPr>
-          <p:cNvPr id="2" name="Titel 1"/>
-          <p:cNvSpPr>
-            <a:spLocks noGrp="1"/>
-          </p:cNvSpPr>
-          <p:nvPr>
-            <p:ph type="title"/>
-          </p:nvPr>
-        </p:nvSpPr>
-        <p:spPr/>
-        <p:txBody>
-          <a:bodyPr/>
-          <a:lstStyle/>
-          <a:p>
-            <a:r>
-              <a:rPr lang="de-DE" dirty="0" smtClean="0"/>
-              <a:t>Schwierigkeiten beim Testen</a:t>
-            </a:r>
-            <a:endParaRPr lang="de-DE" dirty="0"/>
-          </a:p>
-        </p:txBody>
-      </p:sp>
-      <p:sp>
-        <p:nvSpPr>
-          <p:cNvPr id="3" name="Inhaltsplatzhalter 2"/>
-          <p:cNvSpPr>
-            <a:spLocks noGrp="1"/>
-          </p:cNvSpPr>
-          <p:nvPr>
-            <p:ph idx="1"/>
-          </p:nvPr>
-        </p:nvSpPr>
-        <p:spPr/>
-        <p:txBody>
-          <a:bodyPr/>
-          <a:lstStyle/>
-          <a:p>
-            <a:r>
-              <a:rPr lang="de-DE" dirty="0" smtClean="0"/>
-              <a:t>Fehlende Übersetzung: SML-</a:t>
-            </a:r>
-            <a:r>
-              <a:rPr lang="de-DE" dirty="0" err="1" smtClean="0"/>
-              <a:t>floats</a:t>
-            </a:r>
-            <a:r>
-              <a:rPr lang="de-DE" dirty="0" smtClean="0"/>
-              <a:t> in HOL-Terme und zurück</a:t>
-            </a:r>
-            <a:endParaRPr lang="de-DE" dirty="0"/>
-          </a:p>
-          <a:p>
-            <a:r>
-              <a:rPr lang="de-DE" dirty="0" smtClean="0"/>
-              <a:t>SML-Berechnungen in </a:t>
-            </a:r>
-            <a:r>
-              <a:rPr lang="de-DE" dirty="0" err="1" smtClean="0"/>
-              <a:t>polyML</a:t>
-            </a:r>
-            <a:r>
-              <a:rPr lang="de-DE" dirty="0" smtClean="0"/>
-              <a:t> fehlerhaft</a:t>
-            </a:r>
-          </a:p>
-          <a:p>
-            <a:r>
-              <a:rPr lang="de-DE" dirty="0" smtClean="0"/>
-              <a:t>In vi</a:t>
-            </a:r>
-            <a:r>
-              <a:rPr lang="de-DE" dirty="0" smtClean="0"/>
-              <a:t>elen Sprachen: Anzeige von </a:t>
-            </a:r>
-            <a:r>
-              <a:rPr lang="de-DE" dirty="0" err="1" smtClean="0"/>
-              <a:t>floats</a:t>
-            </a:r>
-            <a:r>
-              <a:rPr lang="de-DE" dirty="0" smtClean="0"/>
-              <a:t> als gerundete Dezimalzahl</a:t>
-            </a:r>
-          </a:p>
-          <a:p>
-            <a:pPr marL="0" indent="0">
-              <a:buNone/>
-            </a:pPr>
-            <a:r>
-              <a:rPr lang="de-DE" dirty="0"/>
-              <a:t>	</a:t>
-            </a:r>
-            <a:r>
-              <a:rPr lang="de-DE" dirty="0" smtClean="0"/>
-              <a:t> ⟶ unpräzise Darstellung</a:t>
-            </a:r>
-          </a:p>
-          <a:p>
-            <a:pPr marL="0" indent="0">
-              <a:buNone/>
-            </a:pPr>
-            <a:endParaRPr lang="de-DE" dirty="0"/>
-          </a:p>
-          <a:p>
-            <a:pPr marL="0" indent="0">
-              <a:buNone/>
-            </a:pPr>
-            <a:r>
-              <a:rPr lang="de-DE" sz="3600" dirty="0" smtClean="0"/>
-              <a:t>Lösung: Nutzung von </a:t>
-            </a:r>
-            <a:r>
-              <a:rPr lang="de-DE" sz="3600" i="1" dirty="0" err="1" smtClean="0"/>
-              <a:t>Float.float</a:t>
-            </a:r>
-            <a:endParaRPr lang="de-DE" sz="3600" i="1" dirty="0" smtClean="0"/>
-          </a:p>
-        </p:txBody>
-      </p:sp>
-    </p:spTree>
-    <p:extLst>
-      <p:ext uri="{BB962C8B-B14F-4D97-AF65-F5344CB8AC3E}">
-        <p14:creationId xmlns:p14="http://schemas.microsoft.com/office/powerpoint/2010/main" val="2881647778"/>
-      </p:ext>
-    </p:extLst>
-  </p:cSld>
-  <p:clrMapOvr>
-    <a:masterClrMapping/>
-  </p:clrMapOvr>
-  <p:timing>
-    <p:tnLst>
-      <p:par>
-        <p:cTn id="1" dur="indefinite" restart="never" nodeType="tmRoot"/>
-      </p:par>
-    </p:tnLst>
-  </p:timing>
-</p:sld>
-</file>
-
-<file path=ppt/slides/slide2.xml><?xml version="1.0" encoding="utf-8"?>
-<p:sld xmlns:a="http://schemas.openxmlformats.org/drawingml/2006/main" xmlns:r="http://schemas.openxmlformats.org/officeDocument/2006/relationships" xmlns:p="http://schemas.openxmlformats.org/presentationml/2006/main">
-  <p:cSld>
-    <p:spTree>
-      <p:nvGrpSpPr>
-        <p:cNvPr id="1" name=""/>
-        <p:cNvGrpSpPr/>
-        <p:nvPr/>
-      </p:nvGrpSpPr>
-      <p:grpSpPr>
-        <a:xfrm>
-          <a:off x="0" y="0"/>
-          <a:ext cx="0" cy="0"/>
-          <a:chOff x="0" y="0"/>
-          <a:chExt cx="0" cy="0"/>
-        </a:xfrm>
-      </p:grpSpPr>
-      <p:sp>
-        <p:nvSpPr>
-          <p:cNvPr id="2" name="Titel 1"/>
-          <p:cNvSpPr>
-            <a:spLocks noGrp="1"/>
-          </p:cNvSpPr>
-          <p:nvPr>
-            <p:ph type="title"/>
-          </p:nvPr>
-        </p:nvSpPr>
-        <p:spPr/>
-        <p:txBody>
-          <a:bodyPr/>
-          <a:lstStyle/>
-          <a:p>
-            <a:r>
-              <a:rPr lang="de-DE" dirty="0" smtClean="0"/>
-              <a:t>Generelles Ziel</a:t>
-            </a:r>
-            <a:endParaRPr lang="de-DE" dirty="0"/>
-          </a:p>
-        </p:txBody>
-      </p:sp>
-      <p:sp>
-        <p:nvSpPr>
-          <p:cNvPr id="3" name="Inhaltsplatzhalter 2"/>
-          <p:cNvSpPr>
-            <a:spLocks noGrp="1"/>
-          </p:cNvSpPr>
-          <p:nvPr>
-            <p:ph idx="1"/>
-          </p:nvPr>
-        </p:nvSpPr>
-        <p:spPr>
-          <a:xfrm>
-            <a:off x="838200" y="1503653"/>
-            <a:ext cx="10515600" cy="4351338"/>
-          </a:xfrm>
-        </p:spPr>
-        <p:txBody>
-          <a:bodyPr anchor="ctr">
-            <a:normAutofit/>
-          </a:bodyPr>
-          <a:lstStyle/>
-          <a:p>
-            <a:pPr marL="0" indent="0" algn="ctr">
-              <a:buNone/>
-            </a:pPr>
-            <a:r>
-              <a:rPr lang="de-DE" sz="3600" dirty="0" smtClean="0"/>
-              <a:t>Bibliotheken vergrößern!</a:t>
-            </a:r>
-            <a:endParaRPr lang="de-DE" sz="3600" dirty="0"/>
-          </a:p>
-        </p:txBody>
-      </p:sp>
-    </p:spTree>
-    <p:extLst>
-      <p:ext uri="{BB962C8B-B14F-4D97-AF65-F5344CB8AC3E}">
-        <p14:creationId xmlns:p14="http://schemas.microsoft.com/office/powerpoint/2010/main" val="2687540977"/>
-      </p:ext>
-    </p:extLst>
-  </p:cSld>
-  <p:clrMapOvr>
-    <a:masterClrMapping/>
-  </p:clrMapOvr>
-  <p:timing>
-    <p:tnLst>
-      <p:par>
-        <p:cTn id="1" dur="indefinite" restart="never" nodeType="tmRoot">
-          <p:childTnLst>
-            <p:seq concurrent="1" nextAc="seek">
-              <p:cTn id="2" dur="indefinite" nodeType="mainSeq">
-                <p:childTnLst>
-                  <p:par>
-                    <p:cTn id="3" fill="hold">
-                      <p:stCondLst>
-                        <p:cond delay="indefinite"/>
-                      </p:stCondLst>
-                      <p:childTnLst>
-                        <p:par>
-                          <p:cTn id="4" fill="hold">
-                            <p:stCondLst>
-                              <p:cond delay="0"/>
-                            </p:stCondLst>
-                            <p:childTnLst>
-                              <p:par>
-                                <p:cTn id="5" presetID="1" presetClass="entr" presetSubtype="0" fill="hold" nodeType="clickEffect">
-                                  <p:stCondLst>
-                                    <p:cond delay="0"/>
-                                  </p:stCondLst>
-                                  <p:childTnLst>
-                                    <p:set>
-                                      <p:cBhvr>
-                                        <p:cTn id="6" dur="1" fill="hold">
-                                          <p:stCondLst>
-                                            <p:cond delay="0"/>
-                                          </p:stCondLst>
-                                        </p:cTn>
-                                        <p:tgtEl>
-                                          <p:spTgt spid="3">
-                                            <p:txEl>
-                                              <p:pRg st="0" end="0"/>
-                                            </p:txEl>
-                                          </p:spTgt>
-                                        </p:tgtEl>
-                                        <p:attrNameLst>
-                                          <p:attrName>style.visibility</p:attrName>
-                                        </p:attrNameLst>
-                                      </p:cBhvr>
-                                      <p:to>
-                                        <p:strVal val="visible"/>
-                                      </p:to>
-                                    </p:set>
-                                  </p:childTnLst>
-                                </p:cTn>
-                              </p:par>
-                            </p:childTnLst>
-                          </p:cTn>
-                        </p:par>
-                      </p:childTnLst>
-                    </p:cTn>
-                  </p:par>
-                </p:childTnLst>
-              </p:cTn>
-              <p:prevCondLst>
-                <p:cond evt="onPrev" delay="0">
-                  <p:tgtEl>
-                    <p:sldTgt/>
-                  </p:tgtEl>
-                </p:cond>
-              </p:prevCondLst>
-              <p:nextCondLst>
-                <p:cond evt="onNext" delay="0">
-                  <p:tgtEl>
-                    <p:sldTgt/>
-                  </p:tgtEl>
-                </p:cond>
-              </p:nextCondLst>
-            </p:seq>
-          </p:childTnLst>
-        </p:cTn>
-      </p:par>
-    </p:tnLst>
-  </p:timing>
-</p:sld>
-</file>
-
-<file path=ppt/slides/slide20.xml><?xml version="1.0" encoding="utf-8"?>
-<p:sld xmlns:a="http://schemas.openxmlformats.org/drawingml/2006/main" xmlns:r="http://schemas.openxmlformats.org/officeDocument/2006/relationships" xmlns:p="http://schemas.openxmlformats.org/presentationml/2006/main">
-  <p:cSld>
-    <p:spTree>
-      <p:nvGrpSpPr>
-        <p:cNvPr id="1" name=""/>
-        <p:cNvGrpSpPr/>
-        <p:nvPr/>
-      </p:nvGrpSpPr>
-      <p:grpSpPr>
-        <a:xfrm>
-          <a:off x="0" y="0"/>
-          <a:ext cx="0" cy="0"/>
-          <a:chOff x="0" y="0"/>
-          <a:chExt cx="0" cy="0"/>
-        </a:xfrm>
-      </p:grpSpPr>
-      <p:sp>
-        <p:nvSpPr>
-          <p:cNvPr id="2" name="Titel 1"/>
-          <p:cNvSpPr>
-            <a:spLocks noGrp="1"/>
-          </p:cNvSpPr>
-          <p:nvPr>
-            <p:ph type="title"/>
-          </p:nvPr>
-        </p:nvSpPr>
-        <p:spPr/>
-        <p:txBody>
-          <a:bodyPr/>
-          <a:lstStyle/>
-          <a:p>
-            <a:r>
-              <a:rPr lang="de-DE" dirty="0" smtClean="0"/>
-              <a:t>Ergebnisse</a:t>
-            </a:r>
-            <a:endParaRPr lang="de-DE" dirty="0"/>
-          </a:p>
-        </p:txBody>
-      </p:sp>
-      <p:sp>
-        <p:nvSpPr>
-          <p:cNvPr id="3" name="Inhaltsplatzhalter 2"/>
-          <p:cNvSpPr>
-            <a:spLocks noGrp="1"/>
-          </p:cNvSpPr>
-          <p:nvPr>
-            <p:ph idx="1"/>
-          </p:nvPr>
-        </p:nvSpPr>
-        <p:spPr>
-          <a:xfrm>
-            <a:off x="613610" y="1825625"/>
-            <a:ext cx="11353800" cy="4351338"/>
-          </a:xfrm>
-        </p:spPr>
-        <p:txBody>
-          <a:bodyPr>
-            <a:normAutofit/>
-          </a:bodyPr>
-          <a:lstStyle/>
-          <a:p>
-            <a:r>
-              <a:rPr lang="de-DE" dirty="0" smtClean="0"/>
-              <a:t>Praktisch-orientierte Analyse von </a:t>
-            </a:r>
-            <a:r>
-              <a:rPr lang="de-DE" dirty="0" err="1" smtClean="0"/>
-              <a:t>Shewchuks</a:t>
-            </a:r>
-            <a:r>
-              <a:rPr lang="de-DE" dirty="0" smtClean="0"/>
-              <a:t> Algorithmen</a:t>
-            </a:r>
-          </a:p>
-          <a:p>
-            <a:r>
-              <a:rPr lang="de-DE" dirty="0" smtClean="0"/>
-              <a:t>Umsetzung: </a:t>
-            </a:r>
-            <a:r>
-              <a:rPr lang="de-DE" dirty="0" err="1" smtClean="0"/>
-              <a:t>Shewchuks</a:t>
-            </a:r>
-            <a:r>
-              <a:rPr lang="de-DE" dirty="0" smtClean="0"/>
-              <a:t> Algorithmen in Isabelle/HOL</a:t>
-            </a:r>
-          </a:p>
-          <a:p>
-            <a:r>
-              <a:rPr lang="de-DE" dirty="0" smtClean="0"/>
-              <a:t>Ansätze/Lösungen für formale Verifikationen</a:t>
-            </a:r>
-          </a:p>
-          <a:p>
-            <a:r>
-              <a:rPr lang="de-DE" dirty="0" smtClean="0"/>
-              <a:t>Spezifikation eines Datenformats</a:t>
-            </a:r>
-          </a:p>
-          <a:p>
-            <a:r>
-              <a:rPr lang="de-DE" dirty="0" smtClean="0"/>
-              <a:t>Neue Möglichkeit für rundungsfreie Addition/Subtraktion in Isabelle</a:t>
-            </a:r>
-          </a:p>
-          <a:p>
-            <a:r>
-              <a:rPr lang="de-DE" dirty="0" smtClean="0"/>
-              <a:t>Anregung einer Korrektur von </a:t>
-            </a:r>
-            <a:r>
-              <a:rPr lang="de-DE" dirty="0" err="1" smtClean="0"/>
-              <a:t>polyMLs</a:t>
-            </a:r>
-            <a:r>
-              <a:rPr lang="de-DE" dirty="0" smtClean="0"/>
-              <a:t> IEEE-Berechnungen</a:t>
-            </a:r>
-          </a:p>
-          <a:p>
-            <a:r>
-              <a:rPr lang="de-DE" dirty="0" smtClean="0"/>
-              <a:t>Unklarheit in der Code Generierung aus </a:t>
-            </a:r>
-            <a:r>
-              <a:rPr lang="de-DE" i="1" dirty="0" err="1" smtClean="0"/>
-              <a:t>Float.float</a:t>
-            </a:r>
-            <a:r>
-              <a:rPr lang="de-DE" i="1" dirty="0" smtClean="0"/>
-              <a:t> </a:t>
-            </a:r>
-            <a:r>
-              <a:rPr lang="de-DE" dirty="0" smtClean="0"/>
-              <a:t>transparent gemacht</a:t>
-            </a:r>
-            <a:endParaRPr lang="de-DE" i="1" dirty="0"/>
-          </a:p>
-        </p:txBody>
-      </p:sp>
-    </p:spTree>
-    <p:extLst>
-      <p:ext uri="{BB962C8B-B14F-4D97-AF65-F5344CB8AC3E}">
-        <p14:creationId xmlns:p14="http://schemas.microsoft.com/office/powerpoint/2010/main" val="3152552927"/>
-      </p:ext>
-    </p:extLst>
-  </p:cSld>
-  <p:clrMapOvr>
-    <a:masterClrMapping/>
-  </p:clrMapOvr>
-  <p:timing>
-    <p:tnLst>
-      <p:par>
-        <p:cTn id="1" dur="indefinite" restart="never" nodeType="tmRoot"/>
-      </p:par>
-    </p:tnLst>
-  </p:timing>
-</p:sld>
-</file>
-
-<file path=ppt/slides/slide21.xml><?xml version="1.0" encoding="utf-8"?>
-<p:sld xmlns:a="http://schemas.openxmlformats.org/drawingml/2006/main" xmlns:r="http://schemas.openxmlformats.org/officeDocument/2006/relationships" xmlns:p="http://schemas.openxmlformats.org/presentationml/2006/main">
-  <p:cSld>
-    <p:spTree>
-      <p:nvGrpSpPr>
-        <p:cNvPr id="1" name=""/>
-        <p:cNvGrpSpPr/>
-        <p:nvPr/>
-      </p:nvGrpSpPr>
-      <p:grpSpPr>
-        <a:xfrm>
-          <a:off x="0" y="0"/>
-          <a:ext cx="0" cy="0"/>
-          <a:chOff x="0" y="0"/>
-          <a:chExt cx="0" cy="0"/>
-        </a:xfrm>
-      </p:grpSpPr>
-      <p:sp>
-        <p:nvSpPr>
-          <p:cNvPr id="2" name="Titel 1"/>
-          <p:cNvSpPr>
-            <a:spLocks noGrp="1"/>
-          </p:cNvSpPr>
-          <p:nvPr>
-            <p:ph type="title"/>
-          </p:nvPr>
-        </p:nvSpPr>
-        <p:spPr/>
-        <p:txBody>
-          <a:bodyPr/>
-          <a:lstStyle/>
-          <a:p>
-            <a:r>
-              <a:rPr lang="de-DE" dirty="0" smtClean="0"/>
-              <a:t>Ausblick - Fortführung</a:t>
-            </a:r>
-            <a:endParaRPr lang="de-DE" dirty="0"/>
-          </a:p>
-        </p:txBody>
-      </p:sp>
-      <p:sp>
-        <p:nvSpPr>
-          <p:cNvPr id="3" name="Inhaltsplatzhalter 2"/>
-          <p:cNvSpPr>
-            <a:spLocks noGrp="1"/>
-          </p:cNvSpPr>
-          <p:nvPr>
-            <p:ph idx="1"/>
-          </p:nvPr>
-        </p:nvSpPr>
-        <p:spPr/>
-        <p:txBody>
-          <a:bodyPr/>
-          <a:lstStyle/>
-          <a:p>
-            <a:r>
-              <a:rPr lang="de-DE" sz="3200" dirty="0" smtClean="0"/>
-              <a:t>Korrektheitsbeweis von </a:t>
-            </a:r>
-            <a:r>
-              <a:rPr lang="de-DE" sz="3200" i="1" dirty="0" err="1" smtClean="0"/>
-              <a:t>TwoSum</a:t>
-            </a:r>
-            <a:r>
-              <a:rPr lang="de-DE" sz="3200" dirty="0" smtClean="0"/>
-              <a:t> in Isabelle</a:t>
-            </a:r>
-          </a:p>
-          <a:p>
-            <a:r>
-              <a:rPr lang="de-DE" sz="3200" dirty="0" smtClean="0"/>
-              <a:t>Weitere Aussagen über </a:t>
-            </a:r>
-            <a:r>
-              <a:rPr lang="de-DE" sz="3200" i="1" dirty="0" err="1" smtClean="0"/>
-              <a:t>mpf</a:t>
-            </a:r>
-            <a:r>
-              <a:rPr lang="de-DE" sz="3200" dirty="0" err="1" smtClean="0"/>
-              <a:t>s</a:t>
-            </a:r>
-            <a:endParaRPr lang="de-DE" sz="3200" dirty="0" smtClean="0"/>
-          </a:p>
-          <a:p>
-            <a:pPr lvl="1"/>
-            <a:r>
-              <a:rPr lang="de-DE" sz="2800" dirty="0" smtClean="0"/>
-              <a:t>„</a:t>
-            </a:r>
-            <a:r>
-              <a:rPr lang="de-DE" sz="2800" dirty="0" err="1" smtClean="0"/>
-              <a:t>nonoverlapping</a:t>
-            </a:r>
-            <a:r>
-              <a:rPr lang="de-DE" sz="2800" dirty="0" smtClean="0"/>
-              <a:t>“-Eigenschaft (</a:t>
-            </a:r>
-            <a:r>
-              <a:rPr lang="de-DE" sz="2800" dirty="0" err="1" smtClean="0"/>
-              <a:t>Shewchuk</a:t>
-            </a:r>
-            <a:r>
-              <a:rPr lang="de-DE" sz="2800" dirty="0" smtClean="0"/>
-              <a:t>)</a:t>
-            </a:r>
-          </a:p>
-          <a:p>
-            <a:pPr lvl="1"/>
-            <a:r>
-              <a:rPr lang="de-DE" sz="2800" dirty="0" smtClean="0"/>
-              <a:t>Maximale Länge der Fehlerliste</a:t>
-            </a:r>
-          </a:p>
-          <a:p>
-            <a:r>
-              <a:rPr lang="de-DE" sz="3200" dirty="0" smtClean="0"/>
-              <a:t>Mehr Zielsprachen für </a:t>
-            </a:r>
-            <a:r>
-              <a:rPr lang="de-DE" sz="3200" dirty="0" err="1" smtClean="0"/>
-              <a:t>float</a:t>
-            </a:r>
-            <a:r>
-              <a:rPr lang="de-DE" sz="3200" dirty="0" smtClean="0"/>
-              <a:t>-Code</a:t>
-            </a:r>
-            <a:endParaRPr lang="de-DE" sz="3200" dirty="0"/>
-          </a:p>
-        </p:txBody>
-      </p:sp>
-    </p:spTree>
-    <p:extLst>
-      <p:ext uri="{BB962C8B-B14F-4D97-AF65-F5344CB8AC3E}">
-        <p14:creationId xmlns:p14="http://schemas.microsoft.com/office/powerpoint/2010/main" val="4223502616"/>
-      </p:ext>
-    </p:extLst>
-  </p:cSld>
-  <p:clrMapOvr>
-    <a:masterClrMapping/>
-  </p:clrMapOvr>
-  <p:timing>
-    <p:tnLst>
-      <p:par>
-        <p:cTn id="1" dur="indefinite" restart="never" nodeType="tmRoot"/>
-      </p:par>
-    </p:tnLst>
-  </p:timing>
-</p:sld>
-</file>
-
-<file path=ppt/slides/slide22.xml><?xml version="1.0" encoding="utf-8"?>
-<p:sld xmlns:a="http://schemas.openxmlformats.org/drawingml/2006/main" xmlns:r="http://schemas.openxmlformats.org/officeDocument/2006/relationships" xmlns:p="http://schemas.openxmlformats.org/presentationml/2006/main">
-  <p:cSld>
-    <p:spTree>
-      <p:nvGrpSpPr>
-        <p:cNvPr id="1" name=""/>
-        <p:cNvGrpSpPr/>
-        <p:nvPr/>
-      </p:nvGrpSpPr>
-      <p:grpSpPr>
-        <a:xfrm>
-          <a:off x="0" y="0"/>
-          <a:ext cx="0" cy="0"/>
-          <a:chOff x="0" y="0"/>
-          <a:chExt cx="0" cy="0"/>
-        </a:xfrm>
-      </p:grpSpPr>
-      <p:sp>
-        <p:nvSpPr>
-          <p:cNvPr id="2" name="Titel 1"/>
-          <p:cNvSpPr>
-            <a:spLocks noGrp="1"/>
-          </p:cNvSpPr>
-          <p:nvPr>
-            <p:ph type="title"/>
-          </p:nvPr>
-        </p:nvSpPr>
-        <p:spPr/>
-        <p:txBody>
-          <a:bodyPr/>
-          <a:lstStyle/>
-          <a:p>
-            <a:r>
-              <a:rPr lang="de-DE" dirty="0" smtClean="0"/>
-              <a:t>Vielen Dank</a:t>
-            </a:r>
-            <a:endParaRPr lang="de-DE" dirty="0"/>
-          </a:p>
-        </p:txBody>
-      </p:sp>
-      <p:pic>
-        <p:nvPicPr>
-          <p:cNvPr id="1026" name="Picture 2" descr="http://www.in.tum.de/fileadmin/user_upload/Oeffentlichkeitsarbeit/Fakultaetsevents/2012/Tag_der_Informatik/Tag_der_Informatik.jpg"/>
-          <p:cNvPicPr>
-            <a:picLocks noGrp="1" noChangeAspect="1" noChangeArrowheads="1"/>
-          </p:cNvPicPr>
-          <p:nvPr>
-            <p:ph idx="1"/>
-          </p:nvPr>
-        </p:nvPicPr>
-        <p:blipFill>
-          <a:blip r:embed="rId3">
-            <a:extLst>
-              <a:ext uri="{28A0092B-C50C-407E-A947-70E740481C1C}">
-                <a14:useLocalDpi xmlns:a14="http://schemas.microsoft.com/office/drawing/2010/main" val="0"/>
-              </a:ext>
-            </a:extLst>
-          </a:blip>
-          <a:srcRect/>
-          <a:stretch>
-            <a:fillRect/>
-          </a:stretch>
-        </p:blipFill>
-        <p:spPr bwMode="auto">
-          <a:xfrm>
-            <a:off x="2832496" y="1825625"/>
-            <a:ext cx="6527007" cy="4351338"/>
-          </a:xfrm>
-          <a:prstGeom prst="rect">
-            <a:avLst/>
-          </a:prstGeom>
-          <a:noFill/>
-          <a:extLst>
-            <a:ext uri="{909E8E84-426E-40DD-AFC4-6F175D3DCCD1}">
-              <a14:hiddenFill xmlns:a14="http://schemas.microsoft.com/office/drawing/2010/main">
-                <a:solidFill>
-                  <a:srgbClr val="FFFFFF"/>
-                </a:solidFill>
-              </a14:hiddenFill>
-            </a:ext>
-          </a:extLst>
-        </p:spPr>
-      </p:pic>
-    </p:spTree>
-    <p:extLst>
-      <p:ext uri="{BB962C8B-B14F-4D97-AF65-F5344CB8AC3E}">
-        <p14:creationId xmlns:p14="http://schemas.microsoft.com/office/powerpoint/2010/main" val="325401584"/>
-      </p:ext>
-    </p:extLst>
-  </p:cSld>
-  <p:clrMapOvr>
-    <a:masterClrMapping/>
-  </p:clrMapOvr>
-  <p:timing>
-    <p:tnLst>
-      <p:par>
-        <p:cTn id="1" dur="indefinite" restart="never" nodeType="tmRoot"/>
-      </p:par>
-    </p:tnLst>
-  </p:timing>
-</p:sld>
-</file>
-
-<file path=ppt/slides/slide23.xml><?xml version="1.0" encoding="utf-8"?>
-<p:sld xmlns:a="http://schemas.openxmlformats.org/drawingml/2006/main" xmlns:r="http://schemas.openxmlformats.org/officeDocument/2006/relationships" xmlns:p="http://schemas.openxmlformats.org/presentationml/2006/main">
-  <p:cSld>
-    <p:spTree>
-      <p:nvGrpSpPr>
-        <p:cNvPr id="1" name=""/>
-        <p:cNvGrpSpPr/>
-        <p:nvPr/>
-      </p:nvGrpSpPr>
-      <p:grpSpPr>
-        <a:xfrm>
-          <a:off x="0" y="0"/>
-          <a:ext cx="0" cy="0"/>
-          <a:chOff x="0" y="0"/>
-          <a:chExt cx="0" cy="0"/>
-        </a:xfrm>
-      </p:grpSpPr>
-      <p:sp>
-        <p:nvSpPr>
-          <p:cNvPr id="2" name="Titel 1"/>
-          <p:cNvSpPr>
-            <a:spLocks noGrp="1"/>
-          </p:cNvSpPr>
-          <p:nvPr>
-            <p:ph type="title"/>
-          </p:nvPr>
-        </p:nvSpPr>
-        <p:spPr>
-          <a:xfrm>
-            <a:off x="4207042" y="2696828"/>
-            <a:ext cx="10515600" cy="1325563"/>
-          </a:xfrm>
-        </p:spPr>
-        <p:txBody>
-          <a:bodyPr/>
-          <a:lstStyle/>
-          <a:p>
-            <a:r>
-              <a:rPr lang="de-DE" dirty="0" smtClean="0"/>
-              <a:t>Vielen Dank!</a:t>
-            </a:r>
-            <a:endParaRPr lang="de-DE" dirty="0"/>
-          </a:p>
-        </p:txBody>
-      </p:sp>
-    </p:spTree>
-    <p:extLst>
-      <p:ext uri="{BB962C8B-B14F-4D97-AF65-F5344CB8AC3E}">
-        <p14:creationId xmlns:p14="http://schemas.microsoft.com/office/powerpoint/2010/main" val="1236574619"/>
-      </p:ext>
-    </p:extLst>
-  </p:cSld>
-  <p:clrMapOvr>
-    <a:masterClrMapping/>
-  </p:clrMapOvr>
-  <p:timing>
-    <p:tnLst>
-      <p:par>
-        <p:cTn id="1" dur="indefinite" restart="never" nodeType="tmRoot"/>
-      </p:par>
-    </p:tnLst>
-  </p:timing>
-</p:sld>
-</file>
-
-<file path=ppt/slides/slide3.xml><?xml version="1.0" encoding="utf-8"?>
-<p:sld xmlns:a="http://schemas.openxmlformats.org/drawingml/2006/main" xmlns:r="http://schemas.openxmlformats.org/officeDocument/2006/relationships" xmlns:p="http://schemas.openxmlformats.org/presentationml/2006/main">
-  <p:cSld>
-    <p:spTree>
-      <p:nvGrpSpPr>
-        <p:cNvPr id="1" name=""/>
-        <p:cNvGrpSpPr/>
-        <p:nvPr/>
-      </p:nvGrpSpPr>
-      <p:grpSpPr>
-        <a:xfrm>
-          <a:off x="0" y="0"/>
-          <a:ext cx="0" cy="0"/>
-          <a:chOff x="0" y="0"/>
-          <a:chExt cx="0" cy="0"/>
-        </a:xfrm>
-      </p:grpSpPr>
-      <p:sp>
-        <p:nvSpPr>
-          <p:cNvPr id="2" name="Titel 1"/>
-          <p:cNvSpPr>
-            <a:spLocks noGrp="1"/>
-          </p:cNvSpPr>
-          <p:nvPr>
-            <p:ph type="title"/>
-          </p:nvPr>
-        </p:nvSpPr>
-        <p:spPr/>
-        <p:txBody>
-          <a:bodyPr/>
-          <a:lstStyle/>
-          <a:p>
-            <a:r>
-              <a:rPr lang="de-DE" dirty="0" smtClean="0"/>
-              <a:t>Grundlagen</a:t>
-            </a:r>
-            <a:endParaRPr lang="de-DE" dirty="0"/>
-          </a:p>
-        </p:txBody>
-      </p:sp>
-      <p:sp>
-        <p:nvSpPr>
-          <p:cNvPr id="3" name="Inhaltsplatzhalter 2"/>
-          <p:cNvSpPr>
-            <a:spLocks noGrp="1"/>
-          </p:cNvSpPr>
-          <p:nvPr>
-            <p:ph idx="1"/>
-          </p:nvPr>
-        </p:nvSpPr>
-        <p:spPr/>
-        <p:txBody>
-          <a:bodyPr/>
-          <a:lstStyle/>
-          <a:p>
-            <a:pPr marL="0" indent="0">
-              <a:buNone/>
-            </a:pPr>
-            <a:r>
-              <a:rPr lang="de-DE" sz="3200" dirty="0" smtClean="0"/>
-              <a:t>Umgang mit Rundungsfehlern</a:t>
-            </a:r>
-            <a:endParaRPr lang="de-DE" sz="3200" dirty="0"/>
-          </a:p>
-          <a:p>
-            <a:pPr marL="514350" indent="-514350">
-              <a:buAutoNum type="alphaLcParenR"/>
-            </a:pPr>
-            <a:r>
-              <a:rPr lang="de-DE" dirty="0" smtClean="0"/>
-              <a:t>Analysieren/Entscheiden</a:t>
-            </a:r>
-          </a:p>
-          <a:p>
-            <a:pPr marL="514350" indent="-514350">
-              <a:buAutoNum type="alphaLcParenR"/>
-            </a:pPr>
-            <a:r>
-              <a:rPr lang="de-DE" dirty="0" smtClean="0"/>
-              <a:t>Vermeiden</a:t>
-            </a:r>
-          </a:p>
-          <a:p>
-            <a:pPr marL="514350" indent="-514350">
-              <a:buAutoNum type="alphaLcParenR"/>
-            </a:pPr>
-            <a:r>
-              <a:rPr lang="de-DE" dirty="0" smtClean="0">
-                <a:solidFill>
-                  <a:srgbClr val="00B050"/>
-                </a:solidFill>
-              </a:rPr>
-              <a:t>„Floating Point </a:t>
-            </a:r>
-            <a:r>
-              <a:rPr lang="de-DE" dirty="0" err="1" smtClean="0">
-                <a:solidFill>
-                  <a:srgbClr val="00B050"/>
-                </a:solidFill>
-              </a:rPr>
-              <a:t>Expansions</a:t>
-            </a:r>
-            <a:r>
-              <a:rPr lang="de-DE" dirty="0" smtClean="0">
-                <a:solidFill>
-                  <a:srgbClr val="00B050"/>
-                </a:solidFill>
-              </a:rPr>
-              <a:t>“</a:t>
-            </a:r>
-            <a:endParaRPr lang="de-DE" dirty="0">
-              <a:solidFill>
-                <a:srgbClr val="00B050"/>
-              </a:solidFill>
-            </a:endParaRPr>
-          </a:p>
-        </p:txBody>
-      </p:sp>
-    </p:spTree>
-    <p:extLst>
-      <p:ext uri="{BB962C8B-B14F-4D97-AF65-F5344CB8AC3E}">
-        <p14:creationId xmlns:p14="http://schemas.microsoft.com/office/powerpoint/2010/main" val="326117042"/>
-      </p:ext>
-    </p:extLst>
-  </p:cSld>
-  <p:clrMapOvr>
-    <a:masterClrMapping/>
-  </p:clrMapOvr>
-  <p:timing>
-    <p:tnLst>
-      <p:par>
-        <p:cTn id="1" dur="indefinite" restart="never" nodeType="tmRoot">
-          <p:childTnLst>
-            <p:seq concurrent="1" nextAc="seek">
-              <p:cTn id="2" dur="indefinite" nodeType="mainSeq">
-                <p:childTnLst>
-                  <p:par>
-                    <p:cTn id="3" fill="hold">
-                      <p:stCondLst>
-                        <p:cond delay="indefinite"/>
-                      </p:stCondLst>
-                      <p:childTnLst>
-                        <p:par>
-                          <p:cTn id="4" fill="hold">
-                            <p:stCondLst>
-                              <p:cond delay="0"/>
-                            </p:stCondLst>
-                            <p:childTnLst>
-                              <p:par>
-                                <p:cTn id="5" presetID="1" presetClass="entr" presetSubtype="0" fill="hold" nodeType="clickEffect">
-                                  <p:stCondLst>
-                                    <p:cond delay="0"/>
-                                  </p:stCondLst>
-                                  <p:childTnLst>
-                                    <p:set>
-                                      <p:cBhvr>
-                                        <p:cTn id="6" dur="1" fill="hold">
-                                          <p:stCondLst>
-                                            <p:cond delay="0"/>
-                                          </p:stCondLst>
-                                        </p:cTn>
-                                        <p:tgtEl>
-                                          <p:spTgt spid="3">
-                                            <p:txEl>
-                                              <p:pRg st="1" end="1"/>
-                                            </p:txEl>
-                                          </p:spTgt>
-                                        </p:tgtEl>
-                                        <p:attrNameLst>
-                                          <p:attrName>style.visibility</p:attrName>
-                                        </p:attrNameLst>
-                                      </p:cBhvr>
-                                      <p:to>
-                                        <p:strVal val="visible"/>
-                                      </p:to>
-                                    </p:set>
-                                  </p:childTnLst>
-                                </p:cTn>
-                              </p:par>
-                            </p:childTnLst>
-                          </p:cTn>
-                        </p:par>
-                      </p:childTnLst>
-                    </p:cTn>
-                  </p:par>
-                  <p:par>
-                    <p:cTn id="7" fill="hold">
-                      <p:stCondLst>
-                        <p:cond delay="indefinite"/>
-                      </p:stCondLst>
-                      <p:childTnLst>
-                        <p:par>
-                          <p:cTn id="8" fill="hold">
-                            <p:stCondLst>
-                              <p:cond delay="0"/>
-                            </p:stCondLst>
-                            <p:childTnLst>
-                              <p:par>
-                                <p:cTn id="9" presetID="1" presetClass="entr" presetSubtype="0" fill="hold" nodeType="clickEffect">
-                                  <p:stCondLst>
-                                    <p:cond delay="0"/>
-                                  </p:stCondLst>
-                                  <p:childTnLst>
-                                    <p:set>
-                                      <p:cBhvr>
-                                        <p:cTn id="10" dur="1" fill="hold">
-                                          <p:stCondLst>
-                                            <p:cond delay="0"/>
-                                          </p:stCondLst>
-                                        </p:cTn>
-                                        <p:tgtEl>
-                                          <p:spTgt spid="3">
-                                            <p:txEl>
-                                              <p:pRg st="2" end="2"/>
-                                            </p:txEl>
-                                          </p:spTgt>
-                                        </p:tgtEl>
-                                        <p:attrNameLst>
-                                          <p:attrName>style.visibility</p:attrName>
-                                        </p:attrNameLst>
-                                      </p:cBhvr>
-                                      <p:to>
-                                        <p:strVal val="visible"/>
-                                      </p:to>
-                                    </p:set>
-                                  </p:childTnLst>
-                                </p:cTn>
-                              </p:par>
-                            </p:childTnLst>
-                          </p:cTn>
-                        </p:par>
-                      </p:childTnLst>
-                    </p:cTn>
-                  </p:par>
-                  <p:par>
-                    <p:cTn id="11" fill="hold">
-                      <p:stCondLst>
-                        <p:cond delay="indefinite"/>
-                      </p:stCondLst>
-                      <p:childTnLst>
-                        <p:par>
-                          <p:cTn id="12" fill="hold">
-                            <p:stCondLst>
-                              <p:cond delay="0"/>
-                            </p:stCondLst>
-                            <p:childTnLst>
-                              <p:par>
-                                <p:cTn id="13" presetID="1" presetClass="entr" presetSubtype="0" fill="hold" nodeType="clickEffect">
-                                  <p:stCondLst>
-                                    <p:cond delay="0"/>
-                                  </p:stCondLst>
-                                  <p:childTnLst>
-                                    <p:set>
-                                      <p:cBhvr>
-                                        <p:cTn id="14" dur="1" fill="hold">
-                                          <p:stCondLst>
-                                            <p:cond delay="0"/>
-                                          </p:stCondLst>
-                                        </p:cTn>
-                                        <p:tgtEl>
-                                          <p:spTgt spid="3">
-                                            <p:txEl>
-                                              <p:pRg st="3" end="3"/>
-                                            </p:txEl>
-                                          </p:spTgt>
-                                        </p:tgtEl>
-                                        <p:attrNameLst>
-                                          <p:attrName>style.visibility</p:attrName>
-                                        </p:attrNameLst>
-                                      </p:cBhvr>
-                                      <p:to>
-                                        <p:strVal val="visible"/>
-                                      </p:to>
-                                    </p:set>
-                                  </p:childTnLst>
-                                </p:cTn>
-                              </p:par>
-                            </p:childTnLst>
-                          </p:cTn>
-                        </p:par>
-                      </p:childTnLst>
-                    </p:cTn>
-                  </p:par>
-                </p:childTnLst>
-              </p:cTn>
-              <p:prevCondLst>
-                <p:cond evt="onPrev" delay="0">
-                  <p:tgtEl>
-                    <p:sldTgt/>
-                  </p:tgtEl>
-                </p:cond>
-              </p:prevCondLst>
-              <p:nextCondLst>
-                <p:cond evt="onNext" delay="0">
-                  <p:tgtEl>
-                    <p:sldTgt/>
-                  </p:tgtEl>
-                </p:cond>
-              </p:nextCondLst>
-            </p:seq>
-          </p:childTnLst>
-        </p:cTn>
-      </p:par>
-    </p:tnLst>
-  </p:timing>
-</p:sld>
-</file>
-
-<file path=ppt/slides/slide4.xml><?xml version="1.0" encoding="utf-8"?>
-<p:sld xmlns:a="http://schemas.openxmlformats.org/drawingml/2006/main" xmlns:r="http://schemas.openxmlformats.org/officeDocument/2006/relationships" xmlns:p="http://schemas.openxmlformats.org/presentationml/2006/main">
-  <p:cSld>
-    <p:spTree>
-      <p:nvGrpSpPr>
-        <p:cNvPr id="1" name=""/>
-        <p:cNvGrpSpPr/>
-        <p:nvPr/>
-      </p:nvGrpSpPr>
-      <p:grpSpPr>
-        <a:xfrm>
-          <a:off x="0" y="0"/>
-          <a:ext cx="0" cy="0"/>
-          <a:chOff x="0" y="0"/>
-          <a:chExt cx="0" cy="0"/>
-        </a:xfrm>
-      </p:grpSpPr>
-      <p:sp>
-        <p:nvSpPr>
-          <p:cNvPr id="2" name="Titel 1"/>
-          <p:cNvSpPr>
-            <a:spLocks noGrp="1"/>
-          </p:cNvSpPr>
-          <p:nvPr>
-            <p:ph type="title"/>
-          </p:nvPr>
-        </p:nvSpPr>
-        <p:spPr/>
-        <p:txBody>
-          <a:bodyPr/>
-          <a:lstStyle/>
-          <a:p>
-            <a:r>
-              <a:rPr lang="de-DE" dirty="0" smtClean="0"/>
-              <a:t>Aufgabenstellung</a:t>
-            </a:r>
-            <a:endParaRPr lang="de-DE" dirty="0"/>
-          </a:p>
-        </p:txBody>
-      </p:sp>
-      <p:sp>
-        <p:nvSpPr>
-          <p:cNvPr id="3" name="Inhaltsplatzhalter 2"/>
-          <p:cNvSpPr>
-            <a:spLocks noGrp="1"/>
-          </p:cNvSpPr>
-          <p:nvPr>
-            <p:ph idx="1"/>
-          </p:nvPr>
-        </p:nvSpPr>
-        <p:spPr/>
-        <p:txBody>
-          <a:bodyPr/>
-          <a:lstStyle/>
-          <a:p>
-            <a:r>
-              <a:rPr lang="de-DE" dirty="0" smtClean="0"/>
-              <a:t>Bereitstellung einer neuen Arithmetik</a:t>
-            </a:r>
-          </a:p>
-          <a:p>
-            <a:pPr marL="0" indent="0">
-              <a:buNone/>
-            </a:pPr>
-            <a:r>
-              <a:rPr lang="de-DE" dirty="0"/>
-              <a:t>	</a:t>
-            </a:r>
-            <a:r>
-              <a:rPr lang="de-DE" dirty="0" smtClean="0"/>
-              <a:t>„Multiple Precision </a:t>
-            </a:r>
-            <a:r>
-              <a:rPr lang="de-DE" dirty="0" err="1" smtClean="0"/>
-              <a:t>Float</a:t>
-            </a:r>
-            <a:r>
-              <a:rPr lang="de-DE" dirty="0" smtClean="0"/>
-              <a:t> </a:t>
-            </a:r>
-            <a:r>
-              <a:rPr lang="de-DE" dirty="0" err="1" smtClean="0"/>
-              <a:t>Arithmetic</a:t>
-            </a:r>
-            <a:r>
-              <a:rPr lang="de-DE" dirty="0" smtClean="0"/>
-              <a:t>“</a:t>
-            </a:r>
-          </a:p>
-          <a:p>
-            <a:r>
-              <a:rPr lang="de-DE" dirty="0" smtClean="0"/>
-              <a:t>Benutzung des Ansatzes </a:t>
-            </a:r>
-            <a:r>
-              <a:rPr lang="de-DE" dirty="0" smtClean="0">
-                <a:solidFill>
-                  <a:srgbClr val="00B050"/>
-                </a:solidFill>
-              </a:rPr>
-              <a:t>„Floating Point Expansion“</a:t>
-            </a:r>
-          </a:p>
-          <a:p>
-            <a:r>
-              <a:rPr lang="de-DE" dirty="0" smtClean="0"/>
-              <a:t>Aufbau auf </a:t>
-            </a:r>
-            <a:r>
-              <a:rPr lang="de-DE" i="1" dirty="0" err="1" smtClean="0"/>
-              <a:t>IEEE_Floating_Point</a:t>
-            </a:r>
-            <a:r>
-              <a:rPr lang="de-DE" dirty="0" smtClean="0"/>
-              <a:t> aus dem AFP</a:t>
-            </a:r>
-          </a:p>
-          <a:p>
-            <a:r>
-              <a:rPr lang="de-DE" dirty="0" smtClean="0"/>
-              <a:t>Code-Generierung anpassen und prüfen</a:t>
-            </a:r>
-          </a:p>
-          <a:p>
-            <a:endParaRPr lang="de-DE" dirty="0"/>
-          </a:p>
-        </p:txBody>
-      </p:sp>
-    </p:spTree>
-    <p:extLst>
-      <p:ext uri="{BB962C8B-B14F-4D97-AF65-F5344CB8AC3E}">
-        <p14:creationId xmlns:p14="http://schemas.microsoft.com/office/powerpoint/2010/main" val="122435994"/>
-      </p:ext>
-    </p:extLst>
-  </p:cSld>
-  <p:clrMapOvr>
-    <a:masterClrMapping/>
-  </p:clrMapOvr>
-  <p:timing>
-    <p:tnLst>
-      <p:par>
-        <p:cTn id="1" dur="indefinite" restart="never" nodeType="tmRoot">
-          <p:childTnLst>
-            <p:seq concurrent="1" nextAc="seek">
-              <p:cTn id="2" dur="indefinite" nodeType="mainSeq">
-                <p:childTnLst>
-                  <p:par>
-                    <p:cTn id="3" fill="hold">
-                      <p:stCondLst>
-                        <p:cond delay="indefinite"/>
-                      </p:stCondLst>
-                      <p:childTnLst>
-                        <p:par>
-                          <p:cTn id="4" fill="hold">
-                            <p:stCondLst>
-                              <p:cond delay="0"/>
-                            </p:stCondLst>
-                            <p:childTnLst>
-                              <p:par>
-                                <p:cTn id="5" presetID="1" presetClass="entr" presetSubtype="0" fill="hold" nodeType="clickEffect">
-                                  <p:stCondLst>
-                                    <p:cond delay="0"/>
-                                  </p:stCondLst>
-                                  <p:childTnLst>
-                                    <p:set>
-                                      <p:cBhvr>
-                                        <p:cTn id="6" dur="1" fill="hold">
-                                          <p:stCondLst>
-                                            <p:cond delay="0"/>
-                                          </p:stCondLst>
-                                        </p:cTn>
-                                        <p:tgtEl>
-                                          <p:spTgt spid="3">
-                                            <p:txEl>
-                                              <p:pRg st="0" end="0"/>
-                                            </p:txEl>
-                                          </p:spTgt>
-                                        </p:tgtEl>
-                                        <p:attrNameLst>
-                                          <p:attrName>style.visibility</p:attrName>
-                                        </p:attrNameLst>
-                                      </p:cBhvr>
-                                      <p:to>
-                                        <p:strVal val="visible"/>
-                                      </p:to>
-                                    </p:set>
-                                  </p:childTnLst>
-                                </p:cTn>
-                              </p:par>
-                            </p:childTnLst>
-                          </p:cTn>
-                        </p:par>
-                      </p:childTnLst>
-                    </p:cTn>
-                  </p:par>
-                  <p:par>
-                    <p:cTn id="7" fill="hold">
-                      <p:stCondLst>
-                        <p:cond delay="indefinite"/>
-                      </p:stCondLst>
-                      <p:childTnLst>
-                        <p:par>
-                          <p:cTn id="8" fill="hold">
-                            <p:stCondLst>
-                              <p:cond delay="0"/>
-                            </p:stCondLst>
-                            <p:childTnLst>
-                              <p:par>
-                                <p:cTn id="9" presetID="1" presetClass="entr" presetSubtype="0" fill="hold" nodeType="clickEffect">
-                                  <p:stCondLst>
-                                    <p:cond delay="0"/>
-                                  </p:stCondLst>
-                                  <p:childTnLst>
-                                    <p:set>
-                                      <p:cBhvr>
-                                        <p:cTn id="10" dur="1" fill="hold">
-                                          <p:stCondLst>
-                                            <p:cond delay="0"/>
-                                          </p:stCondLst>
-                                        </p:cTn>
-                                        <p:tgtEl>
-                                          <p:spTgt spid="3">
-                                            <p:txEl>
-                                              <p:pRg st="1" end="1"/>
-                                            </p:txEl>
-                                          </p:spTgt>
-                                        </p:tgtEl>
-                                        <p:attrNameLst>
-                                          <p:attrName>style.visibility</p:attrName>
-                                        </p:attrNameLst>
-                                      </p:cBhvr>
-                                      <p:to>
-                                        <p:strVal val="visible"/>
-                                      </p:to>
-                                    </p:set>
-                                  </p:childTnLst>
-                                </p:cTn>
-                              </p:par>
-                            </p:childTnLst>
-                          </p:cTn>
-                        </p:par>
-                      </p:childTnLst>
-                    </p:cTn>
-                  </p:par>
-                  <p:par>
-                    <p:cTn id="11" fill="hold">
-                      <p:stCondLst>
-                        <p:cond delay="indefinite"/>
-                      </p:stCondLst>
-                      <p:childTnLst>
-                        <p:par>
-                          <p:cTn id="12" fill="hold">
-                            <p:stCondLst>
-                              <p:cond delay="0"/>
-                            </p:stCondLst>
-                            <p:childTnLst>
-                              <p:par>
-                                <p:cTn id="13" presetID="1" presetClass="entr" presetSubtype="0" fill="hold" nodeType="clickEffect">
-                                  <p:stCondLst>
-                                    <p:cond delay="0"/>
-                                  </p:stCondLst>
-                                  <p:childTnLst>
-                                    <p:set>
-                                      <p:cBhvr>
-                                        <p:cTn id="14" dur="1" fill="hold">
-                                          <p:stCondLst>
-                                            <p:cond delay="0"/>
-                                          </p:stCondLst>
-                                        </p:cTn>
-                                        <p:tgtEl>
-                                          <p:spTgt spid="3">
-                                            <p:txEl>
-                                              <p:pRg st="2" end="2"/>
-                                            </p:txEl>
-                                          </p:spTgt>
-                                        </p:tgtEl>
-                                        <p:attrNameLst>
-                                          <p:attrName>style.visibility</p:attrName>
-                                        </p:attrNameLst>
-                                      </p:cBhvr>
-                                      <p:to>
-                                        <p:strVal val="visible"/>
-                                      </p:to>
-                                    </p:set>
-                                  </p:childTnLst>
-                                </p:cTn>
-                              </p:par>
-                            </p:childTnLst>
-                          </p:cTn>
-                        </p:par>
-                      </p:childTnLst>
-                    </p:cTn>
-                  </p:par>
-                  <p:par>
-                    <p:cTn id="15" fill="hold">
-                      <p:stCondLst>
-                        <p:cond delay="indefinite"/>
-                      </p:stCondLst>
-                      <p:childTnLst>
-                        <p:par>
-                          <p:cTn id="16" fill="hold">
-                            <p:stCondLst>
-                              <p:cond delay="0"/>
-                            </p:stCondLst>
-                            <p:childTnLst>
-                              <p:par>
-                                <p:cTn id="17" presetID="1" presetClass="entr" presetSubtype="0" fill="hold" nodeType="clickEffect">
-                                  <p:stCondLst>
-                                    <p:cond delay="0"/>
-                                  </p:stCondLst>
-                                  <p:childTnLst>
-                                    <p:set>
-                                      <p:cBhvr>
-                                        <p:cTn id="18" dur="1" fill="hold">
-                                          <p:stCondLst>
-                                            <p:cond delay="0"/>
-                                          </p:stCondLst>
-                                        </p:cTn>
-                                        <p:tgtEl>
-                                          <p:spTgt spid="3">
-                                            <p:txEl>
-                                              <p:pRg st="3" end="3"/>
-                                            </p:txEl>
-                                          </p:spTgt>
-                                        </p:tgtEl>
-                                        <p:attrNameLst>
-                                          <p:attrName>style.visibility</p:attrName>
-                                        </p:attrNameLst>
-                                      </p:cBhvr>
-                                      <p:to>
-                                        <p:strVal val="visible"/>
-                                      </p:to>
-                                    </p:set>
-                                  </p:childTnLst>
-                                </p:cTn>
-                              </p:par>
-                            </p:childTnLst>
-                          </p:cTn>
-                        </p:par>
-                      </p:childTnLst>
-                    </p:cTn>
-                  </p:par>
-                  <p:par>
-                    <p:cTn id="19" fill="hold">
-                      <p:stCondLst>
-                        <p:cond delay="indefinite"/>
-                      </p:stCondLst>
-                      <p:childTnLst>
-                        <p:par>
-                          <p:cTn id="20" fill="hold">
-                            <p:stCondLst>
-                              <p:cond delay="0"/>
-                            </p:stCondLst>
-                            <p:childTnLst>
-                              <p:par>
-                                <p:cTn id="21" presetID="1" presetClass="entr" presetSubtype="0" fill="hold" nodeType="clickEffect">
-                                  <p:stCondLst>
-                                    <p:cond delay="0"/>
-                                  </p:stCondLst>
-                                  <p:childTnLst>
-                                    <p:set>
-                                      <p:cBhvr>
-                                        <p:cTn id="22" dur="1" fill="hold">
-                                          <p:stCondLst>
-                                            <p:cond delay="0"/>
-                                          </p:stCondLst>
-                                        </p:cTn>
-                                        <p:tgtEl>
-                                          <p:spTgt spid="3">
-                                            <p:txEl>
-                                              <p:pRg st="4" end="4"/>
-                                            </p:txEl>
-                                          </p:spTgt>
-                                        </p:tgtEl>
-                                        <p:attrNameLst>
-                                          <p:attrName>style.visibility</p:attrName>
-                                        </p:attrNameLst>
-                                      </p:cBhvr>
-                                      <p:to>
-                                        <p:strVal val="visible"/>
-                                      </p:to>
-                                    </p:set>
-                                  </p:childTnLst>
-                                </p:cTn>
-                              </p:par>
-                            </p:childTnLst>
-                          </p:cTn>
-                        </p:par>
-                      </p:childTnLst>
-                    </p:cTn>
-                  </p:par>
-                </p:childTnLst>
-              </p:cTn>
-              <p:prevCondLst>
-                <p:cond evt="onPrev" delay="0">
-                  <p:tgtEl>
-                    <p:sldTgt/>
-                  </p:tgtEl>
-                </p:cond>
-              </p:prevCondLst>
-              <p:nextCondLst>
-                <p:cond evt="onNext" delay="0">
-                  <p:tgtEl>
-                    <p:sldTgt/>
-                  </p:tgtEl>
-                </p:cond>
-              </p:nextCondLst>
-            </p:seq>
-          </p:childTnLst>
-        </p:cTn>
-      </p:par>
-    </p:tnLst>
-  </p:timing>
-</p:sld>
-</file>
-
 <file path=ppt/slides/slide5.xml><?xml version="1.0" encoding="utf-8"?>
 <p:sld xmlns:a="http://schemas.openxmlformats.org/drawingml/2006/main" xmlns:r="http://schemas.openxmlformats.org/officeDocument/2006/relationships" xmlns:p="http://schemas.openxmlformats.org/presentationml/2006/main">
   <p:cSld>
@@ -10378,7 +9867,6 @@
               <a:rPr lang="de-DE" dirty="0" smtClean="0"/>
               <a:t>Verwendung von +, -,… als Symbol</a:t>
             </a:r>
-            <a:endParaRPr lang="de-DE" dirty="0" smtClean="0"/>
           </a:p>
           <a:p>
             <a:endParaRPr lang="de-DE" dirty="0" smtClean="0"/>
@@ -10746,19 +10234,7 @@
           <a:p>
             <a:r>
               <a:rPr lang="de-DE" dirty="0" smtClean="0"/>
-              <a:t>Schritt 1: Rundungsfreie Version von </a:t>
-            </a:r>
-            <a:r>
-              <a:rPr lang="de-DE" dirty="0" smtClean="0"/>
-              <a:t>⊕</a:t>
-            </a:r>
-            <a:r>
-              <a:rPr lang="de-DE" dirty="0" smtClean="0"/>
-              <a:t> und </a:t>
-            </a:r>
-            <a:r>
-              <a:rPr lang="de-DE" dirty="0" smtClean="0"/>
-              <a:t>⊖</a:t>
+              <a:t>Schritt 1: Rundungsfreie Version von ⊕ und ⊖</a:t>
             </a:r>
           </a:p>
           <a:p>
@@ -10767,9 +10243,20 @@
             </a:pPr>
             <a:r>
               <a:rPr lang="de-DE" dirty="0" smtClean="0"/>
-              <a:t>	⟶ Speicherung des Rundungsfehlers</a:t>
-            </a:r>
-            <a:endParaRPr lang="de-DE" dirty="0" smtClean="0"/>
+              <a:t>	⟶ </a:t>
+            </a:r>
+            <a:r>
+              <a:rPr lang="de-DE" dirty="0" smtClean="0"/>
+              <a:t>Berechnung</a:t>
+            </a:r>
+            <a:r>
+              <a:rPr lang="de-DE" dirty="0" smtClean="0"/>
+              <a:t> </a:t>
+            </a:r>
+            <a:r>
+              <a:rPr lang="de-DE" dirty="0" smtClean="0"/>
+              <a:t>des Rundungsfehlers</a:t>
+            </a:r>
           </a:p>
           <a:p>
             <a:r>
@@ -11200,7 +10687,6 @@
               <a:rPr lang="de-DE" dirty="0" smtClean="0"/>
               <a:t>⟶ Berechnung von y, sodass a + b = x + y und x = a ⊕ b</a:t>
             </a:r>
-            <a:endParaRPr lang="de-DE" dirty="0" smtClean="0"/>
           </a:p>
           <a:p>
             <a:endParaRPr lang="de-DE" dirty="0" smtClean="0"/>
@@ -11793,11 +11279,15 @@
           <a:p>
             <a:r>
               <a:rPr lang="de-DE" dirty="0" smtClean="0"/>
-              <a:t>Darstellung des exakten Werts durch m</a:t>
-            </a:r>
-            <a:r>
-              <a:rPr lang="de-DE" dirty="0" smtClean="0"/>
-              <a:t>ehrere </a:t>
+              <a:t>Darstellung des exakten Werts </a:t>
+            </a:r>
+            <a:r>
+              <a:rPr lang="de-DE" dirty="0" smtClean="0"/>
+              <a:t>als Summe von</a:t>
+            </a:r>
+            <a:r>
+              <a:rPr lang="de-DE" dirty="0" smtClean="0"/>
+              <a:t> </a:t>
             </a:r>
             <a:r>
               <a:rPr lang="de-DE" i="1" dirty="0" err="1" smtClean="0"/>
@@ -11838,13 +11328,26 @@
           <a:p>
             <a:r>
               <a:rPr lang="de-DE" dirty="0" smtClean="0"/>
-              <a:t>Verschiedene Optimierungen möglich</a:t>
-            </a:r>
-          </a:p>
-          <a:p>
-            <a:r>
-              <a:rPr lang="de-DE" dirty="0" smtClean="0"/>
-              <a:t>Vorgehen nach </a:t>
+              <a:t>Verschiedene </a:t>
+            </a:r>
+            <a:r>
+              <a:rPr lang="de-DE" dirty="0" smtClean="0"/>
+              <a:t>Ein</a:t>
+            </a:r>
+            <a:r>
+              <a:rPr lang="de-DE" dirty="0" smtClean="0"/>
+              <a:t>schränkungen </a:t>
+            </a:r>
+            <a:r>
+              <a:rPr lang="de-DE" dirty="0" smtClean="0"/>
+              <a:t>nötig</a:t>
+            </a:r>
+          </a:p>
+          <a:p>
+            <a:pPr lvl="1"/>
+            <a:r>
+              <a:rPr lang="de-DE" dirty="0" smtClean="0"/>
+              <a:t>Approximation in der ersten Komponente (J.R. </a:t>
             </a:r>
             <a:r>
               <a:rPr lang="de-DE" dirty="0" err="1" smtClean="0"/>
@@ -11852,45 +11355,19 @@
             </a:r>
             <a:r>
               <a:rPr lang="de-DE" dirty="0" smtClean="0"/>
-              <a:t>:</a:t>
-            </a:r>
-          </a:p>
-          <a:p>
-            <a:pPr marL="0" indent="0">
-              <a:buNone/>
-            </a:pPr>
-            <a:r>
-              <a:rPr lang="de-DE" dirty="0"/>
-              <a:t>	</a:t>
-            </a:r>
-            <a:r>
-              <a:rPr lang="de-DE" baseline="0" dirty="0" smtClean="0"/>
-              <a:t> </a:t>
-            </a:r>
-            <a:r>
-              <a:rPr lang="de-DE" dirty="0" smtClean="0"/>
-              <a:t>Approximation in der ersten Komponente</a:t>
-            </a:r>
-          </a:p>
-          <a:p>
-            <a:r>
-              <a:rPr lang="de-DE" dirty="0" smtClean="0"/>
-              <a:t>Problem: Liste könnte leer werden</a:t>
-            </a:r>
-          </a:p>
-          <a:p>
-            <a:pPr marL="0" indent="0">
-              <a:buNone/>
-            </a:pPr>
-            <a:r>
-              <a:rPr lang="de-DE" dirty="0"/>
-              <a:t>	</a:t>
-            </a:r>
-            <a:r>
-              <a:rPr lang="de-DE" dirty="0" smtClean="0"/>
-              <a:t> ⟶ Festlegung als nicht-leere Liste</a:t>
-            </a:r>
-            <a:endParaRPr lang="de-DE" dirty="0" smtClean="0"/>
+              <a:t>)</a:t>
+            </a:r>
+          </a:p>
+          <a:p>
+            <a:pPr lvl="1"/>
+            <a:r>
+              <a:rPr lang="de-DE" dirty="0" smtClean="0"/>
+              <a:t>nicht-leere </a:t>
+            </a:r>
+            <a:r>
+              <a:rPr lang="de-DE" dirty="0" smtClean="0"/>
+              <a:t>Liste</a:t>
+            </a:r>
           </a:p>
           <a:p>
             <a:endParaRPr lang="de-DE" dirty="0"/>
@@ -11912,7 +11389,7 @@
         </p:blipFill>
         <p:spPr>
           <a:xfrm>
-            <a:off x="838200" y="5486400"/>
+            <a:off x="838200" y="4695092"/>
             <a:ext cx="10838395" cy="405174"/>
           </a:xfrm>
           <a:prstGeom prst="rect">
@@ -12204,104 +11681,6 @@
                                     <p:set>
                                       <p:cBhvr>
                                         <p:cTn id="26" dur="1" fill="hold">
-                                          <p:stCondLst>
-                                            <p:cond delay="0"/>
-                                          </p:stCondLst>
-                                        </p:cTn>
-                                        <p:tgtEl>
-                                          <p:spTgt spid="3">
-                                            <p:txEl>
-                                              <p:pRg st="5" end="5"/>
-                                            </p:txEl>
-                                          </p:spTgt>
-                                        </p:tgtEl>
-                                        <p:attrNameLst>
-                                          <p:attrName>style.visibility</p:attrName>
-                                        </p:attrNameLst>
-                                      </p:cBhvr>
-                                      <p:to>
-                                        <p:strVal val="visible"/>
-                                      </p:to>
-                                    </p:set>
-                                  </p:childTnLst>
-                                </p:cTn>
-                              </p:par>
-                            </p:childTnLst>
-                          </p:cTn>
-                        </p:par>
-                      </p:childTnLst>
-                    </p:cTn>
-                  </p:par>
-                  <p:par>
-                    <p:cTn id="27" fill="hold">
-                      <p:stCondLst>
-                        <p:cond delay="indefinite"/>
-                      </p:stCondLst>
-                      <p:childTnLst>
-                        <p:par>
-                          <p:cTn id="28" fill="hold">
-                            <p:stCondLst>
-                              <p:cond delay="0"/>
-                            </p:stCondLst>
-                            <p:childTnLst>
-                              <p:par>
-                                <p:cTn id="29" presetID="1" presetClass="entr" presetSubtype="0" fill="hold" nodeType="clickEffect">
-                                  <p:stCondLst>
-                                    <p:cond delay="0"/>
-                                  </p:stCondLst>
-                                  <p:childTnLst>
-                                    <p:set>
-                                      <p:cBhvr>
-                                        <p:cTn id="30" dur="1" fill="hold">
-                                          <p:stCondLst>
-                                            <p:cond delay="0"/>
-                                          </p:stCondLst>
-                                        </p:cTn>
-                                        <p:tgtEl>
-                                          <p:spTgt spid="3">
-                                            <p:txEl>
-                                              <p:pRg st="6" end="6"/>
-                                            </p:txEl>
-                                          </p:spTgt>
-                                        </p:tgtEl>
-                                        <p:attrNameLst>
-                                          <p:attrName>style.visibility</p:attrName>
-                                        </p:attrNameLst>
-                                      </p:cBhvr>
-                                      <p:to>
-                                        <p:strVal val="visible"/>
-                                      </p:to>
-                                    </p:set>
-                                  </p:childTnLst>
-                                </p:cTn>
-                              </p:par>
-                            </p:childTnLst>
-                          </p:cTn>
-                        </p:par>
-                      </p:childTnLst>
-                    </p:cTn>
-                  </p:par>
-                  <p:par>
-                    <p:cTn id="31" fill="hold">
-                      <p:stCondLst>
-                        <p:cond delay="indefinite"/>
-                      </p:stCondLst>
-                      <p:childTnLst>
-                        <p:par>
-                          <p:cTn id="32" fill="hold">
-                            <p:stCondLst>
-                              <p:cond delay="0"/>
-                            </p:stCondLst>
-                            <p:childTnLst>
-                              <p:par>
-                                <p:cTn id="33" presetID="1" presetClass="entr" presetSubtype="0" fill="hold" nodeType="clickEffect">
-                                  <p:stCondLst>
-                                    <p:cond delay="0"/>
-                                  </p:stCondLst>
-                                  <p:childTnLst>
-                                    <p:set>
-                                      <p:cBhvr>
-                                        <p:cTn id="34" dur="1" fill="hold">
                                           <p:stCondLst>
                                             <p:cond delay="0"/>
                                           </p:stCondLst>

--- a/Vortrag.pptx
+++ b/Vortrag.pptx
@@ -650,13 +650,8 @@
             </a:r>
             <a:r>
               <a:rPr lang="de-DE" baseline="0" dirty="0" smtClean="0"/>
-              <a:t> einfügen „bspw. so</a:t>
-            </a:r>
-            <a:r>
-              <a:rPr lang="de-DE" baseline="0" dirty="0" smtClean="0"/>
-              <a:t>:“</a:t>
-            </a:r>
-            <a:endParaRPr lang="de-DE" baseline="0" dirty="0" smtClean="0"/>
+              <a:t> einfügen „bspw. so:“</a:t>
+            </a:r>
           </a:p>
           <a:p>
             <a:r>
@@ -884,11 +879,7 @@
             </a:r>
             <a:r>
               <a:rPr lang="de-DE" baseline="0" dirty="0" smtClean="0"/>
-              <a:t> </a:t>
-            </a:r>
-            <a:r>
-              <a:rPr lang="de-DE" baseline="0" dirty="0" smtClean="0"/>
-              <a:t>wird zum </a:t>
+              <a:t> wird zum </a:t>
             </a:r>
             <a:r>
               <a:rPr lang="de-DE" baseline="0" dirty="0" err="1" smtClean="0"/>
@@ -1120,7 +1111,11 @@
             </a:r>
             <a:r>
               <a:rPr lang="de-DE" i="1" baseline="0" dirty="0" smtClean="0"/>
-              <a:t> ersten Punkt umformulieren</a:t>
+              <a:t> ersten Punkt </a:t>
+            </a:r>
+            <a:r>
+              <a:rPr lang="de-DE" i="1" baseline="0" dirty="0" smtClean="0"/>
+              <a:t>umformulieren, Bild</a:t>
             </a:r>
             <a:endParaRPr lang="de-DE" i="1" dirty="0" smtClean="0"/>
           </a:p>
@@ -1283,19 +1278,11 @@
             </a:pPr>
             <a:r>
               <a:rPr lang="de-DE" baseline="0" dirty="0" smtClean="0"/>
-              <a:t>4.: </a:t>
-            </a:r>
-            <a:r>
-              <a:rPr lang="de-DE" baseline="0" dirty="0" smtClean="0"/>
-              <a:t>wissen nicht, wie schwierig </a:t>
-            </a:r>
-            <a:r>
-              <a:rPr lang="de-DE" dirty="0" smtClean="0"/>
-              <a:t>und </a:t>
-            </a:r>
-            <a:r>
-              <a:rPr lang="de-DE" dirty="0" smtClean="0"/>
-              <a:t>wollen auch nicht noch mehr mit „sorry“ annehmen</a:t>
+              <a:t>4.: wissen nicht, wie schwierig </a:t>
+            </a:r>
+            <a:r>
+              <a:rPr lang="de-DE" dirty="0" smtClean="0"/>
+              <a:t>und wollen auch nicht noch mehr mit „sorry“ annehmen</a:t>
             </a:r>
           </a:p>
           <a:p>
@@ -1389,15 +1376,7 @@
             </a:r>
             <a:r>
               <a:rPr lang="de-DE" baseline="0" dirty="0" smtClean="0"/>
-              <a:t> </a:t>
-            </a:r>
-            <a:r>
-              <a:rPr lang="de-DE" baseline="0" dirty="0" smtClean="0"/>
-              <a:t>hinzufügen</a:t>
-            </a:r>
-            <a:r>
-              <a:rPr lang="de-DE" baseline="0" dirty="0" smtClean="0"/>
-              <a:t>, </a:t>
+              <a:t> hinzufügen, </a:t>
             </a:r>
             <a:r>
               <a:rPr lang="de-DE" baseline="0" dirty="0" err="1" smtClean="0"/>
@@ -1405,11 +1384,7 @@
             </a:r>
             <a:r>
               <a:rPr lang="de-DE" baseline="0" dirty="0" smtClean="0"/>
-              <a:t> </a:t>
-            </a:r>
-            <a:r>
-              <a:rPr lang="de-DE" baseline="0" dirty="0" smtClean="0"/>
-              <a:t>vereinfachen</a:t>
+              <a:t> vereinfachen</a:t>
             </a:r>
             <a:endParaRPr lang="de-DE" dirty="0" smtClean="0"/>
           </a:p>
@@ -1448,11 +1423,7 @@
             </a:r>
             <a:r>
               <a:rPr lang="de-DE" baseline="0" dirty="0" smtClean="0"/>
-              <a:t> erhalten</a:t>
-            </a:r>
-            <a:r>
-              <a:rPr lang="de-DE" baseline="0" dirty="0" smtClean="0"/>
-              <a:t>. </a:t>
+              <a:t> erhalten. </a:t>
             </a:r>
             <a:r>
               <a:rPr lang="de-DE" baseline="0" dirty="0" smtClean="0">
@@ -1567,22 +1538,13 @@
             </a:r>
             <a:r>
               <a:rPr lang="de-DE" baseline="0" dirty="0" smtClean="0"/>
-              <a:t> Das war auch die Version, die in Isabelle2015 eingebaut </a:t>
-            </a:r>
+              <a:t> Das war auch die Version, die in Isabelle2015 eingebaut war</a:t>
+            </a:r>
+          </a:p>
+          <a:p>
             <a:r>
               <a:rPr lang="de-DE" baseline="0" dirty="0" smtClean="0"/>
-              <a:t>war</a:t>
-            </a:r>
-            <a:endParaRPr lang="de-DE" baseline="0" dirty="0" smtClean="0"/>
-          </a:p>
-          <a:p>
-            <a:r>
-              <a:rPr lang="de-DE" baseline="0" dirty="0" smtClean="0"/>
-              <a:t>3.: Oder wie in Java: Überhaupt keine </a:t>
-            </a:r>
-            <a:r>
-              <a:rPr lang="de-DE" baseline="0" dirty="0" smtClean="0"/>
-              <a:t>IEEE-Konformität</a:t>
+              <a:t>3.: Oder wie in Java: Überhaupt keine IEEE-Konformität</a:t>
             </a:r>
           </a:p>
           <a:p>
@@ -1594,16 +1556,11 @@
               <a:rPr lang="de-DE" baseline="0" dirty="0" smtClean="0"/>
               <a:t> sind praktisch, weil…</a:t>
             </a:r>
-            <a:endParaRPr lang="de-DE" baseline="0" dirty="0" smtClean="0"/>
           </a:p>
           <a:p>
             <a:r>
               <a:rPr lang="de-DE" baseline="0" dirty="0" smtClean="0"/>
-              <a:t>4.: </a:t>
-            </a:r>
-            <a:r>
-              <a:rPr lang="de-DE" baseline="0" dirty="0" smtClean="0"/>
-              <a:t>Berechnung einmal als </a:t>
+              <a:t>4.: Berechnung einmal als </a:t>
             </a:r>
             <a:r>
               <a:rPr lang="de-DE" baseline="0" dirty="0" err="1" smtClean="0"/>
@@ -1625,11 +1582,7 @@
           <a:p>
             <a:r>
               <a:rPr lang="de-DE" baseline="0" dirty="0" smtClean="0"/>
-              <a:t>dann </a:t>
-            </a:r>
-            <a:r>
-              <a:rPr lang="de-DE" baseline="0" dirty="0" smtClean="0"/>
-              <a:t>aber „</a:t>
+              <a:t>dann aber „</a:t>
             </a:r>
             <a:r>
               <a:rPr lang="de-DE" baseline="0" dirty="0" err="1" smtClean="0"/>
@@ -1637,11 +1590,7 @@
             </a:r>
             <a:r>
               <a:rPr lang="de-DE" baseline="0" dirty="0" smtClean="0"/>
-              <a:t>“ </a:t>
-            </a:r>
-            <a:r>
-              <a:rPr lang="de-DE" baseline="0" dirty="0" smtClean="0"/>
-              <a:t>Code</a:t>
+              <a:t>“ Code</a:t>
             </a:r>
           </a:p>
         </p:txBody>
@@ -1734,19 +1683,11 @@
           <a:p>
             <a:r>
               <a:rPr lang="de-DE" dirty="0" smtClean="0"/>
-              <a:t>4. </a:t>
-            </a:r>
-            <a:r>
-              <a:rPr lang="de-DE" dirty="0" smtClean="0"/>
-              <a:t>(Multiplikation</a:t>
+              <a:t>4. (Multiplikation</a:t>
             </a:r>
             <a:r>
               <a:rPr lang="de-DE" baseline="0" dirty="0" smtClean="0"/>
-              <a:t> wäre auch </a:t>
-            </a:r>
-            <a:r>
-              <a:rPr lang="de-DE" baseline="0" dirty="0" smtClean="0"/>
-              <a:t>möglich, falls Ergebnis im darstellbaren Zahlenbereich), DIVISION NICHT</a:t>
+              <a:t> wäre auch möglich, falls Ergebnis im darstellbaren Zahlenbereich), DIVISION NICHT</a:t>
             </a:r>
             <a:endParaRPr lang="de-DE" dirty="0" smtClean="0"/>
           </a:p>
@@ -1845,11 +1786,7 @@
           <a:p>
             <a:r>
               <a:rPr lang="de-DE" dirty="0" smtClean="0"/>
-              <a:t>2</a:t>
-            </a:r>
-            <a:r>
-              <a:rPr lang="de-DE" dirty="0" smtClean="0"/>
-              <a:t>.:</a:t>
+              <a:t>2.:</a:t>
             </a:r>
             <a:r>
               <a:rPr lang="de-DE" baseline="0" dirty="0" smtClean="0"/>
@@ -1861,27 +1798,55 @@
             </a:r>
             <a:r>
               <a:rPr lang="de-DE" baseline="0" dirty="0" smtClean="0"/>
-              <a:t> </a:t>
-            </a:r>
+              <a:t> schlägt Eigenschaften vor, die von den Algorithmen erhalten werden</a:t>
+            </a:r>
+          </a:p>
+          <a:p>
             <a:r>
               <a:rPr lang="de-DE" baseline="0" dirty="0" smtClean="0"/>
-              <a:t>schlägt </a:t>
+              <a:t>2.2. Entsteht schon aus der Forderung „streng abnehmender Betrag</a:t>
             </a:r>
             <a:r>
               <a:rPr lang="de-DE" baseline="0" dirty="0" smtClean="0"/>
-              <a:t>Eigenschaften vor, die von den Algorithmen erhalten </a:t>
-            </a:r>
+              <a:t>“</a:t>
+            </a:r>
+          </a:p>
+          <a:p>
             <a:r>
               <a:rPr lang="de-DE" baseline="0" dirty="0" smtClean="0"/>
-              <a:t>werden</a:t>
-            </a:r>
-          </a:p>
-          <a:p>
+              <a:t>3. z.B. Vergleich mit den </a:t>
+            </a:r>
+            <a:r>
+              <a:rPr lang="de-DE" baseline="0" dirty="0" err="1" smtClean="0"/>
+              <a:t>sw_floats</a:t>
+            </a:r>
             <a:r>
               <a:rPr lang="de-DE" baseline="0" dirty="0" smtClean="0"/>
-              <a:t>2.2. Entsteht schon aus der Forderung „streng abnehmender Betrag“</a:t>
-            </a:r>
-            <a:endParaRPr lang="de-DE" baseline="0" dirty="0" smtClean="0"/>
+              <a:t> aus </a:t>
+            </a:r>
+            <a:r>
+              <a:rPr lang="de-DE" baseline="0" dirty="0" err="1" smtClean="0"/>
+              <a:t>Float.float</a:t>
+            </a:r>
+            <a:r>
+              <a:rPr lang="de-DE" baseline="0" dirty="0" smtClean="0"/>
+              <a:t> an. Dieser Datentyp kann mehr Zahlen darstellen, benutzt aber die hardwareimplementierten </a:t>
+            </a:r>
+            <a:r>
+              <a:rPr lang="de-DE" baseline="0" dirty="0" err="1" smtClean="0"/>
+              <a:t>float</a:t>
+            </a:r>
+            <a:r>
+              <a:rPr lang="de-DE" baseline="0" dirty="0" smtClean="0"/>
+              <a:t>-Operationen nicht</a:t>
+            </a:r>
+          </a:p>
+          <a:p>
+            <a:r>
+              <a:rPr lang="de-DE" b="0" baseline="0" dirty="0" smtClean="0"/>
+              <a:t>	Ergebnis vermutlich abhängig von Architektur</a:t>
+            </a:r>
+            <a:endParaRPr lang="de-DE" b="0" baseline="0" dirty="0" smtClean="0"/>
           </a:p>
           <a:p>
             <a:r>
@@ -2001,7 +1966,21 @@
           <a:p>
             <a:r>
               <a:rPr lang="de-DE" baseline="0" dirty="0" smtClean="0"/>
-              <a:t>Und das Privileg, an diesem wichtigen Forschungsprojekt mitzuarbeiten</a:t>
+              <a:t>Und </a:t>
+            </a:r>
+            <a:r>
+              <a:rPr lang="de-DE" baseline="0" dirty="0" smtClean="0"/>
+              <a:t>das Privileg, an diesem wichtigen Forschungsprojekt </a:t>
+            </a:r>
+            <a:r>
+              <a:rPr lang="de-DE" baseline="0" dirty="0" smtClean="0"/>
+              <a:t>mitzuarbeiten</a:t>
+            </a:r>
+          </a:p>
+          <a:p>
+            <a:r>
+              <a:rPr lang="de-DE" baseline="0" dirty="0" smtClean="0"/>
+              <a:t>TODO: Bild</a:t>
             </a:r>
             <a:endParaRPr lang="de-DE" dirty="0"/>
           </a:p>
@@ -2089,22 +2068,19 @@
           <a:p>
             <a:r>
               <a:rPr lang="de-DE" dirty="0" smtClean="0"/>
-              <a:t>TODO: </a:t>
-            </a:r>
-            <a:r>
-              <a:rPr lang="de-DE" dirty="0" smtClean="0"/>
-              <a:t>LOGO</a:t>
-            </a:r>
-            <a:endParaRPr lang="de-DE" dirty="0" smtClean="0"/>
-          </a:p>
-          <a:p>
-            <a:r>
-              <a:rPr lang="de-DE" dirty="0" err="1" smtClean="0"/>
-              <a:t>Ausfühbarkeit</a:t>
-            </a:r>
-            <a:r>
-              <a:rPr lang="de-DE" dirty="0" smtClean="0"/>
-              <a:t> auf Grafikprozessoren</a:t>
+              <a:t>schnelle</a:t>
+            </a:r>
+            <a:r>
+              <a:rPr lang="de-DE" baseline="0" dirty="0" smtClean="0"/>
+              <a:t> </a:t>
+            </a:r>
+            <a:r>
+              <a:rPr lang="de-DE" dirty="0" smtClean="0"/>
+              <a:t>Ausführbarkeit</a:t>
+            </a:r>
+            <a:r>
+              <a:rPr lang="de-DE" baseline="0" dirty="0" smtClean="0"/>
+              <a:t> sicherstellen</a:t>
             </a:r>
             <a:endParaRPr lang="de-DE" dirty="0"/>
           </a:p>
@@ -2276,26 +2252,7 @@
           <a:p>
             <a:r>
               <a:rPr lang="de-DE" dirty="0" smtClean="0"/>
-              <a:t>Ziel</a:t>
-            </a:r>
-            <a:r>
-              <a:rPr lang="de-DE" baseline="0" dirty="0" smtClean="0"/>
-              <a:t> e</a:t>
-            </a:r>
-            <a:r>
-              <a:rPr lang="de-DE" dirty="0" smtClean="0"/>
-              <a:t>rwähnen:</a:t>
-            </a:r>
-            <a:r>
-              <a:rPr lang="de-DE" baseline="0" dirty="0" smtClean="0"/>
-              <a:t> Arithmetik über berechenbaren Zahlen</a:t>
-            </a:r>
-            <a:endParaRPr lang="de-DE" dirty="0" smtClean="0"/>
-          </a:p>
-          <a:p>
-            <a:r>
-              <a:rPr lang="de-DE" dirty="0" smtClean="0"/>
-              <a:t>TODO:</a:t>
+              <a:t>Ziel:</a:t>
             </a:r>
             <a:r>
               <a:rPr lang="de-DE" baseline="0" dirty="0" smtClean="0"/>
@@ -2303,22 +2260,36 @@
             </a:r>
             <a:r>
               <a:rPr lang="de-DE" baseline="0" dirty="0" smtClean="0"/>
-              <a:t>Grafik</a:t>
-            </a:r>
-            <a:endParaRPr lang="de-DE" baseline="0" dirty="0" smtClean="0"/>
-          </a:p>
-          <a:p>
-            <a:r>
-              <a:rPr lang="de-DE" dirty="0" smtClean="0"/>
-              <a:t>Ansatz 3 wird</a:t>
+              <a:t>Arithmetik über </a:t>
             </a:r>
             <a:r>
               <a:rPr lang="de-DE" baseline="0" dirty="0" smtClean="0"/>
-              <a:t> später </a:t>
+              <a:t>einer Teilmenge der berechenbaren Zahlen</a:t>
+            </a:r>
+          </a:p>
+          <a:p>
+            <a:r>
+              <a:rPr lang="de-DE" dirty="0" smtClean="0"/>
+              <a:t>Viele Formate erlauben</a:t>
             </a:r>
             <a:r>
               <a:rPr lang="de-DE" baseline="0" dirty="0" smtClean="0"/>
-              <a:t>erklärt, grob läuft das so</a:t>
+              <a:t> nur endlich viele Werte</a:t>
+            </a:r>
+            <a:endParaRPr lang="de-DE" dirty="0" smtClean="0"/>
+          </a:p>
+          <a:p>
+            <a:r>
+              <a:rPr lang="de-DE" dirty="0" smtClean="0"/>
+              <a:t>3 </a:t>
+            </a:r>
+            <a:r>
+              <a:rPr lang="de-DE" dirty="0" smtClean="0"/>
+              <a:t>wird</a:t>
+            </a:r>
+            <a:r>
+              <a:rPr lang="de-DE" baseline="0" dirty="0" smtClean="0"/>
+              <a:t> später erklärt, grob läuft das so</a:t>
             </a:r>
           </a:p>
           <a:p>
@@ -2623,11 +2594,7 @@
           <a:p>
             <a:r>
               <a:rPr lang="de-DE" dirty="0" smtClean="0"/>
-              <a:t>Unter </a:t>
-            </a:r>
-            <a:r>
-              <a:rPr lang="de-DE" dirty="0" smtClean="0"/>
-              <a:t>Verwendung</a:t>
+              <a:t>Unter Verwendung</a:t>
             </a:r>
             <a:r>
               <a:rPr lang="de-DE" baseline="0" dirty="0" smtClean="0"/>
@@ -2639,29 +2606,13 @@
             </a:r>
             <a:r>
               <a:rPr lang="de-DE" baseline="0" dirty="0" smtClean="0"/>
-              <a:t>“), es wird eine Art Übermenge. Es liegt also nahe, das erstmal für die Floats selbst zu machen. (1</a:t>
-            </a:r>
-            <a:r>
-              <a:rPr lang="de-DE" baseline="0" dirty="0" smtClean="0"/>
-              <a:t>) </a:t>
+              <a:t>“), es wird eine Art Übermenge. Es liegt also nahe, das erstmal für die Floats selbst zu machen. (1) </a:t>
             </a:r>
             <a:r>
               <a:rPr lang="de-DE" baseline="0" dirty="0" smtClean="0">
                 <a:sym typeface="Wingdings" panose="05000000000000000000" pitchFamily="2" charset="2"/>
               </a:rPr>
-              <a:t> einzige </a:t>
-            </a:r>
-            <a:r>
-              <a:rPr lang="de-DE" baseline="0" dirty="0" smtClean="0">
-                <a:sym typeface="Wingdings" panose="05000000000000000000" pitchFamily="2" charset="2"/>
-              </a:rPr>
-              <a:t>Möglichkeit (es ist möglich): </a:t>
-            </a:r>
-            <a:r>
-              <a:rPr lang="de-DE" baseline="0" dirty="0" smtClean="0">
-                <a:sym typeface="Wingdings" panose="05000000000000000000" pitchFamily="2" charset="2"/>
-              </a:rPr>
-              <a:t>Speicherung (2)</a:t>
+              <a:t> einzige Möglichkeit (es ist möglich): Speicherung (2)</a:t>
             </a:r>
           </a:p>
           <a:p>
@@ -2873,13 +2824,7 @@
               <a:rPr lang="de-DE" baseline="0" dirty="0" smtClean="0">
                 <a:sym typeface="Wingdings" panose="05000000000000000000" pitchFamily="2" charset="2"/>
               </a:rPr>
-              <a:t>Beweis </a:t>
-            </a:r>
-            <a:r>
-              <a:rPr lang="de-DE" baseline="0" dirty="0" smtClean="0">
-                <a:sym typeface="Wingdings" panose="05000000000000000000" pitchFamily="2" charset="2"/>
-              </a:rPr>
-              <a:t>der Korrektheit läuft über viele Fallunterscheidungen, Analyse der </a:t>
+              <a:t>Beweis der Korrektheit läuft über viele Fallunterscheidungen, Analyse der </a:t>
             </a:r>
             <a:r>
               <a:rPr lang="de-DE" baseline="0" dirty="0" err="1" smtClean="0">
@@ -2899,15 +2844,13 @@
               <a:rPr lang="de-DE" baseline="0" dirty="0" smtClean="0">
                 <a:sym typeface="Wingdings" panose="05000000000000000000" pitchFamily="2" charset="2"/>
               </a:rPr>
-              <a:t>3.: das erste + ist exakt, das im Kreis nicht</a:t>
-            </a:r>
-          </a:p>
-          <a:p>
+              <a:t>3.: das erste + ist exakt, das im Kreis </a:t>
+            </a:r>
             <a:r>
               <a:rPr lang="de-DE" baseline="0" dirty="0" smtClean="0">
                 <a:sym typeface="Wingdings" panose="05000000000000000000" pitchFamily="2" charset="2"/>
               </a:rPr>
-              <a:t>Wie gesagt: Dieser Teil war schon bekannt</a:t>
+              <a:t>nicht</a:t>
             </a:r>
           </a:p>
           <a:p>
@@ -2915,13 +2858,23 @@
               <a:rPr lang="de-DE" baseline="0" dirty="0" smtClean="0">
                 <a:sym typeface="Wingdings" panose="05000000000000000000" pitchFamily="2" charset="2"/>
               </a:rPr>
-              <a:t>TODO: Farben</a:t>
-            </a:r>
+              <a:t>Informell geschrieben, Typinformationen fehlen</a:t>
+            </a:r>
+          </a:p>
+          <a:p>
             <a:r>
               <a:rPr lang="de-DE" baseline="0" dirty="0" smtClean="0">
                 <a:sym typeface="Wingdings" panose="05000000000000000000" pitchFamily="2" charset="2"/>
               </a:rPr>
-              <a:t>?</a:t>
+              <a:t>(Tafel) 5,2 </a:t>
+            </a:r>
+            <a:r>
+              <a:rPr lang="de-DE" dirty="0" smtClean="0"/>
+              <a:t>⊕ 6,1</a:t>
+            </a:r>
+            <a:r>
+              <a:rPr lang="de-DE" baseline="0" dirty="0" smtClean="0"/>
+              <a:t> = 11   |</a:t>
             </a:r>
           </a:p>
           <a:p>
@@ -2929,9 +2882,28 @@
               <a:rPr lang="de-DE" baseline="0" dirty="0" smtClean="0">
                 <a:sym typeface="Wingdings" panose="05000000000000000000" pitchFamily="2" charset="2"/>
               </a:rPr>
-              <a:t>Beispiel erweitern</a:t>
-            </a:r>
-            <a:endParaRPr lang="de-DE" dirty="0"/>
+              <a:t>5,2 + 6,1 = 11,3 = 11    |   + 0,3, nicht 10 + 1,3 wg. 11 oben</a:t>
+            </a:r>
+            <a:endParaRPr lang="de-DE" baseline="0" dirty="0" smtClean="0">
+              <a:sym typeface="Wingdings" panose="05000000000000000000" pitchFamily="2" charset="2"/>
+            </a:endParaRPr>
+          </a:p>
+          <a:p>
+            <a:r>
+              <a:rPr lang="de-DE" baseline="0" dirty="0" smtClean="0">
+                <a:sym typeface="Wingdings" panose="05000000000000000000" pitchFamily="2" charset="2"/>
+              </a:rPr>
+              <a:t>Wie gesagt: Dieser Teil war schon </a:t>
+            </a:r>
+            <a:r>
+              <a:rPr lang="de-DE" baseline="0" dirty="0" smtClean="0">
+                <a:sym typeface="Wingdings" panose="05000000000000000000" pitchFamily="2" charset="2"/>
+              </a:rPr>
+              <a:t>bekannt</a:t>
+            </a:r>
+            <a:endParaRPr lang="de-DE" baseline="0" dirty="0" smtClean="0">
+              <a:sym typeface="Wingdings" panose="05000000000000000000" pitchFamily="2" charset="2"/>
+            </a:endParaRPr>
           </a:p>
         </p:txBody>
       </p:sp>
@@ -3034,11 +3006,7 @@
             </a:pPr>
             <a:r>
               <a:rPr lang="de-DE" baseline="0" dirty="0" smtClean="0"/>
-              <a:t>Wann </a:t>
-            </a:r>
-            <a:r>
-              <a:rPr lang="de-DE" baseline="0" dirty="0" smtClean="0"/>
-              <a:t>ist </a:t>
+              <a:t>Wann ist </a:t>
             </a:r>
             <a:r>
               <a:rPr lang="de-DE" baseline="0" dirty="0" err="1" smtClean="0"/>
@@ -3073,11 +3041,7 @@
             </a:r>
             <a:r>
               <a:rPr lang="de-DE" baseline="0" dirty="0" smtClean="0"/>
-              <a:t> welches Format man konvertiert ist dabei egal, es muss nur eine rundungsfreies + </a:t>
-            </a:r>
-            <a:r>
-              <a:rPr lang="de-DE" baseline="0" dirty="0" smtClean="0"/>
-              <a:t>bereitstellen</a:t>
+              <a:t> welches Format man konvertiert ist dabei egal, es muss nur eine rundungsfreies + bereitstellen</a:t>
             </a:r>
           </a:p>
           <a:p>
@@ -3186,11 +3150,7 @@
             </a:r>
             <a:r>
               <a:rPr lang="de-DE" baseline="0" dirty="0" smtClean="0"/>
-              <a:t> da sonst die Präzision nicht ausreicht, Der Wert dieser Liste ist dann die exakte Summe der </a:t>
-            </a:r>
-            <a:r>
-              <a:rPr lang="de-DE" baseline="0" dirty="0" smtClean="0"/>
-              <a:t>Komponenten</a:t>
+              <a:t> da sonst die Präzision nicht ausreicht, Der Wert dieser Liste ist dann die exakte Summe der Komponenten</a:t>
             </a:r>
           </a:p>
           <a:p>
@@ -3198,7 +3158,6 @@
               <a:rPr lang="de-DE" baseline="0" dirty="0" smtClean="0"/>
               <a:t>3.2.: Sonst: leere Liste zulässig (keine Approximation ohne Test mehr)</a:t>
             </a:r>
-            <a:endParaRPr lang="de-DE" baseline="0" dirty="0" smtClean="0"/>
           </a:p>
           <a:p>
             <a:r>
@@ -3230,11 +3189,7 @@
             </a:r>
             <a:r>
               <a:rPr lang="de-DE" baseline="0" dirty="0" smtClean="0"/>
-              <a:t> </a:t>
-            </a:r>
-            <a:r>
-              <a:rPr lang="de-DE" baseline="0" dirty="0" smtClean="0"/>
-              <a:t>dadurch Approximation nur mit </a:t>
+              <a:t> dadurch Approximation nur mit </a:t>
             </a:r>
             <a:r>
               <a:rPr lang="de-DE" baseline="0" dirty="0" err="1" smtClean="0"/>
@@ -3256,11 +3211,7 @@
             </a:r>
             <a:r>
               <a:rPr lang="de-DE" baseline="0" dirty="0" smtClean="0"/>
-              <a:t>, rechts: </a:t>
-            </a:r>
-            <a:r>
-              <a:rPr lang="de-DE" baseline="0" dirty="0" smtClean="0"/>
-              <a:t>Fehlerwerte</a:t>
+              <a:t>, rechts: Fehlerwerte</a:t>
             </a:r>
           </a:p>
           <a:p>
@@ -6290,15 +6241,7 @@
           <a:p>
             <a:r>
               <a:rPr lang="de-DE" dirty="0" smtClean="0"/>
-              <a:t>Schritt </a:t>
-            </a:r>
-            <a:r>
-              <a:rPr lang="de-DE" dirty="0" smtClean="0"/>
-              <a:t>3: </a:t>
-            </a:r>
-            <a:r>
-              <a:rPr lang="de-DE" dirty="0" smtClean="0"/>
-              <a:t>Algorithmen zum Weiterrechnen</a:t>
+              <a:t>Schritt 3: Algorithmen zum Weiterrechnen</a:t>
             </a:r>
             <a:endParaRPr lang="de-DE" dirty="0"/>
           </a:p>
@@ -6666,11 +6609,7 @@
           <a:p>
             <a:r>
               <a:rPr lang="de-DE" dirty="0" smtClean="0"/>
-              <a:t>Schritt </a:t>
-            </a:r>
-            <a:r>
-              <a:rPr lang="de-DE" dirty="0" smtClean="0"/>
-              <a:t>3: </a:t>
+              <a:t>Schritt 3: </a:t>
             </a:r>
             <a:r>
               <a:rPr lang="de-DE" dirty="0" err="1" smtClean="0"/>
@@ -7359,11 +7298,7 @@
             </a:r>
             <a:r>
               <a:rPr lang="de-DE" dirty="0" smtClean="0"/>
-              <a:t> nicht </a:t>
-            </a:r>
-            <a:r>
-              <a:rPr lang="de-DE" dirty="0" smtClean="0"/>
-              <a:t>gegeben</a:t>
+              <a:t> nicht gegeben</a:t>
             </a:r>
           </a:p>
           <a:p>
@@ -8051,11 +7986,7 @@
             </a:r>
             <a:r>
               <a:rPr lang="de-DE" dirty="0" smtClean="0"/>
-              <a:t> </a:t>
-            </a:r>
-            <a:r>
-              <a:rPr lang="de-DE" dirty="0" smtClean="0"/>
-              <a:t>fehlerhaft</a:t>
+              <a:t> fehlerhaft</a:t>
             </a:r>
           </a:p>
           <a:p>
@@ -8070,7 +8001,6 @@
               <a:rPr lang="de-DE" dirty="0" smtClean="0"/>
               <a:t>Genauigkeit der Berechnung nicht vorhersehbar</a:t>
             </a:r>
-            <a:endParaRPr lang="de-DE" dirty="0" smtClean="0"/>
           </a:p>
           <a:p>
             <a:r>
@@ -8115,11 +8045,7 @@
             </a:r>
             <a:r>
               <a:rPr lang="de-DE" sz="3600" i="1" dirty="0" err="1" smtClean="0"/>
-              <a:t>sw_</a:t>
-            </a:r>
-            <a:r>
-              <a:rPr lang="de-DE" sz="3600" i="1" dirty="0" err="1" smtClean="0"/>
-              <a:t>float</a:t>
+              <a:t>sw_float</a:t>
             </a:r>
             <a:r>
               <a:rPr lang="de-DE" sz="3600" i="1" dirty="0" smtClean="0"/>
@@ -8137,7 +8063,6 @@
               <a:rPr lang="de-DE" sz="3600" dirty="0" smtClean="0"/>
               <a:t>) als Referenzimplementierung</a:t>
             </a:r>
-            <a:endParaRPr lang="de-DE" sz="3600" dirty="0" smtClean="0"/>
           </a:p>
         </p:txBody>
       </p:sp>
@@ -8225,11 +8150,7 @@
           <a:p>
             <a:r>
               <a:rPr lang="de-DE" dirty="0" smtClean="0"/>
-              <a:t>Umsetzung</a:t>
-            </a:r>
-            <a:r>
-              <a:rPr lang="de-DE" dirty="0" smtClean="0"/>
-              <a:t>: </a:t>
+              <a:t>Umsetzung: </a:t>
             </a:r>
             <a:r>
               <a:rPr lang="de-DE" dirty="0" err="1" smtClean="0"/>
@@ -8269,11 +8190,7 @@
             </a:r>
             <a:r>
               <a:rPr lang="de-DE" dirty="0" smtClean="0"/>
-              <a:t> </a:t>
-            </a:r>
-            <a:r>
-              <a:rPr lang="de-DE" dirty="0" smtClean="0"/>
-              <a:t>IEEE-Berechnungen</a:t>
+              <a:t> IEEE-Berechnungen</a:t>
             </a:r>
             <a:endParaRPr lang="de-DE" dirty="0"/>
           </a:p>
@@ -8382,11 +8299,7 @@
             </a:r>
             <a:r>
               <a:rPr lang="de-DE" sz="3200" dirty="0" smtClean="0"/>
-              <a:t> in </a:t>
-            </a:r>
-            <a:r>
-              <a:rPr lang="de-DE" sz="3200" dirty="0" smtClean="0"/>
-              <a:t>Isabelle</a:t>
+              <a:t> in Isabelle</a:t>
             </a:r>
           </a:p>
           <a:p>
@@ -8443,8 +8356,19 @@
             <a:pPr lvl="1"/>
             <a:r>
               <a:rPr lang="de-DE" sz="2800" dirty="0" smtClean="0"/>
-              <a:t>Maximale Länge der Fehlerliste</a:t>
-            </a:r>
+              <a:t>Maximale Länge der </a:t>
+            </a:r>
+            <a:r>
+              <a:rPr lang="de-DE" sz="2800" dirty="0" smtClean="0"/>
+              <a:t>Fehlerliste</a:t>
+            </a:r>
+          </a:p>
+          <a:p>
+            <a:r>
+              <a:rPr lang="de-DE" sz="3200" dirty="0" smtClean="0"/>
+              <a:t>Laufzeituntersuchungen</a:t>
+            </a:r>
+            <a:endParaRPr lang="de-DE" sz="3200" dirty="0" smtClean="0"/>
           </a:p>
           <a:p>
             <a:r>
@@ -8680,7 +8604,7 @@
         </p:nvSpPr>
         <p:spPr>
           <a:xfrm>
-            <a:off x="3176336" y="4008577"/>
+            <a:off x="3176334" y="5674091"/>
             <a:ext cx="5839327" cy="707886"/>
           </a:xfrm>
           <a:prstGeom prst="rect">
@@ -8697,12 +8621,53 @@
             <a:pPr algn="ctr"/>
             <a:r>
               <a:rPr lang="de-DE" sz="4000" dirty="0" smtClean="0"/>
-              <a:t>Verifikation</a:t>
+              <a:t>Verifikation!</a:t>
             </a:r>
             <a:endParaRPr lang="de-DE" sz="4000" dirty="0"/>
           </a:p>
         </p:txBody>
       </p:sp>
+      <p:pic>
+        <p:nvPicPr>
+          <p:cNvPr id="1026" name="Picture 2" descr="Isabelle home"/>
+          <p:cNvPicPr>
+            <a:picLocks noChangeAspect="1" noChangeArrowheads="1"/>
+          </p:cNvPicPr>
+          <p:nvPr/>
+        </p:nvPicPr>
+        <p:blipFill>
+          <a:blip r:embed="rId3">
+            <a:extLst>
+              <a:ext uri="{28A0092B-C50C-407E-A947-70E740481C1C}">
+                <a14:useLocalDpi xmlns:a14="http://schemas.microsoft.com/office/drawing/2010/main" val="0"/>
+              </a:ext>
+            </a:extLst>
+          </a:blip>
+          <a:srcRect/>
+          <a:stretch>
+            <a:fillRect/>
+          </a:stretch>
+        </p:blipFill>
+        <p:spPr bwMode="auto">
+          <a:xfrm>
+            <a:off x="5125371" y="3865036"/>
+            <a:ext cx="1941251" cy="1702852"/>
+          </a:xfrm>
+          <a:prstGeom prst="rect">
+            <a:avLst/>
+          </a:prstGeom>
+          <a:noFill/>
+          <a:extLst>
+            <a:ext uri="{909E8E84-426E-40DD-AFC4-6F175D3DCCD1}">
+              <a14:hiddenFill xmlns:a14="http://schemas.microsoft.com/office/drawing/2010/main">
+                <a:solidFill>
+                  <a:srgbClr val="FFFFFF"/>
+                </a:solidFill>
+              </a14:hiddenFill>
+            </a:ext>
+          </a:extLst>
+        </p:spPr>
+      </p:pic>
     </p:spTree>
     <p:extLst>
       <p:ext uri="{BB962C8B-B14F-4D97-AF65-F5344CB8AC3E}">
@@ -9024,25 +8989,28 @@
           </a:p>
           <a:p>
             <a:pPr marL="514350" indent="-514350">
-              <a:buAutoNum type="alphaLcParenR"/>
+              <a:buFont typeface="+mj-lt"/>
+              <a:buAutoNum type="alphaLcPeriod"/>
             </a:pPr>
             <a:r>
               <a:rPr lang="de-DE" dirty="0" smtClean="0"/>
-              <a:t>Analysieren/Entscheiden</a:t>
-            </a:r>
+              <a:t>Numerisch Analysieren/Entscheiden</a:t>
+            </a:r>
+            <a:endParaRPr lang="de-DE" dirty="0" smtClean="0"/>
           </a:p>
           <a:p>
             <a:pPr marL="514350" indent="-514350">
-              <a:buAutoNum type="alphaLcParenR"/>
+              <a:buAutoNum type="alphaLcPeriod"/>
             </a:pPr>
             <a:r>
               <a:rPr lang="de-DE" dirty="0" smtClean="0"/>
               <a:t>Vermeiden</a:t>
             </a:r>
+            <a:endParaRPr lang="de-DE" dirty="0" smtClean="0"/>
           </a:p>
           <a:p>
             <a:pPr marL="514350" indent="-514350">
-              <a:buAutoNum type="alphaLcParenR"/>
+              <a:buAutoNum type="alphaLcPeriod"/>
             </a:pPr>
             <a:r>
               <a:rPr lang="de-DE" dirty="0" smtClean="0">
@@ -9066,7 +9034,7 @@
                   <a:srgbClr val="00B050"/>
                 </a:solidFill>
               </a:rPr>
-              <a:t>“</a:t>
+              <a:t> “</a:t>
             </a:r>
             <a:endParaRPr lang="de-DE" dirty="0">
               <a:solidFill>
@@ -9076,7 +9044,7 @@
           </a:p>
           <a:p>
             <a:pPr marL="514350" indent="-514350">
-              <a:buAutoNum type="alphaLcParenR"/>
+              <a:buAutoNum type="alphaLcPeriod"/>
             </a:pPr>
             <a:endParaRPr lang="de-DE" dirty="0">
               <a:solidFill>
@@ -9086,6 +9054,341 @@
           </a:p>
         </p:txBody>
       </p:sp>
+      <p:grpSp>
+        <p:nvGrpSpPr>
+          <p:cNvPr id="24" name="Gruppieren 23"/>
+          <p:cNvGrpSpPr/>
+          <p:nvPr/>
+        </p:nvGrpSpPr>
+        <p:grpSpPr>
+          <a:xfrm>
+            <a:off x="2173284" y="3823232"/>
+            <a:ext cx="5860374" cy="2883173"/>
+            <a:chOff x="2173284" y="3823232"/>
+            <a:chExt cx="5860374" cy="2883173"/>
+          </a:xfrm>
+        </p:grpSpPr>
+        <p:grpSp>
+          <p:nvGrpSpPr>
+            <p:cNvPr id="22" name="Gruppieren 21"/>
+            <p:cNvGrpSpPr/>
+            <p:nvPr/>
+          </p:nvGrpSpPr>
+          <p:grpSpPr>
+            <a:xfrm>
+              <a:off x="2173284" y="4034745"/>
+              <a:ext cx="5860374" cy="2671660"/>
+              <a:chOff x="850669" y="4016829"/>
+              <a:chExt cx="5435832" cy="2720645"/>
+            </a:xfrm>
+          </p:grpSpPr>
+          <p:cxnSp>
+            <p:nvCxnSpPr>
+              <p:cNvPr id="9" name="Gerade Verbindung mit Pfeil 8"/>
+              <p:cNvCxnSpPr/>
+              <p:nvPr/>
+            </p:nvCxnSpPr>
+            <p:spPr>
+              <a:xfrm flipV="1">
+                <a:off x="1812471" y="4016829"/>
+                <a:ext cx="0" cy="2530928"/>
+              </a:xfrm>
+              <a:prstGeom prst="straightConnector1">
+                <a:avLst/>
+              </a:prstGeom>
+              <a:ln>
+                <a:solidFill>
+                  <a:schemeClr val="tx1"/>
+                </a:solidFill>
+                <a:tailEnd type="triangle"/>
+              </a:ln>
+            </p:spPr>
+            <p:style>
+              <a:lnRef idx="1">
+                <a:schemeClr val="accent1"/>
+              </a:lnRef>
+              <a:fillRef idx="0">
+                <a:schemeClr val="accent1"/>
+              </a:fillRef>
+              <a:effectRef idx="0">
+                <a:schemeClr val="accent1"/>
+              </a:effectRef>
+              <a:fontRef idx="minor">
+                <a:schemeClr val="tx1"/>
+              </a:fontRef>
+            </p:style>
+          </p:cxnSp>
+          <p:cxnSp>
+            <p:nvCxnSpPr>
+              <p:cNvPr id="11" name="Gerade Verbindung mit Pfeil 10"/>
+              <p:cNvCxnSpPr/>
+              <p:nvPr/>
+            </p:nvCxnSpPr>
+            <p:spPr>
+              <a:xfrm>
+                <a:off x="1616529" y="6368142"/>
+                <a:ext cx="4669972" cy="0"/>
+              </a:xfrm>
+              <a:prstGeom prst="straightConnector1">
+                <a:avLst/>
+              </a:prstGeom>
+              <a:ln>
+                <a:solidFill>
+                  <a:schemeClr val="tx1"/>
+                </a:solidFill>
+                <a:tailEnd type="triangle"/>
+              </a:ln>
+            </p:spPr>
+            <p:style>
+              <a:lnRef idx="1">
+                <a:schemeClr val="accent1"/>
+              </a:lnRef>
+              <a:fillRef idx="0">
+                <a:schemeClr val="accent1"/>
+              </a:fillRef>
+              <a:effectRef idx="0">
+                <a:schemeClr val="accent1"/>
+              </a:effectRef>
+              <a:fontRef idx="minor">
+                <a:schemeClr val="tx1"/>
+              </a:fontRef>
+            </p:style>
+          </p:cxnSp>
+          <p:sp>
+            <p:nvSpPr>
+              <p:cNvPr id="15" name="Rechteck 14"/>
+              <p:cNvSpPr/>
+              <p:nvPr/>
+            </p:nvSpPr>
+            <p:spPr>
+              <a:xfrm>
+                <a:off x="2192792" y="4191391"/>
+                <a:ext cx="356188" cy="523220"/>
+              </a:xfrm>
+              <a:prstGeom prst="rect">
+                <a:avLst/>
+              </a:prstGeom>
+            </p:spPr>
+            <p:txBody>
+              <a:bodyPr wrap="none">
+                <a:spAutoFit/>
+              </a:bodyPr>
+              <a:lstStyle/>
+              <a:p>
+                <a:r>
+                  <a:rPr lang="de-DE" sz="2800" dirty="0"/>
+                  <a:t>a</a:t>
+                </a:r>
+              </a:p>
+            </p:txBody>
+          </p:sp>
+          <p:sp>
+            <p:nvSpPr>
+              <p:cNvPr id="16" name="Rechteck 15"/>
+              <p:cNvSpPr/>
+              <p:nvPr/>
+            </p:nvSpPr>
+            <p:spPr>
+              <a:xfrm>
+                <a:off x="5722180" y="5653743"/>
+                <a:ext cx="373820" cy="523220"/>
+              </a:xfrm>
+              <a:prstGeom prst="rect">
+                <a:avLst/>
+              </a:prstGeom>
+            </p:spPr>
+            <p:txBody>
+              <a:bodyPr wrap="none">
+                <a:spAutoFit/>
+              </a:bodyPr>
+              <a:lstStyle/>
+              <a:p>
+                <a:r>
+                  <a:rPr lang="de-DE" sz="2800" dirty="0"/>
+                  <a:t>b</a:t>
+                </a:r>
+              </a:p>
+            </p:txBody>
+          </p:sp>
+          <p:sp>
+            <p:nvSpPr>
+              <p:cNvPr id="17" name="Rechteck 16"/>
+              <p:cNvSpPr/>
+              <p:nvPr/>
+            </p:nvSpPr>
+            <p:spPr>
+              <a:xfrm>
+                <a:off x="3885615" y="5015913"/>
+                <a:ext cx="312542" cy="532813"/>
+              </a:xfrm>
+              <a:prstGeom prst="rect">
+                <a:avLst/>
+              </a:prstGeom>
+            </p:spPr>
+            <p:txBody>
+              <a:bodyPr wrap="none">
+                <a:spAutoFit/>
+              </a:bodyPr>
+              <a:lstStyle/>
+              <a:p>
+                <a:r>
+                  <a:rPr lang="de-DE" sz="2800" dirty="0" smtClean="0">
+                    <a:solidFill>
+                      <a:srgbClr val="00B050"/>
+                    </a:solidFill>
+                  </a:rPr>
+                  <a:t>c</a:t>
+                </a:r>
+                <a:endParaRPr lang="de-DE" sz="2800" dirty="0"/>
+              </a:p>
+            </p:txBody>
+          </p:sp>
+          <p:sp>
+            <p:nvSpPr>
+              <p:cNvPr id="18" name="Ellipse 17"/>
+              <p:cNvSpPr/>
+              <p:nvPr/>
+            </p:nvSpPr>
+            <p:spPr>
+              <a:xfrm rot="2996905">
+                <a:off x="3405675" y="4062361"/>
+                <a:ext cx="1272422" cy="2476507"/>
+              </a:xfrm>
+              <a:prstGeom prst="ellipse">
+                <a:avLst/>
+              </a:prstGeom>
+              <a:noFill/>
+              <a:ln w="28575">
+                <a:solidFill>
+                  <a:srgbClr val="00B050"/>
+                </a:solidFill>
+                <a:prstDash val="dash"/>
+              </a:ln>
+            </p:spPr>
+            <p:style>
+              <a:lnRef idx="2">
+                <a:schemeClr val="accent1">
+                  <a:shade val="50000"/>
+                </a:schemeClr>
+              </a:lnRef>
+              <a:fillRef idx="1">
+                <a:schemeClr val="accent1"/>
+              </a:fillRef>
+              <a:effectRef idx="0">
+                <a:schemeClr val="accent1"/>
+              </a:effectRef>
+              <a:fontRef idx="minor">
+                <a:schemeClr val="lt1"/>
+              </a:fontRef>
+            </p:style>
+            <p:txBody>
+              <a:bodyPr rtlCol="0" anchor="ctr"/>
+              <a:lstStyle/>
+              <a:p>
+                <a:pPr algn="ctr"/>
+                <a:endParaRPr lang="de-DE"/>
+              </a:p>
+            </p:txBody>
+          </p:sp>
+          <p:sp>
+            <p:nvSpPr>
+              <p:cNvPr id="20" name="Textfeld 19"/>
+              <p:cNvSpPr txBox="1"/>
+              <p:nvPr/>
+            </p:nvSpPr>
+            <p:spPr>
+              <a:xfrm>
+                <a:off x="850669" y="4191391"/>
+                <a:ext cx="961802" cy="369332"/>
+              </a:xfrm>
+              <a:prstGeom prst="rect">
+                <a:avLst/>
+              </a:prstGeom>
+              <a:noFill/>
+            </p:spPr>
+            <p:txBody>
+              <a:bodyPr wrap="none" rtlCol="0">
+                <a:spAutoFit/>
+              </a:bodyPr>
+              <a:lstStyle/>
+              <a:p>
+                <a:r>
+                  <a:rPr lang="de-DE" dirty="0" err="1" smtClean="0"/>
+                  <a:t>Geschw</a:t>
+                </a:r>
+                <a:r>
+                  <a:rPr lang="de-DE" dirty="0" smtClean="0"/>
+                  <a:t>.</a:t>
+                </a:r>
+                <a:endParaRPr lang="de-DE" dirty="0"/>
+              </a:p>
+            </p:txBody>
+          </p:sp>
+          <p:sp>
+            <p:nvSpPr>
+              <p:cNvPr id="21" name="Textfeld 20"/>
+              <p:cNvSpPr txBox="1"/>
+              <p:nvPr/>
+            </p:nvSpPr>
+            <p:spPr>
+              <a:xfrm>
+                <a:off x="5212232" y="6368142"/>
+                <a:ext cx="1019895" cy="369332"/>
+              </a:xfrm>
+              <a:prstGeom prst="rect">
+                <a:avLst/>
+              </a:prstGeom>
+              <a:noFill/>
+            </p:spPr>
+            <p:txBody>
+              <a:bodyPr wrap="none" rtlCol="0">
+                <a:spAutoFit/>
+              </a:bodyPr>
+              <a:lstStyle/>
+              <a:p>
+                <a:r>
+                  <a:rPr lang="de-DE" dirty="0" smtClean="0"/>
+                  <a:t>Präzision</a:t>
+                </a:r>
+                <a:endParaRPr lang="de-DE" dirty="0"/>
+              </a:p>
+            </p:txBody>
+          </p:sp>
+        </p:grpSp>
+        <p:sp>
+          <p:nvSpPr>
+            <p:cNvPr id="23" name="Rechteck 22"/>
+            <p:cNvSpPr/>
+            <p:nvPr/>
+          </p:nvSpPr>
+          <p:spPr>
+            <a:xfrm>
+              <a:off x="6386167" y="3823232"/>
+              <a:ext cx="351378" cy="523220"/>
+            </a:xfrm>
+            <a:prstGeom prst="rect">
+              <a:avLst/>
+            </a:prstGeom>
+          </p:spPr>
+          <p:txBody>
+            <a:bodyPr wrap="none">
+              <a:spAutoFit/>
+            </a:bodyPr>
+            <a:lstStyle/>
+            <a:p>
+              <a:r>
+                <a:rPr lang="de-DE" sz="2800" dirty="0">
+                  <a:solidFill>
+                    <a:srgbClr val="00B050"/>
+                  </a:solidFill>
+                </a:rPr>
+                <a:t>?</a:t>
+              </a:r>
+              <a:endParaRPr lang="de-DE" sz="2800" dirty="0"/>
+            </a:p>
+          </p:txBody>
+        </p:sp>
+      </p:grpSp>
     </p:spTree>
     <p:extLst>
       <p:ext uri="{BB962C8B-B14F-4D97-AF65-F5344CB8AC3E}">
@@ -9251,6 +9554,51 @@
                       </p:childTnLst>
                     </p:cTn>
                   </p:par>
+                  <p:par>
+                    <p:cTn id="15" fill="hold">
+                      <p:stCondLst>
+                        <p:cond delay="indefinite"/>
+                      </p:stCondLst>
+                      <p:childTnLst>
+                        <p:par>
+                          <p:cTn id="16" fill="hold">
+                            <p:stCondLst>
+                              <p:cond delay="0"/>
+                            </p:stCondLst>
+                            <p:childTnLst>
+                              <p:par>
+                                <p:cTn id="17" presetID="1" presetClass="entr" presetSubtype="0" fill="hold" nodeType="clickEffect">
+                                  <p:stCondLst>
+                                    <p:cond delay="0"/>
+                                  </p:stCondLst>
+                                  <p:childTnLst>
+                                    <p:set>
+                                      <p:cBhvr>
+                                        <p:cTn id="18" dur="1" fill="hold">
+                                          <p:stCondLst>
+                                            <p:cond delay="0"/>
+                                          </p:stCondLst>
+                                        </p:cTn>
+                                        <p:tgtEl>
+                                          <p:spTgt spid="24"/>
+                                        </p:tgtEl>
+                                        <p:attrNameLst>
+                                          <p:attrName>style.visibility</p:attrName>
+                                        </p:attrNameLst>
+                                      </p:cBhvr>
+                                      <p:to>
+                                        <p:strVal val="visible"/>
+                                      </p:to>
+                                    </p:set>
+                                  </p:childTnLst>
+                                </p:cTn>
+                              </p:par>
+                            </p:childTnLst>
+                          </p:cTn>
+                        </p:par>
+                      </p:childTnLst>
+                    </p:cTn>
+                  </p:par>
                 </p:childTnLst>
               </p:cTn>
               <p:prevCondLst>
@@ -9376,15 +9724,7 @@
                   <a:srgbClr val="00B050"/>
                 </a:solidFill>
               </a:rPr>
-              <a:t>„Floating Point Expansion</a:t>
-            </a:r>
-            <a:r>
-              <a:rPr lang="de-DE" dirty="0" smtClean="0">
-                <a:solidFill>
-                  <a:srgbClr val="00B050"/>
-                </a:solidFill>
-              </a:rPr>
-              <a:t>“</a:t>
+              <a:t>„Floating Point Expansion“</a:t>
             </a:r>
           </a:p>
           <a:p>
@@ -10243,19 +10583,7 @@
             </a:pPr>
             <a:r>
               <a:rPr lang="de-DE" dirty="0" smtClean="0"/>
-              <a:t>	⟶ </a:t>
-            </a:r>
-            <a:r>
-              <a:rPr lang="de-DE" dirty="0" smtClean="0"/>
-              <a:t>Berechnung</a:t>
-            </a:r>
-            <a:r>
-              <a:rPr lang="de-DE" dirty="0" smtClean="0"/>
-              <a:t> </a:t>
-            </a:r>
-            <a:r>
-              <a:rPr lang="de-DE" dirty="0" smtClean="0"/>
-              <a:t>des Rundungsfehlers</a:t>
+              <a:t>	⟶ Berechnung des Rundungsfehlers</a:t>
             </a:r>
           </a:p>
           <a:p>
@@ -10685,7 +11013,131 @@
             </a:r>
             <a:r>
               <a:rPr lang="de-DE" dirty="0" smtClean="0"/>
-              <a:t>⟶ Berechnung von y, sodass a + b = x + y und x = a ⊕ b</a:t>
+              <a:t>⟶ Berechnung von </a:t>
+            </a:r>
+            <a:r>
+              <a:rPr lang="de-DE" b="1" dirty="0" smtClean="0">
+                <a:solidFill>
+                  <a:srgbClr val="0070C0"/>
+                </a:solidFill>
+              </a:rPr>
+              <a:t>y</a:t>
+            </a:r>
+            <a:r>
+              <a:rPr lang="de-DE" dirty="0" smtClean="0"/>
+              <a:t>, sodass </a:t>
+            </a:r>
+            <a:r>
+              <a:rPr lang="de-DE" b="1" dirty="0" smtClean="0">
+                <a:solidFill>
+                  <a:srgbClr val="0070C0"/>
+                </a:solidFill>
+              </a:rPr>
+              <a:t>a</a:t>
+            </a:r>
+            <a:r>
+              <a:rPr lang="de-DE" dirty="0" smtClean="0"/>
+              <a:t> + </a:t>
+            </a:r>
+            <a:r>
+              <a:rPr lang="de-DE" b="1" dirty="0" smtClean="0">
+                <a:solidFill>
+                  <a:srgbClr val="0070C0"/>
+                </a:solidFill>
+              </a:rPr>
+              <a:t>b</a:t>
+            </a:r>
+            <a:r>
+              <a:rPr lang="de-DE" dirty="0" smtClean="0"/>
+              <a:t> = </a:t>
+            </a:r>
+            <a:r>
+              <a:rPr lang="de-DE" b="1" dirty="0" smtClean="0">
+                <a:solidFill>
+                  <a:srgbClr val="0070C0"/>
+                </a:solidFill>
+              </a:rPr>
+              <a:t>x</a:t>
+            </a:r>
+            <a:r>
+              <a:rPr lang="de-DE" dirty="0" smtClean="0">
+                <a:solidFill>
+                  <a:srgbClr val="0070C0"/>
+                </a:solidFill>
+              </a:rPr>
+              <a:t> </a:t>
+            </a:r>
+            <a:r>
+              <a:rPr lang="de-DE" dirty="0" smtClean="0"/>
+              <a:t>+ </a:t>
+            </a:r>
+            <a:r>
+              <a:rPr lang="de-DE" b="1" dirty="0" smtClean="0">
+                <a:solidFill>
+                  <a:srgbClr val="0070C0"/>
+                </a:solidFill>
+              </a:rPr>
+              <a:t>y</a:t>
+            </a:r>
+            <a:r>
+              <a:rPr lang="de-DE" dirty="0" smtClean="0">
+                <a:solidFill>
+                  <a:srgbClr val="0070C0"/>
+                </a:solidFill>
+              </a:rPr>
+              <a:t> </a:t>
+            </a:r>
+            <a:r>
+              <a:rPr lang="de-DE" dirty="0" smtClean="0"/>
+              <a:t>und </a:t>
+            </a:r>
+            <a:r>
+              <a:rPr lang="de-DE" b="1" dirty="0" smtClean="0">
+                <a:solidFill>
+                  <a:srgbClr val="0070C0"/>
+                </a:solidFill>
+              </a:rPr>
+              <a:t>x</a:t>
+            </a:r>
+            <a:r>
+              <a:rPr lang="de-DE" dirty="0" smtClean="0">
+                <a:solidFill>
+                  <a:srgbClr val="0070C0"/>
+                </a:solidFill>
+              </a:rPr>
+              <a:t> </a:t>
+            </a:r>
+            <a:r>
+              <a:rPr lang="de-DE" dirty="0" smtClean="0"/>
+              <a:t>= </a:t>
+            </a:r>
+            <a:r>
+              <a:rPr lang="de-DE" b="1" dirty="0" smtClean="0">
+                <a:solidFill>
+                  <a:srgbClr val="0070C0"/>
+                </a:solidFill>
+              </a:rPr>
+              <a:t>a</a:t>
+            </a:r>
+            <a:r>
+              <a:rPr lang="de-DE" dirty="0" smtClean="0">
+                <a:solidFill>
+                  <a:srgbClr val="0070C0"/>
+                </a:solidFill>
+              </a:rPr>
+              <a:t> </a:t>
+            </a:r>
+            <a:r>
+              <a:rPr lang="de-DE" dirty="0" smtClean="0"/>
+              <a:t>⊕ </a:t>
+            </a:r>
+            <a:r>
+              <a:rPr lang="de-DE" b="1" dirty="0" smtClean="0">
+                <a:solidFill>
+                  <a:srgbClr val="0070C0"/>
+                </a:solidFill>
+              </a:rPr>
+              <a:t>b</a:t>
             </a:r>
           </a:p>
           <a:p>
@@ -11279,15 +11731,7 @@
           <a:p>
             <a:r>
               <a:rPr lang="de-DE" dirty="0" smtClean="0"/>
-              <a:t>Darstellung des exakten Werts </a:t>
-            </a:r>
-            <a:r>
-              <a:rPr lang="de-DE" dirty="0" smtClean="0"/>
-              <a:t>als Summe von</a:t>
-            </a:r>
-            <a:r>
-              <a:rPr lang="de-DE" dirty="0" smtClean="0"/>
-              <a:t> </a:t>
+              <a:t>Darstellung des exakten Werts als Summe von </a:t>
             </a:r>
             <a:r>
               <a:rPr lang="de-DE" i="1" dirty="0" err="1" smtClean="0"/>
@@ -11328,19 +11772,7 @@
           <a:p>
             <a:r>
               <a:rPr lang="de-DE" dirty="0" smtClean="0"/>
-              <a:t>Verschiedene </a:t>
-            </a:r>
-            <a:r>
-              <a:rPr lang="de-DE" dirty="0" smtClean="0"/>
-              <a:t>Ein</a:t>
-            </a:r>
-            <a:r>
-              <a:rPr lang="de-DE" dirty="0" smtClean="0"/>
-              <a:t>schränkungen </a:t>
-            </a:r>
-            <a:r>
-              <a:rPr lang="de-DE" dirty="0" smtClean="0"/>
-              <a:t>nötig</a:t>
+              <a:t>Verschiedene Einschränkungen nötig</a:t>
             </a:r>
           </a:p>
           <a:p>
@@ -11362,11 +11794,7 @@
             <a:pPr lvl="1"/>
             <a:r>
               <a:rPr lang="de-DE" dirty="0" smtClean="0"/>
-              <a:t>nicht-leere </a:t>
-            </a:r>
-            <a:r>
-              <a:rPr lang="de-DE" dirty="0" smtClean="0"/>
-              <a:t>Liste</a:t>
+              <a:t>nicht-leere Liste</a:t>
             </a:r>
           </a:p>
           <a:p>

--- a/Vortrag.pptx
+++ b/Vortrag.pptx
@@ -5,8 +5,11 @@
     <p:sldMasterId id="2147483648" r:id="rId1"/>
   </p:sldMasterIdLst>
   <p:notesMasterIdLst>
-    <p:notesMasterId r:id="rId22"/>
+    <p:notesMasterId r:id="rId21"/>
   </p:notesMasterIdLst>
+  <p:handoutMasterIdLst>
+    <p:handoutMasterId r:id="rId22"/>
+  </p:handoutMasterIdLst>
   <p:sldIdLst>
     <p:sldId id="256" r:id="rId2"/>
     <p:sldId id="258" r:id="rId3"/>
@@ -18,8 +21,8 @@
     <p:sldId id="263" r:id="rId9"/>
     <p:sldId id="264" r:id="rId10"/>
     <p:sldId id="265" r:id="rId11"/>
-    <p:sldId id="267" r:id="rId12"/>
-    <p:sldId id="274" r:id="rId13"/>
+    <p:sldId id="279" r:id="rId12"/>
+    <p:sldId id="267" r:id="rId13"/>
     <p:sldId id="268" r:id="rId14"/>
     <p:sldId id="269" r:id="rId15"/>
     <p:sldId id="270" r:id="rId16"/>
@@ -27,10 +30,9 @@
     <p:sldId id="271" r:id="rId18"/>
     <p:sldId id="272" r:id="rId19"/>
     <p:sldId id="277" r:id="rId20"/>
-    <p:sldId id="278" r:id="rId21"/>
   </p:sldIdLst>
   <p:sldSz cx="12192000" cy="6858000"/>
-  <p:notesSz cx="6858000" cy="9144000"/>
+  <p:notesSz cx="6858000" cy="9945688"/>
   <p:defaultTextStyle>
     <a:defPPr>
       <a:defRPr lang="de-DE"/>
@@ -146,6 +148,171 @@
 </p:cmAuthorLst>
 </file>
 
+<file path=ppt/handoutMasters/handoutMaster1.xml><?xml version="1.0" encoding="utf-8"?>
+<p:handoutMaster xmlns:a="http://schemas.openxmlformats.org/drawingml/2006/main" xmlns:r="http://schemas.openxmlformats.org/officeDocument/2006/relationships" xmlns:p="http://schemas.openxmlformats.org/presentationml/2006/main">
+  <p:cSld>
+    <p:bg>
+      <p:bgRef idx="1001">
+        <a:schemeClr val="bg1"/>
+      </p:bgRef>
+    </p:bg>
+    <p:spTree>
+      <p:nvGrpSpPr>
+        <p:cNvPr id="1" name=""/>
+        <p:cNvGrpSpPr/>
+        <p:nvPr/>
+      </p:nvGrpSpPr>
+      <p:grpSpPr>
+        <a:xfrm>
+          <a:off x="0" y="0"/>
+          <a:ext cx="0" cy="0"/>
+          <a:chOff x="0" y="0"/>
+          <a:chExt cx="0" cy="0"/>
+        </a:xfrm>
+      </p:grpSpPr>
+      <p:sp>
+        <p:nvSpPr>
+          <p:cNvPr id="2" name="Kopfzeilenplatzhalter 1"/>
+          <p:cNvSpPr>
+            <a:spLocks noGrp="1"/>
+          </p:cNvSpPr>
+          <p:nvPr>
+            <p:ph type="hdr" sz="quarter"/>
+          </p:nvPr>
+        </p:nvSpPr>
+        <p:spPr>
+          <a:xfrm>
+            <a:off x="0" y="0"/>
+            <a:ext cx="2971800" cy="499012"/>
+          </a:xfrm>
+          <a:prstGeom prst="rect">
+            <a:avLst/>
+          </a:prstGeom>
+        </p:spPr>
+        <p:txBody>
+          <a:bodyPr vert="horz" lIns="91440" tIns="45720" rIns="91440" bIns="45720" rtlCol="0"/>
+          <a:lstStyle>
+            <a:lvl1pPr algn="l">
+              <a:defRPr sz="1200"/>
+            </a:lvl1pPr>
+          </a:lstStyle>
+          <a:p>
+            <a:endParaRPr lang="de-DE"/>
+          </a:p>
+        </p:txBody>
+      </p:sp>
+      <p:sp>
+        <p:nvSpPr>
+          <p:cNvPr id="3" name="Datumsplatzhalter 2"/>
+          <p:cNvSpPr>
+            <a:spLocks noGrp="1"/>
+          </p:cNvSpPr>
+          <p:nvPr>
+            <p:ph type="dt" sz="quarter" idx="1"/>
+          </p:nvPr>
+        </p:nvSpPr>
+        <p:spPr>
+          <a:xfrm>
+            <a:off x="3884613" y="0"/>
+            <a:ext cx="2971800" cy="499012"/>
+          </a:xfrm>
+          <a:prstGeom prst="rect">
+            <a:avLst/>
+          </a:prstGeom>
+        </p:spPr>
+        <p:txBody>
+          <a:bodyPr vert="horz" lIns="91440" tIns="45720" rIns="91440" bIns="45720" rtlCol="0"/>
+          <a:lstStyle>
+            <a:lvl1pPr algn="r">
+              <a:defRPr sz="1200"/>
+            </a:lvl1pPr>
+          </a:lstStyle>
+          <a:p>
+            <a:fld id="{78492B88-4D6D-4D74-B533-28C6495BD1CB}" type="datetimeFigureOut">
+              <a:rPr lang="de-DE" smtClean="0"/>
+              <a:t>30.03.2016</a:t>
+            </a:fld>
+            <a:endParaRPr lang="de-DE"/>
+          </a:p>
+        </p:txBody>
+      </p:sp>
+      <p:sp>
+        <p:nvSpPr>
+          <p:cNvPr id="4" name="Fußzeilenplatzhalter 3"/>
+          <p:cNvSpPr>
+            <a:spLocks noGrp="1"/>
+          </p:cNvSpPr>
+          <p:nvPr>
+            <p:ph type="ftr" sz="quarter" idx="2"/>
+          </p:nvPr>
+        </p:nvSpPr>
+        <p:spPr>
+          <a:xfrm>
+            <a:off x="0" y="9446678"/>
+            <a:ext cx="2971800" cy="499011"/>
+          </a:xfrm>
+          <a:prstGeom prst="rect">
+            <a:avLst/>
+          </a:prstGeom>
+        </p:spPr>
+        <p:txBody>
+          <a:bodyPr vert="horz" lIns="91440" tIns="45720" rIns="91440" bIns="45720" rtlCol="0" anchor="b"/>
+          <a:lstStyle>
+            <a:lvl1pPr algn="l">
+              <a:defRPr sz="1200"/>
+            </a:lvl1pPr>
+          </a:lstStyle>
+          <a:p>
+            <a:endParaRPr lang="de-DE"/>
+          </a:p>
+        </p:txBody>
+      </p:sp>
+      <p:sp>
+        <p:nvSpPr>
+          <p:cNvPr id="5" name="Foliennummernplatzhalter 4"/>
+          <p:cNvSpPr>
+            <a:spLocks noGrp="1"/>
+          </p:cNvSpPr>
+          <p:nvPr>
+            <p:ph type="sldNum" sz="quarter" idx="3"/>
+          </p:nvPr>
+        </p:nvSpPr>
+        <p:spPr>
+          <a:xfrm>
+            <a:off x="3884613" y="9446678"/>
+            <a:ext cx="2971800" cy="499011"/>
+          </a:xfrm>
+          <a:prstGeom prst="rect">
+            <a:avLst/>
+          </a:prstGeom>
+        </p:spPr>
+        <p:txBody>
+          <a:bodyPr vert="horz" lIns="91440" tIns="45720" rIns="91440" bIns="45720" rtlCol="0" anchor="b"/>
+          <a:lstStyle>
+            <a:lvl1pPr algn="r">
+              <a:defRPr sz="1200"/>
+            </a:lvl1pPr>
+          </a:lstStyle>
+          <a:p>
+            <a:fld id="{40E0A2CD-B2B0-4785-8244-B28F1739B809}" type="slidenum">
+              <a:rPr lang="de-DE" smtClean="0"/>
+              <a:t>‹Nr.›</a:t>
+            </a:fld>
+            <a:endParaRPr lang="de-DE"/>
+          </a:p>
+        </p:txBody>
+      </p:sp>
+    </p:spTree>
+    <p:extLst>
+      <p:ext uri="{BB962C8B-B14F-4D97-AF65-F5344CB8AC3E}">
+        <p14:creationId xmlns:p14="http://schemas.microsoft.com/office/powerpoint/2010/main" val="1183811223"/>
+      </p:ext>
+    </p:extLst>
+  </p:cSld>
+  <p:clrMap bg1="lt1" tx1="dk1" bg2="lt2" tx2="dk2" accent1="accent1" accent2="accent2" accent3="accent3" accent4="accent4" accent5="accent5" accent6="accent6" hlink="hlink" folHlink="folHlink"/>
+</p:handoutMaster>
+</file>
+
 <file path=ppt/notesMasters/notesMaster1.xml><?xml version="1.0" encoding="utf-8"?>
 <p:notesMaster xmlns:a="http://schemas.openxmlformats.org/drawingml/2006/main" xmlns:r="http://schemas.openxmlformats.org/officeDocument/2006/relationships" xmlns:p="http://schemas.openxmlformats.org/presentationml/2006/main">
   <p:cSld>
@@ -181,7 +348,7 @@
         <p:spPr>
           <a:xfrm>
             <a:off x="0" y="0"/>
-            <a:ext cx="2971800" cy="458788"/>
+            <a:ext cx="2971800" cy="499012"/>
           </a:xfrm>
           <a:prstGeom prst="rect">
             <a:avLst/>
@@ -212,7 +379,7 @@
         <p:spPr>
           <a:xfrm>
             <a:off x="3884613" y="0"/>
-            <a:ext cx="2971800" cy="458788"/>
+            <a:ext cx="2971800" cy="499012"/>
           </a:xfrm>
           <a:prstGeom prst="rect">
             <a:avLst/>
@@ -246,8 +413,8 @@
         </p:nvSpPr>
         <p:spPr>
           <a:xfrm>
-            <a:off x="685800" y="1143000"/>
-            <a:ext cx="5486400" cy="3086100"/>
+            <a:off x="444500" y="1243013"/>
+            <a:ext cx="5969000" cy="3357562"/>
           </a:xfrm>
           <a:prstGeom prst="rect">
             <a:avLst/>
@@ -279,8 +446,8 @@
         </p:nvSpPr>
         <p:spPr>
           <a:xfrm>
-            <a:off x="685800" y="4400550"/>
-            <a:ext cx="5486400" cy="3600450"/>
+            <a:off x="685800" y="4786362"/>
+            <a:ext cx="5486400" cy="3916115"/>
           </a:xfrm>
           <a:prstGeom prst="rect">
             <a:avLst/>
@@ -339,8 +506,8 @@
         </p:nvSpPr>
         <p:spPr>
           <a:xfrm>
-            <a:off x="0" y="8685213"/>
-            <a:ext cx="2971800" cy="458787"/>
+            <a:off x="0" y="9446678"/>
+            <a:ext cx="2971800" cy="499011"/>
           </a:xfrm>
           <a:prstGeom prst="rect">
             <a:avLst/>
@@ -370,8 +537,8 @@
         </p:nvSpPr>
         <p:spPr>
           <a:xfrm>
-            <a:off x="3884613" y="8685213"/>
-            <a:ext cx="2971800" cy="458787"/>
+            <a:off x="3884613" y="9446678"/>
+            <a:ext cx="2971800" cy="499011"/>
           </a:xfrm>
           <a:prstGeom prst="rect">
             <a:avLst/>
@@ -636,27 +803,25 @@
           <a:p>
             <a:r>
               <a:rPr lang="de-DE" baseline="0" dirty="0" smtClean="0"/>
-              <a:t>1.: Mit Hinzufügen meine ich dazu addieren, und zwar nur unter Benutzung der IEEE Operationen (rundungsbehaftet) wg. Geschwindigkeit</a:t>
-            </a:r>
-          </a:p>
-          <a:p>
+              <a:t>1.: Mit Hinzufügen meine ich dazu addieren, und zwar nur unter Benutzung der IEEE Operationen (rundungsbehaftet) wg</a:t>
+            </a:r>
+            <a:r>
+              <a:rPr lang="de-DE" baseline="0" smtClean="0"/>
+              <a:t>. </a:t>
+            </a:r>
+            <a:r>
+              <a:rPr lang="de-DE" baseline="0" smtClean="0"/>
+              <a:t>Geschwindigkeit</a:t>
+            </a:r>
+          </a:p>
+          <a:p>
+            <a:r>
+              <a:rPr lang="de-DE" baseline="0" smtClean="0"/>
+              <a:t>2</a:t>
+            </a:r>
             <a:r>
               <a:rPr lang="de-DE" baseline="0" dirty="0" smtClean="0"/>
-              <a:t>TODO: </a:t>
-            </a:r>
-            <a:r>
-              <a:rPr lang="de-DE" baseline="0" dirty="0" err="1" smtClean="0"/>
-              <a:t>fold</a:t>
-            </a:r>
-            <a:r>
-              <a:rPr lang="de-DE" baseline="0" dirty="0" smtClean="0"/>
-              <a:t> einfügen „bspw. so:“</a:t>
-            </a:r>
-          </a:p>
-          <a:p>
-            <a:r>
-              <a:rPr lang="de-DE" baseline="0" dirty="0" smtClean="0"/>
-              <a:t>2.: Laufzeitkomplexität von </a:t>
+              <a:t>.: Laufzeitkomplexität von </a:t>
             </a:r>
             <a:r>
               <a:rPr lang="de-DE" baseline="0" dirty="0" err="1" smtClean="0"/>
@@ -867,6 +1032,10 @@
             <a:endParaRPr lang="de-DE" dirty="0" smtClean="0"/>
           </a:p>
           <a:p>
+            <a:r>
+              <a:rPr lang="de-DE" dirty="0" smtClean="0"/>
+              <a:t>(1, 2)</a:t>
+            </a:r>
             <a:endParaRPr lang="de-DE" dirty="0" smtClean="0"/>
           </a:p>
           <a:p>
@@ -901,32 +1070,27 @@
           <a:p>
             <a:r>
               <a:rPr lang="de-DE" baseline="0" dirty="0" smtClean="0"/>
-              <a:t>es nach betragsmäßig</a:t>
-            </a:r>
-            <a:endParaRPr lang="de-DE" dirty="0" smtClean="0"/>
-          </a:p>
-          <a:p>
-            <a:r>
-              <a:rPr lang="de-DE" dirty="0" smtClean="0"/>
-              <a:t>TODO:</a:t>
+              <a:t>Ab sofort fordern wir die betragsmäßig absteigende Sortierung, damit die neue Approximation die Information aller </a:t>
+            </a:r>
+            <a:r>
+              <a:rPr lang="de-DE" baseline="0" dirty="0" err="1" smtClean="0"/>
+              <a:t>TwoSum</a:t>
             </a:r>
             <a:r>
               <a:rPr lang="de-DE" baseline="0" dirty="0" smtClean="0"/>
-              <a:t> Kommentar (s. Zettel)</a:t>
-            </a:r>
-          </a:p>
-          <a:p>
+              <a:t>-Boxen vereint</a:t>
+            </a:r>
+          </a:p>
+          <a:p>
+            <a:r>
+              <a:rPr lang="de-DE" baseline="0" dirty="0" err="1" smtClean="0"/>
+              <a:t>TwoSum</a:t>
+            </a:r>
             <a:r>
               <a:rPr lang="de-DE" baseline="0" dirty="0" smtClean="0"/>
-              <a:t>TODO: a‘ statt a, es‘ statt es, „Funktionsaufruf“</a:t>
-            </a:r>
-          </a:p>
-          <a:p>
-            <a:r>
-              <a:rPr lang="de-DE" baseline="0" dirty="0" err="1" smtClean="0"/>
-              <a:t>Tupelklammern</a:t>
-            </a:r>
-            <a:endParaRPr lang="de-DE" dirty="0"/>
+              <a:t>-Box links groß unten klein</a:t>
+            </a:r>
+            <a:endParaRPr lang="de-DE" baseline="0" dirty="0" smtClean="0"/>
           </a:p>
         </p:txBody>
       </p:sp>
@@ -956,7 +1120,7 @@
     </p:spTree>
     <p:extLst>
       <p:ext uri="{BB962C8B-B14F-4D97-AF65-F5344CB8AC3E}">
-        <p14:creationId xmlns:p14="http://schemas.microsoft.com/office/powerpoint/2010/main" val="223999151"/>
+        <p14:creationId xmlns:p14="http://schemas.microsoft.com/office/powerpoint/2010/main" val="2451759036"/>
       </p:ext>
     </p:extLst>
   </p:cSld>
@@ -1012,9 +1176,155 @@
           <a:p>
             <a:r>
               <a:rPr lang="de-DE" dirty="0" smtClean="0"/>
-              <a:t>TODO</a:t>
-            </a:r>
-            <a:endParaRPr lang="de-DE" dirty="0"/>
+              <a:t>Erste Idee: Neuen </a:t>
+            </a:r>
+            <a:r>
+              <a:rPr lang="de-DE" i="1" dirty="0" err="1" smtClean="0"/>
+              <a:t>float</a:t>
+            </a:r>
+            <a:r>
+              <a:rPr lang="de-DE" dirty="0" smtClean="0"/>
+              <a:t>-Wert einfach an Liste anhängen</a:t>
+            </a:r>
+          </a:p>
+          <a:p>
+            <a:r>
+              <a:rPr lang="de-DE" dirty="0" smtClean="0"/>
+              <a:t>Problem: Liste nach jeder </a:t>
+            </a:r>
+            <a:r>
+              <a:rPr lang="de-DE" i="1" dirty="0" err="1" smtClean="0"/>
+              <a:t>mpf</a:t>
+            </a:r>
+            <a:r>
+              <a:rPr lang="de-DE" dirty="0" smtClean="0"/>
+              <a:t>-Operation länger</a:t>
+            </a:r>
+          </a:p>
+          <a:p>
+            <a:pPr marL="0" indent="0">
+              <a:buNone/>
+            </a:pPr>
+            <a:r>
+              <a:rPr lang="de-DE" dirty="0" smtClean="0"/>
+              <a:t>	 ⟶ Aussage über </a:t>
+            </a:r>
+            <a:r>
+              <a:rPr lang="de-DE" i="1" dirty="0" err="1" smtClean="0"/>
+              <a:t>mpf</a:t>
+            </a:r>
+            <a:r>
+              <a:rPr lang="de-DE" dirty="0" smtClean="0"/>
+              <a:t>-Wert schlecht möglich</a:t>
+            </a:r>
+          </a:p>
+          <a:p>
+            <a:r>
+              <a:rPr lang="de-DE" dirty="0" smtClean="0"/>
+              <a:t>Also: Zusammenführen/Auslöschen von Fehlern mittels </a:t>
+            </a:r>
+            <a:r>
+              <a:rPr lang="de-DE" i="1" dirty="0" err="1" smtClean="0"/>
+              <a:t>TwoSum</a:t>
+            </a:r>
+            <a:r>
+              <a:rPr lang="de-DE" i="1" dirty="0" smtClean="0"/>
+              <a:t> ─ </a:t>
+            </a:r>
+            <a:r>
+              <a:rPr lang="de-DE" dirty="0" smtClean="0"/>
+              <a:t>rundungsfrei</a:t>
+            </a:r>
+            <a:endParaRPr lang="de-DE" i="1" dirty="0" smtClean="0"/>
+          </a:p>
+          <a:p>
+            <a:pPr marL="0" indent="0">
+              <a:buNone/>
+            </a:pPr>
+            <a:r>
+              <a:rPr lang="de-DE" i="1" dirty="0" smtClean="0"/>
+              <a:t>	</a:t>
+            </a:r>
+            <a:r>
+              <a:rPr lang="de-DE" dirty="0" smtClean="0"/>
+              <a:t>(Berechnung </a:t>
+            </a:r>
+            <a:r>
+              <a:rPr lang="de-DE" i="1" dirty="0" err="1" smtClean="0"/>
+              <a:t>TwoSum</a:t>
+            </a:r>
+            <a:r>
+              <a:rPr lang="de-DE" i="1" dirty="0" smtClean="0"/>
+              <a:t>: </a:t>
+            </a:r>
+            <a:r>
+              <a:rPr lang="de-DE" i="1" dirty="0" err="1" smtClean="0"/>
+              <a:t>float</a:t>
+            </a:r>
+            <a:r>
+              <a:rPr lang="de-DE" dirty="0" smtClean="0"/>
+              <a:t> y, sodass a + b = x + y und x = a ⊕ b)</a:t>
+            </a:r>
+          </a:p>
+          <a:p>
+            <a:endParaRPr lang="de-DE" dirty="0" smtClean="0"/>
+          </a:p>
+          <a:p>
+            <a:r>
+              <a:rPr lang="de-DE" dirty="0" smtClean="0"/>
+              <a:t>(1, 2)</a:t>
+            </a:r>
+            <a:endParaRPr lang="de-DE" dirty="0" smtClean="0"/>
+          </a:p>
+          <a:p>
+            <a:endParaRPr lang="de-DE" dirty="0" smtClean="0"/>
+          </a:p>
+          <a:p>
+            <a:r>
+              <a:rPr lang="de-DE" dirty="0" smtClean="0"/>
+              <a:t>F</a:t>
+            </a:r>
+            <a:r>
+              <a:rPr lang="de-DE" baseline="0" dirty="0" smtClean="0"/>
+              <a:t> wird zum </a:t>
+            </a:r>
+            <a:r>
+              <a:rPr lang="de-DE" baseline="0" dirty="0" err="1" smtClean="0"/>
+              <a:t>mpf</a:t>
+            </a:r>
+            <a:r>
+              <a:rPr lang="de-DE" baseline="0" dirty="0" smtClean="0"/>
+              <a:t> (</a:t>
+            </a:r>
+            <a:r>
+              <a:rPr lang="de-DE" baseline="0" dirty="0" err="1" smtClean="0"/>
+              <a:t>as</a:t>
+            </a:r>
+            <a:r>
+              <a:rPr lang="de-DE" baseline="0" dirty="0" smtClean="0"/>
+              <a:t>, e) hinzugefügt</a:t>
+            </a:r>
+          </a:p>
+          <a:p>
+            <a:r>
+              <a:rPr lang="de-DE" baseline="0" dirty="0" smtClean="0"/>
+              <a:t>es </a:t>
+            </a:r>
+            <a:r>
+              <a:rPr lang="de-DE" baseline="0" dirty="0" smtClean="0"/>
+              <a:t>betragsmäßig absteigend sortiert</a:t>
+            </a:r>
+          </a:p>
+          <a:p>
+            <a:r>
+              <a:rPr lang="de-DE" baseline="0" dirty="0" err="1" smtClean="0"/>
+              <a:t>TwoSum</a:t>
+            </a:r>
+            <a:r>
+              <a:rPr lang="de-DE" baseline="0" dirty="0" smtClean="0"/>
+              <a:t>-Box links groß unten klein</a:t>
+            </a:r>
+            <a:endParaRPr lang="de-DE" baseline="0" dirty="0" smtClean="0"/>
           </a:p>
         </p:txBody>
       </p:sp>
@@ -1044,7 +1354,7 @@
     </p:spTree>
     <p:extLst>
       <p:ext uri="{BB962C8B-B14F-4D97-AF65-F5344CB8AC3E}">
-        <p14:creationId xmlns:p14="http://schemas.microsoft.com/office/powerpoint/2010/main" val="2985053051"/>
+        <p14:creationId xmlns:p14="http://schemas.microsoft.com/office/powerpoint/2010/main" val="223999151"/>
       </p:ext>
     </p:extLst>
   </p:cSld>
@@ -1098,25 +1408,6 @@
           <a:bodyPr/>
           <a:lstStyle/>
           <a:p>
-            <a:endParaRPr lang="de-DE" dirty="0" smtClean="0"/>
-          </a:p>
-          <a:p>
-            <a:r>
-              <a:rPr lang="de-DE" i="1" dirty="0" err="1" smtClean="0"/>
-              <a:t>Todo</a:t>
-            </a:r>
-            <a:r>
-              <a:rPr lang="de-DE" i="1" dirty="0" smtClean="0"/>
-              <a:t>:</a:t>
-            </a:r>
-            <a:r>
-              <a:rPr lang="de-DE" i="1" baseline="0" dirty="0" smtClean="0"/>
-              <a:t> ersten Punkt </a:t>
-            </a:r>
-            <a:r>
-              <a:rPr lang="de-DE" i="1" baseline="0" dirty="0" smtClean="0"/>
-              <a:t>umformulieren, Bild</a:t>
-            </a:r>
             <a:endParaRPr lang="de-DE" i="1" dirty="0" smtClean="0"/>
           </a:p>
           <a:p>
@@ -1410,6 +1701,10 @@
             </a:r>
           </a:p>
           <a:p>
+            <a:r>
+              <a:rPr lang="de-DE" baseline="0" smtClean="0"/>
+              <a:t>(2 vor)</a:t>
+            </a:r>
             <a:endParaRPr lang="de-DE" baseline="0" dirty="0" smtClean="0"/>
           </a:p>
           <a:p>
@@ -1517,24 +1812,21 @@
           <a:p>
             <a:r>
               <a:rPr lang="de-DE" dirty="0" smtClean="0"/>
-              <a:t>1.: ⟶ Ausgabe nicht möglich</a:t>
-            </a:r>
-          </a:p>
-          <a:p>
-            <a:r>
-              <a:rPr lang="de-DE" dirty="0" smtClean="0"/>
-              <a:t>TODO:</a:t>
-            </a:r>
-            <a:r>
-              <a:rPr lang="de-DE" baseline="0" dirty="0" smtClean="0"/>
-              <a:t> Versionsnummer</a:t>
-            </a:r>
-            <a:endParaRPr lang="de-DE" dirty="0" smtClean="0"/>
-          </a:p>
-          <a:p>
-            <a:r>
-              <a:rPr lang="de-DE" dirty="0" smtClean="0"/>
-              <a:t>2.:</a:t>
+              <a:t>1.: ⟶ Ausgabe nicht </a:t>
+            </a:r>
+            <a:r>
+              <a:rPr lang="de-DE" dirty="0" smtClean="0"/>
+              <a:t>möglich</a:t>
+            </a:r>
+          </a:p>
+          <a:p>
+            <a:r>
+              <a:rPr lang="de-DE" dirty="0" smtClean="0"/>
+              <a:t>2</a:t>
+            </a:r>
+            <a:r>
+              <a:rPr lang="de-DE" dirty="0" smtClean="0"/>
+              <a:t>.:</a:t>
             </a:r>
             <a:r>
               <a:rPr lang="de-DE" baseline="0" dirty="0" smtClean="0"/>
@@ -1814,15 +2106,15 @@
           <a:p>
             <a:r>
               <a:rPr lang="de-DE" baseline="0" dirty="0" smtClean="0"/>
-              <a:t>3. z.B. Vergleich mit den </a:t>
-            </a:r>
-            <a:r>
-              <a:rPr lang="de-DE" baseline="0" dirty="0" err="1" smtClean="0"/>
-              <a:t>sw_floats</a:t>
+              <a:t>3. z.B. Vergleich mit </a:t>
+            </a:r>
+            <a:r>
+              <a:rPr lang="de-DE" baseline="0" smtClean="0"/>
+              <a:t>den erwähnten sw_floats </a:t>
             </a:r>
             <a:r>
               <a:rPr lang="de-DE" baseline="0" dirty="0" smtClean="0"/>
-              <a:t> aus </a:t>
+              <a:t>aus </a:t>
             </a:r>
             <a:r>
               <a:rPr lang="de-DE" baseline="0" dirty="0" err="1" smtClean="0"/>
@@ -1830,7 +2122,7 @@
             </a:r>
             <a:r>
               <a:rPr lang="de-DE" baseline="0" dirty="0" smtClean="0"/>
-              <a:t> an. Dieser Datentyp kann mehr Zahlen darstellen, benutzt aber die hardwareimplementierten </a:t>
+              <a:t>. Dieser Datentyp kann mehr Zahlen darstellen, benutzt aber die hardwareimplementierten </a:t>
             </a:r>
             <a:r>
               <a:rPr lang="de-DE" baseline="0" dirty="0" err="1" smtClean="0"/>
@@ -1845,13 +2137,6 @@
             <a:r>
               <a:rPr lang="de-DE" b="0" baseline="0" dirty="0" smtClean="0"/>
               <a:t>	Ergebnis vermutlich abhängig von Architektur</a:t>
-            </a:r>
-            <a:endParaRPr lang="de-DE" b="0" baseline="0" dirty="0" smtClean="0"/>
-          </a:p>
-          <a:p>
-            <a:r>
-              <a:rPr lang="de-DE" baseline="0" dirty="0" smtClean="0"/>
-              <a:t>TODO: Kommentare</a:t>
             </a:r>
             <a:endParaRPr lang="de-DE" dirty="0"/>
           </a:p>
@@ -2122,90 +2407,6 @@
 </p:notes>
 </file>
 
-<file path=ppt/notesSlides/notesSlide20.xml><?xml version="1.0" encoding="utf-8"?>
-<p:notes xmlns:a="http://schemas.openxmlformats.org/drawingml/2006/main" xmlns:r="http://schemas.openxmlformats.org/officeDocument/2006/relationships" xmlns:p="http://schemas.openxmlformats.org/presentationml/2006/main">
-  <p:cSld>
-    <p:spTree>
-      <p:nvGrpSpPr>
-        <p:cNvPr id="1" name=""/>
-        <p:cNvGrpSpPr/>
-        <p:nvPr/>
-      </p:nvGrpSpPr>
-      <p:grpSpPr>
-        <a:xfrm>
-          <a:off x="0" y="0"/>
-          <a:ext cx="0" cy="0"/>
-          <a:chOff x="0" y="0"/>
-          <a:chExt cx="0" cy="0"/>
-        </a:xfrm>
-      </p:grpSpPr>
-      <p:sp>
-        <p:nvSpPr>
-          <p:cNvPr id="2" name="Folienbildplatzhalter 1"/>
-          <p:cNvSpPr>
-            <a:spLocks noGrp="1" noRot="1" noChangeAspect="1"/>
-          </p:cNvSpPr>
-          <p:nvPr>
-            <p:ph type="sldImg"/>
-          </p:nvPr>
-        </p:nvSpPr>
-        <p:spPr/>
-      </p:sp>
-      <p:sp>
-        <p:nvSpPr>
-          <p:cNvPr id="3" name="Notizenplatzhalter 2"/>
-          <p:cNvSpPr>
-            <a:spLocks noGrp="1"/>
-          </p:cNvSpPr>
-          <p:nvPr>
-            <p:ph type="body" idx="1"/>
-          </p:nvPr>
-        </p:nvSpPr>
-        <p:spPr/>
-        <p:txBody>
-          <a:bodyPr/>
-          <a:lstStyle/>
-          <a:p>
-            <a:endParaRPr lang="de-DE" dirty="0"/>
-          </a:p>
-        </p:txBody>
-      </p:sp>
-      <p:sp>
-        <p:nvSpPr>
-          <p:cNvPr id="4" name="Foliennummernplatzhalter 3"/>
-          <p:cNvSpPr>
-            <a:spLocks noGrp="1"/>
-          </p:cNvSpPr>
-          <p:nvPr>
-            <p:ph type="sldNum" sz="quarter" idx="10"/>
-          </p:nvPr>
-        </p:nvSpPr>
-        <p:spPr/>
-        <p:txBody>
-          <a:bodyPr/>
-          <a:lstStyle/>
-          <a:p>
-            <a:fld id="{20B9A31A-7520-47FC-8BE6-F59185D08E66}" type="slidenum">
-              <a:rPr lang="de-DE" smtClean="0"/>
-              <a:t>20</a:t>
-            </a:fld>
-            <a:endParaRPr lang="de-DE"/>
-          </a:p>
-        </p:txBody>
-      </p:sp>
-    </p:spTree>
-    <p:extLst>
-      <p:ext uri="{BB962C8B-B14F-4D97-AF65-F5344CB8AC3E}">
-        <p14:creationId xmlns:p14="http://schemas.microsoft.com/office/powerpoint/2010/main" val="4058047833"/>
-      </p:ext>
-    </p:extLst>
-  </p:cSld>
-  <p:clrMapOvr>
-    <a:masterClrMapping/>
-  </p:clrMapOvr>
-</p:notes>
-</file>
-
 <file path=ppt/notesSlides/notesSlide3.xml><?xml version="1.0" encoding="utf-8"?>
 <p:notes xmlns:a="http://schemas.openxmlformats.org/drawingml/2006/main" xmlns:r="http://schemas.openxmlformats.org/officeDocument/2006/relationships" xmlns:p="http://schemas.openxmlformats.org/presentationml/2006/main">
   <p:cSld>
@@ -3041,18 +3242,13 @@
             </a:r>
             <a:r>
               <a:rPr lang="de-DE" baseline="0" dirty="0" smtClean="0"/>
-              <a:t> welches Format man konvertiert ist dabei egal, es muss nur eine rundungsfreies + bereitstellen</a:t>
-            </a:r>
-          </a:p>
-          <a:p>
+              <a:t> welches Format man konvertiert ist dabei egal, es muss nur eine rundungsfreies + </a:t>
+            </a:r>
+            <a:r>
+              <a:rPr lang="de-DE" baseline="0" dirty="0" smtClean="0"/>
+              <a:t>bereitstellen</a:t>
+            </a:r>
             <a:endParaRPr lang="de-DE" baseline="0" dirty="0" smtClean="0"/>
-          </a:p>
-          <a:p>
-            <a:r>
-              <a:rPr lang="de-DE" baseline="0" dirty="0" smtClean="0"/>
-              <a:t>TODO: Val + typ</a:t>
-            </a:r>
-            <a:endParaRPr lang="de-DE" dirty="0" smtClean="0"/>
           </a:p>
         </p:txBody>
       </p:sp>
@@ -3220,8 +3416,17 @@
           <a:p>
             <a:r>
               <a:rPr lang="de-DE" baseline="0" dirty="0" smtClean="0"/>
-              <a:t>TODO: Beispiel</a:t>
-            </a:r>
+              <a:t>(Tafel) ^ und </a:t>
+            </a:r>
+            <a:r>
+              <a:rPr lang="de-DE" baseline="0" dirty="0" err="1" smtClean="0"/>
+              <a:t>Tupelklammern</a:t>
+            </a:r>
+            <a:r>
+              <a:rPr lang="de-DE" baseline="0" dirty="0" smtClean="0"/>
+              <a:t> hinzufügen, weitere Ziffer</a:t>
+            </a:r>
+            <a:endParaRPr lang="de-DE" baseline="0" dirty="0" smtClean="0"/>
           </a:p>
         </p:txBody>
       </p:sp>
@@ -6332,10 +6537,41 @@
               <a:rPr lang="de-DE" dirty="0" err="1" smtClean="0"/>
               <a:t>s</a:t>
             </a:r>
+            <a:r>
+              <a:rPr lang="de-DE" dirty="0" smtClean="0"/>
+              <a:t>, z.B</a:t>
+            </a:r>
+            <a:r>
+              <a:rPr lang="de-DE" dirty="0" smtClean="0"/>
+              <a:t>.:</a:t>
+            </a:r>
             <a:endParaRPr lang="de-DE" dirty="0" smtClean="0"/>
           </a:p>
         </p:txBody>
       </p:sp>
+      <p:pic>
+        <p:nvPicPr>
+          <p:cNvPr id="4" name="Grafik 3"/>
+          <p:cNvPicPr>
+            <a:picLocks noChangeAspect="1"/>
+          </p:cNvPicPr>
+          <p:nvPr/>
+        </p:nvPicPr>
+        <p:blipFill rotWithShape="1">
+          <a:blip r:embed="rId3"/>
+          <a:srcRect l="20542" t="34687" r="55212" b="59376"/>
+          <a:stretch/>
+        </p:blipFill>
+        <p:spPr>
+          <a:xfrm>
+            <a:off x="838200" y="4259581"/>
+            <a:ext cx="6273799" cy="863783"/>
+          </a:xfrm>
+          <a:prstGeom prst="rect">
+            <a:avLst/>
+          </a:prstGeom>
+        </p:spPr>
+      </p:pic>
     </p:spTree>
     <p:extLst>
       <p:ext uri="{BB962C8B-B14F-4D97-AF65-F5344CB8AC3E}">
@@ -6550,6 +6786,51 @@
                       </p:childTnLst>
                     </p:cTn>
                   </p:par>
+                  <p:par>
+                    <p:cTn id="19" fill="hold">
+                      <p:stCondLst>
+                        <p:cond delay="indefinite"/>
+                      </p:stCondLst>
+                      <p:childTnLst>
+                        <p:par>
+                          <p:cTn id="20" fill="hold">
+                            <p:stCondLst>
+                              <p:cond delay="0"/>
+                            </p:stCondLst>
+                            <p:childTnLst>
+                              <p:par>
+                                <p:cTn id="21" presetID="1" presetClass="entr" presetSubtype="0" fill="hold" nodeType="clickEffect">
+                                  <p:stCondLst>
+                                    <p:cond delay="0"/>
+                                  </p:stCondLst>
+                                  <p:childTnLst>
+                                    <p:set>
+                                      <p:cBhvr>
+                                        <p:cTn id="22" dur="1" fill="hold">
+                                          <p:stCondLst>
+                                            <p:cond delay="0"/>
+                                          </p:stCondLst>
+                                        </p:cTn>
+                                        <p:tgtEl>
+                                          <p:spTgt spid="4"/>
+                                        </p:tgtEl>
+                                        <p:attrNameLst>
+                                          <p:attrName>style.visibility</p:attrName>
+                                        </p:attrNameLst>
+                                      </p:cBhvr>
+                                      <p:to>
+                                        <p:strVal val="visible"/>
+                                      </p:to>
+                                    </p:set>
+                                  </p:childTnLst>
+                                </p:cTn>
+                              </p:par>
+                            </p:childTnLst>
+                          </p:cTn>
+                        </p:par>
+                      </p:childTnLst>
+                    </p:cTn>
+                  </p:par>
                 </p:childTnLst>
               </p:cTn>
               <p:prevCondLst>
@@ -6619,138 +6900,10 @@
           </a:p>
         </p:txBody>
       </p:sp>
-      <p:pic>
-        <p:nvPicPr>
-          <p:cNvPr id="4" name="Inhaltsplatzhalter 3"/>
-          <p:cNvPicPr>
-            <a:picLocks noGrp="1" noChangeAspect="1"/>
-          </p:cNvPicPr>
-          <p:nvPr>
-            <p:ph idx="1"/>
-          </p:nvPr>
-        </p:nvPicPr>
-        <p:blipFill rotWithShape="1">
-          <a:blip r:embed="rId3">
-            <a:extLst>
-              <a:ext uri="{28A0092B-C50C-407E-A947-70E740481C1C}">
-                <a14:useLocalDpi xmlns:a14="http://schemas.microsoft.com/office/drawing/2010/main" val="0"/>
-              </a:ext>
-            </a:extLst>
-          </a:blip>
-          <a:srcRect t="5732"/>
-          <a:stretch/>
-        </p:blipFill>
-        <p:spPr>
-          <a:xfrm>
-            <a:off x="2139568" y="1389552"/>
-            <a:ext cx="7041833" cy="4658322"/>
-          </a:xfrm>
-        </p:spPr>
-      </p:pic>
-      <p:sp>
-        <p:nvSpPr>
-          <p:cNvPr id="5" name="Textfeld 4"/>
-          <p:cNvSpPr txBox="1"/>
-          <p:nvPr/>
-        </p:nvSpPr>
-        <p:spPr>
-          <a:xfrm>
-            <a:off x="3015916" y="6047874"/>
-            <a:ext cx="9176084" cy="523220"/>
-          </a:xfrm>
-          <a:prstGeom prst="rect">
-            <a:avLst/>
-          </a:prstGeom>
-          <a:noFill/>
-        </p:spPr>
-        <p:txBody>
-          <a:bodyPr wrap="square" rtlCol="0">
-            <a:spAutoFit/>
-          </a:bodyPr>
-          <a:lstStyle/>
-          <a:p>
-            <a:r>
-              <a:rPr lang="de-DE" sz="2800" i="1" dirty="0" err="1" smtClean="0"/>
-              <a:t>float</a:t>
-            </a:r>
-            <a:r>
-              <a:rPr lang="de-DE" sz="2800" dirty="0" smtClean="0">
-                <a:solidFill>
-                  <a:schemeClr val="accent1">
-                    <a:lumMod val="50000"/>
-                  </a:schemeClr>
-                </a:solidFill>
-              </a:rPr>
-              <a:t> </a:t>
-            </a:r>
-            <a:r>
-              <a:rPr lang="de-DE" sz="2800" dirty="0">
-                <a:solidFill>
-                  <a:schemeClr val="accent1">
-                    <a:lumMod val="50000"/>
-                  </a:schemeClr>
-                </a:solidFill>
-              </a:rPr>
-              <a:t>f</a:t>
-            </a:r>
-            <a:r>
-              <a:rPr lang="de-DE" sz="2800" dirty="0" smtClean="0">
-                <a:solidFill>
-                  <a:schemeClr val="accent1">
-                    <a:lumMod val="50000"/>
-                  </a:schemeClr>
-                </a:solidFill>
-              </a:rPr>
-              <a:t> </a:t>
-            </a:r>
-            <a:r>
-              <a:rPr lang="de-DE" sz="2800" dirty="0" smtClean="0"/>
-              <a:t>wird zum </a:t>
-            </a:r>
-            <a:r>
-              <a:rPr lang="de-DE" sz="2800" i="1" dirty="0" err="1" smtClean="0"/>
-              <a:t>mpf</a:t>
-            </a:r>
-            <a:r>
-              <a:rPr lang="de-DE" sz="2800" dirty="0" smtClean="0"/>
-              <a:t> (</a:t>
-            </a:r>
-            <a:r>
-              <a:rPr lang="de-DE" sz="2800" dirty="0" smtClean="0">
-                <a:solidFill>
-                  <a:schemeClr val="accent1">
-                    <a:lumMod val="50000"/>
-                  </a:schemeClr>
-                </a:solidFill>
-              </a:rPr>
-              <a:t>a</a:t>
-            </a:r>
-            <a:r>
-              <a:rPr lang="de-DE" sz="2800" dirty="0" smtClean="0"/>
-              <a:t>, </a:t>
-            </a:r>
-            <a:r>
-              <a:rPr lang="de-DE" sz="2800" dirty="0" smtClean="0">
-                <a:solidFill>
-                  <a:schemeClr val="accent1">
-                    <a:lumMod val="50000"/>
-                  </a:schemeClr>
-                </a:solidFill>
-              </a:rPr>
-              <a:t>es</a:t>
-            </a:r>
-            <a:r>
-              <a:rPr lang="de-DE" sz="2800" dirty="0" smtClean="0"/>
-              <a:t>) addiert.</a:t>
-            </a:r>
-            <a:endParaRPr lang="de-DE" sz="2800" dirty="0"/>
-          </a:p>
-        </p:txBody>
-      </p:sp>
     </p:spTree>
     <p:extLst>
       <p:ext uri="{BB962C8B-B14F-4D97-AF65-F5344CB8AC3E}">
-        <p14:creationId xmlns:p14="http://schemas.microsoft.com/office/powerpoint/2010/main" val="2252977938"/>
+        <p14:creationId xmlns:p14="http://schemas.microsoft.com/office/powerpoint/2010/main" val="751729658"/>
       </p:ext>
     </p:extLst>
   </p:cSld>
@@ -6800,40 +6953,448 @@
           <a:lstStyle/>
           <a:p>
             <a:r>
+              <a:rPr lang="de-DE" dirty="0" smtClean="0"/>
+              <a:t>Schritt 3: </a:t>
+            </a:r>
+            <a:r>
               <a:rPr lang="de-DE" dirty="0" err="1" smtClean="0"/>
               <a:t>grow-mpf</a:t>
             </a:r>
-            <a:r>
-              <a:rPr lang="de-DE" dirty="0" smtClean="0"/>
-              <a:t> in Isabelle</a:t>
-            </a:r>
             <a:endParaRPr lang="de-DE" dirty="0"/>
           </a:p>
         </p:txBody>
       </p:sp>
-      <p:sp>
-        <p:nvSpPr>
-          <p:cNvPr id="3" name="Inhaltsplatzhalter 2"/>
-          <p:cNvSpPr>
-            <a:spLocks noGrp="1"/>
-          </p:cNvSpPr>
+      <p:pic>
+        <p:nvPicPr>
+          <p:cNvPr id="4" name="Inhaltsplatzhalter 3"/>
+          <p:cNvPicPr>
+            <a:picLocks noGrp="1" noChangeAspect="1"/>
+          </p:cNvPicPr>
           <p:nvPr>
             <p:ph idx="1"/>
           </p:nvPr>
-        </p:nvSpPr>
-        <p:spPr/>
-        <p:txBody>
-          <a:bodyPr/>
+        </p:nvPicPr>
+        <p:blipFill rotWithShape="1">
+          <a:blip r:embed="rId3">
+            <a:extLst>
+              <a:ext uri="{28A0092B-C50C-407E-A947-70E740481C1C}">
+                <a14:useLocalDpi xmlns:a14="http://schemas.microsoft.com/office/drawing/2010/main" val="0"/>
+              </a:ext>
+            </a:extLst>
+          </a:blip>
+          <a:srcRect t="5732"/>
+          <a:stretch/>
+        </p:blipFill>
+        <p:spPr>
+          <a:xfrm>
+            <a:off x="2139568" y="1389552"/>
+            <a:ext cx="7041833" cy="4658322"/>
+          </a:xfrm>
+        </p:spPr>
+      </p:pic>
+      <p:sp>
+        <p:nvSpPr>
+          <p:cNvPr id="5" name="Textfeld 4"/>
+          <p:cNvSpPr txBox="1"/>
+          <p:nvPr/>
+        </p:nvSpPr>
+        <p:spPr>
+          <a:xfrm>
+            <a:off x="3015916" y="6047874"/>
+            <a:ext cx="9176084" cy="523220"/>
+          </a:xfrm>
+          <a:prstGeom prst="rect">
+            <a:avLst/>
+          </a:prstGeom>
+          <a:noFill/>
+        </p:spPr>
+        <p:txBody>
+          <a:bodyPr wrap="square" rtlCol="0">
+            <a:spAutoFit/>
+          </a:bodyPr>
           <a:lstStyle/>
           <a:p>
+            <a:r>
+              <a:rPr lang="de-DE" sz="2800" i="1" dirty="0" err="1" smtClean="0"/>
+              <a:t>float</a:t>
+            </a:r>
+            <a:r>
+              <a:rPr lang="de-DE" sz="2800" dirty="0" smtClean="0">
+                <a:solidFill>
+                  <a:schemeClr val="accent1">
+                    <a:lumMod val="50000"/>
+                  </a:schemeClr>
+                </a:solidFill>
+              </a:rPr>
+              <a:t> </a:t>
+            </a:r>
+            <a:r>
+              <a:rPr lang="de-DE" sz="2800" dirty="0">
+                <a:solidFill>
+                  <a:schemeClr val="accent1">
+                    <a:lumMod val="50000"/>
+                  </a:schemeClr>
+                </a:solidFill>
+              </a:rPr>
+              <a:t>f</a:t>
+            </a:r>
+            <a:r>
+              <a:rPr lang="de-DE" sz="2800" dirty="0" smtClean="0">
+                <a:solidFill>
+                  <a:schemeClr val="accent1">
+                    <a:lumMod val="50000"/>
+                  </a:schemeClr>
+                </a:solidFill>
+              </a:rPr>
+              <a:t> </a:t>
+            </a:r>
+            <a:r>
+              <a:rPr lang="de-DE" sz="2800" dirty="0" smtClean="0"/>
+              <a:t>wird zum </a:t>
+            </a:r>
+            <a:r>
+              <a:rPr lang="de-DE" sz="2800" i="1" dirty="0" err="1" smtClean="0"/>
+              <a:t>mpf</a:t>
+            </a:r>
+            <a:r>
+              <a:rPr lang="de-DE" sz="2800" dirty="0" smtClean="0"/>
+              <a:t> (</a:t>
+            </a:r>
+            <a:r>
+              <a:rPr lang="de-DE" sz="2800" dirty="0" smtClean="0">
+                <a:solidFill>
+                  <a:schemeClr val="accent1">
+                    <a:lumMod val="50000"/>
+                  </a:schemeClr>
+                </a:solidFill>
+              </a:rPr>
+              <a:t>a</a:t>
+            </a:r>
+            <a:r>
+              <a:rPr lang="de-DE" sz="2800" dirty="0" smtClean="0"/>
+              <a:t>, </a:t>
+            </a:r>
+            <a:r>
+              <a:rPr lang="de-DE" sz="2800" dirty="0" smtClean="0">
+                <a:solidFill>
+                  <a:schemeClr val="accent1">
+                    <a:lumMod val="50000"/>
+                  </a:schemeClr>
+                </a:solidFill>
+              </a:rPr>
+              <a:t>es</a:t>
+            </a:r>
+            <a:r>
+              <a:rPr lang="de-DE" sz="2800" dirty="0" smtClean="0"/>
+              <a:t>) addiert.</a:t>
+            </a:r>
+            <a:endParaRPr lang="de-DE" sz="2800" dirty="0"/>
+          </a:p>
+        </p:txBody>
+      </p:sp>
+      <p:sp>
+        <p:nvSpPr>
+          <p:cNvPr id="3" name="Textfeld 2"/>
+          <p:cNvSpPr txBox="1"/>
+          <p:nvPr/>
+        </p:nvSpPr>
+        <p:spPr>
+          <a:xfrm>
+            <a:off x="995869" y="1204886"/>
+            <a:ext cx="2890157" cy="369332"/>
+          </a:xfrm>
+          <a:prstGeom prst="rect">
+            <a:avLst/>
+          </a:prstGeom>
+          <a:noFill/>
+        </p:spPr>
+        <p:txBody>
+          <a:bodyPr wrap="square" rtlCol="0">
+            <a:spAutoFit/>
+          </a:bodyPr>
+          <a:lstStyle/>
+          <a:p>
+            <a:r>
+              <a:rPr lang="de-DE" dirty="0" smtClean="0"/>
+              <a:t>Funktionsaufruf</a:t>
+            </a:r>
             <a:endParaRPr lang="de-DE" dirty="0"/>
+          </a:p>
+        </p:txBody>
+      </p:sp>
+      <p:grpSp>
+        <p:nvGrpSpPr>
+          <p:cNvPr id="10" name="Gruppieren 9"/>
+          <p:cNvGrpSpPr/>
+          <p:nvPr/>
+        </p:nvGrpSpPr>
+        <p:grpSpPr>
+          <a:xfrm>
+            <a:off x="2769928" y="1389552"/>
+            <a:ext cx="6663410" cy="716880"/>
+            <a:chOff x="2769928" y="1389552"/>
+            <a:chExt cx="6663410" cy="716880"/>
+          </a:xfrm>
+        </p:grpSpPr>
+        <p:sp>
+          <p:nvSpPr>
+            <p:cNvPr id="6" name="Textfeld 5"/>
+            <p:cNvSpPr txBox="1"/>
+            <p:nvPr/>
+          </p:nvSpPr>
+          <p:spPr>
+            <a:xfrm>
+              <a:off x="8049119" y="1389552"/>
+              <a:ext cx="1384219" cy="646331"/>
+            </a:xfrm>
+            <a:prstGeom prst="rect">
+              <a:avLst/>
+            </a:prstGeom>
+            <a:noFill/>
+          </p:spPr>
+          <p:txBody>
+            <a:bodyPr wrap="square" rtlCol="0">
+              <a:spAutoFit/>
+            </a:bodyPr>
+            <a:lstStyle/>
+            <a:p>
+              <a:r>
+                <a:rPr lang="de-DE" sz="3600" b="1" dirty="0" smtClean="0"/>
+                <a:t>)</a:t>
+              </a:r>
+              <a:endParaRPr lang="de-DE" sz="3600" b="1" dirty="0"/>
+            </a:p>
+          </p:txBody>
+        </p:sp>
+        <p:sp>
+          <p:nvSpPr>
+            <p:cNvPr id="7" name="Textfeld 6"/>
+            <p:cNvSpPr txBox="1"/>
+            <p:nvPr/>
+          </p:nvSpPr>
+          <p:spPr>
+            <a:xfrm>
+              <a:off x="2769928" y="1389552"/>
+              <a:ext cx="1384219" cy="646331"/>
+            </a:xfrm>
+            <a:prstGeom prst="rect">
+              <a:avLst/>
+            </a:prstGeom>
+            <a:noFill/>
+          </p:spPr>
+          <p:txBody>
+            <a:bodyPr wrap="square" rtlCol="0">
+              <a:spAutoFit/>
+            </a:bodyPr>
+            <a:lstStyle/>
+            <a:p>
+              <a:r>
+                <a:rPr lang="de-DE" sz="3600" b="1" dirty="0"/>
+                <a:t>(</a:t>
+              </a:r>
+              <a:endParaRPr lang="de-DE" sz="3600" b="1" dirty="0"/>
+            </a:p>
+          </p:txBody>
+        </p:sp>
+        <p:sp>
+          <p:nvSpPr>
+            <p:cNvPr id="9" name="Textfeld 8"/>
+            <p:cNvSpPr txBox="1"/>
+            <p:nvPr/>
+          </p:nvSpPr>
+          <p:spPr>
+            <a:xfrm>
+              <a:off x="3583118" y="1460101"/>
+              <a:ext cx="1384219" cy="646331"/>
+            </a:xfrm>
+            <a:prstGeom prst="rect">
+              <a:avLst/>
+            </a:prstGeom>
+            <a:noFill/>
+          </p:spPr>
+          <p:txBody>
+            <a:bodyPr wrap="square" rtlCol="0">
+              <a:spAutoFit/>
+            </a:bodyPr>
+            <a:lstStyle/>
+            <a:p>
+              <a:r>
+                <a:rPr lang="de-DE" sz="3600" b="1" dirty="0"/>
+                <a:t>,</a:t>
+              </a:r>
+            </a:p>
+          </p:txBody>
+        </p:sp>
+      </p:grpSp>
+      <p:sp>
+        <p:nvSpPr>
+          <p:cNvPr id="15" name="Textfeld 14"/>
+          <p:cNvSpPr txBox="1"/>
+          <p:nvPr/>
+        </p:nvSpPr>
+        <p:spPr>
+          <a:xfrm>
+            <a:off x="2711304" y="5436817"/>
+            <a:ext cx="1384219" cy="646331"/>
+          </a:xfrm>
+          <a:prstGeom prst="rect">
+            <a:avLst/>
+          </a:prstGeom>
+          <a:noFill/>
+        </p:spPr>
+        <p:txBody>
+          <a:bodyPr wrap="square" rtlCol="0">
+            <a:spAutoFit/>
+          </a:bodyPr>
+          <a:lstStyle/>
+          <a:p>
+            <a:r>
+              <a:rPr lang="de-DE" sz="3600" b="1" dirty="0"/>
+              <a:t>,</a:t>
+            </a:r>
+          </a:p>
+        </p:txBody>
+      </p:sp>
+      <p:sp>
+        <p:nvSpPr>
+          <p:cNvPr id="16" name="Textfeld 15"/>
+          <p:cNvSpPr txBox="1"/>
+          <p:nvPr/>
+        </p:nvSpPr>
+        <p:spPr>
+          <a:xfrm>
+            <a:off x="2198899" y="5345417"/>
+            <a:ext cx="1384219" cy="646331"/>
+          </a:xfrm>
+          <a:prstGeom prst="rect">
+            <a:avLst/>
+          </a:prstGeom>
+          <a:noFill/>
+        </p:spPr>
+        <p:txBody>
+          <a:bodyPr wrap="square" rtlCol="0">
+            <a:spAutoFit/>
+          </a:bodyPr>
+          <a:lstStyle/>
+          <a:p>
+            <a:r>
+              <a:rPr lang="de-DE" sz="3600" b="1" dirty="0" smtClean="0"/>
+              <a:t>(</a:t>
+            </a:r>
+            <a:endParaRPr lang="de-DE" sz="3600" b="1" dirty="0"/>
+          </a:p>
+        </p:txBody>
+      </p:sp>
+      <p:sp>
+        <p:nvSpPr>
+          <p:cNvPr id="17" name="Textfeld 16"/>
+          <p:cNvSpPr txBox="1"/>
+          <p:nvPr/>
+        </p:nvSpPr>
+        <p:spPr>
+          <a:xfrm>
+            <a:off x="8566829" y="5339988"/>
+            <a:ext cx="1384219" cy="646331"/>
+          </a:xfrm>
+          <a:prstGeom prst="rect">
+            <a:avLst/>
+          </a:prstGeom>
+          <a:noFill/>
+        </p:spPr>
+        <p:txBody>
+          <a:bodyPr wrap="square" rtlCol="0">
+            <a:spAutoFit/>
+          </a:bodyPr>
+          <a:lstStyle/>
+          <a:p>
+            <a:r>
+              <a:rPr lang="de-DE" sz="3600" b="1" dirty="0" smtClean="0"/>
+              <a:t>)</a:t>
+            </a:r>
+            <a:endParaRPr lang="de-DE" sz="3600" b="1" dirty="0"/>
+          </a:p>
+        </p:txBody>
+      </p:sp>
+      <p:sp>
+        <p:nvSpPr>
+          <p:cNvPr id="18" name="Textfeld 17"/>
+          <p:cNvSpPr txBox="1"/>
+          <p:nvPr/>
+        </p:nvSpPr>
+        <p:spPr>
+          <a:xfrm>
+            <a:off x="2501807" y="5429002"/>
+            <a:ext cx="1384219" cy="523220"/>
+          </a:xfrm>
+          <a:prstGeom prst="rect">
+            <a:avLst/>
+          </a:prstGeom>
+          <a:noFill/>
+        </p:spPr>
+        <p:txBody>
+          <a:bodyPr wrap="square" rtlCol="0">
+            <a:spAutoFit/>
+          </a:bodyPr>
+          <a:lstStyle/>
+          <a:p>
+            <a:r>
+              <a:rPr lang="de-DE" sz="2800" b="1" dirty="0" smtClean="0">
+                <a:solidFill>
+                  <a:schemeClr val="bg1"/>
+                </a:solidFill>
+              </a:rPr>
+              <a:t>‘</a:t>
+            </a:r>
+            <a:endParaRPr lang="de-DE" sz="2800" b="1" dirty="0">
+              <a:solidFill>
+                <a:schemeClr val="bg1"/>
+              </a:solidFill>
+            </a:endParaRPr>
+          </a:p>
+        </p:txBody>
+      </p:sp>
+      <p:sp>
+        <p:nvSpPr>
+          <p:cNvPr id="19" name="Textfeld 18"/>
+          <p:cNvSpPr txBox="1"/>
+          <p:nvPr/>
+        </p:nvSpPr>
+        <p:spPr>
+          <a:xfrm>
+            <a:off x="5839817" y="5429002"/>
+            <a:ext cx="1384219" cy="523220"/>
+          </a:xfrm>
+          <a:prstGeom prst="rect">
+            <a:avLst/>
+          </a:prstGeom>
+          <a:noFill/>
+        </p:spPr>
+        <p:txBody>
+          <a:bodyPr wrap="square" rtlCol="0">
+            <a:spAutoFit/>
+          </a:bodyPr>
+          <a:lstStyle/>
+          <a:p>
+            <a:r>
+              <a:rPr lang="de-DE" sz="2800" b="1" dirty="0" smtClean="0">
+                <a:solidFill>
+                  <a:schemeClr val="bg1"/>
+                </a:solidFill>
+              </a:rPr>
+              <a:t>‘</a:t>
+            </a:r>
+            <a:endParaRPr lang="de-DE" sz="2800" b="1" dirty="0">
+              <a:solidFill>
+                <a:schemeClr val="bg1"/>
+              </a:solidFill>
+            </a:endParaRPr>
           </a:p>
         </p:txBody>
       </p:sp>
     </p:spTree>
     <p:extLst>
       <p:ext uri="{BB962C8B-B14F-4D97-AF65-F5344CB8AC3E}">
-        <p14:creationId xmlns:p14="http://schemas.microsoft.com/office/powerpoint/2010/main" val="4086910333"/>
+        <p14:creationId xmlns:p14="http://schemas.microsoft.com/office/powerpoint/2010/main" val="2252977938"/>
       </p:ext>
     </p:extLst>
   </p:cSld>
@@ -6912,16 +7473,16 @@
           <a:lstStyle/>
           <a:p>
             <a:r>
-              <a:rPr lang="de-DE" i="1" dirty="0" err="1"/>
-              <a:t>g</a:t>
-            </a:r>
-            <a:r>
               <a:rPr lang="de-DE" i="1" dirty="0" err="1" smtClean="0"/>
-              <a:t>row-mpf</a:t>
-            </a:r>
-            <a:r>
-              <a:rPr lang="de-DE" dirty="0" smtClean="0"/>
-              <a:t> führt nur </a:t>
+              <a:t>grow-mpf</a:t>
+            </a:r>
+            <a:r>
+              <a:rPr lang="de-DE" dirty="0" smtClean="0"/>
+              <a:t>: </a:t>
+            </a:r>
+            <a:r>
+              <a:rPr lang="de-DE" dirty="0" smtClean="0"/>
+              <a:t>nur </a:t>
             </a:r>
             <a:r>
               <a:rPr lang="de-DE" i="1" dirty="0" err="1" smtClean="0"/>
@@ -6947,10 +7508,7 @@
               <a:rPr lang="de-DE" i="1" dirty="0" err="1" smtClean="0"/>
               <a:t>mpf</a:t>
             </a:r>
-            <a:r>
-              <a:rPr lang="de-DE" dirty="0" smtClean="0"/>
-              <a:t> aus</a:t>
-            </a:r>
+            <a:endParaRPr lang="de-DE" dirty="0" smtClean="0"/>
           </a:p>
           <a:p>
             <a:pPr marL="0" indent="0">
@@ -6987,16 +7545,15 @@
           </p:cNvPicPr>
           <p:nvPr/>
         </p:nvPicPr>
-        <p:blipFill>
+        <p:blipFill rotWithShape="1">
           <a:blip r:embed="rId3"/>
-          <a:stretch>
-            <a:fillRect/>
-          </a:stretch>
+          <a:srcRect l="16828" t="45279" r="45039" b="41800"/>
+          <a:stretch/>
         </p:blipFill>
         <p:spPr>
           <a:xfrm>
-            <a:off x="3331028" y="2798096"/>
-            <a:ext cx="6968217" cy="3917709"/>
+            <a:off x="838201" y="3491842"/>
+            <a:ext cx="9517380" cy="1813018"/>
           </a:xfrm>
           <a:prstGeom prst="rect">
             <a:avLst/>
@@ -7150,6 +7707,51 @@
                                               <p:pRg st="2" end="2"/>
                                             </p:txEl>
                                           </p:spTgt>
+                                        </p:tgtEl>
+                                        <p:attrNameLst>
+                                          <p:attrName>style.visibility</p:attrName>
+                                        </p:attrNameLst>
+                                      </p:cBhvr>
+                                      <p:to>
+                                        <p:strVal val="visible"/>
+                                      </p:to>
+                                    </p:set>
+                                  </p:childTnLst>
+                                </p:cTn>
+                              </p:par>
+                            </p:childTnLst>
+                          </p:cTn>
+                        </p:par>
+                      </p:childTnLst>
+                    </p:cTn>
+                  </p:par>
+                  <p:par>
+                    <p:cTn id="15" fill="hold">
+                      <p:stCondLst>
+                        <p:cond delay="indefinite"/>
+                      </p:stCondLst>
+                      <p:childTnLst>
+                        <p:par>
+                          <p:cTn id="16" fill="hold">
+                            <p:stCondLst>
+                              <p:cond delay="0"/>
+                            </p:stCondLst>
+                            <p:childTnLst>
+                              <p:par>
+                                <p:cTn id="17" presetID="1" presetClass="entr" presetSubtype="0" fill="hold" nodeType="clickEffect">
+                                  <p:stCondLst>
+                                    <p:cond delay="0"/>
+                                  </p:stCondLst>
+                                  <p:childTnLst>
+                                    <p:set>
+                                      <p:cBhvr>
+                                        <p:cTn id="18" dur="1" fill="hold">
+                                          <p:stCondLst>
+                                            <p:cond delay="0"/>
+                                          </p:stCondLst>
+                                        </p:cTn>
+                                        <p:tgtEl>
+                                          <p:spTgt spid="4"/>
                                         </p:tgtEl>
                                         <p:attrNameLst>
                                           <p:attrName>style.visibility</p:attrName>
@@ -7986,7 +8588,11 @@
             </a:r>
             <a:r>
               <a:rPr lang="de-DE" dirty="0" smtClean="0"/>
-              <a:t> fehlerhaft</a:t>
+              <a:t> 5.5.2 </a:t>
+            </a:r>
+            <a:r>
+              <a:rPr lang="de-DE" dirty="0" smtClean="0"/>
+              <a:t>fehlerhaft</a:t>
             </a:r>
           </a:p>
           <a:p>
@@ -8079,7 +8685,306 @@
   <p:timing>
     <p:tnLst>
       <p:par>
-        <p:cTn id="1" dur="indefinite" restart="never" nodeType="tmRoot"/>
+        <p:cTn id="1" dur="indefinite" restart="never" nodeType="tmRoot">
+          <p:childTnLst>
+            <p:seq concurrent="1" nextAc="seek">
+              <p:cTn id="2" dur="indefinite" nodeType="mainSeq">
+                <p:childTnLst>
+                  <p:par>
+                    <p:cTn id="3" fill="hold">
+                      <p:stCondLst>
+                        <p:cond delay="indefinite"/>
+                      </p:stCondLst>
+                      <p:childTnLst>
+                        <p:par>
+                          <p:cTn id="4" fill="hold">
+                            <p:stCondLst>
+                              <p:cond delay="0"/>
+                            </p:stCondLst>
+                            <p:childTnLst>
+                              <p:par>
+                                <p:cTn id="5" presetID="1" presetClass="entr" presetSubtype="0" fill="hold" nodeType="clickEffect">
+                                  <p:stCondLst>
+                                    <p:cond delay="0"/>
+                                  </p:stCondLst>
+                                  <p:childTnLst>
+                                    <p:set>
+                                      <p:cBhvr>
+                                        <p:cTn id="6" dur="1" fill="hold">
+                                          <p:stCondLst>
+                                            <p:cond delay="0"/>
+                                          </p:stCondLst>
+                                        </p:cTn>
+                                        <p:tgtEl>
+                                          <p:spTgt spid="3">
+                                            <p:txEl>
+                                              <p:pRg st="0" end="0"/>
+                                            </p:txEl>
+                                          </p:spTgt>
+                                        </p:tgtEl>
+                                        <p:attrNameLst>
+                                          <p:attrName>style.visibility</p:attrName>
+                                        </p:attrNameLst>
+                                      </p:cBhvr>
+                                      <p:to>
+                                        <p:strVal val="visible"/>
+                                      </p:to>
+                                    </p:set>
+                                  </p:childTnLst>
+                                </p:cTn>
+                              </p:par>
+                            </p:childTnLst>
+                          </p:cTn>
+                        </p:par>
+                      </p:childTnLst>
+                    </p:cTn>
+                  </p:par>
+                  <p:par>
+                    <p:cTn id="7" fill="hold">
+                      <p:stCondLst>
+                        <p:cond delay="indefinite"/>
+                      </p:stCondLst>
+                      <p:childTnLst>
+                        <p:par>
+                          <p:cTn id="8" fill="hold">
+                            <p:stCondLst>
+                              <p:cond delay="0"/>
+                            </p:stCondLst>
+                            <p:childTnLst>
+                              <p:par>
+                                <p:cTn id="9" presetID="1" presetClass="entr" presetSubtype="0" fill="hold" nodeType="clickEffect">
+                                  <p:stCondLst>
+                                    <p:cond delay="0"/>
+                                  </p:stCondLst>
+                                  <p:childTnLst>
+                                    <p:set>
+                                      <p:cBhvr>
+                                        <p:cTn id="10" dur="1" fill="hold">
+                                          <p:stCondLst>
+                                            <p:cond delay="0"/>
+                                          </p:stCondLst>
+                                        </p:cTn>
+                                        <p:tgtEl>
+                                          <p:spTgt spid="3">
+                                            <p:txEl>
+                                              <p:pRg st="1" end="1"/>
+                                            </p:txEl>
+                                          </p:spTgt>
+                                        </p:tgtEl>
+                                        <p:attrNameLst>
+                                          <p:attrName>style.visibility</p:attrName>
+                                        </p:attrNameLst>
+                                      </p:cBhvr>
+                                      <p:to>
+                                        <p:strVal val="visible"/>
+                                      </p:to>
+                                    </p:set>
+                                  </p:childTnLst>
+                                </p:cTn>
+                              </p:par>
+                            </p:childTnLst>
+                          </p:cTn>
+                        </p:par>
+                      </p:childTnLst>
+                    </p:cTn>
+                  </p:par>
+                  <p:par>
+                    <p:cTn id="11" fill="hold">
+                      <p:stCondLst>
+                        <p:cond delay="indefinite"/>
+                      </p:stCondLst>
+                      <p:childTnLst>
+                        <p:par>
+                          <p:cTn id="12" fill="hold">
+                            <p:stCondLst>
+                              <p:cond delay="0"/>
+                            </p:stCondLst>
+                            <p:childTnLst>
+                              <p:par>
+                                <p:cTn id="13" presetID="1" presetClass="entr" presetSubtype="0" fill="hold" nodeType="clickEffect">
+                                  <p:stCondLst>
+                                    <p:cond delay="0"/>
+                                  </p:stCondLst>
+                                  <p:childTnLst>
+                                    <p:set>
+                                      <p:cBhvr>
+                                        <p:cTn id="14" dur="1" fill="hold">
+                                          <p:stCondLst>
+                                            <p:cond delay="0"/>
+                                          </p:stCondLst>
+                                        </p:cTn>
+                                        <p:tgtEl>
+                                          <p:spTgt spid="3">
+                                            <p:txEl>
+                                              <p:pRg st="2" end="2"/>
+                                            </p:txEl>
+                                          </p:spTgt>
+                                        </p:tgtEl>
+                                        <p:attrNameLst>
+                                          <p:attrName>style.visibility</p:attrName>
+                                        </p:attrNameLst>
+                                      </p:cBhvr>
+                                      <p:to>
+                                        <p:strVal val="visible"/>
+                                      </p:to>
+                                    </p:set>
+                                  </p:childTnLst>
+                                </p:cTn>
+                              </p:par>
+                            </p:childTnLst>
+                          </p:cTn>
+                        </p:par>
+                      </p:childTnLst>
+                    </p:cTn>
+                  </p:par>
+                  <p:par>
+                    <p:cTn id="15" fill="hold">
+                      <p:stCondLst>
+                        <p:cond delay="indefinite"/>
+                      </p:stCondLst>
+                      <p:childTnLst>
+                        <p:par>
+                          <p:cTn id="16" fill="hold">
+                            <p:stCondLst>
+                              <p:cond delay="0"/>
+                            </p:stCondLst>
+                            <p:childTnLst>
+                              <p:par>
+                                <p:cTn id="17" presetID="1" presetClass="entr" presetSubtype="0" fill="hold" nodeType="clickEffect">
+                                  <p:stCondLst>
+                                    <p:cond delay="0"/>
+                                  </p:stCondLst>
+                                  <p:childTnLst>
+                                    <p:set>
+                                      <p:cBhvr>
+                                        <p:cTn id="18" dur="1" fill="hold">
+                                          <p:stCondLst>
+                                            <p:cond delay="0"/>
+                                          </p:stCondLst>
+                                        </p:cTn>
+                                        <p:tgtEl>
+                                          <p:spTgt spid="3">
+                                            <p:txEl>
+                                              <p:pRg st="3" end="3"/>
+                                            </p:txEl>
+                                          </p:spTgt>
+                                        </p:tgtEl>
+                                        <p:attrNameLst>
+                                          <p:attrName>style.visibility</p:attrName>
+                                        </p:attrNameLst>
+                                      </p:cBhvr>
+                                      <p:to>
+                                        <p:strVal val="visible"/>
+                                      </p:to>
+                                    </p:set>
+                                  </p:childTnLst>
+                                </p:cTn>
+                              </p:par>
+                              <p:par>
+                                <p:cTn id="19" presetID="1" presetClass="entr" presetSubtype="0" fill="hold" nodeType="withEffect">
+                                  <p:stCondLst>
+                                    <p:cond delay="0"/>
+                                  </p:stCondLst>
+                                  <p:childTnLst>
+                                    <p:set>
+                                      <p:cBhvr>
+                                        <p:cTn id="20" dur="1" fill="hold">
+                                          <p:stCondLst>
+                                            <p:cond delay="0"/>
+                                          </p:stCondLst>
+                                        </p:cTn>
+                                        <p:tgtEl>
+                                          <p:spTgt spid="3">
+                                            <p:txEl>
+                                              <p:pRg st="4" end="4"/>
+                                            </p:txEl>
+                                          </p:spTgt>
+                                        </p:tgtEl>
+                                        <p:attrNameLst>
+                                          <p:attrName>style.visibility</p:attrName>
+                                        </p:attrNameLst>
+                                      </p:cBhvr>
+                                      <p:to>
+                                        <p:strVal val="visible"/>
+                                      </p:to>
+                                    </p:set>
+                                  </p:childTnLst>
+                                </p:cTn>
+                              </p:par>
+                            </p:childTnLst>
+                          </p:cTn>
+                        </p:par>
+                      </p:childTnLst>
+                    </p:cTn>
+                  </p:par>
+                  <p:par>
+                    <p:cTn id="21" fill="hold">
+                      <p:stCondLst>
+                        <p:cond delay="indefinite"/>
+                      </p:stCondLst>
+                      <p:childTnLst>
+                        <p:par>
+                          <p:cTn id="22" fill="hold">
+                            <p:stCondLst>
+                              <p:cond delay="0"/>
+                            </p:stCondLst>
+                            <p:childTnLst>
+                              <p:par>
+                                <p:cTn id="23" presetID="1" presetClass="entr" presetSubtype="0" fill="hold" nodeType="clickEffect">
+                                  <p:stCondLst>
+                                    <p:cond delay="0"/>
+                                  </p:stCondLst>
+                                  <p:childTnLst>
+                                    <p:set>
+                                      <p:cBhvr>
+                                        <p:cTn id="24" dur="1" fill="hold">
+                                          <p:stCondLst>
+                                            <p:cond delay="0"/>
+                                          </p:stCondLst>
+                                        </p:cTn>
+                                        <p:tgtEl>
+                                          <p:spTgt spid="3">
+                                            <p:txEl>
+                                              <p:pRg st="6" end="6"/>
+                                            </p:txEl>
+                                          </p:spTgt>
+                                        </p:tgtEl>
+                                        <p:attrNameLst>
+                                          <p:attrName>style.visibility</p:attrName>
+                                        </p:attrNameLst>
+                                      </p:cBhvr>
+                                      <p:to>
+                                        <p:strVal val="visible"/>
+                                      </p:to>
+                                    </p:set>
+                                  </p:childTnLst>
+                                </p:cTn>
+                              </p:par>
+                            </p:childTnLst>
+                          </p:cTn>
+                        </p:par>
+                      </p:childTnLst>
+                    </p:cTn>
+                  </p:par>
+                </p:childTnLst>
+              </p:cTn>
+              <p:prevCondLst>
+                <p:cond evt="onPrev" delay="0">
+                  <p:tgtEl>
+                    <p:sldTgt/>
+                  </p:tgtEl>
+                </p:cond>
+              </p:prevCondLst>
+              <p:nextCondLst>
+                <p:cond evt="onNext" delay="0">
+                  <p:tgtEl>
+                    <p:sldTgt/>
+                  </p:tgtEl>
+                </p:cond>
+              </p:nextCondLst>
+            </p:seq>
+          </p:childTnLst>
+        </p:cTn>
       </p:par>
     </p:tnLst>
   </p:timing>
@@ -8400,7 +9305,337 @@
   <p:timing>
     <p:tnLst>
       <p:par>
-        <p:cTn id="1" dur="indefinite" restart="never" nodeType="tmRoot"/>
+        <p:cTn id="1" dur="indefinite" restart="never" nodeType="tmRoot">
+          <p:childTnLst>
+            <p:seq concurrent="1" nextAc="seek">
+              <p:cTn id="2" dur="indefinite" nodeType="mainSeq">
+                <p:childTnLst>
+                  <p:par>
+                    <p:cTn id="3" fill="hold">
+                      <p:stCondLst>
+                        <p:cond delay="indefinite"/>
+                      </p:stCondLst>
+                      <p:childTnLst>
+                        <p:par>
+                          <p:cTn id="4" fill="hold">
+                            <p:stCondLst>
+                              <p:cond delay="0"/>
+                            </p:stCondLst>
+                            <p:childTnLst>
+                              <p:par>
+                                <p:cTn id="5" presetID="1" presetClass="entr" presetSubtype="0" fill="hold" nodeType="clickEffect">
+                                  <p:stCondLst>
+                                    <p:cond delay="0"/>
+                                  </p:stCondLst>
+                                  <p:childTnLst>
+                                    <p:set>
+                                      <p:cBhvr>
+                                        <p:cTn id="6" dur="1" fill="hold">
+                                          <p:stCondLst>
+                                            <p:cond delay="0"/>
+                                          </p:stCondLst>
+                                        </p:cTn>
+                                        <p:tgtEl>
+                                          <p:spTgt spid="3">
+                                            <p:txEl>
+                                              <p:pRg st="0" end="0"/>
+                                            </p:txEl>
+                                          </p:spTgt>
+                                        </p:tgtEl>
+                                        <p:attrNameLst>
+                                          <p:attrName>style.visibility</p:attrName>
+                                        </p:attrNameLst>
+                                      </p:cBhvr>
+                                      <p:to>
+                                        <p:strVal val="visible"/>
+                                      </p:to>
+                                    </p:set>
+                                  </p:childTnLst>
+                                </p:cTn>
+                              </p:par>
+                              <p:par>
+                                <p:cTn id="7" presetID="1" presetClass="entr" presetSubtype="0" fill="hold" nodeType="withEffect">
+                                  <p:stCondLst>
+                                    <p:cond delay="0"/>
+                                  </p:stCondLst>
+                                  <p:childTnLst>
+                                    <p:set>
+                                      <p:cBhvr>
+                                        <p:cTn id="8" dur="1" fill="hold">
+                                          <p:stCondLst>
+                                            <p:cond delay="0"/>
+                                          </p:stCondLst>
+                                        </p:cTn>
+                                        <p:tgtEl>
+                                          <p:spTgt spid="3">
+                                            <p:txEl>
+                                              <p:pRg st="1" end="1"/>
+                                            </p:txEl>
+                                          </p:spTgt>
+                                        </p:tgtEl>
+                                        <p:attrNameLst>
+                                          <p:attrName>style.visibility</p:attrName>
+                                        </p:attrNameLst>
+                                      </p:cBhvr>
+                                      <p:to>
+                                        <p:strVal val="visible"/>
+                                      </p:to>
+                                    </p:set>
+                                  </p:childTnLst>
+                                </p:cTn>
+                              </p:par>
+                            </p:childTnLst>
+                          </p:cTn>
+                        </p:par>
+                      </p:childTnLst>
+                    </p:cTn>
+                  </p:par>
+                  <p:par>
+                    <p:cTn id="9" fill="hold">
+                      <p:stCondLst>
+                        <p:cond delay="indefinite"/>
+                      </p:stCondLst>
+                      <p:childTnLst>
+                        <p:par>
+                          <p:cTn id="10" fill="hold">
+                            <p:stCondLst>
+                              <p:cond delay="0"/>
+                            </p:stCondLst>
+                            <p:childTnLst>
+                              <p:par>
+                                <p:cTn id="11" presetID="1" presetClass="entr" presetSubtype="0" fill="hold" nodeType="clickEffect">
+                                  <p:stCondLst>
+                                    <p:cond delay="0"/>
+                                  </p:stCondLst>
+                                  <p:childTnLst>
+                                    <p:set>
+                                      <p:cBhvr>
+                                        <p:cTn id="12" dur="1" fill="hold">
+                                          <p:stCondLst>
+                                            <p:cond delay="0"/>
+                                          </p:stCondLst>
+                                        </p:cTn>
+                                        <p:tgtEl>
+                                          <p:spTgt spid="3">
+                                            <p:txEl>
+                                              <p:pRg st="2" end="2"/>
+                                            </p:txEl>
+                                          </p:spTgt>
+                                        </p:tgtEl>
+                                        <p:attrNameLst>
+                                          <p:attrName>style.visibility</p:attrName>
+                                        </p:attrNameLst>
+                                      </p:cBhvr>
+                                      <p:to>
+                                        <p:strVal val="visible"/>
+                                      </p:to>
+                                    </p:set>
+                                  </p:childTnLst>
+                                </p:cTn>
+                              </p:par>
+                              <p:par>
+                                <p:cTn id="13" presetID="1" presetClass="entr" presetSubtype="0" fill="hold" nodeType="withEffect">
+                                  <p:stCondLst>
+                                    <p:cond delay="0"/>
+                                  </p:stCondLst>
+                                  <p:childTnLst>
+                                    <p:set>
+                                      <p:cBhvr>
+                                        <p:cTn id="14" dur="1" fill="hold">
+                                          <p:stCondLst>
+                                            <p:cond delay="0"/>
+                                          </p:stCondLst>
+                                        </p:cTn>
+                                        <p:tgtEl>
+                                          <p:spTgt spid="3">
+                                            <p:txEl>
+                                              <p:pRg st="3" end="3"/>
+                                            </p:txEl>
+                                          </p:spTgt>
+                                        </p:tgtEl>
+                                        <p:attrNameLst>
+                                          <p:attrName>style.visibility</p:attrName>
+                                        </p:attrNameLst>
+                                      </p:cBhvr>
+                                      <p:to>
+                                        <p:strVal val="visible"/>
+                                      </p:to>
+                                    </p:set>
+                                  </p:childTnLst>
+                                </p:cTn>
+                              </p:par>
+                            </p:childTnLst>
+                          </p:cTn>
+                        </p:par>
+                      </p:childTnLst>
+                    </p:cTn>
+                  </p:par>
+                  <p:par>
+                    <p:cTn id="15" fill="hold">
+                      <p:stCondLst>
+                        <p:cond delay="indefinite"/>
+                      </p:stCondLst>
+                      <p:childTnLst>
+                        <p:par>
+                          <p:cTn id="16" fill="hold">
+                            <p:stCondLst>
+                              <p:cond delay="0"/>
+                            </p:stCondLst>
+                            <p:childTnLst>
+                              <p:par>
+                                <p:cTn id="17" presetID="1" presetClass="entr" presetSubtype="0" fill="hold" nodeType="clickEffect">
+                                  <p:stCondLst>
+                                    <p:cond delay="0"/>
+                                  </p:stCondLst>
+                                  <p:childTnLst>
+                                    <p:set>
+                                      <p:cBhvr>
+                                        <p:cTn id="18" dur="1" fill="hold">
+                                          <p:stCondLst>
+                                            <p:cond delay="0"/>
+                                          </p:stCondLst>
+                                        </p:cTn>
+                                        <p:tgtEl>
+                                          <p:spTgt spid="3">
+                                            <p:txEl>
+                                              <p:pRg st="4" end="4"/>
+                                            </p:txEl>
+                                          </p:spTgt>
+                                        </p:tgtEl>
+                                        <p:attrNameLst>
+                                          <p:attrName>style.visibility</p:attrName>
+                                        </p:attrNameLst>
+                                      </p:cBhvr>
+                                      <p:to>
+                                        <p:strVal val="visible"/>
+                                      </p:to>
+                                    </p:set>
+                                  </p:childTnLst>
+                                </p:cTn>
+                              </p:par>
+                            </p:childTnLst>
+                          </p:cTn>
+                        </p:par>
+                      </p:childTnLst>
+                    </p:cTn>
+                  </p:par>
+                  <p:par>
+                    <p:cTn id="19" fill="hold">
+                      <p:stCondLst>
+                        <p:cond delay="indefinite"/>
+                      </p:stCondLst>
+                      <p:childTnLst>
+                        <p:par>
+                          <p:cTn id="20" fill="hold">
+                            <p:stCondLst>
+                              <p:cond delay="0"/>
+                            </p:stCondLst>
+                            <p:childTnLst>
+                              <p:par>
+                                <p:cTn id="21" presetID="1" presetClass="entr" presetSubtype="0" fill="hold" nodeType="clickEffect">
+                                  <p:stCondLst>
+                                    <p:cond delay="0"/>
+                                  </p:stCondLst>
+                                  <p:childTnLst>
+                                    <p:set>
+                                      <p:cBhvr>
+                                        <p:cTn id="22" dur="1" fill="hold">
+                                          <p:stCondLst>
+                                            <p:cond delay="0"/>
+                                          </p:stCondLst>
+                                        </p:cTn>
+                                        <p:tgtEl>
+                                          <p:spTgt spid="3">
+                                            <p:txEl>
+                                              <p:pRg st="5" end="5"/>
+                                            </p:txEl>
+                                          </p:spTgt>
+                                        </p:tgtEl>
+                                        <p:attrNameLst>
+                                          <p:attrName>style.visibility</p:attrName>
+                                        </p:attrNameLst>
+                                      </p:cBhvr>
+                                      <p:to>
+                                        <p:strVal val="visible"/>
+                                      </p:to>
+                                    </p:set>
+                                  </p:childTnLst>
+                                </p:cTn>
+                              </p:par>
+                            </p:childTnLst>
+                          </p:cTn>
+                        </p:par>
+                      </p:childTnLst>
+                    </p:cTn>
+                  </p:par>
+                  <p:par>
+                    <p:cTn id="23" fill="hold">
+                      <p:stCondLst>
+                        <p:cond delay="indefinite"/>
+                      </p:stCondLst>
+                      <p:childTnLst>
+                        <p:par>
+                          <p:cTn id="24" fill="hold">
+                            <p:stCondLst>
+                              <p:cond delay="0"/>
+                            </p:stCondLst>
+                            <p:childTnLst>
+                              <p:par>
+                                <p:cTn id="25" presetID="1" presetClass="entr" presetSubtype="0" fill="hold" nodeType="clickEffect">
+                                  <p:stCondLst>
+                                    <p:cond delay="0"/>
+                                  </p:stCondLst>
+                                  <p:childTnLst>
+                                    <p:set>
+                                      <p:cBhvr>
+                                        <p:cTn id="26" dur="1" fill="hold">
+                                          <p:stCondLst>
+                                            <p:cond delay="0"/>
+                                          </p:stCondLst>
+                                        </p:cTn>
+                                        <p:tgtEl>
+                                          <p:spTgt spid="3">
+                                            <p:txEl>
+                                              <p:pRg st="6" end="6"/>
+                                            </p:txEl>
+                                          </p:spTgt>
+                                        </p:tgtEl>
+                                        <p:attrNameLst>
+                                          <p:attrName>style.visibility</p:attrName>
+                                        </p:attrNameLst>
+                                      </p:cBhvr>
+                                      <p:to>
+                                        <p:strVal val="visible"/>
+                                      </p:to>
+                                    </p:set>
+                                  </p:childTnLst>
+                                </p:cTn>
+                              </p:par>
+                            </p:childTnLst>
+                          </p:cTn>
+                        </p:par>
+                      </p:childTnLst>
+                    </p:cTn>
+                  </p:par>
+                </p:childTnLst>
+              </p:cTn>
+              <p:prevCondLst>
+                <p:cond evt="onPrev" delay="0">
+                  <p:tgtEl>
+                    <p:sldTgt/>
+                  </p:tgtEl>
+                </p:cond>
+              </p:prevCondLst>
+              <p:nextCondLst>
+                <p:cond evt="onNext" delay="0">
+                  <p:tgtEl>
+                    <p:sldTgt/>
+                  </p:tgtEl>
+                </p:cond>
+              </p:nextCondLst>
+            </p:seq>
+          </p:childTnLst>
+        </p:cTn>
       </p:par>
     </p:tnLst>
   </p:timing>
@@ -8441,7 +9676,11 @@
           <a:p>
             <a:r>
               <a:rPr lang="de-DE" dirty="0" smtClean="0"/>
-              <a:t>Vielen Dank</a:t>
+              <a:t>Vielen </a:t>
+            </a:r>
+            <a:r>
+              <a:rPr lang="de-DE" dirty="0" smtClean="0"/>
+              <a:t>Dank!</a:t>
             </a:r>
             <a:endParaRPr lang="de-DE" dirty="0"/>
           </a:p>
@@ -8449,45 +9688,27 @@
       </p:sp>
       <p:pic>
         <p:nvPicPr>
-          <p:cNvPr id="1026" name="Picture 2" descr="http://www.in.tum.de/fileadmin/user_upload/Oeffentlichkeitsarbeit/Fakultaetsevents/2012/Tag_der_Informatik/Tag_der_Informatik.jpg"/>
+          <p:cNvPr id="4" name="Inhaltsplatzhalter 3"/>
           <p:cNvPicPr>
-            <a:picLocks noGrp="1" noChangeAspect="1" noChangeArrowheads="1"/>
+            <a:picLocks noGrp="1" noChangeAspect="1"/>
           </p:cNvPicPr>
           <p:nvPr>
             <p:ph idx="1"/>
           </p:nvPr>
         </p:nvPicPr>
-        <p:blipFill>
-          <a:blip r:embed="rId3">
-            <a:extLst>
-              <a:ext uri="{28A0092B-C50C-407E-A947-70E740481C1C}">
-                <a14:useLocalDpi xmlns:a14="http://schemas.microsoft.com/office/drawing/2010/main" val="0"/>
-              </a:ext>
-            </a:extLst>
-          </a:blip>
-          <a:srcRect/>
-          <a:stretch>
-            <a:fillRect/>
-          </a:stretch>
+        <p:blipFill rotWithShape="1">
+          <a:blip r:embed="rId3"/>
+          <a:srcRect l="18494" t="24356" r="18756" b="14936"/>
+          <a:stretch/>
         </p:blipFill>
-        <p:spPr bwMode="auto">
+        <p:spPr>
           <a:xfrm>
-            <a:off x="2832496" y="1825625"/>
-            <a:ext cx="6527007" cy="4351338"/>
+            <a:off x="1501023" y="1528128"/>
+            <a:ext cx="9189953" cy="4998721"/>
           </a:xfrm>
           <a:prstGeom prst="rect">
             <a:avLst/>
           </a:prstGeom>
-          <a:noFill/>
-          <a:extLst>
-            <a:ext uri="{909E8E84-426E-40DD-AFC4-6F175D3DCCD1}">
-              <a14:hiddenFill xmlns:a14="http://schemas.microsoft.com/office/drawing/2010/main">
-                <a:solidFill>
-                  <a:srgbClr val="FFFFFF"/>
-                </a:solidFill>
-              </a14:hiddenFill>
-            </a:ext>
-          </a:extLst>
         </p:spPr>
       </p:pic>
     </p:spTree>
@@ -8596,78 +9817,93 @@
           </a:p>
         </p:txBody>
       </p:sp>
-      <p:sp>
-        <p:nvSpPr>
-          <p:cNvPr id="4" name="Textfeld 3"/>
-          <p:cNvSpPr txBox="1"/>
+      <p:grpSp>
+        <p:nvGrpSpPr>
+          <p:cNvPr id="5" name="Gruppieren 4"/>
+          <p:cNvGrpSpPr/>
           <p:nvPr/>
-        </p:nvSpPr>
-        <p:spPr>
+        </p:nvGrpSpPr>
+        <p:grpSpPr>
           <a:xfrm>
-            <a:off x="3176334" y="5674091"/>
-            <a:ext cx="5839327" cy="707886"/>
+            <a:off x="3176334" y="3865036"/>
+            <a:ext cx="5839327" cy="2516941"/>
+            <a:chOff x="3176334" y="3865036"/>
+            <a:chExt cx="5839327" cy="2516941"/>
           </a:xfrm>
-          <a:prstGeom prst="rect">
-            <a:avLst/>
-          </a:prstGeom>
-          <a:noFill/>
-        </p:spPr>
-        <p:txBody>
-          <a:bodyPr wrap="square" rtlCol="0">
-            <a:spAutoFit/>
-          </a:bodyPr>
-          <a:lstStyle/>
-          <a:p>
-            <a:pPr algn="ctr"/>
-            <a:r>
-              <a:rPr lang="de-DE" sz="4000" dirty="0" smtClean="0"/>
-              <a:t>Verifikation!</a:t>
-            </a:r>
-            <a:endParaRPr lang="de-DE" sz="4000" dirty="0"/>
-          </a:p>
-        </p:txBody>
-      </p:sp>
-      <p:pic>
-        <p:nvPicPr>
-          <p:cNvPr id="1026" name="Picture 2" descr="Isabelle home"/>
-          <p:cNvPicPr>
-            <a:picLocks noChangeAspect="1" noChangeArrowheads="1"/>
-          </p:cNvPicPr>
-          <p:nvPr/>
-        </p:nvPicPr>
-        <p:blipFill>
-          <a:blip r:embed="rId3">
+        </p:grpSpPr>
+        <p:sp>
+          <p:nvSpPr>
+            <p:cNvPr id="4" name="Textfeld 3"/>
+            <p:cNvSpPr txBox="1"/>
+            <p:nvPr/>
+          </p:nvSpPr>
+          <p:spPr>
+            <a:xfrm>
+              <a:off x="3176334" y="5674091"/>
+              <a:ext cx="5839327" cy="707886"/>
+            </a:xfrm>
+            <a:prstGeom prst="rect">
+              <a:avLst/>
+            </a:prstGeom>
+            <a:noFill/>
+          </p:spPr>
+          <p:txBody>
+            <a:bodyPr wrap="square" rtlCol="0">
+              <a:spAutoFit/>
+            </a:bodyPr>
+            <a:lstStyle/>
+            <a:p>
+              <a:pPr algn="ctr"/>
+              <a:r>
+                <a:rPr lang="de-DE" sz="4000" dirty="0" smtClean="0"/>
+                <a:t>Verifikation!</a:t>
+              </a:r>
+              <a:endParaRPr lang="de-DE" sz="4000" dirty="0"/>
+            </a:p>
+          </p:txBody>
+        </p:sp>
+        <p:pic>
+          <p:nvPicPr>
+            <p:cNvPr id="1026" name="Picture 2" descr="Isabelle home"/>
+            <p:cNvPicPr>
+              <a:picLocks noChangeAspect="1" noChangeArrowheads="1"/>
+            </p:cNvPicPr>
+            <p:nvPr/>
+          </p:nvPicPr>
+          <p:blipFill>
+            <a:blip r:embed="rId3">
+              <a:extLst>
+                <a:ext uri="{28A0092B-C50C-407E-A947-70E740481C1C}">
+                  <a14:useLocalDpi xmlns:a14="http://schemas.microsoft.com/office/drawing/2010/main" val="0"/>
+                </a:ext>
+              </a:extLst>
+            </a:blip>
+            <a:srcRect/>
+            <a:stretch>
+              <a:fillRect/>
+            </a:stretch>
+          </p:blipFill>
+          <p:spPr bwMode="auto">
+            <a:xfrm>
+              <a:off x="5125371" y="3865036"/>
+              <a:ext cx="1941251" cy="1702852"/>
+            </a:xfrm>
+            <a:prstGeom prst="rect">
+              <a:avLst/>
+            </a:prstGeom>
+            <a:noFill/>
             <a:extLst>
-              <a:ext uri="{28A0092B-C50C-407E-A947-70E740481C1C}">
-                <a14:useLocalDpi xmlns:a14="http://schemas.microsoft.com/office/drawing/2010/main" val="0"/>
+              <a:ext uri="{909E8E84-426E-40DD-AFC4-6F175D3DCCD1}">
+                <a14:hiddenFill xmlns:a14="http://schemas.microsoft.com/office/drawing/2010/main">
+                  <a:solidFill>
+                    <a:srgbClr val="FFFFFF"/>
+                  </a:solidFill>
+                </a14:hiddenFill>
               </a:ext>
             </a:extLst>
-          </a:blip>
-          <a:srcRect/>
-          <a:stretch>
-            <a:fillRect/>
-          </a:stretch>
-        </p:blipFill>
-        <p:spPr bwMode="auto">
-          <a:xfrm>
-            <a:off x="5125371" y="3865036"/>
-            <a:ext cx="1941251" cy="1702852"/>
-          </a:xfrm>
-          <a:prstGeom prst="rect">
-            <a:avLst/>
-          </a:prstGeom>
-          <a:noFill/>
-          <a:extLst>
-            <a:ext uri="{909E8E84-426E-40DD-AFC4-6F175D3DCCD1}">
-              <a14:hiddenFill xmlns:a14="http://schemas.microsoft.com/office/drawing/2010/main">
-                <a:solidFill>
-                  <a:srgbClr val="FFFFFF"/>
-                </a:solidFill>
-              </a14:hiddenFill>
-            </a:ext>
-          </a:extLst>
-        </p:spPr>
-      </p:pic>
+          </p:spPr>
+        </p:pic>
+      </p:grpSp>
     </p:spTree>
     <p:extLst>
       <p:ext uri="{BB962C8B-B14F-4D97-AF65-F5344CB8AC3E}">
@@ -8833,6 +10069,51 @@
                       </p:childTnLst>
                     </p:cTn>
                   </p:par>
+                  <p:par>
+                    <p:cTn id="15" fill="hold">
+                      <p:stCondLst>
+                        <p:cond delay="indefinite"/>
+                      </p:stCondLst>
+                      <p:childTnLst>
+                        <p:par>
+                          <p:cTn id="16" fill="hold">
+                            <p:stCondLst>
+                              <p:cond delay="0"/>
+                            </p:stCondLst>
+                            <p:childTnLst>
+                              <p:par>
+                                <p:cTn id="17" presetID="1" presetClass="entr" presetSubtype="0" fill="hold" nodeType="clickEffect">
+                                  <p:stCondLst>
+                                    <p:cond delay="0"/>
+                                  </p:stCondLst>
+                                  <p:childTnLst>
+                                    <p:set>
+                                      <p:cBhvr>
+                                        <p:cTn id="18" dur="1" fill="hold">
+                                          <p:stCondLst>
+                                            <p:cond delay="0"/>
+                                          </p:stCondLst>
+                                        </p:cTn>
+                                        <p:tgtEl>
+                                          <p:spTgt spid="5"/>
+                                        </p:tgtEl>
+                                        <p:attrNameLst>
+                                          <p:attrName>style.visibility</p:attrName>
+                                        </p:attrNameLst>
+                                      </p:cBhvr>
+                                      <p:to>
+                                        <p:strVal val="visible"/>
+                                      </p:to>
+                                    </p:set>
+                                  </p:childTnLst>
+                                </p:cTn>
+                              </p:par>
+                            </p:childTnLst>
+                          </p:cTn>
+                        </p:par>
+                      </p:childTnLst>
+                    </p:cTn>
+                  </p:par>
                 </p:childTnLst>
               </p:cTn>
               <p:prevCondLst>
@@ -8852,71 +10133,6 @@
             </p:seq>
           </p:childTnLst>
         </p:cTn>
-      </p:par>
-    </p:tnLst>
-  </p:timing>
-</p:sld>
-</file>
-
-<file path=ppt/slides/slide20.xml><?xml version="1.0" encoding="utf-8"?>
-<p:sld xmlns:a="http://schemas.openxmlformats.org/drawingml/2006/main" xmlns:r="http://schemas.openxmlformats.org/officeDocument/2006/relationships" xmlns:p="http://schemas.openxmlformats.org/presentationml/2006/main">
-  <p:cSld>
-    <p:spTree>
-      <p:nvGrpSpPr>
-        <p:cNvPr id="1" name=""/>
-        <p:cNvGrpSpPr/>
-        <p:nvPr/>
-      </p:nvGrpSpPr>
-      <p:grpSpPr>
-        <a:xfrm>
-          <a:off x="0" y="0"/>
-          <a:ext cx="0" cy="0"/>
-          <a:chOff x="0" y="0"/>
-          <a:chExt cx="0" cy="0"/>
-        </a:xfrm>
-      </p:grpSpPr>
-      <p:sp>
-        <p:nvSpPr>
-          <p:cNvPr id="2" name="Titel 1"/>
-          <p:cNvSpPr>
-            <a:spLocks noGrp="1"/>
-          </p:cNvSpPr>
-          <p:nvPr>
-            <p:ph type="title"/>
-          </p:nvPr>
-        </p:nvSpPr>
-        <p:spPr>
-          <a:xfrm>
-            <a:off x="4207042" y="2696828"/>
-            <a:ext cx="10515600" cy="1325563"/>
-          </a:xfrm>
-        </p:spPr>
-        <p:txBody>
-          <a:bodyPr/>
-          <a:lstStyle/>
-          <a:p>
-            <a:r>
-              <a:rPr lang="de-DE" dirty="0" smtClean="0"/>
-              <a:t>Vielen Dank!</a:t>
-            </a:r>
-            <a:endParaRPr lang="de-DE" dirty="0"/>
-          </a:p>
-        </p:txBody>
-      </p:sp>
-    </p:spTree>
-    <p:extLst>
-      <p:ext uri="{BB962C8B-B14F-4D97-AF65-F5344CB8AC3E}">
-        <p14:creationId xmlns:p14="http://schemas.microsoft.com/office/powerpoint/2010/main" val="1236574619"/>
-      </p:ext>
-    </p:extLst>
-  </p:cSld>
-  <p:clrMapOvr>
-    <a:masterClrMapping/>
-  </p:clrMapOvr>
-  <p:timing>
-    <p:tnLst>
-      <p:par>
-        <p:cTn id="1" dur="indefinite" restart="never" nodeType="tmRoot"/>
       </p:par>
     </p:tnLst>
   </p:timing>
@@ -11465,7 +12681,7 @@
         </p:blipFill>
         <p:spPr>
           <a:xfrm>
-            <a:off x="838200" y="2649728"/>
+            <a:off x="838200" y="3337991"/>
             <a:ext cx="6842760" cy="2455672"/>
           </a:xfrm>
           <a:prstGeom prst="rect">
@@ -11488,8 +12704,31 @@
         </p:blipFill>
         <p:spPr>
           <a:xfrm>
-            <a:off x="838200" y="2649728"/>
+            <a:off x="838200" y="3337991"/>
             <a:ext cx="6842760" cy="2907054"/>
+          </a:xfrm>
+          <a:prstGeom prst="rect">
+            <a:avLst/>
+          </a:prstGeom>
+        </p:spPr>
+      </p:pic>
+      <p:pic>
+        <p:nvPicPr>
+          <p:cNvPr id="4" name="Grafik 3"/>
+          <p:cNvPicPr>
+            <a:picLocks noChangeAspect="1"/>
+          </p:cNvPicPr>
+          <p:nvPr/>
+        </p:nvPicPr>
+        <p:blipFill rotWithShape="1">
+          <a:blip r:embed="rId4"/>
+          <a:srcRect l="25487" t="48438" r="56065" b="48660"/>
+          <a:stretch/>
+        </p:blipFill>
+        <p:spPr>
+          <a:xfrm>
+            <a:off x="838200" y="2781157"/>
+            <a:ext cx="3407229" cy="301319"/>
           </a:xfrm>
           <a:prstGeom prst="rect">
             <a:avLst/>
@@ -11585,7 +12824,7 @@
                                           </p:stCondLst>
                                         </p:cTn>
                                         <p:tgtEl>
-                                          <p:spTgt spid="6"/>
+                                          <p:spTgt spid="4"/>
                                         </p:tgtEl>
                                         <p:attrNameLst>
                                           <p:attrName>style.visibility</p:attrName>
@@ -11625,6 +12864,51 @@
                                     <p:set>
                                       <p:cBhvr>
                                         <p:cTn id="14" dur="1" fill="hold">
+                                          <p:stCondLst>
+                                            <p:cond delay="0"/>
+                                          </p:stCondLst>
+                                        </p:cTn>
+                                        <p:tgtEl>
+                                          <p:spTgt spid="6"/>
+                                        </p:tgtEl>
+                                        <p:attrNameLst>
+                                          <p:attrName>style.visibility</p:attrName>
+                                        </p:attrNameLst>
+                                      </p:cBhvr>
+                                      <p:to>
+                                        <p:strVal val="visible"/>
+                                      </p:to>
+                                    </p:set>
+                                  </p:childTnLst>
+                                </p:cTn>
+                              </p:par>
+                            </p:childTnLst>
+                          </p:cTn>
+                        </p:par>
+                      </p:childTnLst>
+                    </p:cTn>
+                  </p:par>
+                  <p:par>
+                    <p:cTn id="15" fill="hold">
+                      <p:stCondLst>
+                        <p:cond delay="indefinite"/>
+                      </p:stCondLst>
+                      <p:childTnLst>
+                        <p:par>
+                          <p:cTn id="16" fill="hold">
+                            <p:stCondLst>
+                              <p:cond delay="0"/>
+                            </p:stCondLst>
+                            <p:childTnLst>
+                              <p:par>
+                                <p:cTn id="17" presetID="1" presetClass="entr" presetSubtype="0" fill="hold" nodeType="clickEffect">
+                                  <p:stCondLst>
+                                    <p:cond delay="0"/>
+                                  </p:stCondLst>
+                                  <p:childTnLst>
+                                    <p:set>
+                                      <p:cBhvr>
+                                        <p:cTn id="18" dur="1" fill="hold">
                                           <p:stCondLst>
                                             <p:cond delay="0"/>
                                           </p:stCondLst>
@@ -12678,4 +13962,265 @@
     </a:ext>
   </a:extLst>
 </a:theme>
+</file>
+
+<file path=ppt/theme/theme3.xml><?xml version="1.0" encoding="utf-8"?>
+<a:theme xmlns:a="http://schemas.openxmlformats.org/drawingml/2006/main" name="Office Theme">
+  <a:themeElements>
+    <a:clrScheme name="Office">
+      <a:dk1>
+        <a:sysClr val="windowText" lastClr="000000"/>
+      </a:dk1>
+      <a:lt1>
+        <a:sysClr val="window" lastClr="FFFFFF"/>
+      </a:lt1>
+      <a:dk2>
+        <a:srgbClr val="44546A"/>
+      </a:dk2>
+      <a:lt2>
+        <a:srgbClr val="E7E6E6"/>
+      </a:lt2>
+      <a:accent1>
+        <a:srgbClr val="5B9BD5"/>
+      </a:accent1>
+      <a:accent2>
+        <a:srgbClr val="ED7D31"/>
+      </a:accent2>
+      <a:accent3>
+        <a:srgbClr val="A5A5A5"/>
+      </a:accent3>
+      <a:accent4>
+        <a:srgbClr val="FFC000"/>
+      </a:accent4>
+      <a:accent5>
+        <a:srgbClr val="4472C4"/>
+      </a:accent5>
+      <a:accent6>
+        <a:srgbClr val="70AD47"/>
+      </a:accent6>
+      <a:hlink>
+        <a:srgbClr val="0563C1"/>
+      </a:hlink>
+      <a:folHlink>
+        <a:srgbClr val="954F72"/>
+      </a:folHlink>
+    </a:clrScheme>
+    <a:fontScheme name="Office">
+      <a:majorFont>
+        <a:latin typeface="Calibri Light" panose="020F0302020204030204"/>
+        <a:ea typeface=""/>
+        <a:cs typeface=""/>
+        <a:font script="Jpan" typeface="ＭＳ Ｐゴシック"/>
+        <a:font script="Hang" typeface="맑은 고딕"/>
+        <a:font script="Hans" typeface="宋体"/>
+        <a:font script="Hant" typeface="新細明體"/>
+        <a:font script="Arab" typeface="Times New Roman"/>
+        <a:font script="Hebr" typeface="Times New Roman"/>
+        <a:font script="Thai" typeface="Angsana New"/>
+        <a:font script="Ethi" typeface="Nyala"/>
+        <a:font script="Beng" typeface="Vrinda"/>
+        <a:font script="Gujr" typeface="Shruti"/>
+        <a:font script="Khmr" typeface="MoolBoran"/>
+        <a:font script="Knda" typeface="Tunga"/>
+        <a:font script="Guru" typeface="Raavi"/>
+        <a:font script="Cans" typeface="Euphemia"/>
+        <a:font script="Cher" typeface="Plantagenet Cherokee"/>
+        <a:font script="Yiii" typeface="Microsoft Yi Baiti"/>
+        <a:font script="Tibt" typeface="Microsoft Himalaya"/>
+        <a:font script="Thaa" typeface="MV Boli"/>
+        <a:font script="Deva" typeface="Mangal"/>
+        <a:font script="Telu" typeface="Gautami"/>
+        <a:font script="Taml" typeface="Latha"/>
+        <a:font script="Syrc" typeface="Estrangelo Edessa"/>
+        <a:font script="Orya" typeface="Kalinga"/>
+        <a:font script="Mlym" typeface="Kartika"/>
+        <a:font script="Laoo" typeface="DokChampa"/>
+        <a:font script="Sinh" typeface="Iskoola Pota"/>
+        <a:font script="Mong" typeface="Mongolian Baiti"/>
+        <a:font script="Viet" typeface="Times New Roman"/>
+        <a:font script="Uigh" typeface="Microsoft Uighur"/>
+        <a:font script="Geor" typeface="Sylfaen"/>
+      </a:majorFont>
+      <a:minorFont>
+        <a:latin typeface="Calibri" panose="020F0502020204030204"/>
+        <a:ea typeface=""/>
+        <a:cs typeface=""/>
+        <a:font script="Jpan" typeface="ＭＳ Ｐゴシック"/>
+        <a:font script="Hang" typeface="맑은 고딕"/>
+        <a:font script="Hans" typeface="宋体"/>
+        <a:font script="Hant" typeface="新細明體"/>
+        <a:font script="Arab" typeface="Arial"/>
+        <a:font script="Hebr" typeface="Arial"/>
+        <a:font script="Thai" typeface="Cordia New"/>
+        <a:font script="Ethi" typeface="Nyala"/>
+        <a:font script="Beng" typeface="Vrinda"/>
+        <a:font script="Gujr" typeface="Shruti"/>
+        <a:font script="Khmr" typeface="DaunPenh"/>
+        <a:font script="Knda" typeface="Tunga"/>
+        <a:font script="Guru" typeface="Raavi"/>
+        <a:font script="Cans" typeface="Euphemia"/>
+        <a:font script="Cher" typeface="Plantagenet Cherokee"/>
+        <a:font script="Yiii" typeface="Microsoft Yi Baiti"/>
+        <a:font script="Tibt" typeface="Microsoft Himalaya"/>
+        <a:font script="Thaa" typeface="MV Boli"/>
+        <a:font script="Deva" typeface="Mangal"/>
+        <a:font script="Telu" typeface="Gautami"/>
+        <a:font script="Taml" typeface="Latha"/>
+        <a:font script="Syrc" typeface="Estrangelo Edessa"/>
+        <a:font script="Orya" typeface="Kalinga"/>
+        <a:font script="Mlym" typeface="Kartika"/>
+        <a:font script="Laoo" typeface="DokChampa"/>
+        <a:font script="Sinh" typeface="Iskoola Pota"/>
+        <a:font script="Mong" typeface="Mongolian Baiti"/>
+        <a:font script="Viet" typeface="Arial"/>
+        <a:font script="Uigh" typeface="Microsoft Uighur"/>
+        <a:font script="Geor" typeface="Sylfaen"/>
+      </a:minorFont>
+    </a:fontScheme>
+    <a:fmtScheme name="Office">
+      <a:fillStyleLst>
+        <a:solidFill>
+          <a:schemeClr val="phClr"/>
+        </a:solidFill>
+        <a:gradFill rotWithShape="1">
+          <a:gsLst>
+            <a:gs pos="0">
+              <a:schemeClr val="phClr">
+                <a:lumMod val="110000"/>
+                <a:satMod val="105000"/>
+                <a:tint val="67000"/>
+              </a:schemeClr>
+            </a:gs>
+            <a:gs pos="50000">
+              <a:schemeClr val="phClr">
+                <a:lumMod val="105000"/>
+                <a:satMod val="103000"/>
+                <a:tint val="73000"/>
+              </a:schemeClr>
+            </a:gs>
+            <a:gs pos="100000">
+              <a:schemeClr val="phClr">
+                <a:lumMod val="105000"/>
+                <a:satMod val="109000"/>
+                <a:tint val="81000"/>
+              </a:schemeClr>
+            </a:gs>
+          </a:gsLst>
+          <a:lin ang="5400000" scaled="0"/>
+        </a:gradFill>
+        <a:gradFill rotWithShape="1">
+          <a:gsLst>
+            <a:gs pos="0">
+              <a:schemeClr val="phClr">
+                <a:satMod val="103000"/>
+                <a:lumMod val="102000"/>
+                <a:tint val="94000"/>
+              </a:schemeClr>
+            </a:gs>
+            <a:gs pos="50000">
+              <a:schemeClr val="phClr">
+                <a:satMod val="110000"/>
+                <a:lumMod val="100000"/>
+                <a:shade val="100000"/>
+              </a:schemeClr>
+            </a:gs>
+            <a:gs pos="100000">
+              <a:schemeClr val="phClr">
+                <a:lumMod val="99000"/>
+                <a:satMod val="120000"/>
+                <a:shade val="78000"/>
+              </a:schemeClr>
+            </a:gs>
+          </a:gsLst>
+          <a:lin ang="5400000" scaled="0"/>
+        </a:gradFill>
+      </a:fillStyleLst>
+      <a:lnStyleLst>
+        <a:ln w="6350" cap="flat" cmpd="sng" algn="ctr">
+          <a:solidFill>
+            <a:schemeClr val="phClr"/>
+          </a:solidFill>
+          <a:prstDash val="solid"/>
+          <a:miter lim="800000"/>
+        </a:ln>
+        <a:ln w="12700" cap="flat" cmpd="sng" algn="ctr">
+          <a:solidFill>
+            <a:schemeClr val="phClr"/>
+          </a:solidFill>
+          <a:prstDash val="solid"/>
+          <a:miter lim="800000"/>
+        </a:ln>
+        <a:ln w="19050" cap="flat" cmpd="sng" algn="ctr">
+          <a:solidFill>
+            <a:schemeClr val="phClr"/>
+          </a:solidFill>
+          <a:prstDash val="solid"/>
+          <a:miter lim="800000"/>
+        </a:ln>
+      </a:lnStyleLst>
+      <a:effectStyleLst>
+        <a:effectStyle>
+          <a:effectLst/>
+        </a:effectStyle>
+        <a:effectStyle>
+          <a:effectLst/>
+        </a:effectStyle>
+        <a:effectStyle>
+          <a:effectLst>
+            <a:outerShdw blurRad="57150" dist="19050" dir="5400000" algn="ctr" rotWithShape="0">
+              <a:srgbClr val="000000">
+                <a:alpha val="63000"/>
+              </a:srgbClr>
+            </a:outerShdw>
+          </a:effectLst>
+        </a:effectStyle>
+      </a:effectStyleLst>
+      <a:bgFillStyleLst>
+        <a:solidFill>
+          <a:schemeClr val="phClr"/>
+        </a:solidFill>
+        <a:solidFill>
+          <a:schemeClr val="phClr">
+            <a:tint val="95000"/>
+            <a:satMod val="170000"/>
+          </a:schemeClr>
+        </a:solidFill>
+        <a:gradFill rotWithShape="1">
+          <a:gsLst>
+            <a:gs pos="0">
+              <a:schemeClr val="phClr">
+                <a:tint val="93000"/>
+                <a:satMod val="150000"/>
+                <a:shade val="98000"/>
+                <a:lumMod val="102000"/>
+              </a:schemeClr>
+            </a:gs>
+            <a:gs pos="50000">
+              <a:schemeClr val="phClr">
+                <a:tint val="98000"/>
+                <a:satMod val="130000"/>
+                <a:shade val="90000"/>
+                <a:lumMod val="103000"/>
+              </a:schemeClr>
+            </a:gs>
+            <a:gs pos="100000">
+              <a:schemeClr val="phClr">
+                <a:shade val="63000"/>
+                <a:satMod val="120000"/>
+              </a:schemeClr>
+            </a:gs>
+          </a:gsLst>
+          <a:lin ang="5400000" scaled="0"/>
+        </a:gradFill>
+      </a:bgFillStyleLst>
+    </a:fmtScheme>
+  </a:themeElements>
+  <a:objectDefaults/>
+  <a:extraClrSchemeLst/>
+  <a:extLst>
+    <a:ext uri="{05A4C25C-085E-4340-85A3-A5531E510DB2}">
+      <thm15:themeFamily xmlns:thm15="http://schemas.microsoft.com/office/thememl/2012/main" name="Office Theme" id="{62F939B6-93AF-4DB8-9C6B-D6C7DFDC589F}" vid="{4A3C46E8-61CC-4603-A589-7422A47A8E4A}"/>
+    </a:ext>
+  </a:extLst>
+</a:theme>
 </file>